--- a/_memo/image/drill-list.pptx
+++ b/_memo/image/drill-list.pptx
@@ -5,10 +5,10 @@
     <p:sldMasterId id="2147483648" r:id="rId1"/>
   </p:sldMasterIdLst>
   <p:notesMasterIdLst>
-    <p:notesMasterId r:id="rId9"/>
+    <p:notesMasterId r:id="rId10"/>
   </p:notesMasterIdLst>
   <p:handoutMasterIdLst>
-    <p:handoutMasterId r:id="rId10"/>
+    <p:handoutMasterId r:id="rId11"/>
   </p:handoutMasterIdLst>
   <p:sldIdLst>
     <p:sldId id="640" r:id="rId2"/>
@@ -18,6 +18,7 @@
     <p:sldId id="705" r:id="rId6"/>
     <p:sldId id="706" r:id="rId7"/>
     <p:sldId id="707" r:id="rId8"/>
+    <p:sldId id="708" r:id="rId9"/>
   </p:sldIdLst>
   <p:sldSz cx="14400213" cy="4356100"/>
   <p:notesSz cx="6735763" cy="9866313"/>
@@ -128,6 +129,7 @@
             <p14:sldId id="705"/>
             <p14:sldId id="706"/>
             <p14:sldId id="707"/>
+            <p14:sldId id="708"/>
           </p14:sldIdLst>
         </p14:section>
         <p14:section name="アイコン" id="{E6A61129-24E8-BE4F-97F7-218E9035C89D}">
@@ -7645,108 +7647,6 @@
       </p:grpSpPr>
       <p:pic>
         <p:nvPicPr>
-          <p:cNvPr id="5" name="図 4">
-            <a:extLst>
-              <a:ext uri="{FF2B5EF4-FFF2-40B4-BE49-F238E27FC236}">
-                <a16:creationId xmlns:a16="http://schemas.microsoft.com/office/drawing/2014/main" id="{C11A4C58-754D-5B69-A73B-F46CFA097D31}"/>
-              </a:ext>
-            </a:extLst>
-          </p:cNvPr>
-          <p:cNvPicPr>
-            <a:picLocks noChangeAspect="1"/>
-          </p:cNvPicPr>
-          <p:nvPr/>
-        </p:nvPicPr>
-        <p:blipFill>
-          <a:blip r:embed="rId2"/>
-          <a:stretch>
-            <a:fillRect/>
-          </a:stretch>
-        </p:blipFill>
-        <p:spPr>
-          <a:xfrm>
-            <a:off x="3258975" y="2724163"/>
-            <a:ext cx="1814889" cy="1631937"/>
-          </a:xfrm>
-          <a:prstGeom prst="rect">
-            <a:avLst/>
-          </a:prstGeom>
-        </p:spPr>
-      </p:pic>
-      <p:pic>
-        <p:nvPicPr>
-          <p:cNvPr id="7" name="図 6">
-            <a:extLst>
-              <a:ext uri="{FF2B5EF4-FFF2-40B4-BE49-F238E27FC236}">
-                <a16:creationId xmlns:a16="http://schemas.microsoft.com/office/drawing/2014/main" id="{651CB090-F36C-3597-829A-353865560F12}"/>
-              </a:ext>
-            </a:extLst>
-          </p:cNvPr>
-          <p:cNvPicPr>
-            <a:picLocks noChangeAspect="1"/>
-          </p:cNvPicPr>
-          <p:nvPr/>
-        </p:nvPicPr>
-        <p:blipFill>
-          <a:blip r:embed="rId3">
-            <a:extLst>
-              <a:ext uri="{28A0092B-C50C-407E-A947-70E740481C1C}">
-                <a14:useLocalDpi xmlns:a14="http://schemas.microsoft.com/office/drawing/2010/main" val="0"/>
-              </a:ext>
-            </a:extLst>
-          </a:blip>
-          <a:stretch>
-            <a:fillRect/>
-          </a:stretch>
-        </p:blipFill>
-        <p:spPr>
-          <a:xfrm>
-            <a:off x="9238074" y="60374"/>
-            <a:ext cx="1895388" cy="1705118"/>
-          </a:xfrm>
-          <a:prstGeom prst="rect">
-            <a:avLst/>
-          </a:prstGeom>
-        </p:spPr>
-      </p:pic>
-      <p:pic>
-        <p:nvPicPr>
-          <p:cNvPr id="9" name="図 8">
-            <a:extLst>
-              <a:ext uri="{FF2B5EF4-FFF2-40B4-BE49-F238E27FC236}">
-                <a16:creationId xmlns:a16="http://schemas.microsoft.com/office/drawing/2014/main" id="{8CDCD43A-E712-5863-7FFC-53B9BBCFB1AE}"/>
-              </a:ext>
-            </a:extLst>
-          </p:cNvPr>
-          <p:cNvPicPr>
-            <a:picLocks noChangeAspect="1"/>
-          </p:cNvPicPr>
-          <p:nvPr/>
-        </p:nvPicPr>
-        <p:blipFill>
-          <a:blip r:embed="rId4">
-            <a:extLst>
-              <a:ext uri="{28A0092B-C50C-407E-A947-70E740481C1C}">
-                <a14:useLocalDpi xmlns:a14="http://schemas.microsoft.com/office/drawing/2010/main" val="0"/>
-              </a:ext>
-            </a:extLst>
-          </a:blip>
-          <a:stretch>
-            <a:fillRect/>
-          </a:stretch>
-        </p:blipFill>
-        <p:spPr>
-          <a:xfrm>
-            <a:off x="7932582" y="79835"/>
-            <a:ext cx="1009898" cy="1236759"/>
-          </a:xfrm>
-          <a:prstGeom prst="rect">
-            <a:avLst/>
-          </a:prstGeom>
-        </p:spPr>
-      </p:pic>
-      <p:pic>
-        <p:nvPicPr>
           <p:cNvPr id="6" name="図 5">
             <a:extLst>
               <a:ext uri="{FF2B5EF4-FFF2-40B4-BE49-F238E27FC236}">
@@ -7760,7 +7660,7 @@
           <p:nvPr/>
         </p:nvPicPr>
         <p:blipFill>
-          <a:blip r:embed="rId5">
+          <a:blip r:embed="rId2">
             <a:extLst>
               <a:ext uri="{28A0092B-C50C-407E-A947-70E740481C1C}">
                 <a14:useLocalDpi xmlns:a14="http://schemas.microsoft.com/office/drawing/2010/main" val="0"/>
@@ -7783,51 +7683,6 @@
       </p:pic>
       <p:pic>
         <p:nvPicPr>
-          <p:cNvPr id="8" name="図 7">
-            <a:extLst>
-              <a:ext uri="{FF2B5EF4-FFF2-40B4-BE49-F238E27FC236}">
-                <a16:creationId xmlns:a16="http://schemas.microsoft.com/office/drawing/2014/main" id="{ED3C064B-B3E1-1688-2354-5644759BEF89}"/>
-              </a:ext>
-            </a:extLst>
-          </p:cNvPr>
-          <p:cNvPicPr>
-            <a:picLocks noChangeAspect="1"/>
-          </p:cNvPicPr>
-          <p:nvPr/>
-        </p:nvPicPr>
-        <p:blipFill>
-          <a:blip r:embed="rId6">
-            <a:extLst>
-              <a:ext uri="{BEBA8EAE-BF5A-486C-A8C5-ECC9F3942E4B}">
-                <a14:imgProps xmlns:a14="http://schemas.microsoft.com/office/drawing/2010/main">
-                  <a14:imgLayer r:embed="rId7">
-                    <a14:imgEffect>
-                      <a14:brightnessContrast bright="29000"/>
-                    </a14:imgEffect>
-                  </a14:imgLayer>
-                </a14:imgProps>
-              </a:ext>
-              <a:ext uri="{28A0092B-C50C-407E-A947-70E740481C1C}">
-                <a14:useLocalDpi xmlns:a14="http://schemas.microsoft.com/office/drawing/2010/main" val="0"/>
-              </a:ext>
-            </a:extLst>
-          </a:blip>
-          <a:stretch>
-            <a:fillRect/>
-          </a:stretch>
-        </p:blipFill>
-        <p:spPr>
-          <a:xfrm>
-            <a:off x="8668339" y="-1263514"/>
-            <a:ext cx="1086380" cy="1330422"/>
-          </a:xfrm>
-          <a:prstGeom prst="rect">
-            <a:avLst/>
-          </a:prstGeom>
-        </p:spPr>
-      </p:pic>
-      <p:pic>
-        <p:nvPicPr>
           <p:cNvPr id="10" name="図 9">
             <a:extLst>
               <a:ext uri="{FF2B5EF4-FFF2-40B4-BE49-F238E27FC236}">
@@ -7841,7 +7696,7 @@
           <p:nvPr/>
         </p:nvPicPr>
         <p:blipFill>
-          <a:blip r:embed="rId8">
+          <a:blip r:embed="rId3">
             <a:extLst>
               <a:ext uri="{28A0092B-C50C-407E-A947-70E740481C1C}">
                 <a14:useLocalDpi xmlns:a14="http://schemas.microsoft.com/office/drawing/2010/main" val="0"/>
@@ -7877,13 +7732,13 @@
           <p:nvPr/>
         </p:nvPicPr>
         <p:blipFill>
-          <a:blip r:embed="rId9">
+          <a:blip r:embed="rId4">
             <a:extLst>
               <a:ext uri="{28A0092B-C50C-407E-A947-70E740481C1C}">
                 <a14:useLocalDpi xmlns:a14="http://schemas.microsoft.com/office/drawing/2010/main" val="0"/>
               </a:ext>
               <a:ext uri="{96DAC541-7B7A-43D3-8B79-37D633B846F1}">
-                <asvg:svgBlip xmlns:asvg="http://schemas.microsoft.com/office/drawing/2016/SVG/main" r:embed="rId10"/>
+                <asvg:svgBlip xmlns:asvg="http://schemas.microsoft.com/office/drawing/2016/SVG/main" r:embed="rId5"/>
               </a:ext>
             </a:extLst>
           </a:blip>
@@ -7916,13 +7771,13 @@
           <p:nvPr/>
         </p:nvPicPr>
         <p:blipFill>
-          <a:blip r:embed="rId11">
+          <a:blip r:embed="rId6">
             <a:extLst>
               <a:ext uri="{28A0092B-C50C-407E-A947-70E740481C1C}">
                 <a14:useLocalDpi xmlns:a14="http://schemas.microsoft.com/office/drawing/2010/main" val="0"/>
               </a:ext>
               <a:ext uri="{96DAC541-7B7A-43D3-8B79-37D633B846F1}">
-                <asvg:svgBlip xmlns:asvg="http://schemas.microsoft.com/office/drawing/2016/SVG/main" r:embed="rId12"/>
+                <asvg:svgBlip xmlns:asvg="http://schemas.microsoft.com/office/drawing/2016/SVG/main" r:embed="rId7"/>
               </a:ext>
             </a:extLst>
           </a:blip>
@@ -7955,13 +7810,13 @@
           <p:nvPr/>
         </p:nvPicPr>
         <p:blipFill>
-          <a:blip r:embed="rId13">
+          <a:blip r:embed="rId8">
             <a:extLst>
               <a:ext uri="{28A0092B-C50C-407E-A947-70E740481C1C}">
                 <a14:useLocalDpi xmlns:a14="http://schemas.microsoft.com/office/drawing/2010/main" val="0"/>
               </a:ext>
               <a:ext uri="{96DAC541-7B7A-43D3-8B79-37D633B846F1}">
-                <asvg:svgBlip xmlns:asvg="http://schemas.microsoft.com/office/drawing/2016/SVG/main" r:embed="rId14"/>
+                <asvg:svgBlip xmlns:asvg="http://schemas.microsoft.com/office/drawing/2016/SVG/main" r:embed="rId9"/>
               </a:ext>
             </a:extLst>
           </a:blip>
@@ -7994,13 +7849,13 @@
           <p:nvPr/>
         </p:nvPicPr>
         <p:blipFill>
-          <a:blip r:embed="rId15">
+          <a:blip r:embed="rId10">
             <a:extLst>
               <a:ext uri="{28A0092B-C50C-407E-A947-70E740481C1C}">
                 <a14:useLocalDpi xmlns:a14="http://schemas.microsoft.com/office/drawing/2010/main" val="0"/>
               </a:ext>
               <a:ext uri="{96DAC541-7B7A-43D3-8B79-37D633B846F1}">
-                <asvg:svgBlip xmlns:asvg="http://schemas.microsoft.com/office/drawing/2016/SVG/main" r:embed="rId16"/>
+                <asvg:svgBlip xmlns:asvg="http://schemas.microsoft.com/office/drawing/2016/SVG/main" r:embed="rId11"/>
               </a:ext>
             </a:extLst>
           </a:blip>
@@ -8033,13 +7888,13 @@
           <p:nvPr/>
         </p:nvPicPr>
         <p:blipFill>
-          <a:blip r:embed="rId17">
+          <a:blip r:embed="rId12">
             <a:extLst>
               <a:ext uri="{28A0092B-C50C-407E-A947-70E740481C1C}">
                 <a14:useLocalDpi xmlns:a14="http://schemas.microsoft.com/office/drawing/2010/main" val="0"/>
               </a:ext>
               <a:ext uri="{96DAC541-7B7A-43D3-8B79-37D633B846F1}">
-                <asvg:svgBlip xmlns:asvg="http://schemas.microsoft.com/office/drawing/2016/SVG/main" r:embed="rId18"/>
+                <asvg:svgBlip xmlns:asvg="http://schemas.microsoft.com/office/drawing/2016/SVG/main" r:embed="rId13"/>
               </a:ext>
             </a:extLst>
           </a:blip>
@@ -8072,13 +7927,13 @@
           <p:nvPr/>
         </p:nvPicPr>
         <p:blipFill>
-          <a:blip r:embed="rId19">
+          <a:blip r:embed="rId14">
             <a:extLst>
               <a:ext uri="{28A0092B-C50C-407E-A947-70E740481C1C}">
                 <a14:useLocalDpi xmlns:a14="http://schemas.microsoft.com/office/drawing/2010/main" val="0"/>
               </a:ext>
               <a:ext uri="{96DAC541-7B7A-43D3-8B79-37D633B846F1}">
-                <asvg:svgBlip xmlns:asvg="http://schemas.microsoft.com/office/drawing/2016/SVG/main" r:embed="rId20"/>
+                <asvg:svgBlip xmlns:asvg="http://schemas.microsoft.com/office/drawing/2016/SVG/main" r:embed="rId15"/>
               </a:ext>
             </a:extLst>
           </a:blip>
@@ -8111,13 +7966,13 @@
           <p:nvPr/>
         </p:nvPicPr>
         <p:blipFill>
-          <a:blip r:embed="rId21">
+          <a:blip r:embed="rId16">
             <a:extLst>
               <a:ext uri="{28A0092B-C50C-407E-A947-70E740481C1C}">
                 <a14:useLocalDpi xmlns:a14="http://schemas.microsoft.com/office/drawing/2010/main" val="0"/>
               </a:ext>
               <a:ext uri="{96DAC541-7B7A-43D3-8B79-37D633B846F1}">
-                <asvg:svgBlip xmlns:asvg="http://schemas.microsoft.com/office/drawing/2016/SVG/main" r:embed="rId22"/>
+                <asvg:svgBlip xmlns:asvg="http://schemas.microsoft.com/office/drawing/2016/SVG/main" r:embed="rId17"/>
               </a:ext>
             </a:extLst>
           </a:blip>
@@ -8150,13 +8005,13 @@
           <p:nvPr/>
         </p:nvPicPr>
         <p:blipFill>
-          <a:blip r:embed="rId23">
+          <a:blip r:embed="rId18">
             <a:extLst>
               <a:ext uri="{28A0092B-C50C-407E-A947-70E740481C1C}">
                 <a14:useLocalDpi xmlns:a14="http://schemas.microsoft.com/office/drawing/2010/main" val="0"/>
               </a:ext>
               <a:ext uri="{96DAC541-7B7A-43D3-8B79-37D633B846F1}">
-                <asvg:svgBlip xmlns:asvg="http://schemas.microsoft.com/office/drawing/2016/SVG/main" r:embed="rId24"/>
+                <asvg:svgBlip xmlns:asvg="http://schemas.microsoft.com/office/drawing/2016/SVG/main" r:embed="rId19"/>
               </a:ext>
             </a:extLst>
           </a:blip>
@@ -8168,6 +8023,42 @@
           <a:xfrm>
             <a:off x="11515621" y="980316"/>
             <a:ext cx="1868901" cy="1868901"/>
+          </a:xfrm>
+          <a:prstGeom prst="rect">
+            <a:avLst/>
+          </a:prstGeom>
+        </p:spPr>
+      </p:pic>
+      <p:pic>
+        <p:nvPicPr>
+          <p:cNvPr id="16" name="図 15">
+            <a:extLst>
+              <a:ext uri="{FF2B5EF4-FFF2-40B4-BE49-F238E27FC236}">
+                <a16:creationId xmlns:a16="http://schemas.microsoft.com/office/drawing/2014/main" id="{202D762D-0321-27ED-216C-056E7D3FCF02}"/>
+              </a:ext>
+            </a:extLst>
+          </p:cNvPr>
+          <p:cNvPicPr>
+            <a:picLocks noChangeAspect="1"/>
+          </p:cNvPicPr>
+          <p:nvPr/>
+        </p:nvPicPr>
+        <p:blipFill>
+          <a:blip r:embed="rId20">
+            <a:extLst>
+              <a:ext uri="{28A0092B-C50C-407E-A947-70E740481C1C}">
+                <a14:useLocalDpi xmlns:a14="http://schemas.microsoft.com/office/drawing/2010/main" val="0"/>
+              </a:ext>
+            </a:extLst>
+          </a:blip>
+          <a:stretch>
+            <a:fillRect/>
+          </a:stretch>
+        </p:blipFill>
+        <p:spPr>
+          <a:xfrm>
+            <a:off x="214313" y="407988"/>
+            <a:ext cx="2844800" cy="3543300"/>
           </a:xfrm>
           <a:prstGeom prst="rect">
             <a:avLst/>
@@ -10927,57 +10818,6 @@
           <a:chExt cx="0" cy="0"/>
         </a:xfrm>
       </p:grpSpPr>
-      <p:pic>
-        <p:nvPicPr>
-          <p:cNvPr id="4" name="図 3">
-            <a:extLst>
-              <a:ext uri="{FF2B5EF4-FFF2-40B4-BE49-F238E27FC236}">
-                <a16:creationId xmlns:a16="http://schemas.microsoft.com/office/drawing/2014/main" id="{80ABFD60-A404-EF32-5E51-860C4353BEBB}"/>
-              </a:ext>
-            </a:extLst>
-          </p:cNvPr>
-          <p:cNvPicPr>
-            <a:picLocks noChangeAspect="1"/>
-          </p:cNvPicPr>
-          <p:nvPr/>
-        </p:nvPicPr>
-        <p:blipFill>
-          <a:blip r:embed="rId2">
-            <a:alphaModFix/>
-            <a:extLst>
-              <a:ext uri="{BEBA8EAE-BF5A-486C-A8C5-ECC9F3942E4B}">
-                <a14:imgProps xmlns:a14="http://schemas.microsoft.com/office/drawing/2010/main">
-                  <a14:imgLayer r:embed="rId3">
-                    <a14:imgEffect>
-                      <a14:brightnessContrast bright="29000"/>
-                    </a14:imgEffect>
-                  </a14:imgLayer>
-                </a14:imgProps>
-              </a:ext>
-              <a:ext uri="{28A0092B-C50C-407E-A947-70E740481C1C}">
-                <a14:useLocalDpi xmlns:a14="http://schemas.microsoft.com/office/drawing/2010/main" val="0"/>
-              </a:ext>
-            </a:extLst>
-          </a:blip>
-          <a:stretch>
-            <a:fillRect/>
-          </a:stretch>
-        </p:blipFill>
-        <p:spPr>
-          <a:xfrm>
-            <a:off x="9118911" y="569332"/>
-            <a:ext cx="1313628" cy="1608718"/>
-          </a:xfrm>
-          <a:prstGeom prst="rect">
-            <a:avLst/>
-          </a:prstGeom>
-          <a:solidFill>
-            <a:schemeClr val="bg1">
-              <a:lumMod val="95000"/>
-            </a:schemeClr>
-          </a:solidFill>
-        </p:spPr>
-      </p:pic>
       <p:grpSp>
         <p:nvGrpSpPr>
           <p:cNvPr id="27" name="グループ化 26">
@@ -11842,13 +11682,13 @@
           <p:nvPr/>
         </p:nvPicPr>
         <p:blipFill>
-          <a:blip r:embed="rId4">
+          <a:blip r:embed="rId2">
             <a:extLst>
               <a:ext uri="{28A0092B-C50C-407E-A947-70E740481C1C}">
                 <a14:useLocalDpi xmlns:a14="http://schemas.microsoft.com/office/drawing/2010/main" val="0"/>
               </a:ext>
               <a:ext uri="{96DAC541-7B7A-43D3-8B79-37D633B846F1}">
-                <asvg:svgBlip xmlns:asvg="http://schemas.microsoft.com/office/drawing/2016/SVG/main" r:embed="rId5"/>
+                <asvg:svgBlip xmlns:asvg="http://schemas.microsoft.com/office/drawing/2016/SVG/main" r:embed="rId3"/>
               </a:ext>
             </a:extLst>
           </a:blip>
@@ -12591,13 +12431,13 @@
           <p:nvPr/>
         </p:nvPicPr>
         <p:blipFill>
-          <a:blip r:embed="rId6">
+          <a:blip r:embed="rId4">
             <a:extLst>
               <a:ext uri="{28A0092B-C50C-407E-A947-70E740481C1C}">
                 <a14:useLocalDpi xmlns:a14="http://schemas.microsoft.com/office/drawing/2010/main" val="0"/>
               </a:ext>
               <a:ext uri="{96DAC541-7B7A-43D3-8B79-37D633B846F1}">
-                <asvg:svgBlip xmlns:asvg="http://schemas.microsoft.com/office/drawing/2016/SVG/main" r:embed="rId7"/>
+                <asvg:svgBlip xmlns:asvg="http://schemas.microsoft.com/office/drawing/2016/SVG/main" r:embed="rId5"/>
               </a:ext>
             </a:extLst>
           </a:blip>
@@ -12665,57 +12505,6 @@
           <a:chExt cx="0" cy="0"/>
         </a:xfrm>
       </p:grpSpPr>
-      <p:pic>
-        <p:nvPicPr>
-          <p:cNvPr id="4" name="図 3">
-            <a:extLst>
-              <a:ext uri="{FF2B5EF4-FFF2-40B4-BE49-F238E27FC236}">
-                <a16:creationId xmlns:a16="http://schemas.microsoft.com/office/drawing/2014/main" id="{80ABFD60-A404-EF32-5E51-860C4353BEBB}"/>
-              </a:ext>
-            </a:extLst>
-          </p:cNvPr>
-          <p:cNvPicPr>
-            <a:picLocks noChangeAspect="1"/>
-          </p:cNvPicPr>
-          <p:nvPr/>
-        </p:nvPicPr>
-        <p:blipFill>
-          <a:blip r:embed="rId2">
-            <a:alphaModFix/>
-            <a:extLst>
-              <a:ext uri="{BEBA8EAE-BF5A-486C-A8C5-ECC9F3942E4B}">
-                <a14:imgProps xmlns:a14="http://schemas.microsoft.com/office/drawing/2010/main">
-                  <a14:imgLayer r:embed="rId3">
-                    <a14:imgEffect>
-                      <a14:brightnessContrast bright="29000"/>
-                    </a14:imgEffect>
-                  </a14:imgLayer>
-                </a14:imgProps>
-              </a:ext>
-              <a:ext uri="{28A0092B-C50C-407E-A947-70E740481C1C}">
-                <a14:useLocalDpi xmlns:a14="http://schemas.microsoft.com/office/drawing/2010/main" val="0"/>
-              </a:ext>
-            </a:extLst>
-          </a:blip>
-          <a:stretch>
-            <a:fillRect/>
-          </a:stretch>
-        </p:blipFill>
-        <p:spPr>
-          <a:xfrm>
-            <a:off x="9118911" y="569332"/>
-            <a:ext cx="1313628" cy="1608718"/>
-          </a:xfrm>
-          <a:prstGeom prst="rect">
-            <a:avLst/>
-          </a:prstGeom>
-          <a:solidFill>
-            <a:schemeClr val="bg1">
-              <a:lumMod val="95000"/>
-            </a:schemeClr>
-          </a:solidFill>
-        </p:spPr>
-      </p:pic>
       <p:grpSp>
         <p:nvGrpSpPr>
           <p:cNvPr id="27" name="グループ化 26">
@@ -13580,7 +13369,7 @@
           <p:nvPr/>
         </p:nvPicPr>
         <p:blipFill>
-          <a:blip r:embed="rId4">
+          <a:blip r:embed="rId2">
             <a:alphaModFix/>
             <a:lum bright="-10000" contrast="60000"/>
             <a:extLst>
@@ -13588,7 +13377,7 @@
                 <a14:useLocalDpi xmlns:a14="http://schemas.microsoft.com/office/drawing/2010/main" val="0"/>
               </a:ext>
               <a:ext uri="{96DAC541-7B7A-43D3-8B79-37D633B846F1}">
-                <asvg:svgBlip xmlns:asvg="http://schemas.microsoft.com/office/drawing/2016/SVG/main" r:embed="rId5"/>
+                <asvg:svgBlip xmlns:asvg="http://schemas.microsoft.com/office/drawing/2016/SVG/main" r:embed="rId3"/>
               </a:ext>
             </a:extLst>
           </a:blip>
@@ -14331,13 +14120,13 @@
           <p:nvPr/>
         </p:nvPicPr>
         <p:blipFill>
-          <a:blip r:embed="rId6">
+          <a:blip r:embed="rId4">
             <a:extLst>
               <a:ext uri="{28A0092B-C50C-407E-A947-70E740481C1C}">
                 <a14:useLocalDpi xmlns:a14="http://schemas.microsoft.com/office/drawing/2010/main" val="0"/>
               </a:ext>
               <a:ext uri="{96DAC541-7B7A-43D3-8B79-37D633B846F1}">
-                <asvg:svgBlip xmlns:asvg="http://schemas.microsoft.com/office/drawing/2016/SVG/main" r:embed="rId7"/>
+                <asvg:svgBlip xmlns:asvg="http://schemas.microsoft.com/office/drawing/2016/SVG/main" r:embed="rId5"/>
               </a:ext>
             </a:extLst>
           </a:blip>
@@ -14359,6 +14148,1744 @@
     <p:extLst>
       <p:ext uri="{BB962C8B-B14F-4D97-AF65-F5344CB8AC3E}">
         <p14:creationId xmlns:p14="http://schemas.microsoft.com/office/powerpoint/2010/main" val="1737025167"/>
+      </p:ext>
+    </p:extLst>
+  </p:cSld>
+  <p:clrMapOvr>
+    <a:masterClrMapping/>
+  </p:clrMapOvr>
+</p:sld>
+</file>
+
+<file path=ppt/slides/slide8.xml><?xml version="1.0" encoding="utf-8"?>
+<p:sld xmlns:a="http://schemas.openxmlformats.org/drawingml/2006/main" xmlns:r="http://schemas.openxmlformats.org/officeDocument/2006/relationships" xmlns:p="http://schemas.openxmlformats.org/presentationml/2006/main">
+  <p:cSld>
+    <p:bg>
+      <p:bgPr>
+        <a:gradFill>
+          <a:gsLst>
+            <a:gs pos="100000">
+              <a:srgbClr val="F2EBFF">
+                <a:lumMod val="96299"/>
+                <a:lumOff val="3701"/>
+                <a:alpha val="43000"/>
+              </a:srgbClr>
+            </a:gs>
+            <a:gs pos="0">
+              <a:srgbClr val="056BE6">
+                <a:lumMod val="70000"/>
+                <a:lumOff val="30000"/>
+                <a:alpha val="35000"/>
+              </a:srgbClr>
+            </a:gs>
+          </a:gsLst>
+          <a:lin ang="18900000" scaled="0"/>
+        </a:gradFill>
+        <a:effectLst/>
+      </p:bgPr>
+    </p:bg>
+    <p:spTree>
+      <p:nvGrpSpPr>
+        <p:cNvPr id="1" name=""/>
+        <p:cNvGrpSpPr/>
+        <p:nvPr/>
+      </p:nvGrpSpPr>
+      <p:grpSpPr>
+        <a:xfrm>
+          <a:off x="0" y="0"/>
+          <a:ext cx="0" cy="0"/>
+          <a:chOff x="0" y="0"/>
+          <a:chExt cx="0" cy="0"/>
+        </a:xfrm>
+      </p:grpSpPr>
+      <p:pic>
+        <p:nvPicPr>
+          <p:cNvPr id="29" name="グラフィックス 28">
+            <a:extLst>
+              <a:ext uri="{FF2B5EF4-FFF2-40B4-BE49-F238E27FC236}">
+                <a16:creationId xmlns:a16="http://schemas.microsoft.com/office/drawing/2014/main" id="{F468961F-AADE-04AE-B05F-3BA1C91DCA13}"/>
+              </a:ext>
+            </a:extLst>
+          </p:cNvPr>
+          <p:cNvPicPr>
+            <a:picLocks noChangeAspect="1"/>
+          </p:cNvPicPr>
+          <p:nvPr/>
+        </p:nvPicPr>
+        <p:blipFill>
+          <a:blip r:embed="rId2">
+            <a:alphaModFix/>
+            <a:lum bright="-10000" contrast="60000"/>
+            <a:extLst>
+              <a:ext uri="{28A0092B-C50C-407E-A947-70E740481C1C}">
+                <a14:useLocalDpi xmlns:a14="http://schemas.microsoft.com/office/drawing/2010/main" val="0"/>
+              </a:ext>
+              <a:ext uri="{96DAC541-7B7A-43D3-8B79-37D633B846F1}">
+                <asvg:svgBlip xmlns:asvg="http://schemas.microsoft.com/office/drawing/2016/SVG/main" r:embed="rId3"/>
+              </a:ext>
+            </a:extLst>
+          </a:blip>
+          <a:stretch>
+            <a:fillRect/>
+          </a:stretch>
+        </p:blipFill>
+        <p:spPr>
+          <a:xfrm>
+            <a:off x="8728698" y="276363"/>
+            <a:ext cx="1969535" cy="1969535"/>
+          </a:xfrm>
+          <a:prstGeom prst="rect">
+            <a:avLst/>
+          </a:prstGeom>
+        </p:spPr>
+      </p:pic>
+      <p:grpSp>
+        <p:nvGrpSpPr>
+          <p:cNvPr id="27" name="グループ化 26">
+            <a:extLst>
+              <a:ext uri="{FF2B5EF4-FFF2-40B4-BE49-F238E27FC236}">
+                <a16:creationId xmlns:a16="http://schemas.microsoft.com/office/drawing/2014/main" id="{DB62DD05-BC9B-A3D3-FF29-371E44EE94BB}"/>
+              </a:ext>
+            </a:extLst>
+          </p:cNvPr>
+          <p:cNvGrpSpPr/>
+          <p:nvPr/>
+        </p:nvGrpSpPr>
+        <p:grpSpPr>
+          <a:xfrm>
+            <a:off x="851468" y="713741"/>
+            <a:ext cx="1745957" cy="3011305"/>
+            <a:chOff x="11465201" y="698742"/>
+            <a:chExt cx="1579324" cy="2723908"/>
+          </a:xfrm>
+        </p:grpSpPr>
+        <p:sp>
+          <p:nvSpPr>
+            <p:cNvPr id="18" name="フリーフォーム 17">
+              <a:extLst>
+                <a:ext uri="{FF2B5EF4-FFF2-40B4-BE49-F238E27FC236}">
+                  <a16:creationId xmlns:a16="http://schemas.microsoft.com/office/drawing/2014/main" id="{3037463D-E8E6-4727-41F0-1A2A30E767A8}"/>
+                </a:ext>
+              </a:extLst>
+            </p:cNvPr>
+            <p:cNvSpPr/>
+            <p:nvPr/>
+          </p:nvSpPr>
+          <p:spPr>
+            <a:xfrm>
+              <a:off x="12487116" y="2911693"/>
+              <a:ext cx="557408" cy="464507"/>
+            </a:xfrm>
+            <a:custGeom>
+              <a:avLst/>
+              <a:gdLst>
+                <a:gd name="connsiteX0" fmla="*/ 0 w 557408"/>
+                <a:gd name="connsiteY0" fmla="*/ 232254 h 464507"/>
+                <a:gd name="connsiteX1" fmla="*/ 195093 w 557408"/>
+                <a:gd name="connsiteY1" fmla="*/ 464507 h 464507"/>
+                <a:gd name="connsiteX2" fmla="*/ 557409 w 557408"/>
+                <a:gd name="connsiteY2" fmla="*/ 0 h 464507"/>
+              </a:gdLst>
+              <a:ahLst/>
+              <a:cxnLst>
+                <a:cxn ang="0">
+                  <a:pos x="connsiteX0" y="connsiteY0"/>
+                </a:cxn>
+                <a:cxn ang="0">
+                  <a:pos x="connsiteX1" y="connsiteY1"/>
+                </a:cxn>
+                <a:cxn ang="0">
+                  <a:pos x="connsiteX2" y="connsiteY2"/>
+                </a:cxn>
+              </a:cxnLst>
+              <a:rect l="l" t="t" r="r" b="b"/>
+              <a:pathLst>
+                <a:path w="557408" h="464507">
+                  <a:moveTo>
+                    <a:pt x="0" y="232254"/>
+                  </a:moveTo>
+                  <a:lnTo>
+                    <a:pt x="195093" y="464507"/>
+                  </a:lnTo>
+                  <a:lnTo>
+                    <a:pt x="557409" y="0"/>
+                  </a:lnTo>
+                </a:path>
+              </a:pathLst>
+            </a:custGeom>
+            <a:noFill/>
+            <a:ln w="139303" cap="rnd">
+              <a:solidFill>
+                <a:srgbClr val="0A0CF0">
+                  <a:alpha val="37000"/>
+                </a:srgbClr>
+              </a:solidFill>
+              <a:prstDash val="solid"/>
+              <a:round/>
+            </a:ln>
+          </p:spPr>
+          <p:txBody>
+            <a:bodyPr rtlCol="0" anchor="ctr"/>
+            <a:lstStyle/>
+            <a:p>
+              <a:endParaRPr lang="ja-JP" altLang="en-US"/>
+            </a:p>
+          </p:txBody>
+        </p:sp>
+        <p:sp>
+          <p:nvSpPr>
+            <p:cNvPr id="19" name="フリーフォーム 18">
+              <a:extLst>
+                <a:ext uri="{FF2B5EF4-FFF2-40B4-BE49-F238E27FC236}">
+                  <a16:creationId xmlns:a16="http://schemas.microsoft.com/office/drawing/2014/main" id="{97AE8855-74CA-9FF4-E945-9E1A738394AB}"/>
+                </a:ext>
+              </a:extLst>
+            </p:cNvPr>
+            <p:cNvSpPr/>
+            <p:nvPr/>
+          </p:nvSpPr>
+          <p:spPr>
+            <a:xfrm>
+              <a:off x="11465201" y="2958143"/>
+              <a:ext cx="650309" cy="92901"/>
+            </a:xfrm>
+            <a:custGeom>
+              <a:avLst/>
+              <a:gdLst>
+                <a:gd name="connsiteX0" fmla="*/ 650310 w 650309"/>
+                <a:gd name="connsiteY0" fmla="*/ 0 h 92901"/>
+                <a:gd name="connsiteX1" fmla="*/ 0 w 650309"/>
+                <a:gd name="connsiteY1" fmla="*/ 0 h 92901"/>
+              </a:gdLst>
+              <a:ahLst/>
+              <a:cxnLst>
+                <a:cxn ang="0">
+                  <a:pos x="connsiteX0" y="connsiteY0"/>
+                </a:cxn>
+                <a:cxn ang="0">
+                  <a:pos x="connsiteX1" y="connsiteY1"/>
+                </a:cxn>
+              </a:cxnLst>
+              <a:rect l="l" t="t" r="r" b="b"/>
+              <a:pathLst>
+                <a:path w="650309" h="92901">
+                  <a:moveTo>
+                    <a:pt x="650310" y="0"/>
+                  </a:moveTo>
+                  <a:lnTo>
+                    <a:pt x="0" y="0"/>
+                  </a:lnTo>
+                </a:path>
+              </a:pathLst>
+            </a:custGeom>
+            <a:noFill/>
+            <a:ln w="139303" cap="rnd">
+              <a:solidFill>
+                <a:srgbClr val="0A0CF0">
+                  <a:alpha val="37000"/>
+                </a:srgbClr>
+              </a:solidFill>
+              <a:prstDash val="solid"/>
+              <a:miter/>
+            </a:ln>
+          </p:spPr>
+          <p:txBody>
+            <a:bodyPr rtlCol="0" anchor="ctr"/>
+            <a:lstStyle/>
+            <a:p>
+              <a:endParaRPr lang="ja-JP" altLang="en-US"/>
+            </a:p>
+          </p:txBody>
+        </p:sp>
+        <p:sp>
+          <p:nvSpPr>
+            <p:cNvPr id="20" name="フリーフォーム 19">
+              <a:extLst>
+                <a:ext uri="{FF2B5EF4-FFF2-40B4-BE49-F238E27FC236}">
+                  <a16:creationId xmlns:a16="http://schemas.microsoft.com/office/drawing/2014/main" id="{31D7D10B-DF73-73D6-38C3-43972416C968}"/>
+                </a:ext>
+              </a:extLst>
+            </p:cNvPr>
+            <p:cNvSpPr/>
+            <p:nvPr/>
+          </p:nvSpPr>
+          <p:spPr>
+            <a:xfrm>
+              <a:off x="11465201" y="3329749"/>
+              <a:ext cx="650309" cy="92901"/>
+            </a:xfrm>
+            <a:custGeom>
+              <a:avLst/>
+              <a:gdLst>
+                <a:gd name="connsiteX0" fmla="*/ 650310 w 650309"/>
+                <a:gd name="connsiteY0" fmla="*/ 0 h 92901"/>
+                <a:gd name="connsiteX1" fmla="*/ 0 w 650309"/>
+                <a:gd name="connsiteY1" fmla="*/ 0 h 92901"/>
+              </a:gdLst>
+              <a:ahLst/>
+              <a:cxnLst>
+                <a:cxn ang="0">
+                  <a:pos x="connsiteX0" y="connsiteY0"/>
+                </a:cxn>
+                <a:cxn ang="0">
+                  <a:pos x="connsiteX1" y="connsiteY1"/>
+                </a:cxn>
+              </a:cxnLst>
+              <a:rect l="l" t="t" r="r" b="b"/>
+              <a:pathLst>
+                <a:path w="650309" h="92901">
+                  <a:moveTo>
+                    <a:pt x="650310" y="0"/>
+                  </a:moveTo>
+                  <a:lnTo>
+                    <a:pt x="0" y="0"/>
+                  </a:lnTo>
+                </a:path>
+              </a:pathLst>
+            </a:custGeom>
+            <a:noFill/>
+            <a:ln w="139303" cap="rnd">
+              <a:solidFill>
+                <a:srgbClr val="0A0CF0">
+                  <a:alpha val="37000"/>
+                </a:srgbClr>
+              </a:solidFill>
+              <a:prstDash val="solid"/>
+              <a:miter/>
+            </a:ln>
+          </p:spPr>
+          <p:txBody>
+            <a:bodyPr rtlCol="0" anchor="ctr"/>
+            <a:lstStyle/>
+            <a:p>
+              <a:endParaRPr lang="ja-JP" altLang="en-US"/>
+            </a:p>
+          </p:txBody>
+        </p:sp>
+        <p:sp>
+          <p:nvSpPr>
+            <p:cNvPr id="21" name="フリーフォーム 20">
+              <a:extLst>
+                <a:ext uri="{FF2B5EF4-FFF2-40B4-BE49-F238E27FC236}">
+                  <a16:creationId xmlns:a16="http://schemas.microsoft.com/office/drawing/2014/main" id="{B2E9EB2A-84B2-D514-7A58-DD0FFF4DF37C}"/>
+                </a:ext>
+              </a:extLst>
+            </p:cNvPr>
+            <p:cNvSpPr/>
+            <p:nvPr/>
+          </p:nvSpPr>
+          <p:spPr>
+            <a:xfrm>
+              <a:off x="11465201" y="2214932"/>
+              <a:ext cx="1579324" cy="92901"/>
+            </a:xfrm>
+            <a:custGeom>
+              <a:avLst/>
+              <a:gdLst>
+                <a:gd name="connsiteX0" fmla="*/ 0 w 1579324"/>
+                <a:gd name="connsiteY0" fmla="*/ 0 h 92901"/>
+                <a:gd name="connsiteX1" fmla="*/ 975465 w 1579324"/>
+                <a:gd name="connsiteY1" fmla="*/ 0 h 92901"/>
+                <a:gd name="connsiteX2" fmla="*/ 1579324 w 1579324"/>
+                <a:gd name="connsiteY2" fmla="*/ 0 h 92901"/>
+                <a:gd name="connsiteX3" fmla="*/ 1370296 w 1579324"/>
+                <a:gd name="connsiteY3" fmla="*/ 0 h 92901"/>
+              </a:gdLst>
+              <a:ahLst/>
+              <a:cxnLst>
+                <a:cxn ang="0">
+                  <a:pos x="connsiteX0" y="connsiteY0"/>
+                </a:cxn>
+                <a:cxn ang="0">
+                  <a:pos x="connsiteX1" y="connsiteY1"/>
+                </a:cxn>
+                <a:cxn ang="0">
+                  <a:pos x="connsiteX2" y="connsiteY2"/>
+                </a:cxn>
+                <a:cxn ang="0">
+                  <a:pos x="connsiteX3" y="connsiteY3"/>
+                </a:cxn>
+              </a:cxnLst>
+              <a:rect l="l" t="t" r="r" b="b"/>
+              <a:pathLst>
+                <a:path w="1579324" h="92901">
+                  <a:moveTo>
+                    <a:pt x="0" y="0"/>
+                  </a:moveTo>
+                  <a:lnTo>
+                    <a:pt x="975465" y="0"/>
+                  </a:lnTo>
+                  <a:moveTo>
+                    <a:pt x="1579324" y="0"/>
+                  </a:moveTo>
+                  <a:lnTo>
+                    <a:pt x="1370296" y="0"/>
+                  </a:lnTo>
+                </a:path>
+              </a:pathLst>
+            </a:custGeom>
+            <a:noFill/>
+            <a:ln w="139303" cap="rnd">
+              <a:solidFill>
+                <a:srgbClr val="0A0CF0">
+                  <a:alpha val="37000"/>
+                </a:srgbClr>
+              </a:solidFill>
+              <a:prstDash val="solid"/>
+              <a:miter/>
+            </a:ln>
+          </p:spPr>
+          <p:txBody>
+            <a:bodyPr rtlCol="0" anchor="ctr"/>
+            <a:lstStyle/>
+            <a:p>
+              <a:endParaRPr lang="ja-JP" altLang="en-US"/>
+            </a:p>
+          </p:txBody>
+        </p:sp>
+        <p:sp>
+          <p:nvSpPr>
+            <p:cNvPr id="22" name="フリーフォーム 21">
+              <a:extLst>
+                <a:ext uri="{FF2B5EF4-FFF2-40B4-BE49-F238E27FC236}">
+                  <a16:creationId xmlns:a16="http://schemas.microsoft.com/office/drawing/2014/main" id="{D0C5F125-B025-B566-65F4-B557D074E415}"/>
+                </a:ext>
+              </a:extLst>
+            </p:cNvPr>
+            <p:cNvSpPr/>
+            <p:nvPr/>
+          </p:nvSpPr>
+          <p:spPr>
+            <a:xfrm>
+              <a:off x="11465201" y="2586538"/>
+              <a:ext cx="1579324" cy="92901"/>
+            </a:xfrm>
+            <a:custGeom>
+              <a:avLst/>
+              <a:gdLst>
+                <a:gd name="connsiteX0" fmla="*/ 1579324 w 1579324"/>
+                <a:gd name="connsiteY0" fmla="*/ 0 h 92901"/>
+                <a:gd name="connsiteX1" fmla="*/ 603859 w 1579324"/>
+                <a:gd name="connsiteY1" fmla="*/ 0 h 92901"/>
+                <a:gd name="connsiteX2" fmla="*/ 0 w 1579324"/>
+                <a:gd name="connsiteY2" fmla="*/ 0 h 92901"/>
+                <a:gd name="connsiteX3" fmla="*/ 209028 w 1579324"/>
+                <a:gd name="connsiteY3" fmla="*/ 0 h 92901"/>
+              </a:gdLst>
+              <a:ahLst/>
+              <a:cxnLst>
+                <a:cxn ang="0">
+                  <a:pos x="connsiteX0" y="connsiteY0"/>
+                </a:cxn>
+                <a:cxn ang="0">
+                  <a:pos x="connsiteX1" y="connsiteY1"/>
+                </a:cxn>
+                <a:cxn ang="0">
+                  <a:pos x="connsiteX2" y="connsiteY2"/>
+                </a:cxn>
+                <a:cxn ang="0">
+                  <a:pos x="connsiteX3" y="connsiteY3"/>
+                </a:cxn>
+              </a:cxnLst>
+              <a:rect l="l" t="t" r="r" b="b"/>
+              <a:pathLst>
+                <a:path w="1579324" h="92901">
+                  <a:moveTo>
+                    <a:pt x="1579324" y="0"/>
+                  </a:moveTo>
+                  <a:lnTo>
+                    <a:pt x="603859" y="0"/>
+                  </a:lnTo>
+                  <a:moveTo>
+                    <a:pt x="0" y="0"/>
+                  </a:moveTo>
+                  <a:lnTo>
+                    <a:pt x="209028" y="0"/>
+                  </a:lnTo>
+                </a:path>
+              </a:pathLst>
+            </a:custGeom>
+            <a:noFill/>
+            <a:ln w="139303" cap="rnd">
+              <a:solidFill>
+                <a:srgbClr val="0A0CF0">
+                  <a:alpha val="37000"/>
+                </a:srgbClr>
+              </a:solidFill>
+              <a:prstDash val="solid"/>
+              <a:miter/>
+            </a:ln>
+          </p:spPr>
+          <p:txBody>
+            <a:bodyPr rtlCol="0" anchor="ctr"/>
+            <a:lstStyle/>
+            <a:p>
+              <a:endParaRPr lang="ja-JP" altLang="en-US"/>
+            </a:p>
+          </p:txBody>
+        </p:sp>
+        <p:sp>
+          <p:nvSpPr>
+            <p:cNvPr id="23" name="フリーフォーム 22">
+              <a:extLst>
+                <a:ext uri="{FF2B5EF4-FFF2-40B4-BE49-F238E27FC236}">
+                  <a16:creationId xmlns:a16="http://schemas.microsoft.com/office/drawing/2014/main" id="{4E6C3791-4DC8-51FC-7B4C-9E4EBA15885C}"/>
+                </a:ext>
+              </a:extLst>
+            </p:cNvPr>
+            <p:cNvSpPr/>
+            <p:nvPr/>
+          </p:nvSpPr>
+          <p:spPr>
+            <a:xfrm>
+              <a:off x="11465201" y="1455804"/>
+              <a:ext cx="1579324" cy="92901"/>
+            </a:xfrm>
+            <a:custGeom>
+              <a:avLst/>
+              <a:gdLst>
+                <a:gd name="connsiteX0" fmla="*/ 0 w 1579324"/>
+                <a:gd name="connsiteY0" fmla="*/ 0 h 92901"/>
+                <a:gd name="connsiteX1" fmla="*/ 975465 w 1579324"/>
+                <a:gd name="connsiteY1" fmla="*/ 0 h 92901"/>
+                <a:gd name="connsiteX2" fmla="*/ 1579324 w 1579324"/>
+                <a:gd name="connsiteY2" fmla="*/ 0 h 92901"/>
+                <a:gd name="connsiteX3" fmla="*/ 1370296 w 1579324"/>
+                <a:gd name="connsiteY3" fmla="*/ 0 h 92901"/>
+              </a:gdLst>
+              <a:ahLst/>
+              <a:cxnLst>
+                <a:cxn ang="0">
+                  <a:pos x="connsiteX0" y="connsiteY0"/>
+                </a:cxn>
+                <a:cxn ang="0">
+                  <a:pos x="connsiteX1" y="connsiteY1"/>
+                </a:cxn>
+                <a:cxn ang="0">
+                  <a:pos x="connsiteX2" y="connsiteY2"/>
+                </a:cxn>
+                <a:cxn ang="0">
+                  <a:pos x="connsiteX3" y="connsiteY3"/>
+                </a:cxn>
+              </a:cxnLst>
+              <a:rect l="l" t="t" r="r" b="b"/>
+              <a:pathLst>
+                <a:path w="1579324" h="92901">
+                  <a:moveTo>
+                    <a:pt x="0" y="0"/>
+                  </a:moveTo>
+                  <a:lnTo>
+                    <a:pt x="975465" y="0"/>
+                  </a:lnTo>
+                  <a:moveTo>
+                    <a:pt x="1579324" y="0"/>
+                  </a:moveTo>
+                  <a:lnTo>
+                    <a:pt x="1370296" y="0"/>
+                  </a:lnTo>
+                </a:path>
+              </a:pathLst>
+            </a:custGeom>
+            <a:noFill/>
+            <a:ln w="139303" cap="rnd">
+              <a:solidFill>
+                <a:srgbClr val="0A0CF0">
+                  <a:alpha val="37000"/>
+                </a:srgbClr>
+              </a:solidFill>
+              <a:prstDash val="solid"/>
+              <a:miter/>
+            </a:ln>
+          </p:spPr>
+          <p:txBody>
+            <a:bodyPr rtlCol="0" anchor="ctr"/>
+            <a:lstStyle/>
+            <a:p>
+              <a:endParaRPr lang="ja-JP" altLang="en-US"/>
+            </a:p>
+          </p:txBody>
+        </p:sp>
+        <p:sp>
+          <p:nvSpPr>
+            <p:cNvPr id="24" name="フリーフォーム 23">
+              <a:extLst>
+                <a:ext uri="{FF2B5EF4-FFF2-40B4-BE49-F238E27FC236}">
+                  <a16:creationId xmlns:a16="http://schemas.microsoft.com/office/drawing/2014/main" id="{D1C734B2-E792-B085-3EC3-96614BF912C1}"/>
+                </a:ext>
+              </a:extLst>
+            </p:cNvPr>
+            <p:cNvSpPr/>
+            <p:nvPr/>
+          </p:nvSpPr>
+          <p:spPr>
+            <a:xfrm>
+              <a:off x="11465201" y="1827410"/>
+              <a:ext cx="1579324" cy="92901"/>
+            </a:xfrm>
+            <a:custGeom>
+              <a:avLst/>
+              <a:gdLst>
+                <a:gd name="connsiteX0" fmla="*/ 1579324 w 1579324"/>
+                <a:gd name="connsiteY0" fmla="*/ 0 h 92901"/>
+                <a:gd name="connsiteX1" fmla="*/ 603859 w 1579324"/>
+                <a:gd name="connsiteY1" fmla="*/ 0 h 92901"/>
+                <a:gd name="connsiteX2" fmla="*/ 0 w 1579324"/>
+                <a:gd name="connsiteY2" fmla="*/ 0 h 92901"/>
+                <a:gd name="connsiteX3" fmla="*/ 209028 w 1579324"/>
+                <a:gd name="connsiteY3" fmla="*/ 0 h 92901"/>
+              </a:gdLst>
+              <a:ahLst/>
+              <a:cxnLst>
+                <a:cxn ang="0">
+                  <a:pos x="connsiteX0" y="connsiteY0"/>
+                </a:cxn>
+                <a:cxn ang="0">
+                  <a:pos x="connsiteX1" y="connsiteY1"/>
+                </a:cxn>
+                <a:cxn ang="0">
+                  <a:pos x="connsiteX2" y="connsiteY2"/>
+                </a:cxn>
+                <a:cxn ang="0">
+                  <a:pos x="connsiteX3" y="connsiteY3"/>
+                </a:cxn>
+              </a:cxnLst>
+              <a:rect l="l" t="t" r="r" b="b"/>
+              <a:pathLst>
+                <a:path w="1579324" h="92901">
+                  <a:moveTo>
+                    <a:pt x="1579324" y="0"/>
+                  </a:moveTo>
+                  <a:lnTo>
+                    <a:pt x="603859" y="0"/>
+                  </a:lnTo>
+                  <a:moveTo>
+                    <a:pt x="0" y="0"/>
+                  </a:moveTo>
+                  <a:lnTo>
+                    <a:pt x="209028" y="0"/>
+                  </a:lnTo>
+                </a:path>
+              </a:pathLst>
+            </a:custGeom>
+            <a:noFill/>
+            <a:ln w="139303" cap="rnd">
+              <a:solidFill>
+                <a:srgbClr val="0A0CF0">
+                  <a:alpha val="37000"/>
+                </a:srgbClr>
+              </a:solidFill>
+              <a:prstDash val="solid"/>
+              <a:miter/>
+            </a:ln>
+          </p:spPr>
+          <p:txBody>
+            <a:bodyPr rtlCol="0" anchor="ctr"/>
+            <a:lstStyle/>
+            <a:p>
+              <a:endParaRPr lang="ja-JP" altLang="en-US"/>
+            </a:p>
+          </p:txBody>
+        </p:sp>
+        <p:sp>
+          <p:nvSpPr>
+            <p:cNvPr id="25" name="フリーフォーム 24">
+              <a:extLst>
+                <a:ext uri="{FF2B5EF4-FFF2-40B4-BE49-F238E27FC236}">
+                  <a16:creationId xmlns:a16="http://schemas.microsoft.com/office/drawing/2014/main" id="{F42FF860-1879-B38D-B685-6797845204A0}"/>
+                </a:ext>
+              </a:extLst>
+            </p:cNvPr>
+            <p:cNvSpPr/>
+            <p:nvPr/>
+          </p:nvSpPr>
+          <p:spPr>
+            <a:xfrm>
+              <a:off x="11465201" y="698742"/>
+              <a:ext cx="1579324" cy="92901"/>
+            </a:xfrm>
+            <a:custGeom>
+              <a:avLst/>
+              <a:gdLst>
+                <a:gd name="connsiteX0" fmla="*/ 0 w 1579324"/>
+                <a:gd name="connsiteY0" fmla="*/ 0 h 92901"/>
+                <a:gd name="connsiteX1" fmla="*/ 975465 w 1579324"/>
+                <a:gd name="connsiteY1" fmla="*/ 0 h 92901"/>
+                <a:gd name="connsiteX2" fmla="*/ 1579324 w 1579324"/>
+                <a:gd name="connsiteY2" fmla="*/ 0 h 92901"/>
+                <a:gd name="connsiteX3" fmla="*/ 1370296 w 1579324"/>
+                <a:gd name="connsiteY3" fmla="*/ 0 h 92901"/>
+              </a:gdLst>
+              <a:ahLst/>
+              <a:cxnLst>
+                <a:cxn ang="0">
+                  <a:pos x="connsiteX0" y="connsiteY0"/>
+                </a:cxn>
+                <a:cxn ang="0">
+                  <a:pos x="connsiteX1" y="connsiteY1"/>
+                </a:cxn>
+                <a:cxn ang="0">
+                  <a:pos x="connsiteX2" y="connsiteY2"/>
+                </a:cxn>
+                <a:cxn ang="0">
+                  <a:pos x="connsiteX3" y="connsiteY3"/>
+                </a:cxn>
+              </a:cxnLst>
+              <a:rect l="l" t="t" r="r" b="b"/>
+              <a:pathLst>
+                <a:path w="1579324" h="92901">
+                  <a:moveTo>
+                    <a:pt x="0" y="0"/>
+                  </a:moveTo>
+                  <a:lnTo>
+                    <a:pt x="975465" y="0"/>
+                  </a:lnTo>
+                  <a:moveTo>
+                    <a:pt x="1579324" y="0"/>
+                  </a:moveTo>
+                  <a:lnTo>
+                    <a:pt x="1370296" y="0"/>
+                  </a:lnTo>
+                </a:path>
+              </a:pathLst>
+            </a:custGeom>
+            <a:noFill/>
+            <a:ln w="139303" cap="rnd">
+              <a:solidFill>
+                <a:srgbClr val="0A0CF0">
+                  <a:alpha val="37000"/>
+                </a:srgbClr>
+              </a:solidFill>
+              <a:prstDash val="solid"/>
+              <a:miter/>
+            </a:ln>
+          </p:spPr>
+          <p:txBody>
+            <a:bodyPr rtlCol="0" anchor="ctr"/>
+            <a:lstStyle/>
+            <a:p>
+              <a:endParaRPr lang="ja-JP" altLang="en-US"/>
+            </a:p>
+          </p:txBody>
+        </p:sp>
+        <p:sp>
+          <p:nvSpPr>
+            <p:cNvPr id="26" name="フリーフォーム 25">
+              <a:extLst>
+                <a:ext uri="{FF2B5EF4-FFF2-40B4-BE49-F238E27FC236}">
+                  <a16:creationId xmlns:a16="http://schemas.microsoft.com/office/drawing/2014/main" id="{F7A697C1-B417-02BE-3ED7-46575062A7EA}"/>
+                </a:ext>
+              </a:extLst>
+            </p:cNvPr>
+            <p:cNvSpPr/>
+            <p:nvPr/>
+          </p:nvSpPr>
+          <p:spPr>
+            <a:xfrm>
+              <a:off x="11465201" y="1070348"/>
+              <a:ext cx="1579324" cy="92901"/>
+            </a:xfrm>
+            <a:custGeom>
+              <a:avLst/>
+              <a:gdLst>
+                <a:gd name="connsiteX0" fmla="*/ 1579324 w 1579324"/>
+                <a:gd name="connsiteY0" fmla="*/ 0 h 92901"/>
+                <a:gd name="connsiteX1" fmla="*/ 603859 w 1579324"/>
+                <a:gd name="connsiteY1" fmla="*/ 0 h 92901"/>
+                <a:gd name="connsiteX2" fmla="*/ 0 w 1579324"/>
+                <a:gd name="connsiteY2" fmla="*/ 0 h 92901"/>
+                <a:gd name="connsiteX3" fmla="*/ 209028 w 1579324"/>
+                <a:gd name="connsiteY3" fmla="*/ 0 h 92901"/>
+              </a:gdLst>
+              <a:ahLst/>
+              <a:cxnLst>
+                <a:cxn ang="0">
+                  <a:pos x="connsiteX0" y="connsiteY0"/>
+                </a:cxn>
+                <a:cxn ang="0">
+                  <a:pos x="connsiteX1" y="connsiteY1"/>
+                </a:cxn>
+                <a:cxn ang="0">
+                  <a:pos x="connsiteX2" y="connsiteY2"/>
+                </a:cxn>
+                <a:cxn ang="0">
+                  <a:pos x="connsiteX3" y="connsiteY3"/>
+                </a:cxn>
+              </a:cxnLst>
+              <a:rect l="l" t="t" r="r" b="b"/>
+              <a:pathLst>
+                <a:path w="1579324" h="92901">
+                  <a:moveTo>
+                    <a:pt x="1579324" y="0"/>
+                  </a:moveTo>
+                  <a:lnTo>
+                    <a:pt x="603859" y="0"/>
+                  </a:lnTo>
+                  <a:moveTo>
+                    <a:pt x="0" y="0"/>
+                  </a:moveTo>
+                  <a:lnTo>
+                    <a:pt x="209028" y="0"/>
+                  </a:lnTo>
+                </a:path>
+              </a:pathLst>
+            </a:custGeom>
+            <a:noFill/>
+            <a:ln w="139303" cap="rnd">
+              <a:solidFill>
+                <a:srgbClr val="0A0CF0">
+                  <a:alpha val="37000"/>
+                </a:srgbClr>
+              </a:solidFill>
+              <a:prstDash val="solid"/>
+              <a:miter/>
+            </a:ln>
+          </p:spPr>
+          <p:txBody>
+            <a:bodyPr rtlCol="0" anchor="ctr"/>
+            <a:lstStyle/>
+            <a:p>
+              <a:endParaRPr lang="ja-JP" altLang="en-US"/>
+            </a:p>
+          </p:txBody>
+        </p:sp>
+      </p:grpSp>
+      <p:sp>
+        <p:nvSpPr>
+          <p:cNvPr id="2" name="角丸四角形 1">
+            <a:extLst>
+              <a:ext uri="{FF2B5EF4-FFF2-40B4-BE49-F238E27FC236}">
+                <a16:creationId xmlns:a16="http://schemas.microsoft.com/office/drawing/2014/main" id="{D560FB00-0E8A-E628-CC1D-9BEABB1F8AF6}"/>
+              </a:ext>
+            </a:extLst>
+          </p:cNvPr>
+          <p:cNvSpPr/>
+          <p:nvPr/>
+        </p:nvSpPr>
+        <p:spPr>
+          <a:xfrm>
+            <a:off x="5417635" y="1722236"/>
+            <a:ext cx="3337877" cy="914400"/>
+          </a:xfrm>
+          <a:prstGeom prst="roundRect">
+            <a:avLst>
+              <a:gd name="adj" fmla="val 0"/>
+            </a:avLst>
+          </a:prstGeom>
+          <a:solidFill>
+            <a:schemeClr val="bg1">
+              <a:alpha val="36000"/>
+            </a:schemeClr>
+          </a:solidFill>
+          <a:ln w="12700">
+            <a:noFill/>
+            <a:miter lim="400000"/>
+          </a:ln>
+          <a:extLst>
+            <a:ext uri="{C572A759-6A51-4108-AA02-DFA0A04FC94B}">
+              <ma14:wrappingTextBoxFlag xmlns:ma14="http://schemas.microsoft.com/office/mac/drawingml/2011/main" xmlns="" val="1"/>
+            </a:ext>
+          </a:extLst>
+        </p:spPr>
+        <p:txBody>
+          <a:bodyPr lIns="0" tIns="0" rIns="0" bIns="0" rtlCol="0" anchor="ctr">
+            <a:noAutofit/>
+          </a:bodyPr>
+          <a:lstStyle/>
+          <a:p>
+            <a:pPr algn="ctr"/>
+            <a:r>
+              <a:rPr kumimoji="1" lang="en" altLang="ja-JP" sz="6000" b="1">
+                <a:solidFill>
+                  <a:srgbClr val="056BE6"/>
+                </a:solidFill>
+                <a:latin typeface="Yu Gothic" panose="020B0400000000000000" pitchFamily="34" charset="-128"/>
+                <a:ea typeface="Yu Gothic" panose="020B0400000000000000" pitchFamily="34" charset="-128"/>
+              </a:rPr>
+              <a:t>R</a:t>
+            </a:r>
+            <a:r>
+              <a:rPr lang="en-US" altLang="ja-JP" sz="6000" b="1">
+                <a:solidFill>
+                  <a:srgbClr val="056BE6"/>
+                </a:solidFill>
+                <a:latin typeface="Yu Gothic" panose="020B0400000000000000" pitchFamily="34" charset="-128"/>
+                <a:ea typeface="Yu Gothic" panose="020B0400000000000000" pitchFamily="34" charset="-128"/>
+              </a:rPr>
+              <a:t> &amp; SQL</a:t>
+            </a:r>
+            <a:endParaRPr kumimoji="1" lang="ja-JP" altLang="en-US" sz="6000" b="1">
+              <a:solidFill>
+                <a:srgbClr val="056BE6"/>
+              </a:solidFill>
+              <a:latin typeface="Yu Gothic" panose="020B0400000000000000" pitchFamily="34" charset="-128"/>
+              <a:ea typeface="Yu Gothic" panose="020B0400000000000000" pitchFamily="34" charset="-128"/>
+            </a:endParaRPr>
+          </a:p>
+        </p:txBody>
+      </p:sp>
+      <p:sp>
+        <p:nvSpPr>
+          <p:cNvPr id="3" name="角丸四角形 2">
+            <a:extLst>
+              <a:ext uri="{FF2B5EF4-FFF2-40B4-BE49-F238E27FC236}">
+                <a16:creationId xmlns:a16="http://schemas.microsoft.com/office/drawing/2014/main" id="{893DBA56-8022-A275-0156-D3F30FEBC897}"/>
+              </a:ext>
+            </a:extLst>
+          </p:cNvPr>
+          <p:cNvSpPr/>
+          <p:nvPr/>
+        </p:nvSpPr>
+        <p:spPr>
+          <a:xfrm>
+            <a:off x="5417420" y="2660209"/>
+            <a:ext cx="5844746" cy="1166447"/>
+          </a:xfrm>
+          <a:prstGeom prst="roundRect">
+            <a:avLst>
+              <a:gd name="adj" fmla="val 0"/>
+            </a:avLst>
+          </a:prstGeom>
+          <a:solidFill>
+            <a:schemeClr val="bg1">
+              <a:alpha val="31000"/>
+            </a:schemeClr>
+          </a:solidFill>
+          <a:ln w="12700">
+            <a:noFill/>
+            <a:miter lim="400000"/>
+          </a:ln>
+          <a:extLst>
+            <a:ext uri="{C572A759-6A51-4108-AA02-DFA0A04FC94B}">
+              <ma14:wrappingTextBoxFlag xmlns:ma14="http://schemas.microsoft.com/office/mac/drawingml/2011/main" xmlns="" val="1"/>
+            </a:ext>
+          </a:extLst>
+        </p:spPr>
+        <p:txBody>
+          <a:bodyPr lIns="0" tIns="0" rIns="0" bIns="0" rtlCol="0" anchor="ctr">
+            <a:noAutofit/>
+          </a:bodyPr>
+          <a:lstStyle/>
+          <a:p>
+            <a:pPr algn="ctr"/>
+            <a:r>
+              <a:rPr kumimoji="1" lang="ja-JP" altLang="en-US" sz="7200" b="1">
+                <a:solidFill>
+                  <a:srgbClr val="056BE6"/>
+                </a:solidFill>
+                <a:effectLst>
+                  <a:outerShdw blurRad="25400" dist="38100" dir="2700000" algn="tl" rotWithShape="0">
+                    <a:schemeClr val="accent6">
+                      <a:lumMod val="50000"/>
+                      <a:alpha val="32000"/>
+                    </a:schemeClr>
+                  </a:outerShdw>
+                </a:effectLst>
+                <a:latin typeface="Hiragino Maru Gothic Pro W4" panose="020F0400000000000000" pitchFamily="34" charset="-128"/>
+                <a:ea typeface="Hiragino Maru Gothic Pro W4" panose="020F0400000000000000" pitchFamily="34" charset="-128"/>
+              </a:rPr>
+              <a:t>演習問題一覧</a:t>
+            </a:r>
+          </a:p>
+        </p:txBody>
+      </p:sp>
+      <p:grpSp>
+        <p:nvGrpSpPr>
+          <p:cNvPr id="30" name="グループ化 29">
+            <a:extLst>
+              <a:ext uri="{FF2B5EF4-FFF2-40B4-BE49-F238E27FC236}">
+                <a16:creationId xmlns:a16="http://schemas.microsoft.com/office/drawing/2014/main" id="{9593EA69-A5E2-C941-3145-7013EEBC622E}"/>
+              </a:ext>
+            </a:extLst>
+          </p:cNvPr>
+          <p:cNvGrpSpPr/>
+          <p:nvPr/>
+        </p:nvGrpSpPr>
+        <p:grpSpPr>
+          <a:xfrm>
+            <a:off x="11861626" y="713741"/>
+            <a:ext cx="1745957" cy="3011305"/>
+            <a:chOff x="11465201" y="698742"/>
+            <a:chExt cx="1579324" cy="2723908"/>
+          </a:xfrm>
+        </p:grpSpPr>
+        <p:sp>
+          <p:nvSpPr>
+            <p:cNvPr id="31" name="フリーフォーム 30">
+              <a:extLst>
+                <a:ext uri="{FF2B5EF4-FFF2-40B4-BE49-F238E27FC236}">
+                  <a16:creationId xmlns:a16="http://schemas.microsoft.com/office/drawing/2014/main" id="{42DD5361-0A04-BDC3-31B8-4281192D2D6B}"/>
+                </a:ext>
+              </a:extLst>
+            </p:cNvPr>
+            <p:cNvSpPr/>
+            <p:nvPr/>
+          </p:nvSpPr>
+          <p:spPr>
+            <a:xfrm>
+              <a:off x="12487116" y="2911693"/>
+              <a:ext cx="557408" cy="464507"/>
+            </a:xfrm>
+            <a:custGeom>
+              <a:avLst/>
+              <a:gdLst>
+                <a:gd name="connsiteX0" fmla="*/ 0 w 557408"/>
+                <a:gd name="connsiteY0" fmla="*/ 232254 h 464507"/>
+                <a:gd name="connsiteX1" fmla="*/ 195093 w 557408"/>
+                <a:gd name="connsiteY1" fmla="*/ 464507 h 464507"/>
+                <a:gd name="connsiteX2" fmla="*/ 557409 w 557408"/>
+                <a:gd name="connsiteY2" fmla="*/ 0 h 464507"/>
+              </a:gdLst>
+              <a:ahLst/>
+              <a:cxnLst>
+                <a:cxn ang="0">
+                  <a:pos x="connsiteX0" y="connsiteY0"/>
+                </a:cxn>
+                <a:cxn ang="0">
+                  <a:pos x="connsiteX1" y="connsiteY1"/>
+                </a:cxn>
+                <a:cxn ang="0">
+                  <a:pos x="connsiteX2" y="connsiteY2"/>
+                </a:cxn>
+              </a:cxnLst>
+              <a:rect l="l" t="t" r="r" b="b"/>
+              <a:pathLst>
+                <a:path w="557408" h="464507">
+                  <a:moveTo>
+                    <a:pt x="0" y="232254"/>
+                  </a:moveTo>
+                  <a:lnTo>
+                    <a:pt x="195093" y="464507"/>
+                  </a:lnTo>
+                  <a:lnTo>
+                    <a:pt x="557409" y="0"/>
+                  </a:lnTo>
+                </a:path>
+              </a:pathLst>
+            </a:custGeom>
+            <a:noFill/>
+            <a:ln w="139303" cap="rnd">
+              <a:solidFill>
+                <a:srgbClr val="0A0CF0">
+                  <a:alpha val="33000"/>
+                </a:srgbClr>
+              </a:solidFill>
+              <a:prstDash val="solid"/>
+              <a:round/>
+            </a:ln>
+          </p:spPr>
+          <p:txBody>
+            <a:bodyPr rtlCol="0" anchor="ctr"/>
+            <a:lstStyle/>
+            <a:p>
+              <a:endParaRPr lang="ja-JP" altLang="en-US"/>
+            </a:p>
+          </p:txBody>
+        </p:sp>
+        <p:sp>
+          <p:nvSpPr>
+            <p:cNvPr id="32" name="フリーフォーム 31">
+              <a:extLst>
+                <a:ext uri="{FF2B5EF4-FFF2-40B4-BE49-F238E27FC236}">
+                  <a16:creationId xmlns:a16="http://schemas.microsoft.com/office/drawing/2014/main" id="{7F6893EB-D283-0DE9-7863-0B133CB9A127}"/>
+                </a:ext>
+              </a:extLst>
+            </p:cNvPr>
+            <p:cNvSpPr/>
+            <p:nvPr/>
+          </p:nvSpPr>
+          <p:spPr>
+            <a:xfrm>
+              <a:off x="11465201" y="2958143"/>
+              <a:ext cx="650309" cy="92901"/>
+            </a:xfrm>
+            <a:custGeom>
+              <a:avLst/>
+              <a:gdLst>
+                <a:gd name="connsiteX0" fmla="*/ 650310 w 650309"/>
+                <a:gd name="connsiteY0" fmla="*/ 0 h 92901"/>
+                <a:gd name="connsiteX1" fmla="*/ 0 w 650309"/>
+                <a:gd name="connsiteY1" fmla="*/ 0 h 92901"/>
+              </a:gdLst>
+              <a:ahLst/>
+              <a:cxnLst>
+                <a:cxn ang="0">
+                  <a:pos x="connsiteX0" y="connsiteY0"/>
+                </a:cxn>
+                <a:cxn ang="0">
+                  <a:pos x="connsiteX1" y="connsiteY1"/>
+                </a:cxn>
+              </a:cxnLst>
+              <a:rect l="l" t="t" r="r" b="b"/>
+              <a:pathLst>
+                <a:path w="650309" h="92901">
+                  <a:moveTo>
+                    <a:pt x="650310" y="0"/>
+                  </a:moveTo>
+                  <a:lnTo>
+                    <a:pt x="0" y="0"/>
+                  </a:lnTo>
+                </a:path>
+              </a:pathLst>
+            </a:custGeom>
+            <a:noFill/>
+            <a:ln w="139303" cap="rnd">
+              <a:solidFill>
+                <a:srgbClr val="0A0CF0">
+                  <a:alpha val="33000"/>
+                </a:srgbClr>
+              </a:solidFill>
+              <a:prstDash val="solid"/>
+              <a:miter/>
+            </a:ln>
+          </p:spPr>
+          <p:txBody>
+            <a:bodyPr rtlCol="0" anchor="ctr"/>
+            <a:lstStyle/>
+            <a:p>
+              <a:endParaRPr lang="ja-JP" altLang="en-US"/>
+            </a:p>
+          </p:txBody>
+        </p:sp>
+        <p:sp>
+          <p:nvSpPr>
+            <p:cNvPr id="33" name="フリーフォーム 32">
+              <a:extLst>
+                <a:ext uri="{FF2B5EF4-FFF2-40B4-BE49-F238E27FC236}">
+                  <a16:creationId xmlns:a16="http://schemas.microsoft.com/office/drawing/2014/main" id="{DBA41AAF-F40B-7904-100C-D75B58FFF621}"/>
+                </a:ext>
+              </a:extLst>
+            </p:cNvPr>
+            <p:cNvSpPr/>
+            <p:nvPr/>
+          </p:nvSpPr>
+          <p:spPr>
+            <a:xfrm>
+              <a:off x="11465201" y="3329749"/>
+              <a:ext cx="650309" cy="92901"/>
+            </a:xfrm>
+            <a:custGeom>
+              <a:avLst/>
+              <a:gdLst>
+                <a:gd name="connsiteX0" fmla="*/ 650310 w 650309"/>
+                <a:gd name="connsiteY0" fmla="*/ 0 h 92901"/>
+                <a:gd name="connsiteX1" fmla="*/ 0 w 650309"/>
+                <a:gd name="connsiteY1" fmla="*/ 0 h 92901"/>
+              </a:gdLst>
+              <a:ahLst/>
+              <a:cxnLst>
+                <a:cxn ang="0">
+                  <a:pos x="connsiteX0" y="connsiteY0"/>
+                </a:cxn>
+                <a:cxn ang="0">
+                  <a:pos x="connsiteX1" y="connsiteY1"/>
+                </a:cxn>
+              </a:cxnLst>
+              <a:rect l="l" t="t" r="r" b="b"/>
+              <a:pathLst>
+                <a:path w="650309" h="92901">
+                  <a:moveTo>
+                    <a:pt x="650310" y="0"/>
+                  </a:moveTo>
+                  <a:lnTo>
+                    <a:pt x="0" y="0"/>
+                  </a:lnTo>
+                </a:path>
+              </a:pathLst>
+            </a:custGeom>
+            <a:noFill/>
+            <a:ln w="139303" cap="rnd">
+              <a:solidFill>
+                <a:srgbClr val="0A0CF0">
+                  <a:alpha val="33000"/>
+                </a:srgbClr>
+              </a:solidFill>
+              <a:prstDash val="solid"/>
+              <a:miter/>
+            </a:ln>
+          </p:spPr>
+          <p:txBody>
+            <a:bodyPr rtlCol="0" anchor="ctr"/>
+            <a:lstStyle/>
+            <a:p>
+              <a:endParaRPr lang="ja-JP" altLang="en-US"/>
+            </a:p>
+          </p:txBody>
+        </p:sp>
+        <p:sp>
+          <p:nvSpPr>
+            <p:cNvPr id="34" name="フリーフォーム 33">
+              <a:extLst>
+                <a:ext uri="{FF2B5EF4-FFF2-40B4-BE49-F238E27FC236}">
+                  <a16:creationId xmlns:a16="http://schemas.microsoft.com/office/drawing/2014/main" id="{523C10BB-72A0-136D-837B-3D9F5A687E7B}"/>
+                </a:ext>
+              </a:extLst>
+            </p:cNvPr>
+            <p:cNvSpPr/>
+            <p:nvPr/>
+          </p:nvSpPr>
+          <p:spPr>
+            <a:xfrm>
+              <a:off x="11465201" y="2214932"/>
+              <a:ext cx="1579324" cy="92901"/>
+            </a:xfrm>
+            <a:custGeom>
+              <a:avLst/>
+              <a:gdLst>
+                <a:gd name="connsiteX0" fmla="*/ 0 w 1579324"/>
+                <a:gd name="connsiteY0" fmla="*/ 0 h 92901"/>
+                <a:gd name="connsiteX1" fmla="*/ 975465 w 1579324"/>
+                <a:gd name="connsiteY1" fmla="*/ 0 h 92901"/>
+                <a:gd name="connsiteX2" fmla="*/ 1579324 w 1579324"/>
+                <a:gd name="connsiteY2" fmla="*/ 0 h 92901"/>
+                <a:gd name="connsiteX3" fmla="*/ 1370296 w 1579324"/>
+                <a:gd name="connsiteY3" fmla="*/ 0 h 92901"/>
+              </a:gdLst>
+              <a:ahLst/>
+              <a:cxnLst>
+                <a:cxn ang="0">
+                  <a:pos x="connsiteX0" y="connsiteY0"/>
+                </a:cxn>
+                <a:cxn ang="0">
+                  <a:pos x="connsiteX1" y="connsiteY1"/>
+                </a:cxn>
+                <a:cxn ang="0">
+                  <a:pos x="connsiteX2" y="connsiteY2"/>
+                </a:cxn>
+                <a:cxn ang="0">
+                  <a:pos x="connsiteX3" y="connsiteY3"/>
+                </a:cxn>
+              </a:cxnLst>
+              <a:rect l="l" t="t" r="r" b="b"/>
+              <a:pathLst>
+                <a:path w="1579324" h="92901">
+                  <a:moveTo>
+                    <a:pt x="0" y="0"/>
+                  </a:moveTo>
+                  <a:lnTo>
+                    <a:pt x="975465" y="0"/>
+                  </a:lnTo>
+                  <a:moveTo>
+                    <a:pt x="1579324" y="0"/>
+                  </a:moveTo>
+                  <a:lnTo>
+                    <a:pt x="1370296" y="0"/>
+                  </a:lnTo>
+                </a:path>
+              </a:pathLst>
+            </a:custGeom>
+            <a:noFill/>
+            <a:ln w="139303" cap="rnd">
+              <a:solidFill>
+                <a:srgbClr val="0A0CF0">
+                  <a:alpha val="33000"/>
+                </a:srgbClr>
+              </a:solidFill>
+              <a:prstDash val="solid"/>
+              <a:miter/>
+            </a:ln>
+          </p:spPr>
+          <p:txBody>
+            <a:bodyPr rtlCol="0" anchor="ctr"/>
+            <a:lstStyle/>
+            <a:p>
+              <a:endParaRPr lang="ja-JP" altLang="en-US"/>
+            </a:p>
+          </p:txBody>
+        </p:sp>
+        <p:sp>
+          <p:nvSpPr>
+            <p:cNvPr id="35" name="フリーフォーム 34">
+              <a:extLst>
+                <a:ext uri="{FF2B5EF4-FFF2-40B4-BE49-F238E27FC236}">
+                  <a16:creationId xmlns:a16="http://schemas.microsoft.com/office/drawing/2014/main" id="{341A94BD-6EA1-EF4F-C9B1-B5C81C25FFE3}"/>
+                </a:ext>
+              </a:extLst>
+            </p:cNvPr>
+            <p:cNvSpPr/>
+            <p:nvPr/>
+          </p:nvSpPr>
+          <p:spPr>
+            <a:xfrm>
+              <a:off x="11465201" y="2586538"/>
+              <a:ext cx="1579324" cy="92901"/>
+            </a:xfrm>
+            <a:custGeom>
+              <a:avLst/>
+              <a:gdLst>
+                <a:gd name="connsiteX0" fmla="*/ 1579324 w 1579324"/>
+                <a:gd name="connsiteY0" fmla="*/ 0 h 92901"/>
+                <a:gd name="connsiteX1" fmla="*/ 603859 w 1579324"/>
+                <a:gd name="connsiteY1" fmla="*/ 0 h 92901"/>
+                <a:gd name="connsiteX2" fmla="*/ 0 w 1579324"/>
+                <a:gd name="connsiteY2" fmla="*/ 0 h 92901"/>
+                <a:gd name="connsiteX3" fmla="*/ 209028 w 1579324"/>
+                <a:gd name="connsiteY3" fmla="*/ 0 h 92901"/>
+              </a:gdLst>
+              <a:ahLst/>
+              <a:cxnLst>
+                <a:cxn ang="0">
+                  <a:pos x="connsiteX0" y="connsiteY0"/>
+                </a:cxn>
+                <a:cxn ang="0">
+                  <a:pos x="connsiteX1" y="connsiteY1"/>
+                </a:cxn>
+                <a:cxn ang="0">
+                  <a:pos x="connsiteX2" y="connsiteY2"/>
+                </a:cxn>
+                <a:cxn ang="0">
+                  <a:pos x="connsiteX3" y="connsiteY3"/>
+                </a:cxn>
+              </a:cxnLst>
+              <a:rect l="l" t="t" r="r" b="b"/>
+              <a:pathLst>
+                <a:path w="1579324" h="92901">
+                  <a:moveTo>
+                    <a:pt x="1579324" y="0"/>
+                  </a:moveTo>
+                  <a:lnTo>
+                    <a:pt x="603859" y="0"/>
+                  </a:lnTo>
+                  <a:moveTo>
+                    <a:pt x="0" y="0"/>
+                  </a:moveTo>
+                  <a:lnTo>
+                    <a:pt x="209028" y="0"/>
+                  </a:lnTo>
+                </a:path>
+              </a:pathLst>
+            </a:custGeom>
+            <a:noFill/>
+            <a:ln w="139303" cap="rnd">
+              <a:solidFill>
+                <a:srgbClr val="0A0CF0">
+                  <a:alpha val="33000"/>
+                </a:srgbClr>
+              </a:solidFill>
+              <a:prstDash val="solid"/>
+              <a:miter/>
+            </a:ln>
+          </p:spPr>
+          <p:txBody>
+            <a:bodyPr rtlCol="0" anchor="ctr"/>
+            <a:lstStyle/>
+            <a:p>
+              <a:endParaRPr lang="ja-JP" altLang="en-US"/>
+            </a:p>
+          </p:txBody>
+        </p:sp>
+        <p:sp>
+          <p:nvSpPr>
+            <p:cNvPr id="36" name="フリーフォーム 35">
+              <a:extLst>
+                <a:ext uri="{FF2B5EF4-FFF2-40B4-BE49-F238E27FC236}">
+                  <a16:creationId xmlns:a16="http://schemas.microsoft.com/office/drawing/2014/main" id="{D1929696-5AF4-A0C6-7006-3C54051DF6B8}"/>
+                </a:ext>
+              </a:extLst>
+            </p:cNvPr>
+            <p:cNvSpPr/>
+            <p:nvPr/>
+          </p:nvSpPr>
+          <p:spPr>
+            <a:xfrm>
+              <a:off x="11465201" y="1455804"/>
+              <a:ext cx="1579324" cy="92901"/>
+            </a:xfrm>
+            <a:custGeom>
+              <a:avLst/>
+              <a:gdLst>
+                <a:gd name="connsiteX0" fmla="*/ 0 w 1579324"/>
+                <a:gd name="connsiteY0" fmla="*/ 0 h 92901"/>
+                <a:gd name="connsiteX1" fmla="*/ 975465 w 1579324"/>
+                <a:gd name="connsiteY1" fmla="*/ 0 h 92901"/>
+                <a:gd name="connsiteX2" fmla="*/ 1579324 w 1579324"/>
+                <a:gd name="connsiteY2" fmla="*/ 0 h 92901"/>
+                <a:gd name="connsiteX3" fmla="*/ 1370296 w 1579324"/>
+                <a:gd name="connsiteY3" fmla="*/ 0 h 92901"/>
+              </a:gdLst>
+              <a:ahLst/>
+              <a:cxnLst>
+                <a:cxn ang="0">
+                  <a:pos x="connsiteX0" y="connsiteY0"/>
+                </a:cxn>
+                <a:cxn ang="0">
+                  <a:pos x="connsiteX1" y="connsiteY1"/>
+                </a:cxn>
+                <a:cxn ang="0">
+                  <a:pos x="connsiteX2" y="connsiteY2"/>
+                </a:cxn>
+                <a:cxn ang="0">
+                  <a:pos x="connsiteX3" y="connsiteY3"/>
+                </a:cxn>
+              </a:cxnLst>
+              <a:rect l="l" t="t" r="r" b="b"/>
+              <a:pathLst>
+                <a:path w="1579324" h="92901">
+                  <a:moveTo>
+                    <a:pt x="0" y="0"/>
+                  </a:moveTo>
+                  <a:lnTo>
+                    <a:pt x="975465" y="0"/>
+                  </a:lnTo>
+                  <a:moveTo>
+                    <a:pt x="1579324" y="0"/>
+                  </a:moveTo>
+                  <a:lnTo>
+                    <a:pt x="1370296" y="0"/>
+                  </a:lnTo>
+                </a:path>
+              </a:pathLst>
+            </a:custGeom>
+            <a:noFill/>
+            <a:ln w="139303" cap="rnd">
+              <a:solidFill>
+                <a:srgbClr val="0A0CF0">
+                  <a:alpha val="33000"/>
+                </a:srgbClr>
+              </a:solidFill>
+              <a:prstDash val="solid"/>
+              <a:miter/>
+            </a:ln>
+          </p:spPr>
+          <p:txBody>
+            <a:bodyPr rtlCol="0" anchor="ctr"/>
+            <a:lstStyle/>
+            <a:p>
+              <a:endParaRPr lang="ja-JP" altLang="en-US"/>
+            </a:p>
+          </p:txBody>
+        </p:sp>
+        <p:sp>
+          <p:nvSpPr>
+            <p:cNvPr id="37" name="フリーフォーム 36">
+              <a:extLst>
+                <a:ext uri="{FF2B5EF4-FFF2-40B4-BE49-F238E27FC236}">
+                  <a16:creationId xmlns:a16="http://schemas.microsoft.com/office/drawing/2014/main" id="{CB0C6876-77C4-A315-023B-A0DDBCF0146B}"/>
+                </a:ext>
+              </a:extLst>
+            </p:cNvPr>
+            <p:cNvSpPr/>
+            <p:nvPr/>
+          </p:nvSpPr>
+          <p:spPr>
+            <a:xfrm>
+              <a:off x="11465201" y="1827410"/>
+              <a:ext cx="1579324" cy="92901"/>
+            </a:xfrm>
+            <a:custGeom>
+              <a:avLst/>
+              <a:gdLst>
+                <a:gd name="connsiteX0" fmla="*/ 1579324 w 1579324"/>
+                <a:gd name="connsiteY0" fmla="*/ 0 h 92901"/>
+                <a:gd name="connsiteX1" fmla="*/ 603859 w 1579324"/>
+                <a:gd name="connsiteY1" fmla="*/ 0 h 92901"/>
+                <a:gd name="connsiteX2" fmla="*/ 0 w 1579324"/>
+                <a:gd name="connsiteY2" fmla="*/ 0 h 92901"/>
+                <a:gd name="connsiteX3" fmla="*/ 209028 w 1579324"/>
+                <a:gd name="connsiteY3" fmla="*/ 0 h 92901"/>
+              </a:gdLst>
+              <a:ahLst/>
+              <a:cxnLst>
+                <a:cxn ang="0">
+                  <a:pos x="connsiteX0" y="connsiteY0"/>
+                </a:cxn>
+                <a:cxn ang="0">
+                  <a:pos x="connsiteX1" y="connsiteY1"/>
+                </a:cxn>
+                <a:cxn ang="0">
+                  <a:pos x="connsiteX2" y="connsiteY2"/>
+                </a:cxn>
+                <a:cxn ang="0">
+                  <a:pos x="connsiteX3" y="connsiteY3"/>
+                </a:cxn>
+              </a:cxnLst>
+              <a:rect l="l" t="t" r="r" b="b"/>
+              <a:pathLst>
+                <a:path w="1579324" h="92901">
+                  <a:moveTo>
+                    <a:pt x="1579324" y="0"/>
+                  </a:moveTo>
+                  <a:lnTo>
+                    <a:pt x="603859" y="0"/>
+                  </a:lnTo>
+                  <a:moveTo>
+                    <a:pt x="0" y="0"/>
+                  </a:moveTo>
+                  <a:lnTo>
+                    <a:pt x="209028" y="0"/>
+                  </a:lnTo>
+                </a:path>
+              </a:pathLst>
+            </a:custGeom>
+            <a:noFill/>
+            <a:ln w="139303" cap="rnd">
+              <a:solidFill>
+                <a:srgbClr val="0A0CF0">
+                  <a:alpha val="33000"/>
+                </a:srgbClr>
+              </a:solidFill>
+              <a:prstDash val="solid"/>
+              <a:miter/>
+            </a:ln>
+          </p:spPr>
+          <p:txBody>
+            <a:bodyPr rtlCol="0" anchor="ctr"/>
+            <a:lstStyle/>
+            <a:p>
+              <a:endParaRPr lang="ja-JP" altLang="en-US"/>
+            </a:p>
+          </p:txBody>
+        </p:sp>
+        <p:sp>
+          <p:nvSpPr>
+            <p:cNvPr id="38" name="フリーフォーム 37">
+              <a:extLst>
+                <a:ext uri="{FF2B5EF4-FFF2-40B4-BE49-F238E27FC236}">
+                  <a16:creationId xmlns:a16="http://schemas.microsoft.com/office/drawing/2014/main" id="{847F5611-9D39-D9DE-7D7E-B2C8005E54D0}"/>
+                </a:ext>
+              </a:extLst>
+            </p:cNvPr>
+            <p:cNvSpPr/>
+            <p:nvPr/>
+          </p:nvSpPr>
+          <p:spPr>
+            <a:xfrm>
+              <a:off x="11465201" y="698742"/>
+              <a:ext cx="1579324" cy="92901"/>
+            </a:xfrm>
+            <a:custGeom>
+              <a:avLst/>
+              <a:gdLst>
+                <a:gd name="connsiteX0" fmla="*/ 0 w 1579324"/>
+                <a:gd name="connsiteY0" fmla="*/ 0 h 92901"/>
+                <a:gd name="connsiteX1" fmla="*/ 975465 w 1579324"/>
+                <a:gd name="connsiteY1" fmla="*/ 0 h 92901"/>
+                <a:gd name="connsiteX2" fmla="*/ 1579324 w 1579324"/>
+                <a:gd name="connsiteY2" fmla="*/ 0 h 92901"/>
+                <a:gd name="connsiteX3" fmla="*/ 1370296 w 1579324"/>
+                <a:gd name="connsiteY3" fmla="*/ 0 h 92901"/>
+              </a:gdLst>
+              <a:ahLst/>
+              <a:cxnLst>
+                <a:cxn ang="0">
+                  <a:pos x="connsiteX0" y="connsiteY0"/>
+                </a:cxn>
+                <a:cxn ang="0">
+                  <a:pos x="connsiteX1" y="connsiteY1"/>
+                </a:cxn>
+                <a:cxn ang="0">
+                  <a:pos x="connsiteX2" y="connsiteY2"/>
+                </a:cxn>
+                <a:cxn ang="0">
+                  <a:pos x="connsiteX3" y="connsiteY3"/>
+                </a:cxn>
+              </a:cxnLst>
+              <a:rect l="l" t="t" r="r" b="b"/>
+              <a:pathLst>
+                <a:path w="1579324" h="92901">
+                  <a:moveTo>
+                    <a:pt x="0" y="0"/>
+                  </a:moveTo>
+                  <a:lnTo>
+                    <a:pt x="975465" y="0"/>
+                  </a:lnTo>
+                  <a:moveTo>
+                    <a:pt x="1579324" y="0"/>
+                  </a:moveTo>
+                  <a:lnTo>
+                    <a:pt x="1370296" y="0"/>
+                  </a:lnTo>
+                </a:path>
+              </a:pathLst>
+            </a:custGeom>
+            <a:noFill/>
+            <a:ln w="139303" cap="rnd">
+              <a:solidFill>
+                <a:srgbClr val="0A0CF0">
+                  <a:alpha val="33000"/>
+                </a:srgbClr>
+              </a:solidFill>
+              <a:prstDash val="solid"/>
+              <a:miter/>
+            </a:ln>
+          </p:spPr>
+          <p:txBody>
+            <a:bodyPr rtlCol="0" anchor="ctr"/>
+            <a:lstStyle/>
+            <a:p>
+              <a:endParaRPr lang="ja-JP" altLang="en-US"/>
+            </a:p>
+          </p:txBody>
+        </p:sp>
+        <p:sp>
+          <p:nvSpPr>
+            <p:cNvPr id="39" name="フリーフォーム 38">
+              <a:extLst>
+                <a:ext uri="{FF2B5EF4-FFF2-40B4-BE49-F238E27FC236}">
+                  <a16:creationId xmlns:a16="http://schemas.microsoft.com/office/drawing/2014/main" id="{7018B8BA-D05B-5C33-3822-D3FCBEBE7D74}"/>
+                </a:ext>
+              </a:extLst>
+            </p:cNvPr>
+            <p:cNvSpPr/>
+            <p:nvPr/>
+          </p:nvSpPr>
+          <p:spPr>
+            <a:xfrm>
+              <a:off x="11465201" y="1070348"/>
+              <a:ext cx="1579324" cy="92901"/>
+            </a:xfrm>
+            <a:custGeom>
+              <a:avLst/>
+              <a:gdLst>
+                <a:gd name="connsiteX0" fmla="*/ 1579324 w 1579324"/>
+                <a:gd name="connsiteY0" fmla="*/ 0 h 92901"/>
+                <a:gd name="connsiteX1" fmla="*/ 603859 w 1579324"/>
+                <a:gd name="connsiteY1" fmla="*/ 0 h 92901"/>
+                <a:gd name="connsiteX2" fmla="*/ 0 w 1579324"/>
+                <a:gd name="connsiteY2" fmla="*/ 0 h 92901"/>
+                <a:gd name="connsiteX3" fmla="*/ 209028 w 1579324"/>
+                <a:gd name="connsiteY3" fmla="*/ 0 h 92901"/>
+              </a:gdLst>
+              <a:ahLst/>
+              <a:cxnLst>
+                <a:cxn ang="0">
+                  <a:pos x="connsiteX0" y="connsiteY0"/>
+                </a:cxn>
+                <a:cxn ang="0">
+                  <a:pos x="connsiteX1" y="connsiteY1"/>
+                </a:cxn>
+                <a:cxn ang="0">
+                  <a:pos x="connsiteX2" y="connsiteY2"/>
+                </a:cxn>
+                <a:cxn ang="0">
+                  <a:pos x="connsiteX3" y="connsiteY3"/>
+                </a:cxn>
+              </a:cxnLst>
+              <a:rect l="l" t="t" r="r" b="b"/>
+              <a:pathLst>
+                <a:path w="1579324" h="92901">
+                  <a:moveTo>
+                    <a:pt x="1579324" y="0"/>
+                  </a:moveTo>
+                  <a:lnTo>
+                    <a:pt x="603859" y="0"/>
+                  </a:lnTo>
+                  <a:moveTo>
+                    <a:pt x="0" y="0"/>
+                  </a:moveTo>
+                  <a:lnTo>
+                    <a:pt x="209028" y="0"/>
+                  </a:lnTo>
+                </a:path>
+              </a:pathLst>
+            </a:custGeom>
+            <a:noFill/>
+            <a:ln w="139303" cap="rnd">
+              <a:solidFill>
+                <a:srgbClr val="0A0CF0">
+                  <a:alpha val="33000"/>
+                </a:srgbClr>
+              </a:solidFill>
+              <a:prstDash val="solid"/>
+              <a:miter/>
+            </a:ln>
+          </p:spPr>
+          <p:txBody>
+            <a:bodyPr rtlCol="0" anchor="ctr"/>
+            <a:lstStyle/>
+            <a:p>
+              <a:endParaRPr lang="ja-JP" altLang="en-US"/>
+            </a:p>
+          </p:txBody>
+        </p:sp>
+      </p:grpSp>
+      <p:pic>
+        <p:nvPicPr>
+          <p:cNvPr id="28" name="グラフィックス 27" descr="ワークフロー">
+            <a:extLst>
+              <a:ext uri="{FF2B5EF4-FFF2-40B4-BE49-F238E27FC236}">
+                <a16:creationId xmlns:a16="http://schemas.microsoft.com/office/drawing/2014/main" id="{FFBFB588-FD97-3B31-13B5-E6F8C4ED6BE4}"/>
+              </a:ext>
+            </a:extLst>
+          </p:cNvPr>
+          <p:cNvPicPr>
+            <a:picLocks noChangeAspect="1"/>
+          </p:cNvPicPr>
+          <p:nvPr/>
+        </p:nvPicPr>
+        <p:blipFill>
+          <a:blip r:embed="rId4">
+            <a:extLst>
+              <a:ext uri="{28A0092B-C50C-407E-A947-70E740481C1C}">
+                <a14:useLocalDpi xmlns:a14="http://schemas.microsoft.com/office/drawing/2010/main" val="0"/>
+              </a:ext>
+              <a:ext uri="{96DAC541-7B7A-43D3-8B79-37D633B846F1}">
+                <asvg:svgBlip xmlns:asvg="http://schemas.microsoft.com/office/drawing/2016/SVG/main" r:embed="rId5"/>
+              </a:ext>
+            </a:extLst>
+          </a:blip>
+          <a:stretch>
+            <a:fillRect/>
+          </a:stretch>
+        </p:blipFill>
+        <p:spPr>
+          <a:xfrm>
+            <a:off x="9833111" y="-19052"/>
+            <a:ext cx="1503295" cy="1503295"/>
+          </a:xfrm>
+          <a:prstGeom prst="rect">
+            <a:avLst/>
+          </a:prstGeom>
+        </p:spPr>
+      </p:pic>
+      <p:pic>
+        <p:nvPicPr>
+          <p:cNvPr id="6" name="図 5">
+            <a:extLst>
+              <a:ext uri="{FF2B5EF4-FFF2-40B4-BE49-F238E27FC236}">
+                <a16:creationId xmlns:a16="http://schemas.microsoft.com/office/drawing/2014/main" id="{E64D9AB2-2CD5-A2A3-B4B3-221BCFFBBBFE}"/>
+              </a:ext>
+            </a:extLst>
+          </p:cNvPr>
+          <p:cNvPicPr>
+            <a:picLocks noChangeAspect="1"/>
+          </p:cNvPicPr>
+          <p:nvPr/>
+        </p:nvPicPr>
+        <p:blipFill>
+          <a:blip r:embed="rId6">
+            <a:extLst>
+              <a:ext uri="{BEBA8EAE-BF5A-486C-A8C5-ECC9F3942E4B}">
+                <a14:imgProps xmlns:a14="http://schemas.microsoft.com/office/drawing/2010/main">
+                  <a14:imgLayer r:embed="rId7">
+                    <a14:imgEffect>
+                      <a14:brightnessContrast bright="23000" contrast="46000"/>
+                    </a14:imgEffect>
+                  </a14:imgLayer>
+                </a14:imgProps>
+              </a:ext>
+              <a:ext uri="{28A0092B-C50C-407E-A947-70E740481C1C}">
+                <a14:useLocalDpi xmlns:a14="http://schemas.microsoft.com/office/drawing/2010/main" val="0"/>
+              </a:ext>
+            </a:extLst>
+          </a:blip>
+          <a:stretch>
+            <a:fillRect/>
+          </a:stretch>
+        </p:blipFill>
+        <p:spPr>
+          <a:xfrm>
+            <a:off x="3235809" y="1468160"/>
+            <a:ext cx="1991903" cy="2480986"/>
+          </a:xfrm>
+          <a:prstGeom prst="rect">
+            <a:avLst/>
+          </a:prstGeom>
+        </p:spPr>
+      </p:pic>
+    </p:spTree>
+    <p:extLst>
+      <p:ext uri="{BB962C8B-B14F-4D97-AF65-F5344CB8AC3E}">
+        <p14:creationId xmlns:p14="http://schemas.microsoft.com/office/powerpoint/2010/main" val="3091231147"/>
       </p:ext>
     </p:extLst>
   </p:cSld>

--- a/_memo/image/drill-list.pptx
+++ b/_memo/image/drill-list.pptx
@@ -5,10 +5,10 @@
     <p:sldMasterId id="2147483648" r:id="rId1"/>
   </p:sldMasterIdLst>
   <p:notesMasterIdLst>
-    <p:notesMasterId r:id="rId10"/>
+    <p:notesMasterId r:id="rId11"/>
   </p:notesMasterIdLst>
   <p:handoutMasterIdLst>
-    <p:handoutMasterId r:id="rId11"/>
+    <p:handoutMasterId r:id="rId12"/>
   </p:handoutMasterIdLst>
   <p:sldIdLst>
     <p:sldId id="640" r:id="rId2"/>
@@ -19,6 +19,7 @@
     <p:sldId id="706" r:id="rId7"/>
     <p:sldId id="707" r:id="rId8"/>
     <p:sldId id="708" r:id="rId9"/>
+    <p:sldId id="709" r:id="rId10"/>
   </p:sldIdLst>
   <p:sldSz cx="14400213" cy="4356100"/>
   <p:notesSz cx="6735763" cy="9866313"/>
@@ -130,6 +131,7 @@
             <p14:sldId id="706"/>
             <p14:sldId id="707"/>
             <p14:sldId id="708"/>
+            <p14:sldId id="709"/>
           </p14:sldIdLst>
         </p14:section>
         <p14:section name="アイコン" id="{E6A61129-24E8-BE4F-97F7-218E9035C89D}">
@@ -14172,10 +14174,8 @@
               </a:srgbClr>
             </a:gs>
             <a:gs pos="0">
-              <a:srgbClr val="056BE6">
-                <a:lumMod val="70000"/>
-                <a:lumOff val="30000"/>
-                <a:alpha val="35000"/>
+              <a:srgbClr val="4396FB">
+                <a:alpha val="34902"/>
               </a:srgbClr>
             </a:gs>
           </a:gsLst>
@@ -15886,6 +15886,1863 @@
     <p:extLst>
       <p:ext uri="{BB962C8B-B14F-4D97-AF65-F5344CB8AC3E}">
         <p14:creationId xmlns:p14="http://schemas.microsoft.com/office/powerpoint/2010/main" val="3091231147"/>
+      </p:ext>
+    </p:extLst>
+  </p:cSld>
+  <p:clrMapOvr>
+    <a:masterClrMapping/>
+  </p:clrMapOvr>
+</p:sld>
+</file>
+
+<file path=ppt/slides/slide9.xml><?xml version="1.0" encoding="utf-8"?>
+<p:sld xmlns:a="http://schemas.openxmlformats.org/drawingml/2006/main" xmlns:r="http://schemas.openxmlformats.org/officeDocument/2006/relationships" xmlns:p="http://schemas.openxmlformats.org/presentationml/2006/main">
+  <p:cSld>
+    <p:bg>
+      <p:bgPr>
+        <a:gradFill>
+          <a:gsLst>
+            <a:gs pos="100000">
+              <a:srgbClr val="F2EBFF">
+                <a:lumMod val="96299"/>
+                <a:lumOff val="3701"/>
+                <a:alpha val="43000"/>
+              </a:srgbClr>
+            </a:gs>
+            <a:gs pos="2000">
+              <a:srgbClr val="4396FB">
+                <a:alpha val="63988"/>
+              </a:srgbClr>
+            </a:gs>
+          </a:gsLst>
+          <a:lin ang="18900000" scaled="0"/>
+        </a:gradFill>
+        <a:effectLst/>
+      </p:bgPr>
+    </p:bg>
+    <p:spTree>
+      <p:nvGrpSpPr>
+        <p:cNvPr id="1" name=""/>
+        <p:cNvGrpSpPr/>
+        <p:nvPr/>
+      </p:nvGrpSpPr>
+      <p:grpSpPr>
+        <a:xfrm>
+          <a:off x="0" y="0"/>
+          <a:ext cx="0" cy="0"/>
+          <a:chOff x="0" y="0"/>
+          <a:chExt cx="0" cy="0"/>
+        </a:xfrm>
+      </p:grpSpPr>
+      <p:pic>
+        <p:nvPicPr>
+          <p:cNvPr id="29" name="グラフィックス 28">
+            <a:extLst>
+              <a:ext uri="{FF2B5EF4-FFF2-40B4-BE49-F238E27FC236}">
+                <a16:creationId xmlns:a16="http://schemas.microsoft.com/office/drawing/2014/main" id="{F468961F-AADE-04AE-B05F-3BA1C91DCA13}"/>
+              </a:ext>
+            </a:extLst>
+          </p:cNvPr>
+          <p:cNvPicPr>
+            <a:picLocks noChangeAspect="1"/>
+          </p:cNvPicPr>
+          <p:nvPr/>
+        </p:nvPicPr>
+        <p:blipFill>
+          <a:blip r:embed="rId2">
+            <a:alphaModFix/>
+            <a:lum bright="-10000" contrast="60000"/>
+            <a:extLst>
+              <a:ext uri="{28A0092B-C50C-407E-A947-70E740481C1C}">
+                <a14:useLocalDpi xmlns:a14="http://schemas.microsoft.com/office/drawing/2010/main" val="0"/>
+              </a:ext>
+              <a:ext uri="{96DAC541-7B7A-43D3-8B79-37D633B846F1}">
+                <asvg:svgBlip xmlns:asvg="http://schemas.microsoft.com/office/drawing/2016/SVG/main" r:embed="rId3"/>
+              </a:ext>
+            </a:extLst>
+          </a:blip>
+          <a:stretch>
+            <a:fillRect/>
+          </a:stretch>
+        </p:blipFill>
+        <p:spPr>
+          <a:xfrm>
+            <a:off x="8847966" y="276363"/>
+            <a:ext cx="1969535" cy="1969535"/>
+          </a:xfrm>
+          <a:prstGeom prst="rect">
+            <a:avLst/>
+          </a:prstGeom>
+        </p:spPr>
+      </p:pic>
+      <p:grpSp>
+        <p:nvGrpSpPr>
+          <p:cNvPr id="27" name="グループ化 26">
+            <a:extLst>
+              <a:ext uri="{FF2B5EF4-FFF2-40B4-BE49-F238E27FC236}">
+                <a16:creationId xmlns:a16="http://schemas.microsoft.com/office/drawing/2014/main" id="{DB62DD05-BC9B-A3D3-FF29-371E44EE94BB}"/>
+              </a:ext>
+            </a:extLst>
+          </p:cNvPr>
+          <p:cNvGrpSpPr/>
+          <p:nvPr/>
+        </p:nvGrpSpPr>
+        <p:grpSpPr>
+          <a:xfrm>
+            <a:off x="851468" y="713741"/>
+            <a:ext cx="1745957" cy="3011305"/>
+            <a:chOff x="11465201" y="698742"/>
+            <a:chExt cx="1579324" cy="2723908"/>
+          </a:xfrm>
+        </p:grpSpPr>
+        <p:sp>
+          <p:nvSpPr>
+            <p:cNvPr id="18" name="フリーフォーム 17">
+              <a:extLst>
+                <a:ext uri="{FF2B5EF4-FFF2-40B4-BE49-F238E27FC236}">
+                  <a16:creationId xmlns:a16="http://schemas.microsoft.com/office/drawing/2014/main" id="{3037463D-E8E6-4727-41F0-1A2A30E767A8}"/>
+                </a:ext>
+              </a:extLst>
+            </p:cNvPr>
+            <p:cNvSpPr/>
+            <p:nvPr/>
+          </p:nvSpPr>
+          <p:spPr>
+            <a:xfrm>
+              <a:off x="12487116" y="2911693"/>
+              <a:ext cx="557408" cy="464507"/>
+            </a:xfrm>
+            <a:custGeom>
+              <a:avLst/>
+              <a:gdLst>
+                <a:gd name="connsiteX0" fmla="*/ 0 w 557408"/>
+                <a:gd name="connsiteY0" fmla="*/ 232254 h 464507"/>
+                <a:gd name="connsiteX1" fmla="*/ 195093 w 557408"/>
+                <a:gd name="connsiteY1" fmla="*/ 464507 h 464507"/>
+                <a:gd name="connsiteX2" fmla="*/ 557409 w 557408"/>
+                <a:gd name="connsiteY2" fmla="*/ 0 h 464507"/>
+              </a:gdLst>
+              <a:ahLst/>
+              <a:cxnLst>
+                <a:cxn ang="0">
+                  <a:pos x="connsiteX0" y="connsiteY0"/>
+                </a:cxn>
+                <a:cxn ang="0">
+                  <a:pos x="connsiteX1" y="connsiteY1"/>
+                </a:cxn>
+                <a:cxn ang="0">
+                  <a:pos x="connsiteX2" y="connsiteY2"/>
+                </a:cxn>
+              </a:cxnLst>
+              <a:rect l="l" t="t" r="r" b="b"/>
+              <a:pathLst>
+                <a:path w="557408" h="464507">
+                  <a:moveTo>
+                    <a:pt x="0" y="232254"/>
+                  </a:moveTo>
+                  <a:lnTo>
+                    <a:pt x="195093" y="464507"/>
+                  </a:lnTo>
+                  <a:lnTo>
+                    <a:pt x="557409" y="0"/>
+                  </a:lnTo>
+                </a:path>
+              </a:pathLst>
+            </a:custGeom>
+            <a:noFill/>
+            <a:ln w="139303" cap="rnd">
+              <a:solidFill>
+                <a:srgbClr val="0A0CF0">
+                  <a:alpha val="37000"/>
+                </a:srgbClr>
+              </a:solidFill>
+              <a:prstDash val="solid"/>
+              <a:round/>
+            </a:ln>
+          </p:spPr>
+          <p:txBody>
+            <a:bodyPr rtlCol="0" anchor="ctr"/>
+            <a:lstStyle/>
+            <a:p>
+              <a:endParaRPr lang="ja-JP" altLang="en-US"/>
+            </a:p>
+          </p:txBody>
+        </p:sp>
+        <p:sp>
+          <p:nvSpPr>
+            <p:cNvPr id="19" name="フリーフォーム 18">
+              <a:extLst>
+                <a:ext uri="{FF2B5EF4-FFF2-40B4-BE49-F238E27FC236}">
+                  <a16:creationId xmlns:a16="http://schemas.microsoft.com/office/drawing/2014/main" id="{97AE8855-74CA-9FF4-E945-9E1A738394AB}"/>
+                </a:ext>
+              </a:extLst>
+            </p:cNvPr>
+            <p:cNvSpPr/>
+            <p:nvPr/>
+          </p:nvSpPr>
+          <p:spPr>
+            <a:xfrm>
+              <a:off x="11465201" y="2958143"/>
+              <a:ext cx="650309" cy="92901"/>
+            </a:xfrm>
+            <a:custGeom>
+              <a:avLst/>
+              <a:gdLst>
+                <a:gd name="connsiteX0" fmla="*/ 650310 w 650309"/>
+                <a:gd name="connsiteY0" fmla="*/ 0 h 92901"/>
+                <a:gd name="connsiteX1" fmla="*/ 0 w 650309"/>
+                <a:gd name="connsiteY1" fmla="*/ 0 h 92901"/>
+              </a:gdLst>
+              <a:ahLst/>
+              <a:cxnLst>
+                <a:cxn ang="0">
+                  <a:pos x="connsiteX0" y="connsiteY0"/>
+                </a:cxn>
+                <a:cxn ang="0">
+                  <a:pos x="connsiteX1" y="connsiteY1"/>
+                </a:cxn>
+              </a:cxnLst>
+              <a:rect l="l" t="t" r="r" b="b"/>
+              <a:pathLst>
+                <a:path w="650309" h="92901">
+                  <a:moveTo>
+                    <a:pt x="650310" y="0"/>
+                  </a:moveTo>
+                  <a:lnTo>
+                    <a:pt x="0" y="0"/>
+                  </a:lnTo>
+                </a:path>
+              </a:pathLst>
+            </a:custGeom>
+            <a:noFill/>
+            <a:ln w="139303" cap="rnd">
+              <a:solidFill>
+                <a:srgbClr val="0A0CF0">
+                  <a:alpha val="37000"/>
+                </a:srgbClr>
+              </a:solidFill>
+              <a:prstDash val="solid"/>
+              <a:miter/>
+            </a:ln>
+          </p:spPr>
+          <p:txBody>
+            <a:bodyPr rtlCol="0" anchor="ctr"/>
+            <a:lstStyle/>
+            <a:p>
+              <a:endParaRPr lang="ja-JP" altLang="en-US"/>
+            </a:p>
+          </p:txBody>
+        </p:sp>
+        <p:sp>
+          <p:nvSpPr>
+            <p:cNvPr id="20" name="フリーフォーム 19">
+              <a:extLst>
+                <a:ext uri="{FF2B5EF4-FFF2-40B4-BE49-F238E27FC236}">
+                  <a16:creationId xmlns:a16="http://schemas.microsoft.com/office/drawing/2014/main" id="{31D7D10B-DF73-73D6-38C3-43972416C968}"/>
+                </a:ext>
+              </a:extLst>
+            </p:cNvPr>
+            <p:cNvSpPr/>
+            <p:nvPr/>
+          </p:nvSpPr>
+          <p:spPr>
+            <a:xfrm>
+              <a:off x="11465201" y="3329749"/>
+              <a:ext cx="650309" cy="92901"/>
+            </a:xfrm>
+            <a:custGeom>
+              <a:avLst/>
+              <a:gdLst>
+                <a:gd name="connsiteX0" fmla="*/ 650310 w 650309"/>
+                <a:gd name="connsiteY0" fmla="*/ 0 h 92901"/>
+                <a:gd name="connsiteX1" fmla="*/ 0 w 650309"/>
+                <a:gd name="connsiteY1" fmla="*/ 0 h 92901"/>
+              </a:gdLst>
+              <a:ahLst/>
+              <a:cxnLst>
+                <a:cxn ang="0">
+                  <a:pos x="connsiteX0" y="connsiteY0"/>
+                </a:cxn>
+                <a:cxn ang="0">
+                  <a:pos x="connsiteX1" y="connsiteY1"/>
+                </a:cxn>
+              </a:cxnLst>
+              <a:rect l="l" t="t" r="r" b="b"/>
+              <a:pathLst>
+                <a:path w="650309" h="92901">
+                  <a:moveTo>
+                    <a:pt x="650310" y="0"/>
+                  </a:moveTo>
+                  <a:lnTo>
+                    <a:pt x="0" y="0"/>
+                  </a:lnTo>
+                </a:path>
+              </a:pathLst>
+            </a:custGeom>
+            <a:noFill/>
+            <a:ln w="139303" cap="rnd">
+              <a:solidFill>
+                <a:srgbClr val="0A0CF0">
+                  <a:alpha val="37000"/>
+                </a:srgbClr>
+              </a:solidFill>
+              <a:prstDash val="solid"/>
+              <a:miter/>
+            </a:ln>
+          </p:spPr>
+          <p:txBody>
+            <a:bodyPr rtlCol="0" anchor="ctr"/>
+            <a:lstStyle/>
+            <a:p>
+              <a:endParaRPr lang="ja-JP" altLang="en-US"/>
+            </a:p>
+          </p:txBody>
+        </p:sp>
+        <p:sp>
+          <p:nvSpPr>
+            <p:cNvPr id="21" name="フリーフォーム 20">
+              <a:extLst>
+                <a:ext uri="{FF2B5EF4-FFF2-40B4-BE49-F238E27FC236}">
+                  <a16:creationId xmlns:a16="http://schemas.microsoft.com/office/drawing/2014/main" id="{B2E9EB2A-84B2-D514-7A58-DD0FFF4DF37C}"/>
+                </a:ext>
+              </a:extLst>
+            </p:cNvPr>
+            <p:cNvSpPr/>
+            <p:nvPr/>
+          </p:nvSpPr>
+          <p:spPr>
+            <a:xfrm>
+              <a:off x="11465201" y="2214932"/>
+              <a:ext cx="1579324" cy="92901"/>
+            </a:xfrm>
+            <a:custGeom>
+              <a:avLst/>
+              <a:gdLst>
+                <a:gd name="connsiteX0" fmla="*/ 0 w 1579324"/>
+                <a:gd name="connsiteY0" fmla="*/ 0 h 92901"/>
+                <a:gd name="connsiteX1" fmla="*/ 975465 w 1579324"/>
+                <a:gd name="connsiteY1" fmla="*/ 0 h 92901"/>
+                <a:gd name="connsiteX2" fmla="*/ 1579324 w 1579324"/>
+                <a:gd name="connsiteY2" fmla="*/ 0 h 92901"/>
+                <a:gd name="connsiteX3" fmla="*/ 1370296 w 1579324"/>
+                <a:gd name="connsiteY3" fmla="*/ 0 h 92901"/>
+              </a:gdLst>
+              <a:ahLst/>
+              <a:cxnLst>
+                <a:cxn ang="0">
+                  <a:pos x="connsiteX0" y="connsiteY0"/>
+                </a:cxn>
+                <a:cxn ang="0">
+                  <a:pos x="connsiteX1" y="connsiteY1"/>
+                </a:cxn>
+                <a:cxn ang="0">
+                  <a:pos x="connsiteX2" y="connsiteY2"/>
+                </a:cxn>
+                <a:cxn ang="0">
+                  <a:pos x="connsiteX3" y="connsiteY3"/>
+                </a:cxn>
+              </a:cxnLst>
+              <a:rect l="l" t="t" r="r" b="b"/>
+              <a:pathLst>
+                <a:path w="1579324" h="92901">
+                  <a:moveTo>
+                    <a:pt x="0" y="0"/>
+                  </a:moveTo>
+                  <a:lnTo>
+                    <a:pt x="975465" y="0"/>
+                  </a:lnTo>
+                  <a:moveTo>
+                    <a:pt x="1579324" y="0"/>
+                  </a:moveTo>
+                  <a:lnTo>
+                    <a:pt x="1370296" y="0"/>
+                  </a:lnTo>
+                </a:path>
+              </a:pathLst>
+            </a:custGeom>
+            <a:noFill/>
+            <a:ln w="139303" cap="rnd">
+              <a:solidFill>
+                <a:srgbClr val="0A0CF0">
+                  <a:alpha val="37000"/>
+                </a:srgbClr>
+              </a:solidFill>
+              <a:prstDash val="solid"/>
+              <a:miter/>
+            </a:ln>
+          </p:spPr>
+          <p:txBody>
+            <a:bodyPr rtlCol="0" anchor="ctr"/>
+            <a:lstStyle/>
+            <a:p>
+              <a:endParaRPr lang="ja-JP" altLang="en-US"/>
+            </a:p>
+          </p:txBody>
+        </p:sp>
+        <p:sp>
+          <p:nvSpPr>
+            <p:cNvPr id="22" name="フリーフォーム 21">
+              <a:extLst>
+                <a:ext uri="{FF2B5EF4-FFF2-40B4-BE49-F238E27FC236}">
+                  <a16:creationId xmlns:a16="http://schemas.microsoft.com/office/drawing/2014/main" id="{D0C5F125-B025-B566-65F4-B557D074E415}"/>
+                </a:ext>
+              </a:extLst>
+            </p:cNvPr>
+            <p:cNvSpPr/>
+            <p:nvPr/>
+          </p:nvSpPr>
+          <p:spPr>
+            <a:xfrm>
+              <a:off x="11465201" y="2586538"/>
+              <a:ext cx="1579324" cy="92901"/>
+            </a:xfrm>
+            <a:custGeom>
+              <a:avLst/>
+              <a:gdLst>
+                <a:gd name="connsiteX0" fmla="*/ 1579324 w 1579324"/>
+                <a:gd name="connsiteY0" fmla="*/ 0 h 92901"/>
+                <a:gd name="connsiteX1" fmla="*/ 603859 w 1579324"/>
+                <a:gd name="connsiteY1" fmla="*/ 0 h 92901"/>
+                <a:gd name="connsiteX2" fmla="*/ 0 w 1579324"/>
+                <a:gd name="connsiteY2" fmla="*/ 0 h 92901"/>
+                <a:gd name="connsiteX3" fmla="*/ 209028 w 1579324"/>
+                <a:gd name="connsiteY3" fmla="*/ 0 h 92901"/>
+              </a:gdLst>
+              <a:ahLst/>
+              <a:cxnLst>
+                <a:cxn ang="0">
+                  <a:pos x="connsiteX0" y="connsiteY0"/>
+                </a:cxn>
+                <a:cxn ang="0">
+                  <a:pos x="connsiteX1" y="connsiteY1"/>
+                </a:cxn>
+                <a:cxn ang="0">
+                  <a:pos x="connsiteX2" y="connsiteY2"/>
+                </a:cxn>
+                <a:cxn ang="0">
+                  <a:pos x="connsiteX3" y="connsiteY3"/>
+                </a:cxn>
+              </a:cxnLst>
+              <a:rect l="l" t="t" r="r" b="b"/>
+              <a:pathLst>
+                <a:path w="1579324" h="92901">
+                  <a:moveTo>
+                    <a:pt x="1579324" y="0"/>
+                  </a:moveTo>
+                  <a:lnTo>
+                    <a:pt x="603859" y="0"/>
+                  </a:lnTo>
+                  <a:moveTo>
+                    <a:pt x="0" y="0"/>
+                  </a:moveTo>
+                  <a:lnTo>
+                    <a:pt x="209028" y="0"/>
+                  </a:lnTo>
+                </a:path>
+              </a:pathLst>
+            </a:custGeom>
+            <a:noFill/>
+            <a:ln w="139303" cap="rnd">
+              <a:solidFill>
+                <a:srgbClr val="0A0CF0">
+                  <a:alpha val="37000"/>
+                </a:srgbClr>
+              </a:solidFill>
+              <a:prstDash val="solid"/>
+              <a:miter/>
+            </a:ln>
+          </p:spPr>
+          <p:txBody>
+            <a:bodyPr rtlCol="0" anchor="ctr"/>
+            <a:lstStyle/>
+            <a:p>
+              <a:endParaRPr lang="ja-JP" altLang="en-US"/>
+            </a:p>
+          </p:txBody>
+        </p:sp>
+        <p:sp>
+          <p:nvSpPr>
+            <p:cNvPr id="23" name="フリーフォーム 22">
+              <a:extLst>
+                <a:ext uri="{FF2B5EF4-FFF2-40B4-BE49-F238E27FC236}">
+                  <a16:creationId xmlns:a16="http://schemas.microsoft.com/office/drawing/2014/main" id="{4E6C3791-4DC8-51FC-7B4C-9E4EBA15885C}"/>
+                </a:ext>
+              </a:extLst>
+            </p:cNvPr>
+            <p:cNvSpPr/>
+            <p:nvPr/>
+          </p:nvSpPr>
+          <p:spPr>
+            <a:xfrm>
+              <a:off x="11465201" y="1455804"/>
+              <a:ext cx="1579324" cy="92901"/>
+            </a:xfrm>
+            <a:custGeom>
+              <a:avLst/>
+              <a:gdLst>
+                <a:gd name="connsiteX0" fmla="*/ 0 w 1579324"/>
+                <a:gd name="connsiteY0" fmla="*/ 0 h 92901"/>
+                <a:gd name="connsiteX1" fmla="*/ 975465 w 1579324"/>
+                <a:gd name="connsiteY1" fmla="*/ 0 h 92901"/>
+                <a:gd name="connsiteX2" fmla="*/ 1579324 w 1579324"/>
+                <a:gd name="connsiteY2" fmla="*/ 0 h 92901"/>
+                <a:gd name="connsiteX3" fmla="*/ 1370296 w 1579324"/>
+                <a:gd name="connsiteY3" fmla="*/ 0 h 92901"/>
+              </a:gdLst>
+              <a:ahLst/>
+              <a:cxnLst>
+                <a:cxn ang="0">
+                  <a:pos x="connsiteX0" y="connsiteY0"/>
+                </a:cxn>
+                <a:cxn ang="0">
+                  <a:pos x="connsiteX1" y="connsiteY1"/>
+                </a:cxn>
+                <a:cxn ang="0">
+                  <a:pos x="connsiteX2" y="connsiteY2"/>
+                </a:cxn>
+                <a:cxn ang="0">
+                  <a:pos x="connsiteX3" y="connsiteY3"/>
+                </a:cxn>
+              </a:cxnLst>
+              <a:rect l="l" t="t" r="r" b="b"/>
+              <a:pathLst>
+                <a:path w="1579324" h="92901">
+                  <a:moveTo>
+                    <a:pt x="0" y="0"/>
+                  </a:moveTo>
+                  <a:lnTo>
+                    <a:pt x="975465" y="0"/>
+                  </a:lnTo>
+                  <a:moveTo>
+                    <a:pt x="1579324" y="0"/>
+                  </a:moveTo>
+                  <a:lnTo>
+                    <a:pt x="1370296" y="0"/>
+                  </a:lnTo>
+                </a:path>
+              </a:pathLst>
+            </a:custGeom>
+            <a:noFill/>
+            <a:ln w="139303" cap="rnd">
+              <a:solidFill>
+                <a:srgbClr val="0A0CF0">
+                  <a:alpha val="37000"/>
+                </a:srgbClr>
+              </a:solidFill>
+              <a:prstDash val="solid"/>
+              <a:miter/>
+            </a:ln>
+          </p:spPr>
+          <p:txBody>
+            <a:bodyPr rtlCol="0" anchor="ctr"/>
+            <a:lstStyle/>
+            <a:p>
+              <a:endParaRPr lang="ja-JP" altLang="en-US"/>
+            </a:p>
+          </p:txBody>
+        </p:sp>
+        <p:sp>
+          <p:nvSpPr>
+            <p:cNvPr id="24" name="フリーフォーム 23">
+              <a:extLst>
+                <a:ext uri="{FF2B5EF4-FFF2-40B4-BE49-F238E27FC236}">
+                  <a16:creationId xmlns:a16="http://schemas.microsoft.com/office/drawing/2014/main" id="{D1C734B2-E792-B085-3EC3-96614BF912C1}"/>
+                </a:ext>
+              </a:extLst>
+            </p:cNvPr>
+            <p:cNvSpPr/>
+            <p:nvPr/>
+          </p:nvSpPr>
+          <p:spPr>
+            <a:xfrm>
+              <a:off x="11465201" y="1827410"/>
+              <a:ext cx="1579324" cy="92901"/>
+            </a:xfrm>
+            <a:custGeom>
+              <a:avLst/>
+              <a:gdLst>
+                <a:gd name="connsiteX0" fmla="*/ 1579324 w 1579324"/>
+                <a:gd name="connsiteY0" fmla="*/ 0 h 92901"/>
+                <a:gd name="connsiteX1" fmla="*/ 603859 w 1579324"/>
+                <a:gd name="connsiteY1" fmla="*/ 0 h 92901"/>
+                <a:gd name="connsiteX2" fmla="*/ 0 w 1579324"/>
+                <a:gd name="connsiteY2" fmla="*/ 0 h 92901"/>
+                <a:gd name="connsiteX3" fmla="*/ 209028 w 1579324"/>
+                <a:gd name="connsiteY3" fmla="*/ 0 h 92901"/>
+              </a:gdLst>
+              <a:ahLst/>
+              <a:cxnLst>
+                <a:cxn ang="0">
+                  <a:pos x="connsiteX0" y="connsiteY0"/>
+                </a:cxn>
+                <a:cxn ang="0">
+                  <a:pos x="connsiteX1" y="connsiteY1"/>
+                </a:cxn>
+                <a:cxn ang="0">
+                  <a:pos x="connsiteX2" y="connsiteY2"/>
+                </a:cxn>
+                <a:cxn ang="0">
+                  <a:pos x="connsiteX3" y="connsiteY3"/>
+                </a:cxn>
+              </a:cxnLst>
+              <a:rect l="l" t="t" r="r" b="b"/>
+              <a:pathLst>
+                <a:path w="1579324" h="92901">
+                  <a:moveTo>
+                    <a:pt x="1579324" y="0"/>
+                  </a:moveTo>
+                  <a:lnTo>
+                    <a:pt x="603859" y="0"/>
+                  </a:lnTo>
+                  <a:moveTo>
+                    <a:pt x="0" y="0"/>
+                  </a:moveTo>
+                  <a:lnTo>
+                    <a:pt x="209028" y="0"/>
+                  </a:lnTo>
+                </a:path>
+              </a:pathLst>
+            </a:custGeom>
+            <a:noFill/>
+            <a:ln w="139303" cap="rnd">
+              <a:solidFill>
+                <a:srgbClr val="0A0CF0">
+                  <a:alpha val="37000"/>
+                </a:srgbClr>
+              </a:solidFill>
+              <a:prstDash val="solid"/>
+              <a:miter/>
+            </a:ln>
+          </p:spPr>
+          <p:txBody>
+            <a:bodyPr rtlCol="0" anchor="ctr"/>
+            <a:lstStyle/>
+            <a:p>
+              <a:endParaRPr lang="ja-JP" altLang="en-US"/>
+            </a:p>
+          </p:txBody>
+        </p:sp>
+        <p:sp>
+          <p:nvSpPr>
+            <p:cNvPr id="25" name="フリーフォーム 24">
+              <a:extLst>
+                <a:ext uri="{FF2B5EF4-FFF2-40B4-BE49-F238E27FC236}">
+                  <a16:creationId xmlns:a16="http://schemas.microsoft.com/office/drawing/2014/main" id="{F42FF860-1879-B38D-B685-6797845204A0}"/>
+                </a:ext>
+              </a:extLst>
+            </p:cNvPr>
+            <p:cNvSpPr/>
+            <p:nvPr/>
+          </p:nvSpPr>
+          <p:spPr>
+            <a:xfrm>
+              <a:off x="11465201" y="698742"/>
+              <a:ext cx="1579324" cy="92901"/>
+            </a:xfrm>
+            <a:custGeom>
+              <a:avLst/>
+              <a:gdLst>
+                <a:gd name="connsiteX0" fmla="*/ 0 w 1579324"/>
+                <a:gd name="connsiteY0" fmla="*/ 0 h 92901"/>
+                <a:gd name="connsiteX1" fmla="*/ 975465 w 1579324"/>
+                <a:gd name="connsiteY1" fmla="*/ 0 h 92901"/>
+                <a:gd name="connsiteX2" fmla="*/ 1579324 w 1579324"/>
+                <a:gd name="connsiteY2" fmla="*/ 0 h 92901"/>
+                <a:gd name="connsiteX3" fmla="*/ 1370296 w 1579324"/>
+                <a:gd name="connsiteY3" fmla="*/ 0 h 92901"/>
+              </a:gdLst>
+              <a:ahLst/>
+              <a:cxnLst>
+                <a:cxn ang="0">
+                  <a:pos x="connsiteX0" y="connsiteY0"/>
+                </a:cxn>
+                <a:cxn ang="0">
+                  <a:pos x="connsiteX1" y="connsiteY1"/>
+                </a:cxn>
+                <a:cxn ang="0">
+                  <a:pos x="connsiteX2" y="connsiteY2"/>
+                </a:cxn>
+                <a:cxn ang="0">
+                  <a:pos x="connsiteX3" y="connsiteY3"/>
+                </a:cxn>
+              </a:cxnLst>
+              <a:rect l="l" t="t" r="r" b="b"/>
+              <a:pathLst>
+                <a:path w="1579324" h="92901">
+                  <a:moveTo>
+                    <a:pt x="0" y="0"/>
+                  </a:moveTo>
+                  <a:lnTo>
+                    <a:pt x="975465" y="0"/>
+                  </a:lnTo>
+                  <a:moveTo>
+                    <a:pt x="1579324" y="0"/>
+                  </a:moveTo>
+                  <a:lnTo>
+                    <a:pt x="1370296" y="0"/>
+                  </a:lnTo>
+                </a:path>
+              </a:pathLst>
+            </a:custGeom>
+            <a:noFill/>
+            <a:ln w="139303" cap="rnd">
+              <a:solidFill>
+                <a:srgbClr val="0A0CF0">
+                  <a:alpha val="37000"/>
+                </a:srgbClr>
+              </a:solidFill>
+              <a:prstDash val="solid"/>
+              <a:miter/>
+            </a:ln>
+          </p:spPr>
+          <p:txBody>
+            <a:bodyPr rtlCol="0" anchor="ctr"/>
+            <a:lstStyle/>
+            <a:p>
+              <a:endParaRPr lang="ja-JP" altLang="en-US"/>
+            </a:p>
+          </p:txBody>
+        </p:sp>
+        <p:sp>
+          <p:nvSpPr>
+            <p:cNvPr id="26" name="フリーフォーム 25">
+              <a:extLst>
+                <a:ext uri="{FF2B5EF4-FFF2-40B4-BE49-F238E27FC236}">
+                  <a16:creationId xmlns:a16="http://schemas.microsoft.com/office/drawing/2014/main" id="{F7A697C1-B417-02BE-3ED7-46575062A7EA}"/>
+                </a:ext>
+              </a:extLst>
+            </p:cNvPr>
+            <p:cNvSpPr/>
+            <p:nvPr/>
+          </p:nvSpPr>
+          <p:spPr>
+            <a:xfrm>
+              <a:off x="11465201" y="1070348"/>
+              <a:ext cx="1579324" cy="92901"/>
+            </a:xfrm>
+            <a:custGeom>
+              <a:avLst/>
+              <a:gdLst>
+                <a:gd name="connsiteX0" fmla="*/ 1579324 w 1579324"/>
+                <a:gd name="connsiteY0" fmla="*/ 0 h 92901"/>
+                <a:gd name="connsiteX1" fmla="*/ 603859 w 1579324"/>
+                <a:gd name="connsiteY1" fmla="*/ 0 h 92901"/>
+                <a:gd name="connsiteX2" fmla="*/ 0 w 1579324"/>
+                <a:gd name="connsiteY2" fmla="*/ 0 h 92901"/>
+                <a:gd name="connsiteX3" fmla="*/ 209028 w 1579324"/>
+                <a:gd name="connsiteY3" fmla="*/ 0 h 92901"/>
+              </a:gdLst>
+              <a:ahLst/>
+              <a:cxnLst>
+                <a:cxn ang="0">
+                  <a:pos x="connsiteX0" y="connsiteY0"/>
+                </a:cxn>
+                <a:cxn ang="0">
+                  <a:pos x="connsiteX1" y="connsiteY1"/>
+                </a:cxn>
+                <a:cxn ang="0">
+                  <a:pos x="connsiteX2" y="connsiteY2"/>
+                </a:cxn>
+                <a:cxn ang="0">
+                  <a:pos x="connsiteX3" y="connsiteY3"/>
+                </a:cxn>
+              </a:cxnLst>
+              <a:rect l="l" t="t" r="r" b="b"/>
+              <a:pathLst>
+                <a:path w="1579324" h="92901">
+                  <a:moveTo>
+                    <a:pt x="1579324" y="0"/>
+                  </a:moveTo>
+                  <a:lnTo>
+                    <a:pt x="603859" y="0"/>
+                  </a:lnTo>
+                  <a:moveTo>
+                    <a:pt x="0" y="0"/>
+                  </a:moveTo>
+                  <a:lnTo>
+                    <a:pt x="209028" y="0"/>
+                  </a:lnTo>
+                </a:path>
+              </a:pathLst>
+            </a:custGeom>
+            <a:noFill/>
+            <a:ln w="139303" cap="rnd">
+              <a:solidFill>
+                <a:srgbClr val="0A0CF0">
+                  <a:alpha val="37000"/>
+                </a:srgbClr>
+              </a:solidFill>
+              <a:prstDash val="solid"/>
+              <a:miter/>
+            </a:ln>
+          </p:spPr>
+          <p:txBody>
+            <a:bodyPr rtlCol="0" anchor="ctr"/>
+            <a:lstStyle/>
+            <a:p>
+              <a:endParaRPr lang="ja-JP" altLang="en-US"/>
+            </a:p>
+          </p:txBody>
+        </p:sp>
+      </p:grpSp>
+      <p:sp>
+        <p:nvSpPr>
+          <p:cNvPr id="2" name="角丸四角形 1">
+            <a:extLst>
+              <a:ext uri="{FF2B5EF4-FFF2-40B4-BE49-F238E27FC236}">
+                <a16:creationId xmlns:a16="http://schemas.microsoft.com/office/drawing/2014/main" id="{D560FB00-0E8A-E628-CC1D-9BEABB1F8AF6}"/>
+              </a:ext>
+            </a:extLst>
+          </p:cNvPr>
+          <p:cNvSpPr/>
+          <p:nvPr/>
+        </p:nvSpPr>
+        <p:spPr>
+          <a:xfrm>
+            <a:off x="5417635" y="1655976"/>
+            <a:ext cx="3337877" cy="914400"/>
+          </a:xfrm>
+          <a:prstGeom prst="roundRect">
+            <a:avLst>
+              <a:gd name="adj" fmla="val 0"/>
+            </a:avLst>
+          </a:prstGeom>
+          <a:solidFill>
+            <a:schemeClr val="bg1">
+              <a:alpha val="60000"/>
+            </a:schemeClr>
+          </a:solidFill>
+          <a:ln w="12700">
+            <a:noFill/>
+            <a:miter lim="400000"/>
+          </a:ln>
+          <a:extLst>
+            <a:ext uri="{C572A759-6A51-4108-AA02-DFA0A04FC94B}">
+              <ma14:wrappingTextBoxFlag xmlns="" xmlns:ma14="http://schemas.microsoft.com/office/mac/drawingml/2011/main" val="1"/>
+            </a:ext>
+          </a:extLst>
+        </p:spPr>
+        <p:txBody>
+          <a:bodyPr lIns="0" tIns="0" rIns="0" bIns="0" rtlCol="0" anchor="ctr">
+            <a:noAutofit/>
+          </a:bodyPr>
+          <a:lstStyle/>
+          <a:p>
+            <a:pPr algn="ctr"/>
+            <a:r>
+              <a:rPr kumimoji="1" lang="en" altLang="ja-JP" sz="6000" b="1">
+                <a:solidFill>
+                  <a:srgbClr val="056BE6"/>
+                </a:solidFill>
+                <a:latin typeface="Yu Gothic" panose="020B0400000000000000" pitchFamily="34" charset="-128"/>
+                <a:ea typeface="Yu Gothic" panose="020B0400000000000000" pitchFamily="34" charset="-128"/>
+              </a:rPr>
+              <a:t>R</a:t>
+            </a:r>
+            <a:r>
+              <a:rPr lang="en-US" altLang="ja-JP" sz="6000" b="1">
+                <a:solidFill>
+                  <a:srgbClr val="056BE6"/>
+                </a:solidFill>
+                <a:latin typeface="Yu Gothic" panose="020B0400000000000000" pitchFamily="34" charset="-128"/>
+                <a:ea typeface="Yu Gothic" panose="020B0400000000000000" pitchFamily="34" charset="-128"/>
+              </a:rPr>
+              <a:t> &amp; SQL</a:t>
+            </a:r>
+            <a:endParaRPr kumimoji="1" lang="ja-JP" altLang="en-US" sz="6000" b="1">
+              <a:solidFill>
+                <a:srgbClr val="056BE6"/>
+              </a:solidFill>
+              <a:latin typeface="Yu Gothic" panose="020B0400000000000000" pitchFamily="34" charset="-128"/>
+              <a:ea typeface="Yu Gothic" panose="020B0400000000000000" pitchFamily="34" charset="-128"/>
+            </a:endParaRPr>
+          </a:p>
+        </p:txBody>
+      </p:sp>
+      <p:sp>
+        <p:nvSpPr>
+          <p:cNvPr id="3" name="角丸四角形 2">
+            <a:extLst>
+              <a:ext uri="{FF2B5EF4-FFF2-40B4-BE49-F238E27FC236}">
+                <a16:creationId xmlns:a16="http://schemas.microsoft.com/office/drawing/2014/main" id="{893DBA56-8022-A275-0156-D3F30FEBC897}"/>
+              </a:ext>
+            </a:extLst>
+          </p:cNvPr>
+          <p:cNvSpPr/>
+          <p:nvPr/>
+        </p:nvSpPr>
+        <p:spPr>
+          <a:xfrm>
+            <a:off x="5417420" y="2660209"/>
+            <a:ext cx="5844746" cy="1166447"/>
+          </a:xfrm>
+          <a:prstGeom prst="roundRect">
+            <a:avLst>
+              <a:gd name="adj" fmla="val 0"/>
+            </a:avLst>
+          </a:prstGeom>
+          <a:solidFill>
+            <a:schemeClr val="bg1">
+              <a:alpha val="62000"/>
+            </a:schemeClr>
+          </a:solidFill>
+          <a:ln w="12700">
+            <a:noFill/>
+            <a:miter lim="400000"/>
+          </a:ln>
+          <a:extLst>
+            <a:ext uri="{C572A759-6A51-4108-AA02-DFA0A04FC94B}">
+              <ma14:wrappingTextBoxFlag xmlns="" xmlns:ma14="http://schemas.microsoft.com/office/mac/drawingml/2011/main" val="1"/>
+            </a:ext>
+          </a:extLst>
+        </p:spPr>
+        <p:txBody>
+          <a:bodyPr lIns="0" tIns="0" rIns="0" bIns="0" rtlCol="0" anchor="ctr">
+            <a:noAutofit/>
+          </a:bodyPr>
+          <a:lstStyle/>
+          <a:p>
+            <a:pPr algn="ctr"/>
+            <a:r>
+              <a:rPr kumimoji="1" lang="ja-JP" altLang="en-US" sz="7200" b="1">
+                <a:solidFill>
+                  <a:srgbClr val="056BE6"/>
+                </a:solidFill>
+                <a:effectLst>
+                  <a:outerShdw blurRad="25400" dist="38100" dir="2700000" algn="tl" rotWithShape="0">
+                    <a:schemeClr val="accent6">
+                      <a:lumMod val="50000"/>
+                      <a:alpha val="32000"/>
+                    </a:schemeClr>
+                  </a:outerShdw>
+                </a:effectLst>
+                <a:latin typeface="Hiragino Maru Gothic Pro W4" panose="020F0400000000000000" pitchFamily="34" charset="-128"/>
+                <a:ea typeface="Hiragino Maru Gothic Pro W4" panose="020F0400000000000000" pitchFamily="34" charset="-128"/>
+              </a:rPr>
+              <a:t>演習問題一覧</a:t>
+            </a:r>
+          </a:p>
+        </p:txBody>
+      </p:sp>
+      <p:grpSp>
+        <p:nvGrpSpPr>
+          <p:cNvPr id="30" name="グループ化 29">
+            <a:extLst>
+              <a:ext uri="{FF2B5EF4-FFF2-40B4-BE49-F238E27FC236}">
+                <a16:creationId xmlns:a16="http://schemas.microsoft.com/office/drawing/2014/main" id="{9593EA69-A5E2-C941-3145-7013EEBC622E}"/>
+              </a:ext>
+            </a:extLst>
+          </p:cNvPr>
+          <p:cNvGrpSpPr/>
+          <p:nvPr/>
+        </p:nvGrpSpPr>
+        <p:grpSpPr>
+          <a:xfrm>
+            <a:off x="11861626" y="713741"/>
+            <a:ext cx="1745957" cy="3011305"/>
+            <a:chOff x="11465201" y="698742"/>
+            <a:chExt cx="1579324" cy="2723908"/>
+          </a:xfrm>
+        </p:grpSpPr>
+        <p:sp>
+          <p:nvSpPr>
+            <p:cNvPr id="31" name="フリーフォーム 30">
+              <a:extLst>
+                <a:ext uri="{FF2B5EF4-FFF2-40B4-BE49-F238E27FC236}">
+                  <a16:creationId xmlns:a16="http://schemas.microsoft.com/office/drawing/2014/main" id="{42DD5361-0A04-BDC3-31B8-4281192D2D6B}"/>
+                </a:ext>
+              </a:extLst>
+            </p:cNvPr>
+            <p:cNvSpPr/>
+            <p:nvPr/>
+          </p:nvSpPr>
+          <p:spPr>
+            <a:xfrm>
+              <a:off x="12487116" y="2911693"/>
+              <a:ext cx="557408" cy="464507"/>
+            </a:xfrm>
+            <a:custGeom>
+              <a:avLst/>
+              <a:gdLst>
+                <a:gd name="connsiteX0" fmla="*/ 0 w 557408"/>
+                <a:gd name="connsiteY0" fmla="*/ 232254 h 464507"/>
+                <a:gd name="connsiteX1" fmla="*/ 195093 w 557408"/>
+                <a:gd name="connsiteY1" fmla="*/ 464507 h 464507"/>
+                <a:gd name="connsiteX2" fmla="*/ 557409 w 557408"/>
+                <a:gd name="connsiteY2" fmla="*/ 0 h 464507"/>
+              </a:gdLst>
+              <a:ahLst/>
+              <a:cxnLst>
+                <a:cxn ang="0">
+                  <a:pos x="connsiteX0" y="connsiteY0"/>
+                </a:cxn>
+                <a:cxn ang="0">
+                  <a:pos x="connsiteX1" y="connsiteY1"/>
+                </a:cxn>
+                <a:cxn ang="0">
+                  <a:pos x="connsiteX2" y="connsiteY2"/>
+                </a:cxn>
+              </a:cxnLst>
+              <a:rect l="l" t="t" r="r" b="b"/>
+              <a:pathLst>
+                <a:path w="557408" h="464507">
+                  <a:moveTo>
+                    <a:pt x="0" y="232254"/>
+                  </a:moveTo>
+                  <a:lnTo>
+                    <a:pt x="195093" y="464507"/>
+                  </a:lnTo>
+                  <a:lnTo>
+                    <a:pt x="557409" y="0"/>
+                  </a:lnTo>
+                </a:path>
+              </a:pathLst>
+            </a:custGeom>
+            <a:noFill/>
+            <a:ln w="139303" cap="rnd">
+              <a:solidFill>
+                <a:srgbClr val="0A0CF0">
+                  <a:alpha val="33000"/>
+                </a:srgbClr>
+              </a:solidFill>
+              <a:prstDash val="solid"/>
+              <a:round/>
+            </a:ln>
+          </p:spPr>
+          <p:txBody>
+            <a:bodyPr rtlCol="0" anchor="ctr"/>
+            <a:lstStyle/>
+            <a:p>
+              <a:endParaRPr lang="ja-JP" altLang="en-US"/>
+            </a:p>
+          </p:txBody>
+        </p:sp>
+        <p:sp>
+          <p:nvSpPr>
+            <p:cNvPr id="32" name="フリーフォーム 31">
+              <a:extLst>
+                <a:ext uri="{FF2B5EF4-FFF2-40B4-BE49-F238E27FC236}">
+                  <a16:creationId xmlns:a16="http://schemas.microsoft.com/office/drawing/2014/main" id="{7F6893EB-D283-0DE9-7863-0B133CB9A127}"/>
+                </a:ext>
+              </a:extLst>
+            </p:cNvPr>
+            <p:cNvSpPr/>
+            <p:nvPr/>
+          </p:nvSpPr>
+          <p:spPr>
+            <a:xfrm>
+              <a:off x="11465201" y="2958143"/>
+              <a:ext cx="650309" cy="92901"/>
+            </a:xfrm>
+            <a:custGeom>
+              <a:avLst/>
+              <a:gdLst>
+                <a:gd name="connsiteX0" fmla="*/ 650310 w 650309"/>
+                <a:gd name="connsiteY0" fmla="*/ 0 h 92901"/>
+                <a:gd name="connsiteX1" fmla="*/ 0 w 650309"/>
+                <a:gd name="connsiteY1" fmla="*/ 0 h 92901"/>
+              </a:gdLst>
+              <a:ahLst/>
+              <a:cxnLst>
+                <a:cxn ang="0">
+                  <a:pos x="connsiteX0" y="connsiteY0"/>
+                </a:cxn>
+                <a:cxn ang="0">
+                  <a:pos x="connsiteX1" y="connsiteY1"/>
+                </a:cxn>
+              </a:cxnLst>
+              <a:rect l="l" t="t" r="r" b="b"/>
+              <a:pathLst>
+                <a:path w="650309" h="92901">
+                  <a:moveTo>
+                    <a:pt x="650310" y="0"/>
+                  </a:moveTo>
+                  <a:lnTo>
+                    <a:pt x="0" y="0"/>
+                  </a:lnTo>
+                </a:path>
+              </a:pathLst>
+            </a:custGeom>
+            <a:noFill/>
+            <a:ln w="139303" cap="rnd">
+              <a:solidFill>
+                <a:srgbClr val="0A0CF0">
+                  <a:alpha val="33000"/>
+                </a:srgbClr>
+              </a:solidFill>
+              <a:prstDash val="solid"/>
+              <a:miter/>
+            </a:ln>
+          </p:spPr>
+          <p:txBody>
+            <a:bodyPr rtlCol="0" anchor="ctr"/>
+            <a:lstStyle/>
+            <a:p>
+              <a:endParaRPr lang="ja-JP" altLang="en-US"/>
+            </a:p>
+          </p:txBody>
+        </p:sp>
+        <p:sp>
+          <p:nvSpPr>
+            <p:cNvPr id="33" name="フリーフォーム 32">
+              <a:extLst>
+                <a:ext uri="{FF2B5EF4-FFF2-40B4-BE49-F238E27FC236}">
+                  <a16:creationId xmlns:a16="http://schemas.microsoft.com/office/drawing/2014/main" id="{DBA41AAF-F40B-7904-100C-D75B58FFF621}"/>
+                </a:ext>
+              </a:extLst>
+            </p:cNvPr>
+            <p:cNvSpPr/>
+            <p:nvPr/>
+          </p:nvSpPr>
+          <p:spPr>
+            <a:xfrm>
+              <a:off x="11465201" y="3329749"/>
+              <a:ext cx="650309" cy="92901"/>
+            </a:xfrm>
+            <a:custGeom>
+              <a:avLst/>
+              <a:gdLst>
+                <a:gd name="connsiteX0" fmla="*/ 650310 w 650309"/>
+                <a:gd name="connsiteY0" fmla="*/ 0 h 92901"/>
+                <a:gd name="connsiteX1" fmla="*/ 0 w 650309"/>
+                <a:gd name="connsiteY1" fmla="*/ 0 h 92901"/>
+              </a:gdLst>
+              <a:ahLst/>
+              <a:cxnLst>
+                <a:cxn ang="0">
+                  <a:pos x="connsiteX0" y="connsiteY0"/>
+                </a:cxn>
+                <a:cxn ang="0">
+                  <a:pos x="connsiteX1" y="connsiteY1"/>
+                </a:cxn>
+              </a:cxnLst>
+              <a:rect l="l" t="t" r="r" b="b"/>
+              <a:pathLst>
+                <a:path w="650309" h="92901">
+                  <a:moveTo>
+                    <a:pt x="650310" y="0"/>
+                  </a:moveTo>
+                  <a:lnTo>
+                    <a:pt x="0" y="0"/>
+                  </a:lnTo>
+                </a:path>
+              </a:pathLst>
+            </a:custGeom>
+            <a:noFill/>
+            <a:ln w="139303" cap="rnd">
+              <a:solidFill>
+                <a:srgbClr val="0A0CF0">
+                  <a:alpha val="33000"/>
+                </a:srgbClr>
+              </a:solidFill>
+              <a:prstDash val="solid"/>
+              <a:miter/>
+            </a:ln>
+          </p:spPr>
+          <p:txBody>
+            <a:bodyPr rtlCol="0" anchor="ctr"/>
+            <a:lstStyle/>
+            <a:p>
+              <a:endParaRPr lang="ja-JP" altLang="en-US"/>
+            </a:p>
+          </p:txBody>
+        </p:sp>
+        <p:sp>
+          <p:nvSpPr>
+            <p:cNvPr id="34" name="フリーフォーム 33">
+              <a:extLst>
+                <a:ext uri="{FF2B5EF4-FFF2-40B4-BE49-F238E27FC236}">
+                  <a16:creationId xmlns:a16="http://schemas.microsoft.com/office/drawing/2014/main" id="{523C10BB-72A0-136D-837B-3D9F5A687E7B}"/>
+                </a:ext>
+              </a:extLst>
+            </p:cNvPr>
+            <p:cNvSpPr/>
+            <p:nvPr/>
+          </p:nvSpPr>
+          <p:spPr>
+            <a:xfrm>
+              <a:off x="11465201" y="2214932"/>
+              <a:ext cx="1579324" cy="92901"/>
+            </a:xfrm>
+            <a:custGeom>
+              <a:avLst/>
+              <a:gdLst>
+                <a:gd name="connsiteX0" fmla="*/ 0 w 1579324"/>
+                <a:gd name="connsiteY0" fmla="*/ 0 h 92901"/>
+                <a:gd name="connsiteX1" fmla="*/ 975465 w 1579324"/>
+                <a:gd name="connsiteY1" fmla="*/ 0 h 92901"/>
+                <a:gd name="connsiteX2" fmla="*/ 1579324 w 1579324"/>
+                <a:gd name="connsiteY2" fmla="*/ 0 h 92901"/>
+                <a:gd name="connsiteX3" fmla="*/ 1370296 w 1579324"/>
+                <a:gd name="connsiteY3" fmla="*/ 0 h 92901"/>
+              </a:gdLst>
+              <a:ahLst/>
+              <a:cxnLst>
+                <a:cxn ang="0">
+                  <a:pos x="connsiteX0" y="connsiteY0"/>
+                </a:cxn>
+                <a:cxn ang="0">
+                  <a:pos x="connsiteX1" y="connsiteY1"/>
+                </a:cxn>
+                <a:cxn ang="0">
+                  <a:pos x="connsiteX2" y="connsiteY2"/>
+                </a:cxn>
+                <a:cxn ang="0">
+                  <a:pos x="connsiteX3" y="connsiteY3"/>
+                </a:cxn>
+              </a:cxnLst>
+              <a:rect l="l" t="t" r="r" b="b"/>
+              <a:pathLst>
+                <a:path w="1579324" h="92901">
+                  <a:moveTo>
+                    <a:pt x="0" y="0"/>
+                  </a:moveTo>
+                  <a:lnTo>
+                    <a:pt x="975465" y="0"/>
+                  </a:lnTo>
+                  <a:moveTo>
+                    <a:pt x="1579324" y="0"/>
+                  </a:moveTo>
+                  <a:lnTo>
+                    <a:pt x="1370296" y="0"/>
+                  </a:lnTo>
+                </a:path>
+              </a:pathLst>
+            </a:custGeom>
+            <a:noFill/>
+            <a:ln w="139303" cap="rnd">
+              <a:solidFill>
+                <a:srgbClr val="0A0CF0">
+                  <a:alpha val="33000"/>
+                </a:srgbClr>
+              </a:solidFill>
+              <a:prstDash val="solid"/>
+              <a:miter/>
+            </a:ln>
+          </p:spPr>
+          <p:txBody>
+            <a:bodyPr rtlCol="0" anchor="ctr"/>
+            <a:lstStyle/>
+            <a:p>
+              <a:endParaRPr lang="ja-JP" altLang="en-US"/>
+            </a:p>
+          </p:txBody>
+        </p:sp>
+        <p:sp>
+          <p:nvSpPr>
+            <p:cNvPr id="35" name="フリーフォーム 34">
+              <a:extLst>
+                <a:ext uri="{FF2B5EF4-FFF2-40B4-BE49-F238E27FC236}">
+                  <a16:creationId xmlns:a16="http://schemas.microsoft.com/office/drawing/2014/main" id="{341A94BD-6EA1-EF4F-C9B1-B5C81C25FFE3}"/>
+                </a:ext>
+              </a:extLst>
+            </p:cNvPr>
+            <p:cNvSpPr/>
+            <p:nvPr/>
+          </p:nvSpPr>
+          <p:spPr>
+            <a:xfrm>
+              <a:off x="11465201" y="2586538"/>
+              <a:ext cx="1579324" cy="92901"/>
+            </a:xfrm>
+            <a:custGeom>
+              <a:avLst/>
+              <a:gdLst>
+                <a:gd name="connsiteX0" fmla="*/ 1579324 w 1579324"/>
+                <a:gd name="connsiteY0" fmla="*/ 0 h 92901"/>
+                <a:gd name="connsiteX1" fmla="*/ 603859 w 1579324"/>
+                <a:gd name="connsiteY1" fmla="*/ 0 h 92901"/>
+                <a:gd name="connsiteX2" fmla="*/ 0 w 1579324"/>
+                <a:gd name="connsiteY2" fmla="*/ 0 h 92901"/>
+                <a:gd name="connsiteX3" fmla="*/ 209028 w 1579324"/>
+                <a:gd name="connsiteY3" fmla="*/ 0 h 92901"/>
+              </a:gdLst>
+              <a:ahLst/>
+              <a:cxnLst>
+                <a:cxn ang="0">
+                  <a:pos x="connsiteX0" y="connsiteY0"/>
+                </a:cxn>
+                <a:cxn ang="0">
+                  <a:pos x="connsiteX1" y="connsiteY1"/>
+                </a:cxn>
+                <a:cxn ang="0">
+                  <a:pos x="connsiteX2" y="connsiteY2"/>
+                </a:cxn>
+                <a:cxn ang="0">
+                  <a:pos x="connsiteX3" y="connsiteY3"/>
+                </a:cxn>
+              </a:cxnLst>
+              <a:rect l="l" t="t" r="r" b="b"/>
+              <a:pathLst>
+                <a:path w="1579324" h="92901">
+                  <a:moveTo>
+                    <a:pt x="1579324" y="0"/>
+                  </a:moveTo>
+                  <a:lnTo>
+                    <a:pt x="603859" y="0"/>
+                  </a:lnTo>
+                  <a:moveTo>
+                    <a:pt x="0" y="0"/>
+                  </a:moveTo>
+                  <a:lnTo>
+                    <a:pt x="209028" y="0"/>
+                  </a:lnTo>
+                </a:path>
+              </a:pathLst>
+            </a:custGeom>
+            <a:noFill/>
+            <a:ln w="139303" cap="rnd">
+              <a:solidFill>
+                <a:srgbClr val="0A0CF0">
+                  <a:alpha val="33000"/>
+                </a:srgbClr>
+              </a:solidFill>
+              <a:prstDash val="solid"/>
+              <a:miter/>
+            </a:ln>
+          </p:spPr>
+          <p:txBody>
+            <a:bodyPr rtlCol="0" anchor="ctr"/>
+            <a:lstStyle/>
+            <a:p>
+              <a:endParaRPr lang="ja-JP" altLang="en-US"/>
+            </a:p>
+          </p:txBody>
+        </p:sp>
+        <p:sp>
+          <p:nvSpPr>
+            <p:cNvPr id="36" name="フリーフォーム 35">
+              <a:extLst>
+                <a:ext uri="{FF2B5EF4-FFF2-40B4-BE49-F238E27FC236}">
+                  <a16:creationId xmlns:a16="http://schemas.microsoft.com/office/drawing/2014/main" id="{D1929696-5AF4-A0C6-7006-3C54051DF6B8}"/>
+                </a:ext>
+              </a:extLst>
+            </p:cNvPr>
+            <p:cNvSpPr/>
+            <p:nvPr/>
+          </p:nvSpPr>
+          <p:spPr>
+            <a:xfrm>
+              <a:off x="11465201" y="1455804"/>
+              <a:ext cx="1579324" cy="92901"/>
+            </a:xfrm>
+            <a:custGeom>
+              <a:avLst/>
+              <a:gdLst>
+                <a:gd name="connsiteX0" fmla="*/ 0 w 1579324"/>
+                <a:gd name="connsiteY0" fmla="*/ 0 h 92901"/>
+                <a:gd name="connsiteX1" fmla="*/ 975465 w 1579324"/>
+                <a:gd name="connsiteY1" fmla="*/ 0 h 92901"/>
+                <a:gd name="connsiteX2" fmla="*/ 1579324 w 1579324"/>
+                <a:gd name="connsiteY2" fmla="*/ 0 h 92901"/>
+                <a:gd name="connsiteX3" fmla="*/ 1370296 w 1579324"/>
+                <a:gd name="connsiteY3" fmla="*/ 0 h 92901"/>
+              </a:gdLst>
+              <a:ahLst/>
+              <a:cxnLst>
+                <a:cxn ang="0">
+                  <a:pos x="connsiteX0" y="connsiteY0"/>
+                </a:cxn>
+                <a:cxn ang="0">
+                  <a:pos x="connsiteX1" y="connsiteY1"/>
+                </a:cxn>
+                <a:cxn ang="0">
+                  <a:pos x="connsiteX2" y="connsiteY2"/>
+                </a:cxn>
+                <a:cxn ang="0">
+                  <a:pos x="connsiteX3" y="connsiteY3"/>
+                </a:cxn>
+              </a:cxnLst>
+              <a:rect l="l" t="t" r="r" b="b"/>
+              <a:pathLst>
+                <a:path w="1579324" h="92901">
+                  <a:moveTo>
+                    <a:pt x="0" y="0"/>
+                  </a:moveTo>
+                  <a:lnTo>
+                    <a:pt x="975465" y="0"/>
+                  </a:lnTo>
+                  <a:moveTo>
+                    <a:pt x="1579324" y="0"/>
+                  </a:moveTo>
+                  <a:lnTo>
+                    <a:pt x="1370296" y="0"/>
+                  </a:lnTo>
+                </a:path>
+              </a:pathLst>
+            </a:custGeom>
+            <a:noFill/>
+            <a:ln w="139303" cap="rnd">
+              <a:solidFill>
+                <a:srgbClr val="0A0CF0">
+                  <a:alpha val="33000"/>
+                </a:srgbClr>
+              </a:solidFill>
+              <a:prstDash val="solid"/>
+              <a:miter/>
+            </a:ln>
+          </p:spPr>
+          <p:txBody>
+            <a:bodyPr rtlCol="0" anchor="ctr"/>
+            <a:lstStyle/>
+            <a:p>
+              <a:endParaRPr lang="ja-JP" altLang="en-US"/>
+            </a:p>
+          </p:txBody>
+        </p:sp>
+        <p:sp>
+          <p:nvSpPr>
+            <p:cNvPr id="37" name="フリーフォーム 36">
+              <a:extLst>
+                <a:ext uri="{FF2B5EF4-FFF2-40B4-BE49-F238E27FC236}">
+                  <a16:creationId xmlns:a16="http://schemas.microsoft.com/office/drawing/2014/main" id="{CB0C6876-77C4-A315-023B-A0DDBCF0146B}"/>
+                </a:ext>
+              </a:extLst>
+            </p:cNvPr>
+            <p:cNvSpPr/>
+            <p:nvPr/>
+          </p:nvSpPr>
+          <p:spPr>
+            <a:xfrm>
+              <a:off x="11465201" y="1827410"/>
+              <a:ext cx="1579324" cy="92901"/>
+            </a:xfrm>
+            <a:custGeom>
+              <a:avLst/>
+              <a:gdLst>
+                <a:gd name="connsiteX0" fmla="*/ 1579324 w 1579324"/>
+                <a:gd name="connsiteY0" fmla="*/ 0 h 92901"/>
+                <a:gd name="connsiteX1" fmla="*/ 603859 w 1579324"/>
+                <a:gd name="connsiteY1" fmla="*/ 0 h 92901"/>
+                <a:gd name="connsiteX2" fmla="*/ 0 w 1579324"/>
+                <a:gd name="connsiteY2" fmla="*/ 0 h 92901"/>
+                <a:gd name="connsiteX3" fmla="*/ 209028 w 1579324"/>
+                <a:gd name="connsiteY3" fmla="*/ 0 h 92901"/>
+              </a:gdLst>
+              <a:ahLst/>
+              <a:cxnLst>
+                <a:cxn ang="0">
+                  <a:pos x="connsiteX0" y="connsiteY0"/>
+                </a:cxn>
+                <a:cxn ang="0">
+                  <a:pos x="connsiteX1" y="connsiteY1"/>
+                </a:cxn>
+                <a:cxn ang="0">
+                  <a:pos x="connsiteX2" y="connsiteY2"/>
+                </a:cxn>
+                <a:cxn ang="0">
+                  <a:pos x="connsiteX3" y="connsiteY3"/>
+                </a:cxn>
+              </a:cxnLst>
+              <a:rect l="l" t="t" r="r" b="b"/>
+              <a:pathLst>
+                <a:path w="1579324" h="92901">
+                  <a:moveTo>
+                    <a:pt x="1579324" y="0"/>
+                  </a:moveTo>
+                  <a:lnTo>
+                    <a:pt x="603859" y="0"/>
+                  </a:lnTo>
+                  <a:moveTo>
+                    <a:pt x="0" y="0"/>
+                  </a:moveTo>
+                  <a:lnTo>
+                    <a:pt x="209028" y="0"/>
+                  </a:lnTo>
+                </a:path>
+              </a:pathLst>
+            </a:custGeom>
+            <a:noFill/>
+            <a:ln w="139303" cap="rnd">
+              <a:solidFill>
+                <a:srgbClr val="0A0CF0">
+                  <a:alpha val="33000"/>
+                </a:srgbClr>
+              </a:solidFill>
+              <a:prstDash val="solid"/>
+              <a:miter/>
+            </a:ln>
+          </p:spPr>
+          <p:txBody>
+            <a:bodyPr rtlCol="0" anchor="ctr"/>
+            <a:lstStyle/>
+            <a:p>
+              <a:endParaRPr lang="ja-JP" altLang="en-US"/>
+            </a:p>
+          </p:txBody>
+        </p:sp>
+        <p:sp>
+          <p:nvSpPr>
+            <p:cNvPr id="38" name="フリーフォーム 37">
+              <a:extLst>
+                <a:ext uri="{FF2B5EF4-FFF2-40B4-BE49-F238E27FC236}">
+                  <a16:creationId xmlns:a16="http://schemas.microsoft.com/office/drawing/2014/main" id="{847F5611-9D39-D9DE-7D7E-B2C8005E54D0}"/>
+                </a:ext>
+              </a:extLst>
+            </p:cNvPr>
+            <p:cNvSpPr/>
+            <p:nvPr/>
+          </p:nvSpPr>
+          <p:spPr>
+            <a:xfrm>
+              <a:off x="11465201" y="698742"/>
+              <a:ext cx="1579324" cy="92901"/>
+            </a:xfrm>
+            <a:custGeom>
+              <a:avLst/>
+              <a:gdLst>
+                <a:gd name="connsiteX0" fmla="*/ 0 w 1579324"/>
+                <a:gd name="connsiteY0" fmla="*/ 0 h 92901"/>
+                <a:gd name="connsiteX1" fmla="*/ 975465 w 1579324"/>
+                <a:gd name="connsiteY1" fmla="*/ 0 h 92901"/>
+                <a:gd name="connsiteX2" fmla="*/ 1579324 w 1579324"/>
+                <a:gd name="connsiteY2" fmla="*/ 0 h 92901"/>
+                <a:gd name="connsiteX3" fmla="*/ 1370296 w 1579324"/>
+                <a:gd name="connsiteY3" fmla="*/ 0 h 92901"/>
+              </a:gdLst>
+              <a:ahLst/>
+              <a:cxnLst>
+                <a:cxn ang="0">
+                  <a:pos x="connsiteX0" y="connsiteY0"/>
+                </a:cxn>
+                <a:cxn ang="0">
+                  <a:pos x="connsiteX1" y="connsiteY1"/>
+                </a:cxn>
+                <a:cxn ang="0">
+                  <a:pos x="connsiteX2" y="connsiteY2"/>
+                </a:cxn>
+                <a:cxn ang="0">
+                  <a:pos x="connsiteX3" y="connsiteY3"/>
+                </a:cxn>
+              </a:cxnLst>
+              <a:rect l="l" t="t" r="r" b="b"/>
+              <a:pathLst>
+                <a:path w="1579324" h="92901">
+                  <a:moveTo>
+                    <a:pt x="0" y="0"/>
+                  </a:moveTo>
+                  <a:lnTo>
+                    <a:pt x="975465" y="0"/>
+                  </a:lnTo>
+                  <a:moveTo>
+                    <a:pt x="1579324" y="0"/>
+                  </a:moveTo>
+                  <a:lnTo>
+                    <a:pt x="1370296" y="0"/>
+                  </a:lnTo>
+                </a:path>
+              </a:pathLst>
+            </a:custGeom>
+            <a:noFill/>
+            <a:ln w="139303" cap="rnd">
+              <a:solidFill>
+                <a:srgbClr val="0A0CF0">
+                  <a:alpha val="33000"/>
+                </a:srgbClr>
+              </a:solidFill>
+              <a:prstDash val="solid"/>
+              <a:miter/>
+            </a:ln>
+          </p:spPr>
+          <p:txBody>
+            <a:bodyPr rtlCol="0" anchor="ctr"/>
+            <a:lstStyle/>
+            <a:p>
+              <a:endParaRPr lang="ja-JP" altLang="en-US"/>
+            </a:p>
+          </p:txBody>
+        </p:sp>
+        <p:sp>
+          <p:nvSpPr>
+            <p:cNvPr id="39" name="フリーフォーム 38">
+              <a:extLst>
+                <a:ext uri="{FF2B5EF4-FFF2-40B4-BE49-F238E27FC236}">
+                  <a16:creationId xmlns:a16="http://schemas.microsoft.com/office/drawing/2014/main" id="{7018B8BA-D05B-5C33-3822-D3FCBEBE7D74}"/>
+                </a:ext>
+              </a:extLst>
+            </p:cNvPr>
+            <p:cNvSpPr/>
+            <p:nvPr/>
+          </p:nvSpPr>
+          <p:spPr>
+            <a:xfrm>
+              <a:off x="11465201" y="1070348"/>
+              <a:ext cx="1579324" cy="92901"/>
+            </a:xfrm>
+            <a:custGeom>
+              <a:avLst/>
+              <a:gdLst>
+                <a:gd name="connsiteX0" fmla="*/ 1579324 w 1579324"/>
+                <a:gd name="connsiteY0" fmla="*/ 0 h 92901"/>
+                <a:gd name="connsiteX1" fmla="*/ 603859 w 1579324"/>
+                <a:gd name="connsiteY1" fmla="*/ 0 h 92901"/>
+                <a:gd name="connsiteX2" fmla="*/ 0 w 1579324"/>
+                <a:gd name="connsiteY2" fmla="*/ 0 h 92901"/>
+                <a:gd name="connsiteX3" fmla="*/ 209028 w 1579324"/>
+                <a:gd name="connsiteY3" fmla="*/ 0 h 92901"/>
+              </a:gdLst>
+              <a:ahLst/>
+              <a:cxnLst>
+                <a:cxn ang="0">
+                  <a:pos x="connsiteX0" y="connsiteY0"/>
+                </a:cxn>
+                <a:cxn ang="0">
+                  <a:pos x="connsiteX1" y="connsiteY1"/>
+                </a:cxn>
+                <a:cxn ang="0">
+                  <a:pos x="connsiteX2" y="connsiteY2"/>
+                </a:cxn>
+                <a:cxn ang="0">
+                  <a:pos x="connsiteX3" y="connsiteY3"/>
+                </a:cxn>
+              </a:cxnLst>
+              <a:rect l="l" t="t" r="r" b="b"/>
+              <a:pathLst>
+                <a:path w="1579324" h="92901">
+                  <a:moveTo>
+                    <a:pt x="1579324" y="0"/>
+                  </a:moveTo>
+                  <a:lnTo>
+                    <a:pt x="603859" y="0"/>
+                  </a:lnTo>
+                  <a:moveTo>
+                    <a:pt x="0" y="0"/>
+                  </a:moveTo>
+                  <a:lnTo>
+                    <a:pt x="209028" y="0"/>
+                  </a:lnTo>
+                </a:path>
+              </a:pathLst>
+            </a:custGeom>
+            <a:noFill/>
+            <a:ln w="139303" cap="rnd">
+              <a:solidFill>
+                <a:srgbClr val="0A0CF0">
+                  <a:alpha val="33000"/>
+                </a:srgbClr>
+              </a:solidFill>
+              <a:prstDash val="solid"/>
+              <a:miter/>
+            </a:ln>
+          </p:spPr>
+          <p:txBody>
+            <a:bodyPr rtlCol="0" anchor="ctr"/>
+            <a:lstStyle/>
+            <a:p>
+              <a:endParaRPr lang="ja-JP" altLang="en-US"/>
+            </a:p>
+          </p:txBody>
+        </p:sp>
+      </p:grpSp>
+      <p:pic>
+        <p:nvPicPr>
+          <p:cNvPr id="28" name="グラフィックス 27" descr="ワークフロー">
+            <a:extLst>
+              <a:ext uri="{FF2B5EF4-FFF2-40B4-BE49-F238E27FC236}">
+                <a16:creationId xmlns:a16="http://schemas.microsoft.com/office/drawing/2014/main" id="{FFBFB588-FD97-3B31-13B5-E6F8C4ED6BE4}"/>
+              </a:ext>
+            </a:extLst>
+          </p:cNvPr>
+          <p:cNvPicPr>
+            <a:picLocks noChangeAspect="1"/>
+          </p:cNvPicPr>
+          <p:nvPr/>
+        </p:nvPicPr>
+        <p:blipFill>
+          <a:blip r:embed="rId4">
+            <a:extLst>
+              <a:ext uri="{28A0092B-C50C-407E-A947-70E740481C1C}">
+                <a14:useLocalDpi xmlns:a14="http://schemas.microsoft.com/office/drawing/2010/main" val="0"/>
+              </a:ext>
+              <a:ext uri="{96DAC541-7B7A-43D3-8B79-37D633B846F1}">
+                <asvg:svgBlip xmlns:asvg="http://schemas.microsoft.com/office/drawing/2016/SVG/main" r:embed="rId5"/>
+              </a:ext>
+            </a:extLst>
+          </a:blip>
+          <a:stretch>
+            <a:fillRect/>
+          </a:stretch>
+        </p:blipFill>
+        <p:spPr>
+          <a:xfrm>
+            <a:off x="9833111" y="-19052"/>
+            <a:ext cx="1503295" cy="1503295"/>
+          </a:xfrm>
+          <a:prstGeom prst="rect">
+            <a:avLst/>
+          </a:prstGeom>
+        </p:spPr>
+      </p:pic>
+      <p:pic>
+        <p:nvPicPr>
+          <p:cNvPr id="6" name="図 5">
+            <a:extLst>
+              <a:ext uri="{FF2B5EF4-FFF2-40B4-BE49-F238E27FC236}">
+                <a16:creationId xmlns:a16="http://schemas.microsoft.com/office/drawing/2014/main" id="{E64D9AB2-2CD5-A2A3-B4B3-221BCFFBBBFE}"/>
+              </a:ext>
+            </a:extLst>
+          </p:cNvPr>
+          <p:cNvPicPr>
+            <a:picLocks noChangeAspect="1"/>
+          </p:cNvPicPr>
+          <p:nvPr/>
+        </p:nvPicPr>
+        <p:blipFill>
+          <a:blip r:embed="rId6">
+            <a:extLst>
+              <a:ext uri="{BEBA8EAE-BF5A-486C-A8C5-ECC9F3942E4B}">
+                <a14:imgProps xmlns:a14="http://schemas.microsoft.com/office/drawing/2010/main">
+                  <a14:imgLayer r:embed="rId7">
+                    <a14:imgEffect>
+                      <a14:brightnessContrast bright="23000" contrast="46000"/>
+                    </a14:imgEffect>
+                  </a14:imgLayer>
+                </a14:imgProps>
+              </a:ext>
+              <a:ext uri="{28A0092B-C50C-407E-A947-70E740481C1C}">
+                <a14:useLocalDpi xmlns:a14="http://schemas.microsoft.com/office/drawing/2010/main" val="0"/>
+              </a:ext>
+            </a:extLst>
+          </a:blip>
+          <a:stretch>
+            <a:fillRect/>
+          </a:stretch>
+        </p:blipFill>
+        <p:spPr>
+          <a:xfrm>
+            <a:off x="3235809" y="1468160"/>
+            <a:ext cx="1991903" cy="2480986"/>
+          </a:xfrm>
+          <a:prstGeom prst="rect">
+            <a:avLst/>
+          </a:prstGeom>
+        </p:spPr>
+      </p:pic>
+      <p:sp>
+        <p:nvSpPr>
+          <p:cNvPr id="4" name="角丸四角形 3">
+            <a:extLst>
+              <a:ext uri="{FF2B5EF4-FFF2-40B4-BE49-F238E27FC236}">
+                <a16:creationId xmlns:a16="http://schemas.microsoft.com/office/drawing/2014/main" id="{0ABC980A-BAFA-097C-C482-DB7BBEBE9F5F}"/>
+              </a:ext>
+            </a:extLst>
+          </p:cNvPr>
+          <p:cNvSpPr/>
+          <p:nvPr/>
+        </p:nvSpPr>
+        <p:spPr>
+          <a:xfrm>
+            <a:off x="1113183" y="1789044"/>
+            <a:ext cx="1258954" cy="795126"/>
+          </a:xfrm>
+          <a:prstGeom prst="roundRect">
+            <a:avLst/>
+          </a:prstGeom>
+          <a:solidFill>
+            <a:srgbClr val="751CFE">
+              <a:alpha val="71000"/>
+            </a:srgbClr>
+          </a:solidFill>
+          <a:ln w="12700">
+            <a:noFill/>
+            <a:miter lim="400000"/>
+          </a:ln>
+          <a:extLst>
+            <a:ext uri="{C572A759-6A51-4108-AA02-DFA0A04FC94B}">
+              <ma14:wrappingTextBoxFlag xmlns="" xmlns:ma14="http://schemas.microsoft.com/office/mac/drawingml/2011/main" val="1"/>
+            </a:ext>
+          </a:extLst>
+        </p:spPr>
+        <p:txBody>
+          <a:bodyPr rtlCol="0" anchor="ctr"/>
+          <a:lstStyle/>
+          <a:p>
+            <a:pPr algn="ctr"/>
+            <a:r>
+              <a:rPr kumimoji="1" lang="en-US" altLang="ja-JP" sz="5400" b="1">
+                <a:solidFill>
+                  <a:schemeClr val="bg1"/>
+                </a:solidFill>
+                <a:latin typeface="Arial Black" panose="020B0604020202020204" pitchFamily="34" charset="0"/>
+                <a:cs typeface="Arial Black" panose="020B0604020202020204" pitchFamily="34" charset="0"/>
+              </a:rPr>
+              <a:t>R</a:t>
+            </a:r>
+            <a:endParaRPr kumimoji="1" lang="ja-JP" altLang="en-US" sz="5400" b="1">
+              <a:solidFill>
+                <a:schemeClr val="bg1"/>
+              </a:solidFill>
+              <a:latin typeface="Arial Black" panose="020B0604020202020204" pitchFamily="34" charset="0"/>
+              <a:cs typeface="Arial Black" panose="020B0604020202020204" pitchFamily="34" charset="0"/>
+            </a:endParaRPr>
+          </a:p>
+        </p:txBody>
+      </p:sp>
+      <p:sp>
+        <p:nvSpPr>
+          <p:cNvPr id="5" name="角丸四角形 4">
+            <a:extLst>
+              <a:ext uri="{FF2B5EF4-FFF2-40B4-BE49-F238E27FC236}">
+                <a16:creationId xmlns:a16="http://schemas.microsoft.com/office/drawing/2014/main" id="{11362BFD-4FFC-B872-0109-A216E4C78530}"/>
+              </a:ext>
+            </a:extLst>
+          </p:cNvPr>
+          <p:cNvSpPr/>
+          <p:nvPr/>
+        </p:nvSpPr>
+        <p:spPr>
+          <a:xfrm>
+            <a:off x="11816598" y="1789044"/>
+            <a:ext cx="1859647" cy="795126"/>
+          </a:xfrm>
+          <a:prstGeom prst="roundRect">
+            <a:avLst/>
+          </a:prstGeom>
+          <a:solidFill>
+            <a:schemeClr val="accent6">
+              <a:lumMod val="75000"/>
+              <a:alpha val="73036"/>
+            </a:schemeClr>
+          </a:solidFill>
+          <a:ln w="12700">
+            <a:noFill/>
+            <a:miter lim="400000"/>
+          </a:ln>
+          <a:extLst>
+            <a:ext uri="{C572A759-6A51-4108-AA02-DFA0A04FC94B}">
+              <ma14:wrappingTextBoxFlag xmlns="" xmlns:ma14="http://schemas.microsoft.com/office/mac/drawingml/2011/main" val="1"/>
+            </a:ext>
+          </a:extLst>
+        </p:spPr>
+        <p:txBody>
+          <a:bodyPr rtlCol="0" anchor="ctr"/>
+          <a:lstStyle/>
+          <a:p>
+            <a:pPr algn="ctr"/>
+            <a:r>
+              <a:rPr lang="en-US" altLang="ja-JP" sz="5400" b="1">
+                <a:solidFill>
+                  <a:schemeClr val="bg1"/>
+                </a:solidFill>
+                <a:latin typeface="Arial Black" panose="020B0604020202020204" pitchFamily="34" charset="0"/>
+                <a:cs typeface="Arial Black" panose="020B0604020202020204" pitchFamily="34" charset="0"/>
+              </a:rPr>
+              <a:t>SQL</a:t>
+            </a:r>
+            <a:endParaRPr kumimoji="1" lang="ja-JP" altLang="en-US" sz="5400" b="1">
+              <a:solidFill>
+                <a:schemeClr val="bg1"/>
+              </a:solidFill>
+              <a:latin typeface="Arial Black" panose="020B0604020202020204" pitchFamily="34" charset="0"/>
+              <a:cs typeface="Arial Black" panose="020B0604020202020204" pitchFamily="34" charset="0"/>
+            </a:endParaRPr>
+          </a:p>
+        </p:txBody>
+      </p:sp>
+    </p:spTree>
+    <p:extLst>
+      <p:ext uri="{BB962C8B-B14F-4D97-AF65-F5344CB8AC3E}">
+        <p14:creationId xmlns:p14="http://schemas.microsoft.com/office/powerpoint/2010/main" val="182223047"/>
       </p:ext>
     </p:extLst>
   </p:cSld>

--- a/_memo/image/drill-list.pptx
+++ b/_memo/image/drill-list.pptx
@@ -15874,7 +15874,7 @@
         </p:blipFill>
         <p:spPr>
           <a:xfrm>
-            <a:off x="3235809" y="1468160"/>
+            <a:off x="3196053" y="1468160"/>
             <a:ext cx="1991903" cy="2480986"/>
           </a:xfrm>
           <a:prstGeom prst="rect">
@@ -17610,7 +17610,7 @@
         </p:blipFill>
         <p:spPr>
           <a:xfrm>
-            <a:off x="3235809" y="1468160"/>
+            <a:off x="3182801" y="1468160"/>
             <a:ext cx="1991903" cy="2480986"/>
           </a:xfrm>
           <a:prstGeom prst="rect">

--- a/_memo/image/drill-list.pptx
+++ b/_memo/image/drill-list.pptx
@@ -5,10 +5,10 @@
     <p:sldMasterId id="2147483648" r:id="rId1"/>
   </p:sldMasterIdLst>
   <p:notesMasterIdLst>
-    <p:notesMasterId r:id="rId11"/>
+    <p:notesMasterId r:id="rId13"/>
   </p:notesMasterIdLst>
   <p:handoutMasterIdLst>
-    <p:handoutMasterId r:id="rId12"/>
+    <p:handoutMasterId r:id="rId14"/>
   </p:handoutMasterIdLst>
   <p:sldIdLst>
     <p:sldId id="640" r:id="rId2"/>
@@ -20,6 +20,8 @@
     <p:sldId id="707" r:id="rId8"/>
     <p:sldId id="708" r:id="rId9"/>
     <p:sldId id="709" r:id="rId10"/>
+    <p:sldId id="710" r:id="rId11"/>
+    <p:sldId id="711" r:id="rId12"/>
   </p:sldIdLst>
   <p:sldSz cx="14400213" cy="4356100"/>
   <p:notesSz cx="6735763" cy="9866313"/>
@@ -132,6 +134,8 @@
             <p14:sldId id="707"/>
             <p14:sldId id="708"/>
             <p14:sldId id="709"/>
+            <p14:sldId id="710"/>
+            <p14:sldId id="711"/>
           </p14:sldIdLst>
         </p14:section>
         <p14:section name="アイコン" id="{E6A61129-24E8-BE4F-97F7-218E9035C89D}">
@@ -7630,6 +7634,3732 @@
 </p:sld>
 </file>
 
+<file path=ppt/slides/slide10.xml><?xml version="1.0" encoding="utf-8"?>
+<p:sld xmlns:a="http://schemas.openxmlformats.org/drawingml/2006/main" xmlns:r="http://schemas.openxmlformats.org/officeDocument/2006/relationships" xmlns:p="http://schemas.openxmlformats.org/presentationml/2006/main">
+  <p:cSld>
+    <p:bg>
+      <p:bgPr>
+        <a:gradFill>
+          <a:gsLst>
+            <a:gs pos="100000">
+              <a:srgbClr val="F2EBFF">
+                <a:lumMod val="96299"/>
+                <a:lumOff val="3701"/>
+                <a:alpha val="43000"/>
+              </a:srgbClr>
+            </a:gs>
+            <a:gs pos="2000">
+              <a:srgbClr val="4396FB">
+                <a:alpha val="63988"/>
+              </a:srgbClr>
+            </a:gs>
+          </a:gsLst>
+          <a:lin ang="18900000" scaled="0"/>
+        </a:gradFill>
+        <a:effectLst/>
+      </p:bgPr>
+    </p:bg>
+    <p:spTree>
+      <p:nvGrpSpPr>
+        <p:cNvPr id="1" name=""/>
+        <p:cNvGrpSpPr/>
+        <p:nvPr/>
+      </p:nvGrpSpPr>
+      <p:grpSpPr>
+        <a:xfrm>
+          <a:off x="0" y="0"/>
+          <a:ext cx="0" cy="0"/>
+          <a:chOff x="0" y="0"/>
+          <a:chExt cx="0" cy="0"/>
+        </a:xfrm>
+      </p:grpSpPr>
+      <p:grpSp>
+        <p:nvGrpSpPr>
+          <p:cNvPr id="27" name="グループ化 26">
+            <a:extLst>
+              <a:ext uri="{FF2B5EF4-FFF2-40B4-BE49-F238E27FC236}">
+                <a16:creationId xmlns:a16="http://schemas.microsoft.com/office/drawing/2014/main" id="{DB62DD05-BC9B-A3D3-FF29-371E44EE94BB}"/>
+              </a:ext>
+            </a:extLst>
+          </p:cNvPr>
+          <p:cNvGrpSpPr/>
+          <p:nvPr/>
+        </p:nvGrpSpPr>
+        <p:grpSpPr>
+          <a:xfrm>
+            <a:off x="851468" y="713741"/>
+            <a:ext cx="1745957" cy="3011305"/>
+            <a:chOff x="11465201" y="698742"/>
+            <a:chExt cx="1579324" cy="2723908"/>
+          </a:xfrm>
+        </p:grpSpPr>
+        <p:sp>
+          <p:nvSpPr>
+            <p:cNvPr id="18" name="フリーフォーム 17">
+              <a:extLst>
+                <a:ext uri="{FF2B5EF4-FFF2-40B4-BE49-F238E27FC236}">
+                  <a16:creationId xmlns:a16="http://schemas.microsoft.com/office/drawing/2014/main" id="{3037463D-E8E6-4727-41F0-1A2A30E767A8}"/>
+                </a:ext>
+              </a:extLst>
+            </p:cNvPr>
+            <p:cNvSpPr/>
+            <p:nvPr/>
+          </p:nvSpPr>
+          <p:spPr>
+            <a:xfrm>
+              <a:off x="12487116" y="2911693"/>
+              <a:ext cx="557408" cy="464507"/>
+            </a:xfrm>
+            <a:custGeom>
+              <a:avLst/>
+              <a:gdLst>
+                <a:gd name="connsiteX0" fmla="*/ 0 w 557408"/>
+                <a:gd name="connsiteY0" fmla="*/ 232254 h 464507"/>
+                <a:gd name="connsiteX1" fmla="*/ 195093 w 557408"/>
+                <a:gd name="connsiteY1" fmla="*/ 464507 h 464507"/>
+                <a:gd name="connsiteX2" fmla="*/ 557409 w 557408"/>
+                <a:gd name="connsiteY2" fmla="*/ 0 h 464507"/>
+              </a:gdLst>
+              <a:ahLst/>
+              <a:cxnLst>
+                <a:cxn ang="0">
+                  <a:pos x="connsiteX0" y="connsiteY0"/>
+                </a:cxn>
+                <a:cxn ang="0">
+                  <a:pos x="connsiteX1" y="connsiteY1"/>
+                </a:cxn>
+                <a:cxn ang="0">
+                  <a:pos x="connsiteX2" y="connsiteY2"/>
+                </a:cxn>
+              </a:cxnLst>
+              <a:rect l="l" t="t" r="r" b="b"/>
+              <a:pathLst>
+                <a:path w="557408" h="464507">
+                  <a:moveTo>
+                    <a:pt x="0" y="232254"/>
+                  </a:moveTo>
+                  <a:lnTo>
+                    <a:pt x="195093" y="464507"/>
+                  </a:lnTo>
+                  <a:lnTo>
+                    <a:pt x="557409" y="0"/>
+                  </a:lnTo>
+                </a:path>
+              </a:pathLst>
+            </a:custGeom>
+            <a:noFill/>
+            <a:ln w="139303" cap="rnd">
+              <a:solidFill>
+                <a:srgbClr val="0A0CF0">
+                  <a:alpha val="37000"/>
+                </a:srgbClr>
+              </a:solidFill>
+              <a:prstDash val="solid"/>
+              <a:round/>
+            </a:ln>
+          </p:spPr>
+          <p:txBody>
+            <a:bodyPr rtlCol="0" anchor="ctr"/>
+            <a:lstStyle/>
+            <a:p>
+              <a:endParaRPr lang="ja-JP" altLang="en-US"/>
+            </a:p>
+          </p:txBody>
+        </p:sp>
+        <p:sp>
+          <p:nvSpPr>
+            <p:cNvPr id="19" name="フリーフォーム 18">
+              <a:extLst>
+                <a:ext uri="{FF2B5EF4-FFF2-40B4-BE49-F238E27FC236}">
+                  <a16:creationId xmlns:a16="http://schemas.microsoft.com/office/drawing/2014/main" id="{97AE8855-74CA-9FF4-E945-9E1A738394AB}"/>
+                </a:ext>
+              </a:extLst>
+            </p:cNvPr>
+            <p:cNvSpPr/>
+            <p:nvPr/>
+          </p:nvSpPr>
+          <p:spPr>
+            <a:xfrm>
+              <a:off x="11465201" y="2958143"/>
+              <a:ext cx="650309" cy="92901"/>
+            </a:xfrm>
+            <a:custGeom>
+              <a:avLst/>
+              <a:gdLst>
+                <a:gd name="connsiteX0" fmla="*/ 650310 w 650309"/>
+                <a:gd name="connsiteY0" fmla="*/ 0 h 92901"/>
+                <a:gd name="connsiteX1" fmla="*/ 0 w 650309"/>
+                <a:gd name="connsiteY1" fmla="*/ 0 h 92901"/>
+              </a:gdLst>
+              <a:ahLst/>
+              <a:cxnLst>
+                <a:cxn ang="0">
+                  <a:pos x="connsiteX0" y="connsiteY0"/>
+                </a:cxn>
+                <a:cxn ang="0">
+                  <a:pos x="connsiteX1" y="connsiteY1"/>
+                </a:cxn>
+              </a:cxnLst>
+              <a:rect l="l" t="t" r="r" b="b"/>
+              <a:pathLst>
+                <a:path w="650309" h="92901">
+                  <a:moveTo>
+                    <a:pt x="650310" y="0"/>
+                  </a:moveTo>
+                  <a:lnTo>
+                    <a:pt x="0" y="0"/>
+                  </a:lnTo>
+                </a:path>
+              </a:pathLst>
+            </a:custGeom>
+            <a:noFill/>
+            <a:ln w="139303" cap="rnd">
+              <a:solidFill>
+                <a:srgbClr val="0A0CF0">
+                  <a:alpha val="37000"/>
+                </a:srgbClr>
+              </a:solidFill>
+              <a:prstDash val="solid"/>
+              <a:miter/>
+            </a:ln>
+          </p:spPr>
+          <p:txBody>
+            <a:bodyPr rtlCol="0" anchor="ctr"/>
+            <a:lstStyle/>
+            <a:p>
+              <a:endParaRPr lang="ja-JP" altLang="en-US"/>
+            </a:p>
+          </p:txBody>
+        </p:sp>
+        <p:sp>
+          <p:nvSpPr>
+            <p:cNvPr id="20" name="フリーフォーム 19">
+              <a:extLst>
+                <a:ext uri="{FF2B5EF4-FFF2-40B4-BE49-F238E27FC236}">
+                  <a16:creationId xmlns:a16="http://schemas.microsoft.com/office/drawing/2014/main" id="{31D7D10B-DF73-73D6-38C3-43972416C968}"/>
+                </a:ext>
+              </a:extLst>
+            </p:cNvPr>
+            <p:cNvSpPr/>
+            <p:nvPr/>
+          </p:nvSpPr>
+          <p:spPr>
+            <a:xfrm>
+              <a:off x="11465201" y="3329749"/>
+              <a:ext cx="650309" cy="92901"/>
+            </a:xfrm>
+            <a:custGeom>
+              <a:avLst/>
+              <a:gdLst>
+                <a:gd name="connsiteX0" fmla="*/ 650310 w 650309"/>
+                <a:gd name="connsiteY0" fmla="*/ 0 h 92901"/>
+                <a:gd name="connsiteX1" fmla="*/ 0 w 650309"/>
+                <a:gd name="connsiteY1" fmla="*/ 0 h 92901"/>
+              </a:gdLst>
+              <a:ahLst/>
+              <a:cxnLst>
+                <a:cxn ang="0">
+                  <a:pos x="connsiteX0" y="connsiteY0"/>
+                </a:cxn>
+                <a:cxn ang="0">
+                  <a:pos x="connsiteX1" y="connsiteY1"/>
+                </a:cxn>
+              </a:cxnLst>
+              <a:rect l="l" t="t" r="r" b="b"/>
+              <a:pathLst>
+                <a:path w="650309" h="92901">
+                  <a:moveTo>
+                    <a:pt x="650310" y="0"/>
+                  </a:moveTo>
+                  <a:lnTo>
+                    <a:pt x="0" y="0"/>
+                  </a:lnTo>
+                </a:path>
+              </a:pathLst>
+            </a:custGeom>
+            <a:noFill/>
+            <a:ln w="139303" cap="rnd">
+              <a:solidFill>
+                <a:srgbClr val="0A0CF0">
+                  <a:alpha val="37000"/>
+                </a:srgbClr>
+              </a:solidFill>
+              <a:prstDash val="solid"/>
+              <a:miter/>
+            </a:ln>
+          </p:spPr>
+          <p:txBody>
+            <a:bodyPr rtlCol="0" anchor="ctr"/>
+            <a:lstStyle/>
+            <a:p>
+              <a:endParaRPr lang="ja-JP" altLang="en-US"/>
+            </a:p>
+          </p:txBody>
+        </p:sp>
+        <p:sp>
+          <p:nvSpPr>
+            <p:cNvPr id="21" name="フリーフォーム 20">
+              <a:extLst>
+                <a:ext uri="{FF2B5EF4-FFF2-40B4-BE49-F238E27FC236}">
+                  <a16:creationId xmlns:a16="http://schemas.microsoft.com/office/drawing/2014/main" id="{B2E9EB2A-84B2-D514-7A58-DD0FFF4DF37C}"/>
+                </a:ext>
+              </a:extLst>
+            </p:cNvPr>
+            <p:cNvSpPr/>
+            <p:nvPr/>
+          </p:nvSpPr>
+          <p:spPr>
+            <a:xfrm>
+              <a:off x="11465201" y="2214932"/>
+              <a:ext cx="1579324" cy="92901"/>
+            </a:xfrm>
+            <a:custGeom>
+              <a:avLst/>
+              <a:gdLst>
+                <a:gd name="connsiteX0" fmla="*/ 0 w 1579324"/>
+                <a:gd name="connsiteY0" fmla="*/ 0 h 92901"/>
+                <a:gd name="connsiteX1" fmla="*/ 975465 w 1579324"/>
+                <a:gd name="connsiteY1" fmla="*/ 0 h 92901"/>
+                <a:gd name="connsiteX2" fmla="*/ 1579324 w 1579324"/>
+                <a:gd name="connsiteY2" fmla="*/ 0 h 92901"/>
+                <a:gd name="connsiteX3" fmla="*/ 1370296 w 1579324"/>
+                <a:gd name="connsiteY3" fmla="*/ 0 h 92901"/>
+              </a:gdLst>
+              <a:ahLst/>
+              <a:cxnLst>
+                <a:cxn ang="0">
+                  <a:pos x="connsiteX0" y="connsiteY0"/>
+                </a:cxn>
+                <a:cxn ang="0">
+                  <a:pos x="connsiteX1" y="connsiteY1"/>
+                </a:cxn>
+                <a:cxn ang="0">
+                  <a:pos x="connsiteX2" y="connsiteY2"/>
+                </a:cxn>
+                <a:cxn ang="0">
+                  <a:pos x="connsiteX3" y="connsiteY3"/>
+                </a:cxn>
+              </a:cxnLst>
+              <a:rect l="l" t="t" r="r" b="b"/>
+              <a:pathLst>
+                <a:path w="1579324" h="92901">
+                  <a:moveTo>
+                    <a:pt x="0" y="0"/>
+                  </a:moveTo>
+                  <a:lnTo>
+                    <a:pt x="975465" y="0"/>
+                  </a:lnTo>
+                  <a:moveTo>
+                    <a:pt x="1579324" y="0"/>
+                  </a:moveTo>
+                  <a:lnTo>
+                    <a:pt x="1370296" y="0"/>
+                  </a:lnTo>
+                </a:path>
+              </a:pathLst>
+            </a:custGeom>
+            <a:noFill/>
+            <a:ln w="139303" cap="rnd">
+              <a:solidFill>
+                <a:srgbClr val="0A0CF0">
+                  <a:alpha val="37000"/>
+                </a:srgbClr>
+              </a:solidFill>
+              <a:prstDash val="solid"/>
+              <a:miter/>
+            </a:ln>
+          </p:spPr>
+          <p:txBody>
+            <a:bodyPr rtlCol="0" anchor="ctr"/>
+            <a:lstStyle/>
+            <a:p>
+              <a:endParaRPr lang="ja-JP" altLang="en-US"/>
+            </a:p>
+          </p:txBody>
+        </p:sp>
+        <p:sp>
+          <p:nvSpPr>
+            <p:cNvPr id="22" name="フリーフォーム 21">
+              <a:extLst>
+                <a:ext uri="{FF2B5EF4-FFF2-40B4-BE49-F238E27FC236}">
+                  <a16:creationId xmlns:a16="http://schemas.microsoft.com/office/drawing/2014/main" id="{D0C5F125-B025-B566-65F4-B557D074E415}"/>
+                </a:ext>
+              </a:extLst>
+            </p:cNvPr>
+            <p:cNvSpPr/>
+            <p:nvPr/>
+          </p:nvSpPr>
+          <p:spPr>
+            <a:xfrm>
+              <a:off x="11465201" y="2586538"/>
+              <a:ext cx="1579324" cy="92901"/>
+            </a:xfrm>
+            <a:custGeom>
+              <a:avLst/>
+              <a:gdLst>
+                <a:gd name="connsiteX0" fmla="*/ 1579324 w 1579324"/>
+                <a:gd name="connsiteY0" fmla="*/ 0 h 92901"/>
+                <a:gd name="connsiteX1" fmla="*/ 603859 w 1579324"/>
+                <a:gd name="connsiteY1" fmla="*/ 0 h 92901"/>
+                <a:gd name="connsiteX2" fmla="*/ 0 w 1579324"/>
+                <a:gd name="connsiteY2" fmla="*/ 0 h 92901"/>
+                <a:gd name="connsiteX3" fmla="*/ 209028 w 1579324"/>
+                <a:gd name="connsiteY3" fmla="*/ 0 h 92901"/>
+              </a:gdLst>
+              <a:ahLst/>
+              <a:cxnLst>
+                <a:cxn ang="0">
+                  <a:pos x="connsiteX0" y="connsiteY0"/>
+                </a:cxn>
+                <a:cxn ang="0">
+                  <a:pos x="connsiteX1" y="connsiteY1"/>
+                </a:cxn>
+                <a:cxn ang="0">
+                  <a:pos x="connsiteX2" y="connsiteY2"/>
+                </a:cxn>
+                <a:cxn ang="0">
+                  <a:pos x="connsiteX3" y="connsiteY3"/>
+                </a:cxn>
+              </a:cxnLst>
+              <a:rect l="l" t="t" r="r" b="b"/>
+              <a:pathLst>
+                <a:path w="1579324" h="92901">
+                  <a:moveTo>
+                    <a:pt x="1579324" y="0"/>
+                  </a:moveTo>
+                  <a:lnTo>
+                    <a:pt x="603859" y="0"/>
+                  </a:lnTo>
+                  <a:moveTo>
+                    <a:pt x="0" y="0"/>
+                  </a:moveTo>
+                  <a:lnTo>
+                    <a:pt x="209028" y="0"/>
+                  </a:lnTo>
+                </a:path>
+              </a:pathLst>
+            </a:custGeom>
+            <a:noFill/>
+            <a:ln w="139303" cap="rnd">
+              <a:solidFill>
+                <a:srgbClr val="0A0CF0">
+                  <a:alpha val="37000"/>
+                </a:srgbClr>
+              </a:solidFill>
+              <a:prstDash val="solid"/>
+              <a:miter/>
+            </a:ln>
+          </p:spPr>
+          <p:txBody>
+            <a:bodyPr rtlCol="0" anchor="ctr"/>
+            <a:lstStyle/>
+            <a:p>
+              <a:endParaRPr lang="ja-JP" altLang="en-US"/>
+            </a:p>
+          </p:txBody>
+        </p:sp>
+        <p:sp>
+          <p:nvSpPr>
+            <p:cNvPr id="23" name="フリーフォーム 22">
+              <a:extLst>
+                <a:ext uri="{FF2B5EF4-FFF2-40B4-BE49-F238E27FC236}">
+                  <a16:creationId xmlns:a16="http://schemas.microsoft.com/office/drawing/2014/main" id="{4E6C3791-4DC8-51FC-7B4C-9E4EBA15885C}"/>
+                </a:ext>
+              </a:extLst>
+            </p:cNvPr>
+            <p:cNvSpPr/>
+            <p:nvPr/>
+          </p:nvSpPr>
+          <p:spPr>
+            <a:xfrm>
+              <a:off x="11465201" y="1455804"/>
+              <a:ext cx="1579324" cy="92901"/>
+            </a:xfrm>
+            <a:custGeom>
+              <a:avLst/>
+              <a:gdLst>
+                <a:gd name="connsiteX0" fmla="*/ 0 w 1579324"/>
+                <a:gd name="connsiteY0" fmla="*/ 0 h 92901"/>
+                <a:gd name="connsiteX1" fmla="*/ 975465 w 1579324"/>
+                <a:gd name="connsiteY1" fmla="*/ 0 h 92901"/>
+                <a:gd name="connsiteX2" fmla="*/ 1579324 w 1579324"/>
+                <a:gd name="connsiteY2" fmla="*/ 0 h 92901"/>
+                <a:gd name="connsiteX3" fmla="*/ 1370296 w 1579324"/>
+                <a:gd name="connsiteY3" fmla="*/ 0 h 92901"/>
+              </a:gdLst>
+              <a:ahLst/>
+              <a:cxnLst>
+                <a:cxn ang="0">
+                  <a:pos x="connsiteX0" y="connsiteY0"/>
+                </a:cxn>
+                <a:cxn ang="0">
+                  <a:pos x="connsiteX1" y="connsiteY1"/>
+                </a:cxn>
+                <a:cxn ang="0">
+                  <a:pos x="connsiteX2" y="connsiteY2"/>
+                </a:cxn>
+                <a:cxn ang="0">
+                  <a:pos x="connsiteX3" y="connsiteY3"/>
+                </a:cxn>
+              </a:cxnLst>
+              <a:rect l="l" t="t" r="r" b="b"/>
+              <a:pathLst>
+                <a:path w="1579324" h="92901">
+                  <a:moveTo>
+                    <a:pt x="0" y="0"/>
+                  </a:moveTo>
+                  <a:lnTo>
+                    <a:pt x="975465" y="0"/>
+                  </a:lnTo>
+                  <a:moveTo>
+                    <a:pt x="1579324" y="0"/>
+                  </a:moveTo>
+                  <a:lnTo>
+                    <a:pt x="1370296" y="0"/>
+                  </a:lnTo>
+                </a:path>
+              </a:pathLst>
+            </a:custGeom>
+            <a:noFill/>
+            <a:ln w="139303" cap="rnd">
+              <a:solidFill>
+                <a:srgbClr val="0A0CF0">
+                  <a:alpha val="37000"/>
+                </a:srgbClr>
+              </a:solidFill>
+              <a:prstDash val="solid"/>
+              <a:miter/>
+            </a:ln>
+          </p:spPr>
+          <p:txBody>
+            <a:bodyPr rtlCol="0" anchor="ctr"/>
+            <a:lstStyle/>
+            <a:p>
+              <a:endParaRPr lang="ja-JP" altLang="en-US"/>
+            </a:p>
+          </p:txBody>
+        </p:sp>
+        <p:sp>
+          <p:nvSpPr>
+            <p:cNvPr id="24" name="フリーフォーム 23">
+              <a:extLst>
+                <a:ext uri="{FF2B5EF4-FFF2-40B4-BE49-F238E27FC236}">
+                  <a16:creationId xmlns:a16="http://schemas.microsoft.com/office/drawing/2014/main" id="{D1C734B2-E792-B085-3EC3-96614BF912C1}"/>
+                </a:ext>
+              </a:extLst>
+            </p:cNvPr>
+            <p:cNvSpPr/>
+            <p:nvPr/>
+          </p:nvSpPr>
+          <p:spPr>
+            <a:xfrm>
+              <a:off x="11465201" y="1827410"/>
+              <a:ext cx="1579324" cy="92901"/>
+            </a:xfrm>
+            <a:custGeom>
+              <a:avLst/>
+              <a:gdLst>
+                <a:gd name="connsiteX0" fmla="*/ 1579324 w 1579324"/>
+                <a:gd name="connsiteY0" fmla="*/ 0 h 92901"/>
+                <a:gd name="connsiteX1" fmla="*/ 603859 w 1579324"/>
+                <a:gd name="connsiteY1" fmla="*/ 0 h 92901"/>
+                <a:gd name="connsiteX2" fmla="*/ 0 w 1579324"/>
+                <a:gd name="connsiteY2" fmla="*/ 0 h 92901"/>
+                <a:gd name="connsiteX3" fmla="*/ 209028 w 1579324"/>
+                <a:gd name="connsiteY3" fmla="*/ 0 h 92901"/>
+              </a:gdLst>
+              <a:ahLst/>
+              <a:cxnLst>
+                <a:cxn ang="0">
+                  <a:pos x="connsiteX0" y="connsiteY0"/>
+                </a:cxn>
+                <a:cxn ang="0">
+                  <a:pos x="connsiteX1" y="connsiteY1"/>
+                </a:cxn>
+                <a:cxn ang="0">
+                  <a:pos x="connsiteX2" y="connsiteY2"/>
+                </a:cxn>
+                <a:cxn ang="0">
+                  <a:pos x="connsiteX3" y="connsiteY3"/>
+                </a:cxn>
+              </a:cxnLst>
+              <a:rect l="l" t="t" r="r" b="b"/>
+              <a:pathLst>
+                <a:path w="1579324" h="92901">
+                  <a:moveTo>
+                    <a:pt x="1579324" y="0"/>
+                  </a:moveTo>
+                  <a:lnTo>
+                    <a:pt x="603859" y="0"/>
+                  </a:lnTo>
+                  <a:moveTo>
+                    <a:pt x="0" y="0"/>
+                  </a:moveTo>
+                  <a:lnTo>
+                    <a:pt x="209028" y="0"/>
+                  </a:lnTo>
+                </a:path>
+              </a:pathLst>
+            </a:custGeom>
+            <a:noFill/>
+            <a:ln w="139303" cap="rnd">
+              <a:solidFill>
+                <a:srgbClr val="0A0CF0">
+                  <a:alpha val="37000"/>
+                </a:srgbClr>
+              </a:solidFill>
+              <a:prstDash val="solid"/>
+              <a:miter/>
+            </a:ln>
+          </p:spPr>
+          <p:txBody>
+            <a:bodyPr rtlCol="0" anchor="ctr"/>
+            <a:lstStyle/>
+            <a:p>
+              <a:endParaRPr lang="ja-JP" altLang="en-US"/>
+            </a:p>
+          </p:txBody>
+        </p:sp>
+        <p:sp>
+          <p:nvSpPr>
+            <p:cNvPr id="25" name="フリーフォーム 24">
+              <a:extLst>
+                <a:ext uri="{FF2B5EF4-FFF2-40B4-BE49-F238E27FC236}">
+                  <a16:creationId xmlns:a16="http://schemas.microsoft.com/office/drawing/2014/main" id="{F42FF860-1879-B38D-B685-6797845204A0}"/>
+                </a:ext>
+              </a:extLst>
+            </p:cNvPr>
+            <p:cNvSpPr/>
+            <p:nvPr/>
+          </p:nvSpPr>
+          <p:spPr>
+            <a:xfrm>
+              <a:off x="11465201" y="698742"/>
+              <a:ext cx="1579324" cy="92901"/>
+            </a:xfrm>
+            <a:custGeom>
+              <a:avLst/>
+              <a:gdLst>
+                <a:gd name="connsiteX0" fmla="*/ 0 w 1579324"/>
+                <a:gd name="connsiteY0" fmla="*/ 0 h 92901"/>
+                <a:gd name="connsiteX1" fmla="*/ 975465 w 1579324"/>
+                <a:gd name="connsiteY1" fmla="*/ 0 h 92901"/>
+                <a:gd name="connsiteX2" fmla="*/ 1579324 w 1579324"/>
+                <a:gd name="connsiteY2" fmla="*/ 0 h 92901"/>
+                <a:gd name="connsiteX3" fmla="*/ 1370296 w 1579324"/>
+                <a:gd name="connsiteY3" fmla="*/ 0 h 92901"/>
+              </a:gdLst>
+              <a:ahLst/>
+              <a:cxnLst>
+                <a:cxn ang="0">
+                  <a:pos x="connsiteX0" y="connsiteY0"/>
+                </a:cxn>
+                <a:cxn ang="0">
+                  <a:pos x="connsiteX1" y="connsiteY1"/>
+                </a:cxn>
+                <a:cxn ang="0">
+                  <a:pos x="connsiteX2" y="connsiteY2"/>
+                </a:cxn>
+                <a:cxn ang="0">
+                  <a:pos x="connsiteX3" y="connsiteY3"/>
+                </a:cxn>
+              </a:cxnLst>
+              <a:rect l="l" t="t" r="r" b="b"/>
+              <a:pathLst>
+                <a:path w="1579324" h="92901">
+                  <a:moveTo>
+                    <a:pt x="0" y="0"/>
+                  </a:moveTo>
+                  <a:lnTo>
+                    <a:pt x="975465" y="0"/>
+                  </a:lnTo>
+                  <a:moveTo>
+                    <a:pt x="1579324" y="0"/>
+                  </a:moveTo>
+                  <a:lnTo>
+                    <a:pt x="1370296" y="0"/>
+                  </a:lnTo>
+                </a:path>
+              </a:pathLst>
+            </a:custGeom>
+            <a:noFill/>
+            <a:ln w="139303" cap="rnd">
+              <a:solidFill>
+                <a:srgbClr val="0A0CF0">
+                  <a:alpha val="37000"/>
+                </a:srgbClr>
+              </a:solidFill>
+              <a:prstDash val="solid"/>
+              <a:miter/>
+            </a:ln>
+          </p:spPr>
+          <p:txBody>
+            <a:bodyPr rtlCol="0" anchor="ctr"/>
+            <a:lstStyle/>
+            <a:p>
+              <a:endParaRPr lang="ja-JP" altLang="en-US"/>
+            </a:p>
+          </p:txBody>
+        </p:sp>
+        <p:sp>
+          <p:nvSpPr>
+            <p:cNvPr id="26" name="フリーフォーム 25">
+              <a:extLst>
+                <a:ext uri="{FF2B5EF4-FFF2-40B4-BE49-F238E27FC236}">
+                  <a16:creationId xmlns:a16="http://schemas.microsoft.com/office/drawing/2014/main" id="{F7A697C1-B417-02BE-3ED7-46575062A7EA}"/>
+                </a:ext>
+              </a:extLst>
+            </p:cNvPr>
+            <p:cNvSpPr/>
+            <p:nvPr/>
+          </p:nvSpPr>
+          <p:spPr>
+            <a:xfrm>
+              <a:off x="11465201" y="1070348"/>
+              <a:ext cx="1579324" cy="92901"/>
+            </a:xfrm>
+            <a:custGeom>
+              <a:avLst/>
+              <a:gdLst>
+                <a:gd name="connsiteX0" fmla="*/ 1579324 w 1579324"/>
+                <a:gd name="connsiteY0" fmla="*/ 0 h 92901"/>
+                <a:gd name="connsiteX1" fmla="*/ 603859 w 1579324"/>
+                <a:gd name="connsiteY1" fmla="*/ 0 h 92901"/>
+                <a:gd name="connsiteX2" fmla="*/ 0 w 1579324"/>
+                <a:gd name="connsiteY2" fmla="*/ 0 h 92901"/>
+                <a:gd name="connsiteX3" fmla="*/ 209028 w 1579324"/>
+                <a:gd name="connsiteY3" fmla="*/ 0 h 92901"/>
+              </a:gdLst>
+              <a:ahLst/>
+              <a:cxnLst>
+                <a:cxn ang="0">
+                  <a:pos x="connsiteX0" y="connsiteY0"/>
+                </a:cxn>
+                <a:cxn ang="0">
+                  <a:pos x="connsiteX1" y="connsiteY1"/>
+                </a:cxn>
+                <a:cxn ang="0">
+                  <a:pos x="connsiteX2" y="connsiteY2"/>
+                </a:cxn>
+                <a:cxn ang="0">
+                  <a:pos x="connsiteX3" y="connsiteY3"/>
+                </a:cxn>
+              </a:cxnLst>
+              <a:rect l="l" t="t" r="r" b="b"/>
+              <a:pathLst>
+                <a:path w="1579324" h="92901">
+                  <a:moveTo>
+                    <a:pt x="1579324" y="0"/>
+                  </a:moveTo>
+                  <a:lnTo>
+                    <a:pt x="603859" y="0"/>
+                  </a:lnTo>
+                  <a:moveTo>
+                    <a:pt x="0" y="0"/>
+                  </a:moveTo>
+                  <a:lnTo>
+                    <a:pt x="209028" y="0"/>
+                  </a:lnTo>
+                </a:path>
+              </a:pathLst>
+            </a:custGeom>
+            <a:noFill/>
+            <a:ln w="139303" cap="rnd">
+              <a:solidFill>
+                <a:srgbClr val="0A0CF0">
+                  <a:alpha val="37000"/>
+                </a:srgbClr>
+              </a:solidFill>
+              <a:prstDash val="solid"/>
+              <a:miter/>
+            </a:ln>
+          </p:spPr>
+          <p:txBody>
+            <a:bodyPr rtlCol="0" anchor="ctr"/>
+            <a:lstStyle/>
+            <a:p>
+              <a:endParaRPr lang="ja-JP" altLang="en-US"/>
+            </a:p>
+          </p:txBody>
+        </p:sp>
+      </p:grpSp>
+      <p:sp>
+        <p:nvSpPr>
+          <p:cNvPr id="2" name="角丸四角形 1">
+            <a:extLst>
+              <a:ext uri="{FF2B5EF4-FFF2-40B4-BE49-F238E27FC236}">
+                <a16:creationId xmlns:a16="http://schemas.microsoft.com/office/drawing/2014/main" id="{D560FB00-0E8A-E628-CC1D-9BEABB1F8AF6}"/>
+              </a:ext>
+            </a:extLst>
+          </p:cNvPr>
+          <p:cNvSpPr/>
+          <p:nvPr/>
+        </p:nvSpPr>
+        <p:spPr>
+          <a:xfrm>
+            <a:off x="5417635" y="1655976"/>
+            <a:ext cx="3337877" cy="914400"/>
+          </a:xfrm>
+          <a:prstGeom prst="roundRect">
+            <a:avLst>
+              <a:gd name="adj" fmla="val 0"/>
+            </a:avLst>
+          </a:prstGeom>
+          <a:solidFill>
+            <a:schemeClr val="bg1">
+              <a:alpha val="60000"/>
+            </a:schemeClr>
+          </a:solidFill>
+          <a:ln w="12700">
+            <a:noFill/>
+            <a:miter lim="400000"/>
+          </a:ln>
+          <a:extLst>
+            <a:ext uri="{C572A759-6A51-4108-AA02-DFA0A04FC94B}">
+              <ma14:wrappingTextBoxFlag xmlns:ma14="http://schemas.microsoft.com/office/mac/drawingml/2011/main" xmlns="" val="1"/>
+            </a:ext>
+          </a:extLst>
+        </p:spPr>
+        <p:txBody>
+          <a:bodyPr lIns="0" tIns="0" rIns="0" bIns="0" rtlCol="0" anchor="ctr">
+            <a:noAutofit/>
+          </a:bodyPr>
+          <a:lstStyle/>
+          <a:p>
+            <a:pPr algn="ctr"/>
+            <a:r>
+              <a:rPr kumimoji="1" lang="en" altLang="ja-JP" sz="6000" b="1">
+                <a:solidFill>
+                  <a:srgbClr val="056BE6"/>
+                </a:solidFill>
+                <a:latin typeface="Yu Gothic" panose="020B0400000000000000" pitchFamily="34" charset="-128"/>
+                <a:ea typeface="Yu Gothic" panose="020B0400000000000000" pitchFamily="34" charset="-128"/>
+              </a:rPr>
+              <a:t>R</a:t>
+            </a:r>
+            <a:r>
+              <a:rPr lang="en-US" altLang="ja-JP" sz="6000" b="1">
+                <a:solidFill>
+                  <a:srgbClr val="056BE6"/>
+                </a:solidFill>
+                <a:latin typeface="Yu Gothic" panose="020B0400000000000000" pitchFamily="34" charset="-128"/>
+                <a:ea typeface="Yu Gothic" panose="020B0400000000000000" pitchFamily="34" charset="-128"/>
+              </a:rPr>
+              <a:t> &amp; SQL</a:t>
+            </a:r>
+            <a:endParaRPr kumimoji="1" lang="ja-JP" altLang="en-US" sz="6000" b="1">
+              <a:solidFill>
+                <a:srgbClr val="056BE6"/>
+              </a:solidFill>
+              <a:latin typeface="Yu Gothic" panose="020B0400000000000000" pitchFamily="34" charset="-128"/>
+              <a:ea typeface="Yu Gothic" panose="020B0400000000000000" pitchFamily="34" charset="-128"/>
+            </a:endParaRPr>
+          </a:p>
+        </p:txBody>
+      </p:sp>
+      <p:sp>
+        <p:nvSpPr>
+          <p:cNvPr id="3" name="角丸四角形 2">
+            <a:extLst>
+              <a:ext uri="{FF2B5EF4-FFF2-40B4-BE49-F238E27FC236}">
+                <a16:creationId xmlns:a16="http://schemas.microsoft.com/office/drawing/2014/main" id="{893DBA56-8022-A275-0156-D3F30FEBC897}"/>
+              </a:ext>
+            </a:extLst>
+          </p:cNvPr>
+          <p:cNvSpPr/>
+          <p:nvPr/>
+        </p:nvSpPr>
+        <p:spPr>
+          <a:xfrm>
+            <a:off x="5417420" y="2660209"/>
+            <a:ext cx="5844746" cy="1166447"/>
+          </a:xfrm>
+          <a:prstGeom prst="roundRect">
+            <a:avLst>
+              <a:gd name="adj" fmla="val 0"/>
+            </a:avLst>
+          </a:prstGeom>
+          <a:solidFill>
+            <a:schemeClr val="bg1">
+              <a:alpha val="62000"/>
+            </a:schemeClr>
+          </a:solidFill>
+          <a:ln w="12700">
+            <a:noFill/>
+            <a:miter lim="400000"/>
+          </a:ln>
+          <a:extLst>
+            <a:ext uri="{C572A759-6A51-4108-AA02-DFA0A04FC94B}">
+              <ma14:wrappingTextBoxFlag xmlns:ma14="http://schemas.microsoft.com/office/mac/drawingml/2011/main" xmlns="" val="1"/>
+            </a:ext>
+          </a:extLst>
+        </p:spPr>
+        <p:txBody>
+          <a:bodyPr lIns="0" tIns="0" rIns="0" bIns="0" rtlCol="0" anchor="ctr">
+            <a:noAutofit/>
+          </a:bodyPr>
+          <a:lstStyle/>
+          <a:p>
+            <a:pPr algn="ctr"/>
+            <a:r>
+              <a:rPr kumimoji="1" lang="ja-JP" altLang="en-US" sz="7200" b="1">
+                <a:solidFill>
+                  <a:srgbClr val="056BE6"/>
+                </a:solidFill>
+                <a:effectLst>
+                  <a:outerShdw blurRad="25400" dist="38100" dir="2700000" algn="tl" rotWithShape="0">
+                    <a:schemeClr val="accent6">
+                      <a:lumMod val="50000"/>
+                      <a:alpha val="32000"/>
+                    </a:schemeClr>
+                  </a:outerShdw>
+                </a:effectLst>
+                <a:latin typeface="Hiragino Maru Gothic Pro W4" panose="020F0400000000000000" pitchFamily="34" charset="-128"/>
+                <a:ea typeface="Hiragino Maru Gothic Pro W4" panose="020F0400000000000000" pitchFamily="34" charset="-128"/>
+              </a:rPr>
+              <a:t>演習問題一覧</a:t>
+            </a:r>
+          </a:p>
+        </p:txBody>
+      </p:sp>
+      <p:grpSp>
+        <p:nvGrpSpPr>
+          <p:cNvPr id="30" name="グループ化 29">
+            <a:extLst>
+              <a:ext uri="{FF2B5EF4-FFF2-40B4-BE49-F238E27FC236}">
+                <a16:creationId xmlns:a16="http://schemas.microsoft.com/office/drawing/2014/main" id="{9593EA69-A5E2-C941-3145-7013EEBC622E}"/>
+              </a:ext>
+            </a:extLst>
+          </p:cNvPr>
+          <p:cNvGrpSpPr/>
+          <p:nvPr/>
+        </p:nvGrpSpPr>
+        <p:grpSpPr>
+          <a:xfrm>
+            <a:off x="11861626" y="713741"/>
+            <a:ext cx="1745957" cy="3011305"/>
+            <a:chOff x="11465201" y="698742"/>
+            <a:chExt cx="1579324" cy="2723908"/>
+          </a:xfrm>
+        </p:grpSpPr>
+        <p:sp>
+          <p:nvSpPr>
+            <p:cNvPr id="31" name="フリーフォーム 30">
+              <a:extLst>
+                <a:ext uri="{FF2B5EF4-FFF2-40B4-BE49-F238E27FC236}">
+                  <a16:creationId xmlns:a16="http://schemas.microsoft.com/office/drawing/2014/main" id="{42DD5361-0A04-BDC3-31B8-4281192D2D6B}"/>
+                </a:ext>
+              </a:extLst>
+            </p:cNvPr>
+            <p:cNvSpPr/>
+            <p:nvPr/>
+          </p:nvSpPr>
+          <p:spPr>
+            <a:xfrm>
+              <a:off x="12487116" y="2911693"/>
+              <a:ext cx="557408" cy="464507"/>
+            </a:xfrm>
+            <a:custGeom>
+              <a:avLst/>
+              <a:gdLst>
+                <a:gd name="connsiteX0" fmla="*/ 0 w 557408"/>
+                <a:gd name="connsiteY0" fmla="*/ 232254 h 464507"/>
+                <a:gd name="connsiteX1" fmla="*/ 195093 w 557408"/>
+                <a:gd name="connsiteY1" fmla="*/ 464507 h 464507"/>
+                <a:gd name="connsiteX2" fmla="*/ 557409 w 557408"/>
+                <a:gd name="connsiteY2" fmla="*/ 0 h 464507"/>
+              </a:gdLst>
+              <a:ahLst/>
+              <a:cxnLst>
+                <a:cxn ang="0">
+                  <a:pos x="connsiteX0" y="connsiteY0"/>
+                </a:cxn>
+                <a:cxn ang="0">
+                  <a:pos x="connsiteX1" y="connsiteY1"/>
+                </a:cxn>
+                <a:cxn ang="0">
+                  <a:pos x="connsiteX2" y="connsiteY2"/>
+                </a:cxn>
+              </a:cxnLst>
+              <a:rect l="l" t="t" r="r" b="b"/>
+              <a:pathLst>
+                <a:path w="557408" h="464507">
+                  <a:moveTo>
+                    <a:pt x="0" y="232254"/>
+                  </a:moveTo>
+                  <a:lnTo>
+                    <a:pt x="195093" y="464507"/>
+                  </a:lnTo>
+                  <a:lnTo>
+                    <a:pt x="557409" y="0"/>
+                  </a:lnTo>
+                </a:path>
+              </a:pathLst>
+            </a:custGeom>
+            <a:noFill/>
+            <a:ln w="139303" cap="rnd">
+              <a:solidFill>
+                <a:srgbClr val="0A0CF0">
+                  <a:alpha val="33000"/>
+                </a:srgbClr>
+              </a:solidFill>
+              <a:prstDash val="solid"/>
+              <a:round/>
+            </a:ln>
+          </p:spPr>
+          <p:txBody>
+            <a:bodyPr rtlCol="0" anchor="ctr"/>
+            <a:lstStyle/>
+            <a:p>
+              <a:endParaRPr lang="ja-JP" altLang="en-US"/>
+            </a:p>
+          </p:txBody>
+        </p:sp>
+        <p:sp>
+          <p:nvSpPr>
+            <p:cNvPr id="32" name="フリーフォーム 31">
+              <a:extLst>
+                <a:ext uri="{FF2B5EF4-FFF2-40B4-BE49-F238E27FC236}">
+                  <a16:creationId xmlns:a16="http://schemas.microsoft.com/office/drawing/2014/main" id="{7F6893EB-D283-0DE9-7863-0B133CB9A127}"/>
+                </a:ext>
+              </a:extLst>
+            </p:cNvPr>
+            <p:cNvSpPr/>
+            <p:nvPr/>
+          </p:nvSpPr>
+          <p:spPr>
+            <a:xfrm>
+              <a:off x="11465201" y="2958143"/>
+              <a:ext cx="650309" cy="92901"/>
+            </a:xfrm>
+            <a:custGeom>
+              <a:avLst/>
+              <a:gdLst>
+                <a:gd name="connsiteX0" fmla="*/ 650310 w 650309"/>
+                <a:gd name="connsiteY0" fmla="*/ 0 h 92901"/>
+                <a:gd name="connsiteX1" fmla="*/ 0 w 650309"/>
+                <a:gd name="connsiteY1" fmla="*/ 0 h 92901"/>
+              </a:gdLst>
+              <a:ahLst/>
+              <a:cxnLst>
+                <a:cxn ang="0">
+                  <a:pos x="connsiteX0" y="connsiteY0"/>
+                </a:cxn>
+                <a:cxn ang="0">
+                  <a:pos x="connsiteX1" y="connsiteY1"/>
+                </a:cxn>
+              </a:cxnLst>
+              <a:rect l="l" t="t" r="r" b="b"/>
+              <a:pathLst>
+                <a:path w="650309" h="92901">
+                  <a:moveTo>
+                    <a:pt x="650310" y="0"/>
+                  </a:moveTo>
+                  <a:lnTo>
+                    <a:pt x="0" y="0"/>
+                  </a:lnTo>
+                </a:path>
+              </a:pathLst>
+            </a:custGeom>
+            <a:noFill/>
+            <a:ln w="139303" cap="rnd">
+              <a:solidFill>
+                <a:srgbClr val="0A0CF0">
+                  <a:alpha val="33000"/>
+                </a:srgbClr>
+              </a:solidFill>
+              <a:prstDash val="solid"/>
+              <a:miter/>
+            </a:ln>
+          </p:spPr>
+          <p:txBody>
+            <a:bodyPr rtlCol="0" anchor="ctr"/>
+            <a:lstStyle/>
+            <a:p>
+              <a:endParaRPr lang="ja-JP" altLang="en-US"/>
+            </a:p>
+          </p:txBody>
+        </p:sp>
+        <p:sp>
+          <p:nvSpPr>
+            <p:cNvPr id="33" name="フリーフォーム 32">
+              <a:extLst>
+                <a:ext uri="{FF2B5EF4-FFF2-40B4-BE49-F238E27FC236}">
+                  <a16:creationId xmlns:a16="http://schemas.microsoft.com/office/drawing/2014/main" id="{DBA41AAF-F40B-7904-100C-D75B58FFF621}"/>
+                </a:ext>
+              </a:extLst>
+            </p:cNvPr>
+            <p:cNvSpPr/>
+            <p:nvPr/>
+          </p:nvSpPr>
+          <p:spPr>
+            <a:xfrm>
+              <a:off x="11465201" y="3329749"/>
+              <a:ext cx="650309" cy="92901"/>
+            </a:xfrm>
+            <a:custGeom>
+              <a:avLst/>
+              <a:gdLst>
+                <a:gd name="connsiteX0" fmla="*/ 650310 w 650309"/>
+                <a:gd name="connsiteY0" fmla="*/ 0 h 92901"/>
+                <a:gd name="connsiteX1" fmla="*/ 0 w 650309"/>
+                <a:gd name="connsiteY1" fmla="*/ 0 h 92901"/>
+              </a:gdLst>
+              <a:ahLst/>
+              <a:cxnLst>
+                <a:cxn ang="0">
+                  <a:pos x="connsiteX0" y="connsiteY0"/>
+                </a:cxn>
+                <a:cxn ang="0">
+                  <a:pos x="connsiteX1" y="connsiteY1"/>
+                </a:cxn>
+              </a:cxnLst>
+              <a:rect l="l" t="t" r="r" b="b"/>
+              <a:pathLst>
+                <a:path w="650309" h="92901">
+                  <a:moveTo>
+                    <a:pt x="650310" y="0"/>
+                  </a:moveTo>
+                  <a:lnTo>
+                    <a:pt x="0" y="0"/>
+                  </a:lnTo>
+                </a:path>
+              </a:pathLst>
+            </a:custGeom>
+            <a:noFill/>
+            <a:ln w="139303" cap="rnd">
+              <a:solidFill>
+                <a:srgbClr val="0A0CF0">
+                  <a:alpha val="33000"/>
+                </a:srgbClr>
+              </a:solidFill>
+              <a:prstDash val="solid"/>
+              <a:miter/>
+            </a:ln>
+          </p:spPr>
+          <p:txBody>
+            <a:bodyPr rtlCol="0" anchor="ctr"/>
+            <a:lstStyle/>
+            <a:p>
+              <a:endParaRPr lang="ja-JP" altLang="en-US"/>
+            </a:p>
+          </p:txBody>
+        </p:sp>
+        <p:sp>
+          <p:nvSpPr>
+            <p:cNvPr id="34" name="フリーフォーム 33">
+              <a:extLst>
+                <a:ext uri="{FF2B5EF4-FFF2-40B4-BE49-F238E27FC236}">
+                  <a16:creationId xmlns:a16="http://schemas.microsoft.com/office/drawing/2014/main" id="{523C10BB-72A0-136D-837B-3D9F5A687E7B}"/>
+                </a:ext>
+              </a:extLst>
+            </p:cNvPr>
+            <p:cNvSpPr/>
+            <p:nvPr/>
+          </p:nvSpPr>
+          <p:spPr>
+            <a:xfrm>
+              <a:off x="11465201" y="2214932"/>
+              <a:ext cx="1579324" cy="92901"/>
+            </a:xfrm>
+            <a:custGeom>
+              <a:avLst/>
+              <a:gdLst>
+                <a:gd name="connsiteX0" fmla="*/ 0 w 1579324"/>
+                <a:gd name="connsiteY0" fmla="*/ 0 h 92901"/>
+                <a:gd name="connsiteX1" fmla="*/ 975465 w 1579324"/>
+                <a:gd name="connsiteY1" fmla="*/ 0 h 92901"/>
+                <a:gd name="connsiteX2" fmla="*/ 1579324 w 1579324"/>
+                <a:gd name="connsiteY2" fmla="*/ 0 h 92901"/>
+                <a:gd name="connsiteX3" fmla="*/ 1370296 w 1579324"/>
+                <a:gd name="connsiteY3" fmla="*/ 0 h 92901"/>
+              </a:gdLst>
+              <a:ahLst/>
+              <a:cxnLst>
+                <a:cxn ang="0">
+                  <a:pos x="connsiteX0" y="connsiteY0"/>
+                </a:cxn>
+                <a:cxn ang="0">
+                  <a:pos x="connsiteX1" y="connsiteY1"/>
+                </a:cxn>
+                <a:cxn ang="0">
+                  <a:pos x="connsiteX2" y="connsiteY2"/>
+                </a:cxn>
+                <a:cxn ang="0">
+                  <a:pos x="connsiteX3" y="connsiteY3"/>
+                </a:cxn>
+              </a:cxnLst>
+              <a:rect l="l" t="t" r="r" b="b"/>
+              <a:pathLst>
+                <a:path w="1579324" h="92901">
+                  <a:moveTo>
+                    <a:pt x="0" y="0"/>
+                  </a:moveTo>
+                  <a:lnTo>
+                    <a:pt x="975465" y="0"/>
+                  </a:lnTo>
+                  <a:moveTo>
+                    <a:pt x="1579324" y="0"/>
+                  </a:moveTo>
+                  <a:lnTo>
+                    <a:pt x="1370296" y="0"/>
+                  </a:lnTo>
+                </a:path>
+              </a:pathLst>
+            </a:custGeom>
+            <a:noFill/>
+            <a:ln w="139303" cap="rnd">
+              <a:solidFill>
+                <a:srgbClr val="0A0CF0">
+                  <a:alpha val="33000"/>
+                </a:srgbClr>
+              </a:solidFill>
+              <a:prstDash val="solid"/>
+              <a:miter/>
+            </a:ln>
+          </p:spPr>
+          <p:txBody>
+            <a:bodyPr rtlCol="0" anchor="ctr"/>
+            <a:lstStyle/>
+            <a:p>
+              <a:endParaRPr lang="ja-JP" altLang="en-US"/>
+            </a:p>
+          </p:txBody>
+        </p:sp>
+        <p:sp>
+          <p:nvSpPr>
+            <p:cNvPr id="35" name="フリーフォーム 34">
+              <a:extLst>
+                <a:ext uri="{FF2B5EF4-FFF2-40B4-BE49-F238E27FC236}">
+                  <a16:creationId xmlns:a16="http://schemas.microsoft.com/office/drawing/2014/main" id="{341A94BD-6EA1-EF4F-C9B1-B5C81C25FFE3}"/>
+                </a:ext>
+              </a:extLst>
+            </p:cNvPr>
+            <p:cNvSpPr/>
+            <p:nvPr/>
+          </p:nvSpPr>
+          <p:spPr>
+            <a:xfrm>
+              <a:off x="11465201" y="2586538"/>
+              <a:ext cx="1579324" cy="92901"/>
+            </a:xfrm>
+            <a:custGeom>
+              <a:avLst/>
+              <a:gdLst>
+                <a:gd name="connsiteX0" fmla="*/ 1579324 w 1579324"/>
+                <a:gd name="connsiteY0" fmla="*/ 0 h 92901"/>
+                <a:gd name="connsiteX1" fmla="*/ 603859 w 1579324"/>
+                <a:gd name="connsiteY1" fmla="*/ 0 h 92901"/>
+                <a:gd name="connsiteX2" fmla="*/ 0 w 1579324"/>
+                <a:gd name="connsiteY2" fmla="*/ 0 h 92901"/>
+                <a:gd name="connsiteX3" fmla="*/ 209028 w 1579324"/>
+                <a:gd name="connsiteY3" fmla="*/ 0 h 92901"/>
+              </a:gdLst>
+              <a:ahLst/>
+              <a:cxnLst>
+                <a:cxn ang="0">
+                  <a:pos x="connsiteX0" y="connsiteY0"/>
+                </a:cxn>
+                <a:cxn ang="0">
+                  <a:pos x="connsiteX1" y="connsiteY1"/>
+                </a:cxn>
+                <a:cxn ang="0">
+                  <a:pos x="connsiteX2" y="connsiteY2"/>
+                </a:cxn>
+                <a:cxn ang="0">
+                  <a:pos x="connsiteX3" y="connsiteY3"/>
+                </a:cxn>
+              </a:cxnLst>
+              <a:rect l="l" t="t" r="r" b="b"/>
+              <a:pathLst>
+                <a:path w="1579324" h="92901">
+                  <a:moveTo>
+                    <a:pt x="1579324" y="0"/>
+                  </a:moveTo>
+                  <a:lnTo>
+                    <a:pt x="603859" y="0"/>
+                  </a:lnTo>
+                  <a:moveTo>
+                    <a:pt x="0" y="0"/>
+                  </a:moveTo>
+                  <a:lnTo>
+                    <a:pt x="209028" y="0"/>
+                  </a:lnTo>
+                </a:path>
+              </a:pathLst>
+            </a:custGeom>
+            <a:noFill/>
+            <a:ln w="139303" cap="rnd">
+              <a:solidFill>
+                <a:srgbClr val="0A0CF0">
+                  <a:alpha val="33000"/>
+                </a:srgbClr>
+              </a:solidFill>
+              <a:prstDash val="solid"/>
+              <a:miter/>
+            </a:ln>
+          </p:spPr>
+          <p:txBody>
+            <a:bodyPr rtlCol="0" anchor="ctr"/>
+            <a:lstStyle/>
+            <a:p>
+              <a:endParaRPr lang="ja-JP" altLang="en-US"/>
+            </a:p>
+          </p:txBody>
+        </p:sp>
+        <p:sp>
+          <p:nvSpPr>
+            <p:cNvPr id="36" name="フリーフォーム 35">
+              <a:extLst>
+                <a:ext uri="{FF2B5EF4-FFF2-40B4-BE49-F238E27FC236}">
+                  <a16:creationId xmlns:a16="http://schemas.microsoft.com/office/drawing/2014/main" id="{D1929696-5AF4-A0C6-7006-3C54051DF6B8}"/>
+                </a:ext>
+              </a:extLst>
+            </p:cNvPr>
+            <p:cNvSpPr/>
+            <p:nvPr/>
+          </p:nvSpPr>
+          <p:spPr>
+            <a:xfrm>
+              <a:off x="11465201" y="1455804"/>
+              <a:ext cx="1579324" cy="92901"/>
+            </a:xfrm>
+            <a:custGeom>
+              <a:avLst/>
+              <a:gdLst>
+                <a:gd name="connsiteX0" fmla="*/ 0 w 1579324"/>
+                <a:gd name="connsiteY0" fmla="*/ 0 h 92901"/>
+                <a:gd name="connsiteX1" fmla="*/ 975465 w 1579324"/>
+                <a:gd name="connsiteY1" fmla="*/ 0 h 92901"/>
+                <a:gd name="connsiteX2" fmla="*/ 1579324 w 1579324"/>
+                <a:gd name="connsiteY2" fmla="*/ 0 h 92901"/>
+                <a:gd name="connsiteX3" fmla="*/ 1370296 w 1579324"/>
+                <a:gd name="connsiteY3" fmla="*/ 0 h 92901"/>
+              </a:gdLst>
+              <a:ahLst/>
+              <a:cxnLst>
+                <a:cxn ang="0">
+                  <a:pos x="connsiteX0" y="connsiteY0"/>
+                </a:cxn>
+                <a:cxn ang="0">
+                  <a:pos x="connsiteX1" y="connsiteY1"/>
+                </a:cxn>
+                <a:cxn ang="0">
+                  <a:pos x="connsiteX2" y="connsiteY2"/>
+                </a:cxn>
+                <a:cxn ang="0">
+                  <a:pos x="connsiteX3" y="connsiteY3"/>
+                </a:cxn>
+              </a:cxnLst>
+              <a:rect l="l" t="t" r="r" b="b"/>
+              <a:pathLst>
+                <a:path w="1579324" h="92901">
+                  <a:moveTo>
+                    <a:pt x="0" y="0"/>
+                  </a:moveTo>
+                  <a:lnTo>
+                    <a:pt x="975465" y="0"/>
+                  </a:lnTo>
+                  <a:moveTo>
+                    <a:pt x="1579324" y="0"/>
+                  </a:moveTo>
+                  <a:lnTo>
+                    <a:pt x="1370296" y="0"/>
+                  </a:lnTo>
+                </a:path>
+              </a:pathLst>
+            </a:custGeom>
+            <a:noFill/>
+            <a:ln w="139303" cap="rnd">
+              <a:solidFill>
+                <a:srgbClr val="0A0CF0">
+                  <a:alpha val="33000"/>
+                </a:srgbClr>
+              </a:solidFill>
+              <a:prstDash val="solid"/>
+              <a:miter/>
+            </a:ln>
+          </p:spPr>
+          <p:txBody>
+            <a:bodyPr rtlCol="0" anchor="ctr"/>
+            <a:lstStyle/>
+            <a:p>
+              <a:endParaRPr lang="ja-JP" altLang="en-US"/>
+            </a:p>
+          </p:txBody>
+        </p:sp>
+        <p:sp>
+          <p:nvSpPr>
+            <p:cNvPr id="37" name="フリーフォーム 36">
+              <a:extLst>
+                <a:ext uri="{FF2B5EF4-FFF2-40B4-BE49-F238E27FC236}">
+                  <a16:creationId xmlns:a16="http://schemas.microsoft.com/office/drawing/2014/main" id="{CB0C6876-77C4-A315-023B-A0DDBCF0146B}"/>
+                </a:ext>
+              </a:extLst>
+            </p:cNvPr>
+            <p:cNvSpPr/>
+            <p:nvPr/>
+          </p:nvSpPr>
+          <p:spPr>
+            <a:xfrm>
+              <a:off x="11465201" y="1827410"/>
+              <a:ext cx="1579324" cy="92901"/>
+            </a:xfrm>
+            <a:custGeom>
+              <a:avLst/>
+              <a:gdLst>
+                <a:gd name="connsiteX0" fmla="*/ 1579324 w 1579324"/>
+                <a:gd name="connsiteY0" fmla="*/ 0 h 92901"/>
+                <a:gd name="connsiteX1" fmla="*/ 603859 w 1579324"/>
+                <a:gd name="connsiteY1" fmla="*/ 0 h 92901"/>
+                <a:gd name="connsiteX2" fmla="*/ 0 w 1579324"/>
+                <a:gd name="connsiteY2" fmla="*/ 0 h 92901"/>
+                <a:gd name="connsiteX3" fmla="*/ 209028 w 1579324"/>
+                <a:gd name="connsiteY3" fmla="*/ 0 h 92901"/>
+              </a:gdLst>
+              <a:ahLst/>
+              <a:cxnLst>
+                <a:cxn ang="0">
+                  <a:pos x="connsiteX0" y="connsiteY0"/>
+                </a:cxn>
+                <a:cxn ang="0">
+                  <a:pos x="connsiteX1" y="connsiteY1"/>
+                </a:cxn>
+                <a:cxn ang="0">
+                  <a:pos x="connsiteX2" y="connsiteY2"/>
+                </a:cxn>
+                <a:cxn ang="0">
+                  <a:pos x="connsiteX3" y="connsiteY3"/>
+                </a:cxn>
+              </a:cxnLst>
+              <a:rect l="l" t="t" r="r" b="b"/>
+              <a:pathLst>
+                <a:path w="1579324" h="92901">
+                  <a:moveTo>
+                    <a:pt x="1579324" y="0"/>
+                  </a:moveTo>
+                  <a:lnTo>
+                    <a:pt x="603859" y="0"/>
+                  </a:lnTo>
+                  <a:moveTo>
+                    <a:pt x="0" y="0"/>
+                  </a:moveTo>
+                  <a:lnTo>
+                    <a:pt x="209028" y="0"/>
+                  </a:lnTo>
+                </a:path>
+              </a:pathLst>
+            </a:custGeom>
+            <a:noFill/>
+            <a:ln w="139303" cap="rnd">
+              <a:solidFill>
+                <a:srgbClr val="0A0CF0">
+                  <a:alpha val="33000"/>
+                </a:srgbClr>
+              </a:solidFill>
+              <a:prstDash val="solid"/>
+              <a:miter/>
+            </a:ln>
+          </p:spPr>
+          <p:txBody>
+            <a:bodyPr rtlCol="0" anchor="ctr"/>
+            <a:lstStyle/>
+            <a:p>
+              <a:endParaRPr lang="ja-JP" altLang="en-US"/>
+            </a:p>
+          </p:txBody>
+        </p:sp>
+        <p:sp>
+          <p:nvSpPr>
+            <p:cNvPr id="38" name="フリーフォーム 37">
+              <a:extLst>
+                <a:ext uri="{FF2B5EF4-FFF2-40B4-BE49-F238E27FC236}">
+                  <a16:creationId xmlns:a16="http://schemas.microsoft.com/office/drawing/2014/main" id="{847F5611-9D39-D9DE-7D7E-B2C8005E54D0}"/>
+                </a:ext>
+              </a:extLst>
+            </p:cNvPr>
+            <p:cNvSpPr/>
+            <p:nvPr/>
+          </p:nvSpPr>
+          <p:spPr>
+            <a:xfrm>
+              <a:off x="11465201" y="698742"/>
+              <a:ext cx="1579324" cy="92901"/>
+            </a:xfrm>
+            <a:custGeom>
+              <a:avLst/>
+              <a:gdLst>
+                <a:gd name="connsiteX0" fmla="*/ 0 w 1579324"/>
+                <a:gd name="connsiteY0" fmla="*/ 0 h 92901"/>
+                <a:gd name="connsiteX1" fmla="*/ 975465 w 1579324"/>
+                <a:gd name="connsiteY1" fmla="*/ 0 h 92901"/>
+                <a:gd name="connsiteX2" fmla="*/ 1579324 w 1579324"/>
+                <a:gd name="connsiteY2" fmla="*/ 0 h 92901"/>
+                <a:gd name="connsiteX3" fmla="*/ 1370296 w 1579324"/>
+                <a:gd name="connsiteY3" fmla="*/ 0 h 92901"/>
+              </a:gdLst>
+              <a:ahLst/>
+              <a:cxnLst>
+                <a:cxn ang="0">
+                  <a:pos x="connsiteX0" y="connsiteY0"/>
+                </a:cxn>
+                <a:cxn ang="0">
+                  <a:pos x="connsiteX1" y="connsiteY1"/>
+                </a:cxn>
+                <a:cxn ang="0">
+                  <a:pos x="connsiteX2" y="connsiteY2"/>
+                </a:cxn>
+                <a:cxn ang="0">
+                  <a:pos x="connsiteX3" y="connsiteY3"/>
+                </a:cxn>
+              </a:cxnLst>
+              <a:rect l="l" t="t" r="r" b="b"/>
+              <a:pathLst>
+                <a:path w="1579324" h="92901">
+                  <a:moveTo>
+                    <a:pt x="0" y="0"/>
+                  </a:moveTo>
+                  <a:lnTo>
+                    <a:pt x="975465" y="0"/>
+                  </a:lnTo>
+                  <a:moveTo>
+                    <a:pt x="1579324" y="0"/>
+                  </a:moveTo>
+                  <a:lnTo>
+                    <a:pt x="1370296" y="0"/>
+                  </a:lnTo>
+                </a:path>
+              </a:pathLst>
+            </a:custGeom>
+            <a:noFill/>
+            <a:ln w="139303" cap="rnd">
+              <a:solidFill>
+                <a:srgbClr val="0A0CF0">
+                  <a:alpha val="33000"/>
+                </a:srgbClr>
+              </a:solidFill>
+              <a:prstDash val="solid"/>
+              <a:miter/>
+            </a:ln>
+          </p:spPr>
+          <p:txBody>
+            <a:bodyPr rtlCol="0" anchor="ctr"/>
+            <a:lstStyle/>
+            <a:p>
+              <a:endParaRPr lang="ja-JP" altLang="en-US"/>
+            </a:p>
+          </p:txBody>
+        </p:sp>
+        <p:sp>
+          <p:nvSpPr>
+            <p:cNvPr id="39" name="フリーフォーム 38">
+              <a:extLst>
+                <a:ext uri="{FF2B5EF4-FFF2-40B4-BE49-F238E27FC236}">
+                  <a16:creationId xmlns:a16="http://schemas.microsoft.com/office/drawing/2014/main" id="{7018B8BA-D05B-5C33-3822-D3FCBEBE7D74}"/>
+                </a:ext>
+              </a:extLst>
+            </p:cNvPr>
+            <p:cNvSpPr/>
+            <p:nvPr/>
+          </p:nvSpPr>
+          <p:spPr>
+            <a:xfrm>
+              <a:off x="11465201" y="1070348"/>
+              <a:ext cx="1579324" cy="92901"/>
+            </a:xfrm>
+            <a:custGeom>
+              <a:avLst/>
+              <a:gdLst>
+                <a:gd name="connsiteX0" fmla="*/ 1579324 w 1579324"/>
+                <a:gd name="connsiteY0" fmla="*/ 0 h 92901"/>
+                <a:gd name="connsiteX1" fmla="*/ 603859 w 1579324"/>
+                <a:gd name="connsiteY1" fmla="*/ 0 h 92901"/>
+                <a:gd name="connsiteX2" fmla="*/ 0 w 1579324"/>
+                <a:gd name="connsiteY2" fmla="*/ 0 h 92901"/>
+                <a:gd name="connsiteX3" fmla="*/ 209028 w 1579324"/>
+                <a:gd name="connsiteY3" fmla="*/ 0 h 92901"/>
+              </a:gdLst>
+              <a:ahLst/>
+              <a:cxnLst>
+                <a:cxn ang="0">
+                  <a:pos x="connsiteX0" y="connsiteY0"/>
+                </a:cxn>
+                <a:cxn ang="0">
+                  <a:pos x="connsiteX1" y="connsiteY1"/>
+                </a:cxn>
+                <a:cxn ang="0">
+                  <a:pos x="connsiteX2" y="connsiteY2"/>
+                </a:cxn>
+                <a:cxn ang="0">
+                  <a:pos x="connsiteX3" y="connsiteY3"/>
+                </a:cxn>
+              </a:cxnLst>
+              <a:rect l="l" t="t" r="r" b="b"/>
+              <a:pathLst>
+                <a:path w="1579324" h="92901">
+                  <a:moveTo>
+                    <a:pt x="1579324" y="0"/>
+                  </a:moveTo>
+                  <a:lnTo>
+                    <a:pt x="603859" y="0"/>
+                  </a:lnTo>
+                  <a:moveTo>
+                    <a:pt x="0" y="0"/>
+                  </a:moveTo>
+                  <a:lnTo>
+                    <a:pt x="209028" y="0"/>
+                  </a:lnTo>
+                </a:path>
+              </a:pathLst>
+            </a:custGeom>
+            <a:noFill/>
+            <a:ln w="139303" cap="rnd">
+              <a:solidFill>
+                <a:srgbClr val="0A0CF0">
+                  <a:alpha val="33000"/>
+                </a:srgbClr>
+              </a:solidFill>
+              <a:prstDash val="solid"/>
+              <a:miter/>
+            </a:ln>
+          </p:spPr>
+          <p:txBody>
+            <a:bodyPr rtlCol="0" anchor="ctr"/>
+            <a:lstStyle/>
+            <a:p>
+              <a:endParaRPr lang="ja-JP" altLang="en-US"/>
+            </a:p>
+          </p:txBody>
+        </p:sp>
+      </p:grpSp>
+      <p:sp>
+        <p:nvSpPr>
+          <p:cNvPr id="4" name="角丸四角形 3">
+            <a:extLst>
+              <a:ext uri="{FF2B5EF4-FFF2-40B4-BE49-F238E27FC236}">
+                <a16:creationId xmlns:a16="http://schemas.microsoft.com/office/drawing/2014/main" id="{0ABC980A-BAFA-097C-C482-DB7BBEBE9F5F}"/>
+              </a:ext>
+            </a:extLst>
+          </p:cNvPr>
+          <p:cNvSpPr/>
+          <p:nvPr/>
+        </p:nvSpPr>
+        <p:spPr>
+          <a:xfrm>
+            <a:off x="1113183" y="1789044"/>
+            <a:ext cx="1258954" cy="795126"/>
+          </a:xfrm>
+          <a:prstGeom prst="roundRect">
+            <a:avLst/>
+          </a:prstGeom>
+          <a:solidFill>
+            <a:srgbClr val="751CFE">
+              <a:alpha val="71000"/>
+            </a:srgbClr>
+          </a:solidFill>
+          <a:ln w="12700">
+            <a:noFill/>
+            <a:miter lim="400000"/>
+          </a:ln>
+          <a:extLst>
+            <a:ext uri="{C572A759-6A51-4108-AA02-DFA0A04FC94B}">
+              <ma14:wrappingTextBoxFlag xmlns:ma14="http://schemas.microsoft.com/office/mac/drawingml/2011/main" xmlns="" val="1"/>
+            </a:ext>
+          </a:extLst>
+        </p:spPr>
+        <p:txBody>
+          <a:bodyPr rtlCol="0" anchor="ctr"/>
+          <a:lstStyle/>
+          <a:p>
+            <a:pPr algn="ctr"/>
+            <a:r>
+              <a:rPr kumimoji="1" lang="en-US" altLang="ja-JP" sz="5400" b="1">
+                <a:solidFill>
+                  <a:schemeClr val="bg1"/>
+                </a:solidFill>
+                <a:latin typeface="Arial Black" panose="020B0604020202020204" pitchFamily="34" charset="0"/>
+                <a:cs typeface="Arial Black" panose="020B0604020202020204" pitchFamily="34" charset="0"/>
+              </a:rPr>
+              <a:t>R</a:t>
+            </a:r>
+            <a:endParaRPr kumimoji="1" lang="ja-JP" altLang="en-US" sz="5400" b="1">
+              <a:solidFill>
+                <a:schemeClr val="bg1"/>
+              </a:solidFill>
+              <a:latin typeface="Arial Black" panose="020B0604020202020204" pitchFamily="34" charset="0"/>
+              <a:cs typeface="Arial Black" panose="020B0604020202020204" pitchFamily="34" charset="0"/>
+            </a:endParaRPr>
+          </a:p>
+        </p:txBody>
+      </p:sp>
+      <p:sp>
+        <p:nvSpPr>
+          <p:cNvPr id="5" name="角丸四角形 4">
+            <a:extLst>
+              <a:ext uri="{FF2B5EF4-FFF2-40B4-BE49-F238E27FC236}">
+                <a16:creationId xmlns:a16="http://schemas.microsoft.com/office/drawing/2014/main" id="{11362BFD-4FFC-B872-0109-A216E4C78530}"/>
+              </a:ext>
+            </a:extLst>
+          </p:cNvPr>
+          <p:cNvSpPr/>
+          <p:nvPr/>
+        </p:nvSpPr>
+        <p:spPr>
+          <a:xfrm>
+            <a:off x="11816598" y="1789044"/>
+            <a:ext cx="1859647" cy="795126"/>
+          </a:xfrm>
+          <a:prstGeom prst="roundRect">
+            <a:avLst/>
+          </a:prstGeom>
+          <a:solidFill>
+            <a:schemeClr val="accent6">
+              <a:lumMod val="75000"/>
+              <a:alpha val="73036"/>
+            </a:schemeClr>
+          </a:solidFill>
+          <a:ln w="12700">
+            <a:noFill/>
+            <a:miter lim="400000"/>
+          </a:ln>
+          <a:extLst>
+            <a:ext uri="{C572A759-6A51-4108-AA02-DFA0A04FC94B}">
+              <ma14:wrappingTextBoxFlag xmlns:ma14="http://schemas.microsoft.com/office/mac/drawingml/2011/main" xmlns="" val="1"/>
+            </a:ext>
+          </a:extLst>
+        </p:spPr>
+        <p:txBody>
+          <a:bodyPr rtlCol="0" anchor="ctr"/>
+          <a:lstStyle/>
+          <a:p>
+            <a:pPr algn="ctr"/>
+            <a:r>
+              <a:rPr lang="en-US" altLang="ja-JP" sz="5400" b="1">
+                <a:solidFill>
+                  <a:schemeClr val="bg1"/>
+                </a:solidFill>
+                <a:latin typeface="Arial Black" panose="020B0604020202020204" pitchFamily="34" charset="0"/>
+                <a:cs typeface="Arial Black" panose="020B0604020202020204" pitchFamily="34" charset="0"/>
+              </a:rPr>
+              <a:t>SQL</a:t>
+            </a:r>
+            <a:endParaRPr kumimoji="1" lang="ja-JP" altLang="en-US" sz="5400" b="1">
+              <a:solidFill>
+                <a:schemeClr val="bg1"/>
+              </a:solidFill>
+              <a:latin typeface="Arial Black" panose="020B0604020202020204" pitchFamily="34" charset="0"/>
+              <a:cs typeface="Arial Black" panose="020B0604020202020204" pitchFamily="34" charset="0"/>
+            </a:endParaRPr>
+          </a:p>
+        </p:txBody>
+      </p:sp>
+      <p:sp>
+        <p:nvSpPr>
+          <p:cNvPr id="7" name="Freeform 3">
+            <a:extLst>
+              <a:ext uri="{FF2B5EF4-FFF2-40B4-BE49-F238E27FC236}">
+                <a16:creationId xmlns:a16="http://schemas.microsoft.com/office/drawing/2014/main" id="{85160FEE-8ED2-40CE-6566-08B3D3D89465}"/>
+              </a:ext>
+            </a:extLst>
+          </p:cNvPr>
+          <p:cNvSpPr/>
+          <p:nvPr/>
+        </p:nvSpPr>
+        <p:spPr>
+          <a:xfrm>
+            <a:off x="3256721" y="1435859"/>
+            <a:ext cx="2004392" cy="2486784"/>
+          </a:xfrm>
+          <a:custGeom>
+            <a:avLst/>
+            <a:gdLst/>
+            <a:ahLst/>
+            <a:cxnLst/>
+            <a:rect l="l" t="t" r="r" b="b"/>
+            <a:pathLst>
+              <a:path w="838730" h="840973">
+                <a:moveTo>
+                  <a:pt x="0" y="0"/>
+                </a:moveTo>
+                <a:lnTo>
+                  <a:pt x="838730" y="0"/>
+                </a:lnTo>
+                <a:lnTo>
+                  <a:pt x="838730" y="840972"/>
+                </a:lnTo>
+                <a:lnTo>
+                  <a:pt x="0" y="840972"/>
+                </a:lnTo>
+                <a:lnTo>
+                  <a:pt x="0" y="0"/>
+                </a:lnTo>
+                <a:close/>
+              </a:path>
+            </a:pathLst>
+          </a:custGeom>
+          <a:blipFill>
+            <a:blip r:embed="rId2">
+              <a:extLst>
+                <a:ext uri="{96DAC541-7B7A-43D3-8B79-37D633B846F1}">
+                  <asvg:svgBlip xmlns:asvg="http://schemas.microsoft.com/office/drawing/2016/SVG/main" r:embed="rId3"/>
+                </a:ext>
+              </a:extLst>
+            </a:blip>
+            <a:stretch>
+              <a:fillRect/>
+            </a:stretch>
+          </a:blipFill>
+        </p:spPr>
+      </p:sp>
+      <p:sp>
+        <p:nvSpPr>
+          <p:cNvPr id="13" name="Freeform 2">
+            <a:extLst>
+              <a:ext uri="{FF2B5EF4-FFF2-40B4-BE49-F238E27FC236}">
+                <a16:creationId xmlns:a16="http://schemas.microsoft.com/office/drawing/2014/main" id="{4A072CDE-7026-B0FA-6A80-CD81CDF4A8C2}"/>
+              </a:ext>
+            </a:extLst>
+          </p:cNvPr>
+          <p:cNvSpPr/>
+          <p:nvPr/>
+        </p:nvSpPr>
+        <p:spPr>
+          <a:xfrm>
+            <a:off x="9005983" y="346970"/>
+            <a:ext cx="2100171" cy="1844332"/>
+          </a:xfrm>
+          <a:custGeom>
+            <a:avLst/>
+            <a:gdLst/>
+            <a:ahLst/>
+            <a:cxnLst/>
+            <a:rect l="l" t="t" r="r" b="b"/>
+            <a:pathLst>
+              <a:path w="985288" h="865262">
+                <a:moveTo>
+                  <a:pt x="0" y="0"/>
+                </a:moveTo>
+                <a:lnTo>
+                  <a:pt x="985288" y="0"/>
+                </a:lnTo>
+                <a:lnTo>
+                  <a:pt x="985288" y="865262"/>
+                </a:lnTo>
+                <a:lnTo>
+                  <a:pt x="0" y="865262"/>
+                </a:lnTo>
+                <a:lnTo>
+                  <a:pt x="0" y="0"/>
+                </a:lnTo>
+                <a:close/>
+              </a:path>
+            </a:pathLst>
+          </a:custGeom>
+          <a:blipFill>
+            <a:blip r:embed="rId4">
+              <a:extLst>
+                <a:ext uri="{96DAC541-7B7A-43D3-8B79-37D633B846F1}">
+                  <asvg:svgBlip xmlns:asvg="http://schemas.microsoft.com/office/drawing/2016/SVG/main" r:embed="rId5"/>
+                </a:ext>
+              </a:extLst>
+            </a:blip>
+            <a:stretch>
+              <a:fillRect/>
+            </a:stretch>
+          </a:blipFill>
+        </p:spPr>
+      </p:sp>
+    </p:spTree>
+    <p:extLst>
+      <p:ext uri="{BB962C8B-B14F-4D97-AF65-F5344CB8AC3E}">
+        <p14:creationId xmlns:p14="http://schemas.microsoft.com/office/powerpoint/2010/main" val="3842440597"/>
+      </p:ext>
+    </p:extLst>
+  </p:cSld>
+  <p:clrMapOvr>
+    <a:masterClrMapping/>
+  </p:clrMapOvr>
+</p:sld>
+</file>
+
+<file path=ppt/slides/slide11.xml><?xml version="1.0" encoding="utf-8"?>
+<p:sld xmlns:a="http://schemas.openxmlformats.org/drawingml/2006/main" xmlns:r="http://schemas.openxmlformats.org/officeDocument/2006/relationships" xmlns:p="http://schemas.openxmlformats.org/presentationml/2006/main">
+  <p:cSld>
+    <p:bg>
+      <p:bgPr>
+        <a:gradFill>
+          <a:gsLst>
+            <a:gs pos="100000">
+              <a:srgbClr val="F2EBFF">
+                <a:lumMod val="96299"/>
+                <a:lumOff val="3701"/>
+                <a:alpha val="43000"/>
+              </a:srgbClr>
+            </a:gs>
+            <a:gs pos="2000">
+              <a:srgbClr val="4396FB">
+                <a:alpha val="63988"/>
+              </a:srgbClr>
+            </a:gs>
+          </a:gsLst>
+          <a:lin ang="18900000" scaled="0"/>
+        </a:gradFill>
+        <a:effectLst/>
+      </p:bgPr>
+    </p:bg>
+    <p:spTree>
+      <p:nvGrpSpPr>
+        <p:cNvPr id="1" name=""/>
+        <p:cNvGrpSpPr/>
+        <p:nvPr/>
+      </p:nvGrpSpPr>
+      <p:grpSpPr>
+        <a:xfrm>
+          <a:off x="0" y="0"/>
+          <a:ext cx="0" cy="0"/>
+          <a:chOff x="0" y="0"/>
+          <a:chExt cx="0" cy="0"/>
+        </a:xfrm>
+      </p:grpSpPr>
+      <p:grpSp>
+        <p:nvGrpSpPr>
+          <p:cNvPr id="27" name="グループ化 26">
+            <a:extLst>
+              <a:ext uri="{FF2B5EF4-FFF2-40B4-BE49-F238E27FC236}">
+                <a16:creationId xmlns:a16="http://schemas.microsoft.com/office/drawing/2014/main" id="{DB62DD05-BC9B-A3D3-FF29-371E44EE94BB}"/>
+              </a:ext>
+            </a:extLst>
+          </p:cNvPr>
+          <p:cNvGrpSpPr/>
+          <p:nvPr/>
+        </p:nvGrpSpPr>
+        <p:grpSpPr>
+          <a:xfrm>
+            <a:off x="851468" y="713741"/>
+            <a:ext cx="1745957" cy="3011305"/>
+            <a:chOff x="11465201" y="698742"/>
+            <a:chExt cx="1579324" cy="2723908"/>
+          </a:xfrm>
+        </p:grpSpPr>
+        <p:sp>
+          <p:nvSpPr>
+            <p:cNvPr id="18" name="フリーフォーム 17">
+              <a:extLst>
+                <a:ext uri="{FF2B5EF4-FFF2-40B4-BE49-F238E27FC236}">
+                  <a16:creationId xmlns:a16="http://schemas.microsoft.com/office/drawing/2014/main" id="{3037463D-E8E6-4727-41F0-1A2A30E767A8}"/>
+                </a:ext>
+              </a:extLst>
+            </p:cNvPr>
+            <p:cNvSpPr/>
+            <p:nvPr/>
+          </p:nvSpPr>
+          <p:spPr>
+            <a:xfrm>
+              <a:off x="12487116" y="2911693"/>
+              <a:ext cx="557408" cy="464507"/>
+            </a:xfrm>
+            <a:custGeom>
+              <a:avLst/>
+              <a:gdLst>
+                <a:gd name="connsiteX0" fmla="*/ 0 w 557408"/>
+                <a:gd name="connsiteY0" fmla="*/ 232254 h 464507"/>
+                <a:gd name="connsiteX1" fmla="*/ 195093 w 557408"/>
+                <a:gd name="connsiteY1" fmla="*/ 464507 h 464507"/>
+                <a:gd name="connsiteX2" fmla="*/ 557409 w 557408"/>
+                <a:gd name="connsiteY2" fmla="*/ 0 h 464507"/>
+              </a:gdLst>
+              <a:ahLst/>
+              <a:cxnLst>
+                <a:cxn ang="0">
+                  <a:pos x="connsiteX0" y="connsiteY0"/>
+                </a:cxn>
+                <a:cxn ang="0">
+                  <a:pos x="connsiteX1" y="connsiteY1"/>
+                </a:cxn>
+                <a:cxn ang="0">
+                  <a:pos x="connsiteX2" y="connsiteY2"/>
+                </a:cxn>
+              </a:cxnLst>
+              <a:rect l="l" t="t" r="r" b="b"/>
+              <a:pathLst>
+                <a:path w="557408" h="464507">
+                  <a:moveTo>
+                    <a:pt x="0" y="232254"/>
+                  </a:moveTo>
+                  <a:lnTo>
+                    <a:pt x="195093" y="464507"/>
+                  </a:lnTo>
+                  <a:lnTo>
+                    <a:pt x="557409" y="0"/>
+                  </a:lnTo>
+                </a:path>
+              </a:pathLst>
+            </a:custGeom>
+            <a:noFill/>
+            <a:ln w="139303" cap="rnd">
+              <a:solidFill>
+                <a:srgbClr val="0A0CF0">
+                  <a:alpha val="37000"/>
+                </a:srgbClr>
+              </a:solidFill>
+              <a:prstDash val="solid"/>
+              <a:round/>
+            </a:ln>
+          </p:spPr>
+          <p:txBody>
+            <a:bodyPr rtlCol="0" anchor="ctr"/>
+            <a:lstStyle/>
+            <a:p>
+              <a:endParaRPr lang="ja-JP" altLang="en-US"/>
+            </a:p>
+          </p:txBody>
+        </p:sp>
+        <p:sp>
+          <p:nvSpPr>
+            <p:cNvPr id="19" name="フリーフォーム 18">
+              <a:extLst>
+                <a:ext uri="{FF2B5EF4-FFF2-40B4-BE49-F238E27FC236}">
+                  <a16:creationId xmlns:a16="http://schemas.microsoft.com/office/drawing/2014/main" id="{97AE8855-74CA-9FF4-E945-9E1A738394AB}"/>
+                </a:ext>
+              </a:extLst>
+            </p:cNvPr>
+            <p:cNvSpPr/>
+            <p:nvPr/>
+          </p:nvSpPr>
+          <p:spPr>
+            <a:xfrm>
+              <a:off x="11465201" y="2958143"/>
+              <a:ext cx="650309" cy="92901"/>
+            </a:xfrm>
+            <a:custGeom>
+              <a:avLst/>
+              <a:gdLst>
+                <a:gd name="connsiteX0" fmla="*/ 650310 w 650309"/>
+                <a:gd name="connsiteY0" fmla="*/ 0 h 92901"/>
+                <a:gd name="connsiteX1" fmla="*/ 0 w 650309"/>
+                <a:gd name="connsiteY1" fmla="*/ 0 h 92901"/>
+              </a:gdLst>
+              <a:ahLst/>
+              <a:cxnLst>
+                <a:cxn ang="0">
+                  <a:pos x="connsiteX0" y="connsiteY0"/>
+                </a:cxn>
+                <a:cxn ang="0">
+                  <a:pos x="connsiteX1" y="connsiteY1"/>
+                </a:cxn>
+              </a:cxnLst>
+              <a:rect l="l" t="t" r="r" b="b"/>
+              <a:pathLst>
+                <a:path w="650309" h="92901">
+                  <a:moveTo>
+                    <a:pt x="650310" y="0"/>
+                  </a:moveTo>
+                  <a:lnTo>
+                    <a:pt x="0" y="0"/>
+                  </a:lnTo>
+                </a:path>
+              </a:pathLst>
+            </a:custGeom>
+            <a:noFill/>
+            <a:ln w="139303" cap="rnd">
+              <a:solidFill>
+                <a:srgbClr val="0A0CF0">
+                  <a:alpha val="37000"/>
+                </a:srgbClr>
+              </a:solidFill>
+              <a:prstDash val="solid"/>
+              <a:miter/>
+            </a:ln>
+          </p:spPr>
+          <p:txBody>
+            <a:bodyPr rtlCol="0" anchor="ctr"/>
+            <a:lstStyle/>
+            <a:p>
+              <a:endParaRPr lang="ja-JP" altLang="en-US"/>
+            </a:p>
+          </p:txBody>
+        </p:sp>
+        <p:sp>
+          <p:nvSpPr>
+            <p:cNvPr id="20" name="フリーフォーム 19">
+              <a:extLst>
+                <a:ext uri="{FF2B5EF4-FFF2-40B4-BE49-F238E27FC236}">
+                  <a16:creationId xmlns:a16="http://schemas.microsoft.com/office/drawing/2014/main" id="{31D7D10B-DF73-73D6-38C3-43972416C968}"/>
+                </a:ext>
+              </a:extLst>
+            </p:cNvPr>
+            <p:cNvSpPr/>
+            <p:nvPr/>
+          </p:nvSpPr>
+          <p:spPr>
+            <a:xfrm>
+              <a:off x="11465201" y="3329749"/>
+              <a:ext cx="650309" cy="92901"/>
+            </a:xfrm>
+            <a:custGeom>
+              <a:avLst/>
+              <a:gdLst>
+                <a:gd name="connsiteX0" fmla="*/ 650310 w 650309"/>
+                <a:gd name="connsiteY0" fmla="*/ 0 h 92901"/>
+                <a:gd name="connsiteX1" fmla="*/ 0 w 650309"/>
+                <a:gd name="connsiteY1" fmla="*/ 0 h 92901"/>
+              </a:gdLst>
+              <a:ahLst/>
+              <a:cxnLst>
+                <a:cxn ang="0">
+                  <a:pos x="connsiteX0" y="connsiteY0"/>
+                </a:cxn>
+                <a:cxn ang="0">
+                  <a:pos x="connsiteX1" y="connsiteY1"/>
+                </a:cxn>
+              </a:cxnLst>
+              <a:rect l="l" t="t" r="r" b="b"/>
+              <a:pathLst>
+                <a:path w="650309" h="92901">
+                  <a:moveTo>
+                    <a:pt x="650310" y="0"/>
+                  </a:moveTo>
+                  <a:lnTo>
+                    <a:pt x="0" y="0"/>
+                  </a:lnTo>
+                </a:path>
+              </a:pathLst>
+            </a:custGeom>
+            <a:noFill/>
+            <a:ln w="139303" cap="rnd">
+              <a:solidFill>
+                <a:srgbClr val="0A0CF0">
+                  <a:alpha val="37000"/>
+                </a:srgbClr>
+              </a:solidFill>
+              <a:prstDash val="solid"/>
+              <a:miter/>
+            </a:ln>
+          </p:spPr>
+          <p:txBody>
+            <a:bodyPr rtlCol="0" anchor="ctr"/>
+            <a:lstStyle/>
+            <a:p>
+              <a:endParaRPr lang="ja-JP" altLang="en-US"/>
+            </a:p>
+          </p:txBody>
+        </p:sp>
+        <p:sp>
+          <p:nvSpPr>
+            <p:cNvPr id="21" name="フリーフォーム 20">
+              <a:extLst>
+                <a:ext uri="{FF2B5EF4-FFF2-40B4-BE49-F238E27FC236}">
+                  <a16:creationId xmlns:a16="http://schemas.microsoft.com/office/drawing/2014/main" id="{B2E9EB2A-84B2-D514-7A58-DD0FFF4DF37C}"/>
+                </a:ext>
+              </a:extLst>
+            </p:cNvPr>
+            <p:cNvSpPr/>
+            <p:nvPr/>
+          </p:nvSpPr>
+          <p:spPr>
+            <a:xfrm>
+              <a:off x="11465201" y="2214932"/>
+              <a:ext cx="1579324" cy="92901"/>
+            </a:xfrm>
+            <a:custGeom>
+              <a:avLst/>
+              <a:gdLst>
+                <a:gd name="connsiteX0" fmla="*/ 0 w 1579324"/>
+                <a:gd name="connsiteY0" fmla="*/ 0 h 92901"/>
+                <a:gd name="connsiteX1" fmla="*/ 975465 w 1579324"/>
+                <a:gd name="connsiteY1" fmla="*/ 0 h 92901"/>
+                <a:gd name="connsiteX2" fmla="*/ 1579324 w 1579324"/>
+                <a:gd name="connsiteY2" fmla="*/ 0 h 92901"/>
+                <a:gd name="connsiteX3" fmla="*/ 1370296 w 1579324"/>
+                <a:gd name="connsiteY3" fmla="*/ 0 h 92901"/>
+              </a:gdLst>
+              <a:ahLst/>
+              <a:cxnLst>
+                <a:cxn ang="0">
+                  <a:pos x="connsiteX0" y="connsiteY0"/>
+                </a:cxn>
+                <a:cxn ang="0">
+                  <a:pos x="connsiteX1" y="connsiteY1"/>
+                </a:cxn>
+                <a:cxn ang="0">
+                  <a:pos x="connsiteX2" y="connsiteY2"/>
+                </a:cxn>
+                <a:cxn ang="0">
+                  <a:pos x="connsiteX3" y="connsiteY3"/>
+                </a:cxn>
+              </a:cxnLst>
+              <a:rect l="l" t="t" r="r" b="b"/>
+              <a:pathLst>
+                <a:path w="1579324" h="92901">
+                  <a:moveTo>
+                    <a:pt x="0" y="0"/>
+                  </a:moveTo>
+                  <a:lnTo>
+                    <a:pt x="975465" y="0"/>
+                  </a:lnTo>
+                  <a:moveTo>
+                    <a:pt x="1579324" y="0"/>
+                  </a:moveTo>
+                  <a:lnTo>
+                    <a:pt x="1370296" y="0"/>
+                  </a:lnTo>
+                </a:path>
+              </a:pathLst>
+            </a:custGeom>
+            <a:noFill/>
+            <a:ln w="139303" cap="rnd">
+              <a:solidFill>
+                <a:srgbClr val="0A0CF0">
+                  <a:alpha val="37000"/>
+                </a:srgbClr>
+              </a:solidFill>
+              <a:prstDash val="solid"/>
+              <a:miter/>
+            </a:ln>
+          </p:spPr>
+          <p:txBody>
+            <a:bodyPr rtlCol="0" anchor="ctr"/>
+            <a:lstStyle/>
+            <a:p>
+              <a:endParaRPr lang="ja-JP" altLang="en-US"/>
+            </a:p>
+          </p:txBody>
+        </p:sp>
+        <p:sp>
+          <p:nvSpPr>
+            <p:cNvPr id="22" name="フリーフォーム 21">
+              <a:extLst>
+                <a:ext uri="{FF2B5EF4-FFF2-40B4-BE49-F238E27FC236}">
+                  <a16:creationId xmlns:a16="http://schemas.microsoft.com/office/drawing/2014/main" id="{D0C5F125-B025-B566-65F4-B557D074E415}"/>
+                </a:ext>
+              </a:extLst>
+            </p:cNvPr>
+            <p:cNvSpPr/>
+            <p:nvPr/>
+          </p:nvSpPr>
+          <p:spPr>
+            <a:xfrm>
+              <a:off x="11465201" y="2586538"/>
+              <a:ext cx="1579324" cy="92901"/>
+            </a:xfrm>
+            <a:custGeom>
+              <a:avLst/>
+              <a:gdLst>
+                <a:gd name="connsiteX0" fmla="*/ 1579324 w 1579324"/>
+                <a:gd name="connsiteY0" fmla="*/ 0 h 92901"/>
+                <a:gd name="connsiteX1" fmla="*/ 603859 w 1579324"/>
+                <a:gd name="connsiteY1" fmla="*/ 0 h 92901"/>
+                <a:gd name="connsiteX2" fmla="*/ 0 w 1579324"/>
+                <a:gd name="connsiteY2" fmla="*/ 0 h 92901"/>
+                <a:gd name="connsiteX3" fmla="*/ 209028 w 1579324"/>
+                <a:gd name="connsiteY3" fmla="*/ 0 h 92901"/>
+              </a:gdLst>
+              <a:ahLst/>
+              <a:cxnLst>
+                <a:cxn ang="0">
+                  <a:pos x="connsiteX0" y="connsiteY0"/>
+                </a:cxn>
+                <a:cxn ang="0">
+                  <a:pos x="connsiteX1" y="connsiteY1"/>
+                </a:cxn>
+                <a:cxn ang="0">
+                  <a:pos x="connsiteX2" y="connsiteY2"/>
+                </a:cxn>
+                <a:cxn ang="0">
+                  <a:pos x="connsiteX3" y="connsiteY3"/>
+                </a:cxn>
+              </a:cxnLst>
+              <a:rect l="l" t="t" r="r" b="b"/>
+              <a:pathLst>
+                <a:path w="1579324" h="92901">
+                  <a:moveTo>
+                    <a:pt x="1579324" y="0"/>
+                  </a:moveTo>
+                  <a:lnTo>
+                    <a:pt x="603859" y="0"/>
+                  </a:lnTo>
+                  <a:moveTo>
+                    <a:pt x="0" y="0"/>
+                  </a:moveTo>
+                  <a:lnTo>
+                    <a:pt x="209028" y="0"/>
+                  </a:lnTo>
+                </a:path>
+              </a:pathLst>
+            </a:custGeom>
+            <a:noFill/>
+            <a:ln w="139303" cap="rnd">
+              <a:solidFill>
+                <a:srgbClr val="0A0CF0">
+                  <a:alpha val="37000"/>
+                </a:srgbClr>
+              </a:solidFill>
+              <a:prstDash val="solid"/>
+              <a:miter/>
+            </a:ln>
+          </p:spPr>
+          <p:txBody>
+            <a:bodyPr rtlCol="0" anchor="ctr"/>
+            <a:lstStyle/>
+            <a:p>
+              <a:endParaRPr lang="ja-JP" altLang="en-US"/>
+            </a:p>
+          </p:txBody>
+        </p:sp>
+        <p:sp>
+          <p:nvSpPr>
+            <p:cNvPr id="23" name="フリーフォーム 22">
+              <a:extLst>
+                <a:ext uri="{FF2B5EF4-FFF2-40B4-BE49-F238E27FC236}">
+                  <a16:creationId xmlns:a16="http://schemas.microsoft.com/office/drawing/2014/main" id="{4E6C3791-4DC8-51FC-7B4C-9E4EBA15885C}"/>
+                </a:ext>
+              </a:extLst>
+            </p:cNvPr>
+            <p:cNvSpPr/>
+            <p:nvPr/>
+          </p:nvSpPr>
+          <p:spPr>
+            <a:xfrm>
+              <a:off x="11465201" y="1455804"/>
+              <a:ext cx="1579324" cy="92901"/>
+            </a:xfrm>
+            <a:custGeom>
+              <a:avLst/>
+              <a:gdLst>
+                <a:gd name="connsiteX0" fmla="*/ 0 w 1579324"/>
+                <a:gd name="connsiteY0" fmla="*/ 0 h 92901"/>
+                <a:gd name="connsiteX1" fmla="*/ 975465 w 1579324"/>
+                <a:gd name="connsiteY1" fmla="*/ 0 h 92901"/>
+                <a:gd name="connsiteX2" fmla="*/ 1579324 w 1579324"/>
+                <a:gd name="connsiteY2" fmla="*/ 0 h 92901"/>
+                <a:gd name="connsiteX3" fmla="*/ 1370296 w 1579324"/>
+                <a:gd name="connsiteY3" fmla="*/ 0 h 92901"/>
+              </a:gdLst>
+              <a:ahLst/>
+              <a:cxnLst>
+                <a:cxn ang="0">
+                  <a:pos x="connsiteX0" y="connsiteY0"/>
+                </a:cxn>
+                <a:cxn ang="0">
+                  <a:pos x="connsiteX1" y="connsiteY1"/>
+                </a:cxn>
+                <a:cxn ang="0">
+                  <a:pos x="connsiteX2" y="connsiteY2"/>
+                </a:cxn>
+                <a:cxn ang="0">
+                  <a:pos x="connsiteX3" y="connsiteY3"/>
+                </a:cxn>
+              </a:cxnLst>
+              <a:rect l="l" t="t" r="r" b="b"/>
+              <a:pathLst>
+                <a:path w="1579324" h="92901">
+                  <a:moveTo>
+                    <a:pt x="0" y="0"/>
+                  </a:moveTo>
+                  <a:lnTo>
+                    <a:pt x="975465" y="0"/>
+                  </a:lnTo>
+                  <a:moveTo>
+                    <a:pt x="1579324" y="0"/>
+                  </a:moveTo>
+                  <a:lnTo>
+                    <a:pt x="1370296" y="0"/>
+                  </a:lnTo>
+                </a:path>
+              </a:pathLst>
+            </a:custGeom>
+            <a:noFill/>
+            <a:ln w="139303" cap="rnd">
+              <a:solidFill>
+                <a:srgbClr val="0A0CF0">
+                  <a:alpha val="37000"/>
+                </a:srgbClr>
+              </a:solidFill>
+              <a:prstDash val="solid"/>
+              <a:miter/>
+            </a:ln>
+          </p:spPr>
+          <p:txBody>
+            <a:bodyPr rtlCol="0" anchor="ctr"/>
+            <a:lstStyle/>
+            <a:p>
+              <a:endParaRPr lang="ja-JP" altLang="en-US"/>
+            </a:p>
+          </p:txBody>
+        </p:sp>
+        <p:sp>
+          <p:nvSpPr>
+            <p:cNvPr id="24" name="フリーフォーム 23">
+              <a:extLst>
+                <a:ext uri="{FF2B5EF4-FFF2-40B4-BE49-F238E27FC236}">
+                  <a16:creationId xmlns:a16="http://schemas.microsoft.com/office/drawing/2014/main" id="{D1C734B2-E792-B085-3EC3-96614BF912C1}"/>
+                </a:ext>
+              </a:extLst>
+            </p:cNvPr>
+            <p:cNvSpPr/>
+            <p:nvPr/>
+          </p:nvSpPr>
+          <p:spPr>
+            <a:xfrm>
+              <a:off x="11465201" y="1827410"/>
+              <a:ext cx="1579324" cy="92901"/>
+            </a:xfrm>
+            <a:custGeom>
+              <a:avLst/>
+              <a:gdLst>
+                <a:gd name="connsiteX0" fmla="*/ 1579324 w 1579324"/>
+                <a:gd name="connsiteY0" fmla="*/ 0 h 92901"/>
+                <a:gd name="connsiteX1" fmla="*/ 603859 w 1579324"/>
+                <a:gd name="connsiteY1" fmla="*/ 0 h 92901"/>
+                <a:gd name="connsiteX2" fmla="*/ 0 w 1579324"/>
+                <a:gd name="connsiteY2" fmla="*/ 0 h 92901"/>
+                <a:gd name="connsiteX3" fmla="*/ 209028 w 1579324"/>
+                <a:gd name="connsiteY3" fmla="*/ 0 h 92901"/>
+              </a:gdLst>
+              <a:ahLst/>
+              <a:cxnLst>
+                <a:cxn ang="0">
+                  <a:pos x="connsiteX0" y="connsiteY0"/>
+                </a:cxn>
+                <a:cxn ang="0">
+                  <a:pos x="connsiteX1" y="connsiteY1"/>
+                </a:cxn>
+                <a:cxn ang="0">
+                  <a:pos x="connsiteX2" y="connsiteY2"/>
+                </a:cxn>
+                <a:cxn ang="0">
+                  <a:pos x="connsiteX3" y="connsiteY3"/>
+                </a:cxn>
+              </a:cxnLst>
+              <a:rect l="l" t="t" r="r" b="b"/>
+              <a:pathLst>
+                <a:path w="1579324" h="92901">
+                  <a:moveTo>
+                    <a:pt x="1579324" y="0"/>
+                  </a:moveTo>
+                  <a:lnTo>
+                    <a:pt x="603859" y="0"/>
+                  </a:lnTo>
+                  <a:moveTo>
+                    <a:pt x="0" y="0"/>
+                  </a:moveTo>
+                  <a:lnTo>
+                    <a:pt x="209028" y="0"/>
+                  </a:lnTo>
+                </a:path>
+              </a:pathLst>
+            </a:custGeom>
+            <a:noFill/>
+            <a:ln w="139303" cap="rnd">
+              <a:solidFill>
+                <a:srgbClr val="0A0CF0">
+                  <a:alpha val="37000"/>
+                </a:srgbClr>
+              </a:solidFill>
+              <a:prstDash val="solid"/>
+              <a:miter/>
+            </a:ln>
+          </p:spPr>
+          <p:txBody>
+            <a:bodyPr rtlCol="0" anchor="ctr"/>
+            <a:lstStyle/>
+            <a:p>
+              <a:endParaRPr lang="ja-JP" altLang="en-US"/>
+            </a:p>
+          </p:txBody>
+        </p:sp>
+        <p:sp>
+          <p:nvSpPr>
+            <p:cNvPr id="25" name="フリーフォーム 24">
+              <a:extLst>
+                <a:ext uri="{FF2B5EF4-FFF2-40B4-BE49-F238E27FC236}">
+                  <a16:creationId xmlns:a16="http://schemas.microsoft.com/office/drawing/2014/main" id="{F42FF860-1879-B38D-B685-6797845204A0}"/>
+                </a:ext>
+              </a:extLst>
+            </p:cNvPr>
+            <p:cNvSpPr/>
+            <p:nvPr/>
+          </p:nvSpPr>
+          <p:spPr>
+            <a:xfrm>
+              <a:off x="11465201" y="698742"/>
+              <a:ext cx="1579324" cy="92901"/>
+            </a:xfrm>
+            <a:custGeom>
+              <a:avLst/>
+              <a:gdLst>
+                <a:gd name="connsiteX0" fmla="*/ 0 w 1579324"/>
+                <a:gd name="connsiteY0" fmla="*/ 0 h 92901"/>
+                <a:gd name="connsiteX1" fmla="*/ 975465 w 1579324"/>
+                <a:gd name="connsiteY1" fmla="*/ 0 h 92901"/>
+                <a:gd name="connsiteX2" fmla="*/ 1579324 w 1579324"/>
+                <a:gd name="connsiteY2" fmla="*/ 0 h 92901"/>
+                <a:gd name="connsiteX3" fmla="*/ 1370296 w 1579324"/>
+                <a:gd name="connsiteY3" fmla="*/ 0 h 92901"/>
+              </a:gdLst>
+              <a:ahLst/>
+              <a:cxnLst>
+                <a:cxn ang="0">
+                  <a:pos x="connsiteX0" y="connsiteY0"/>
+                </a:cxn>
+                <a:cxn ang="0">
+                  <a:pos x="connsiteX1" y="connsiteY1"/>
+                </a:cxn>
+                <a:cxn ang="0">
+                  <a:pos x="connsiteX2" y="connsiteY2"/>
+                </a:cxn>
+                <a:cxn ang="0">
+                  <a:pos x="connsiteX3" y="connsiteY3"/>
+                </a:cxn>
+              </a:cxnLst>
+              <a:rect l="l" t="t" r="r" b="b"/>
+              <a:pathLst>
+                <a:path w="1579324" h="92901">
+                  <a:moveTo>
+                    <a:pt x="0" y="0"/>
+                  </a:moveTo>
+                  <a:lnTo>
+                    <a:pt x="975465" y="0"/>
+                  </a:lnTo>
+                  <a:moveTo>
+                    <a:pt x="1579324" y="0"/>
+                  </a:moveTo>
+                  <a:lnTo>
+                    <a:pt x="1370296" y="0"/>
+                  </a:lnTo>
+                </a:path>
+              </a:pathLst>
+            </a:custGeom>
+            <a:noFill/>
+            <a:ln w="139303" cap="rnd">
+              <a:solidFill>
+                <a:srgbClr val="0A0CF0">
+                  <a:alpha val="37000"/>
+                </a:srgbClr>
+              </a:solidFill>
+              <a:prstDash val="solid"/>
+              <a:miter/>
+            </a:ln>
+          </p:spPr>
+          <p:txBody>
+            <a:bodyPr rtlCol="0" anchor="ctr"/>
+            <a:lstStyle/>
+            <a:p>
+              <a:endParaRPr lang="ja-JP" altLang="en-US"/>
+            </a:p>
+          </p:txBody>
+        </p:sp>
+        <p:sp>
+          <p:nvSpPr>
+            <p:cNvPr id="26" name="フリーフォーム 25">
+              <a:extLst>
+                <a:ext uri="{FF2B5EF4-FFF2-40B4-BE49-F238E27FC236}">
+                  <a16:creationId xmlns:a16="http://schemas.microsoft.com/office/drawing/2014/main" id="{F7A697C1-B417-02BE-3ED7-46575062A7EA}"/>
+                </a:ext>
+              </a:extLst>
+            </p:cNvPr>
+            <p:cNvSpPr/>
+            <p:nvPr/>
+          </p:nvSpPr>
+          <p:spPr>
+            <a:xfrm>
+              <a:off x="11465201" y="1070348"/>
+              <a:ext cx="1579324" cy="92901"/>
+            </a:xfrm>
+            <a:custGeom>
+              <a:avLst/>
+              <a:gdLst>
+                <a:gd name="connsiteX0" fmla="*/ 1579324 w 1579324"/>
+                <a:gd name="connsiteY0" fmla="*/ 0 h 92901"/>
+                <a:gd name="connsiteX1" fmla="*/ 603859 w 1579324"/>
+                <a:gd name="connsiteY1" fmla="*/ 0 h 92901"/>
+                <a:gd name="connsiteX2" fmla="*/ 0 w 1579324"/>
+                <a:gd name="connsiteY2" fmla="*/ 0 h 92901"/>
+                <a:gd name="connsiteX3" fmla="*/ 209028 w 1579324"/>
+                <a:gd name="connsiteY3" fmla="*/ 0 h 92901"/>
+              </a:gdLst>
+              <a:ahLst/>
+              <a:cxnLst>
+                <a:cxn ang="0">
+                  <a:pos x="connsiteX0" y="connsiteY0"/>
+                </a:cxn>
+                <a:cxn ang="0">
+                  <a:pos x="connsiteX1" y="connsiteY1"/>
+                </a:cxn>
+                <a:cxn ang="0">
+                  <a:pos x="connsiteX2" y="connsiteY2"/>
+                </a:cxn>
+                <a:cxn ang="0">
+                  <a:pos x="connsiteX3" y="connsiteY3"/>
+                </a:cxn>
+              </a:cxnLst>
+              <a:rect l="l" t="t" r="r" b="b"/>
+              <a:pathLst>
+                <a:path w="1579324" h="92901">
+                  <a:moveTo>
+                    <a:pt x="1579324" y="0"/>
+                  </a:moveTo>
+                  <a:lnTo>
+                    <a:pt x="603859" y="0"/>
+                  </a:lnTo>
+                  <a:moveTo>
+                    <a:pt x="0" y="0"/>
+                  </a:moveTo>
+                  <a:lnTo>
+                    <a:pt x="209028" y="0"/>
+                  </a:lnTo>
+                </a:path>
+              </a:pathLst>
+            </a:custGeom>
+            <a:noFill/>
+            <a:ln w="139303" cap="rnd">
+              <a:solidFill>
+                <a:srgbClr val="0A0CF0">
+                  <a:alpha val="37000"/>
+                </a:srgbClr>
+              </a:solidFill>
+              <a:prstDash val="solid"/>
+              <a:miter/>
+            </a:ln>
+          </p:spPr>
+          <p:txBody>
+            <a:bodyPr rtlCol="0" anchor="ctr"/>
+            <a:lstStyle/>
+            <a:p>
+              <a:endParaRPr lang="ja-JP" altLang="en-US"/>
+            </a:p>
+          </p:txBody>
+        </p:sp>
+      </p:grpSp>
+      <p:sp>
+        <p:nvSpPr>
+          <p:cNvPr id="2" name="角丸四角形 1">
+            <a:extLst>
+              <a:ext uri="{FF2B5EF4-FFF2-40B4-BE49-F238E27FC236}">
+                <a16:creationId xmlns:a16="http://schemas.microsoft.com/office/drawing/2014/main" id="{D560FB00-0E8A-E628-CC1D-9BEABB1F8AF6}"/>
+              </a:ext>
+            </a:extLst>
+          </p:cNvPr>
+          <p:cNvSpPr/>
+          <p:nvPr/>
+        </p:nvSpPr>
+        <p:spPr>
+          <a:xfrm>
+            <a:off x="5417635" y="1443944"/>
+            <a:ext cx="3337877" cy="914400"/>
+          </a:xfrm>
+          <a:prstGeom prst="roundRect">
+            <a:avLst>
+              <a:gd name="adj" fmla="val 0"/>
+            </a:avLst>
+          </a:prstGeom>
+          <a:solidFill>
+            <a:schemeClr val="bg1">
+              <a:alpha val="60000"/>
+            </a:schemeClr>
+          </a:solidFill>
+          <a:ln w="12700">
+            <a:noFill/>
+            <a:miter lim="400000"/>
+          </a:ln>
+          <a:extLst>
+            <a:ext uri="{C572A759-6A51-4108-AA02-DFA0A04FC94B}">
+              <ma14:wrappingTextBoxFlag xmlns="" xmlns:ma14="http://schemas.microsoft.com/office/mac/drawingml/2011/main" val="1"/>
+            </a:ext>
+          </a:extLst>
+        </p:spPr>
+        <p:txBody>
+          <a:bodyPr lIns="0" tIns="0" rIns="0" bIns="0" rtlCol="0" anchor="ctr">
+            <a:noAutofit/>
+          </a:bodyPr>
+          <a:lstStyle/>
+          <a:p>
+            <a:pPr algn="ctr"/>
+            <a:r>
+              <a:rPr kumimoji="1" lang="en" altLang="ja-JP" sz="6000" b="1">
+                <a:solidFill>
+                  <a:srgbClr val="056BE6"/>
+                </a:solidFill>
+                <a:latin typeface="Yu Gothic" panose="020B0400000000000000" pitchFamily="34" charset="-128"/>
+                <a:ea typeface="Yu Gothic" panose="020B0400000000000000" pitchFamily="34" charset="-128"/>
+              </a:rPr>
+              <a:t>R</a:t>
+            </a:r>
+            <a:r>
+              <a:rPr lang="en-US" altLang="ja-JP" sz="6000" b="1">
+                <a:solidFill>
+                  <a:srgbClr val="056BE6"/>
+                </a:solidFill>
+                <a:latin typeface="Yu Gothic" panose="020B0400000000000000" pitchFamily="34" charset="-128"/>
+                <a:ea typeface="Yu Gothic" panose="020B0400000000000000" pitchFamily="34" charset="-128"/>
+              </a:rPr>
+              <a:t> &amp; SQL</a:t>
+            </a:r>
+            <a:endParaRPr kumimoji="1" lang="ja-JP" altLang="en-US" sz="6000" b="1">
+              <a:solidFill>
+                <a:srgbClr val="056BE6"/>
+              </a:solidFill>
+              <a:latin typeface="Yu Gothic" panose="020B0400000000000000" pitchFamily="34" charset="-128"/>
+              <a:ea typeface="Yu Gothic" panose="020B0400000000000000" pitchFamily="34" charset="-128"/>
+            </a:endParaRPr>
+          </a:p>
+        </p:txBody>
+      </p:sp>
+      <p:sp>
+        <p:nvSpPr>
+          <p:cNvPr id="3" name="角丸四角形 2">
+            <a:extLst>
+              <a:ext uri="{FF2B5EF4-FFF2-40B4-BE49-F238E27FC236}">
+                <a16:creationId xmlns:a16="http://schemas.microsoft.com/office/drawing/2014/main" id="{893DBA56-8022-A275-0156-D3F30FEBC897}"/>
+              </a:ext>
+            </a:extLst>
+          </p:cNvPr>
+          <p:cNvSpPr/>
+          <p:nvPr/>
+        </p:nvSpPr>
+        <p:spPr>
+          <a:xfrm>
+            <a:off x="5417420" y="2448177"/>
+            <a:ext cx="5844746" cy="1166447"/>
+          </a:xfrm>
+          <a:prstGeom prst="roundRect">
+            <a:avLst>
+              <a:gd name="adj" fmla="val 0"/>
+            </a:avLst>
+          </a:prstGeom>
+          <a:solidFill>
+            <a:schemeClr val="bg1">
+              <a:alpha val="62000"/>
+            </a:schemeClr>
+          </a:solidFill>
+          <a:ln w="12700">
+            <a:noFill/>
+            <a:miter lim="400000"/>
+          </a:ln>
+          <a:extLst>
+            <a:ext uri="{C572A759-6A51-4108-AA02-DFA0A04FC94B}">
+              <ma14:wrappingTextBoxFlag xmlns="" xmlns:ma14="http://schemas.microsoft.com/office/mac/drawingml/2011/main" val="1"/>
+            </a:ext>
+          </a:extLst>
+        </p:spPr>
+        <p:txBody>
+          <a:bodyPr lIns="0" tIns="0" rIns="0" bIns="0" rtlCol="0" anchor="ctr">
+            <a:noAutofit/>
+          </a:bodyPr>
+          <a:lstStyle/>
+          <a:p>
+            <a:pPr algn="ctr"/>
+            <a:r>
+              <a:rPr kumimoji="1" lang="ja-JP" altLang="en-US" sz="7200" b="1">
+                <a:solidFill>
+                  <a:srgbClr val="056BE6"/>
+                </a:solidFill>
+                <a:effectLst>
+                  <a:outerShdw blurRad="25400" dist="38100" dir="2700000" algn="tl" rotWithShape="0">
+                    <a:schemeClr val="accent6">
+                      <a:lumMod val="50000"/>
+                      <a:alpha val="32000"/>
+                    </a:schemeClr>
+                  </a:outerShdw>
+                </a:effectLst>
+                <a:latin typeface="Hiragino Maru Gothic Pro W4" panose="020F0400000000000000" pitchFamily="34" charset="-128"/>
+                <a:ea typeface="Hiragino Maru Gothic Pro W4" panose="020F0400000000000000" pitchFamily="34" charset="-128"/>
+              </a:rPr>
+              <a:t>演習問題一覧</a:t>
+            </a:r>
+          </a:p>
+        </p:txBody>
+      </p:sp>
+      <p:grpSp>
+        <p:nvGrpSpPr>
+          <p:cNvPr id="30" name="グループ化 29">
+            <a:extLst>
+              <a:ext uri="{FF2B5EF4-FFF2-40B4-BE49-F238E27FC236}">
+                <a16:creationId xmlns:a16="http://schemas.microsoft.com/office/drawing/2014/main" id="{9593EA69-A5E2-C941-3145-7013EEBC622E}"/>
+              </a:ext>
+            </a:extLst>
+          </p:cNvPr>
+          <p:cNvGrpSpPr/>
+          <p:nvPr/>
+        </p:nvGrpSpPr>
+        <p:grpSpPr>
+          <a:xfrm>
+            <a:off x="11861626" y="713741"/>
+            <a:ext cx="1745957" cy="3011305"/>
+            <a:chOff x="11465201" y="698742"/>
+            <a:chExt cx="1579324" cy="2723908"/>
+          </a:xfrm>
+        </p:grpSpPr>
+        <p:sp>
+          <p:nvSpPr>
+            <p:cNvPr id="31" name="フリーフォーム 30">
+              <a:extLst>
+                <a:ext uri="{FF2B5EF4-FFF2-40B4-BE49-F238E27FC236}">
+                  <a16:creationId xmlns:a16="http://schemas.microsoft.com/office/drawing/2014/main" id="{42DD5361-0A04-BDC3-31B8-4281192D2D6B}"/>
+                </a:ext>
+              </a:extLst>
+            </p:cNvPr>
+            <p:cNvSpPr/>
+            <p:nvPr/>
+          </p:nvSpPr>
+          <p:spPr>
+            <a:xfrm>
+              <a:off x="12487116" y="2911693"/>
+              <a:ext cx="557408" cy="464507"/>
+            </a:xfrm>
+            <a:custGeom>
+              <a:avLst/>
+              <a:gdLst>
+                <a:gd name="connsiteX0" fmla="*/ 0 w 557408"/>
+                <a:gd name="connsiteY0" fmla="*/ 232254 h 464507"/>
+                <a:gd name="connsiteX1" fmla="*/ 195093 w 557408"/>
+                <a:gd name="connsiteY1" fmla="*/ 464507 h 464507"/>
+                <a:gd name="connsiteX2" fmla="*/ 557409 w 557408"/>
+                <a:gd name="connsiteY2" fmla="*/ 0 h 464507"/>
+              </a:gdLst>
+              <a:ahLst/>
+              <a:cxnLst>
+                <a:cxn ang="0">
+                  <a:pos x="connsiteX0" y="connsiteY0"/>
+                </a:cxn>
+                <a:cxn ang="0">
+                  <a:pos x="connsiteX1" y="connsiteY1"/>
+                </a:cxn>
+                <a:cxn ang="0">
+                  <a:pos x="connsiteX2" y="connsiteY2"/>
+                </a:cxn>
+              </a:cxnLst>
+              <a:rect l="l" t="t" r="r" b="b"/>
+              <a:pathLst>
+                <a:path w="557408" h="464507">
+                  <a:moveTo>
+                    <a:pt x="0" y="232254"/>
+                  </a:moveTo>
+                  <a:lnTo>
+                    <a:pt x="195093" y="464507"/>
+                  </a:lnTo>
+                  <a:lnTo>
+                    <a:pt x="557409" y="0"/>
+                  </a:lnTo>
+                </a:path>
+              </a:pathLst>
+            </a:custGeom>
+            <a:noFill/>
+            <a:ln w="139303" cap="rnd">
+              <a:solidFill>
+                <a:srgbClr val="0A0CF0">
+                  <a:alpha val="33000"/>
+                </a:srgbClr>
+              </a:solidFill>
+              <a:prstDash val="solid"/>
+              <a:round/>
+            </a:ln>
+          </p:spPr>
+          <p:txBody>
+            <a:bodyPr rtlCol="0" anchor="ctr"/>
+            <a:lstStyle/>
+            <a:p>
+              <a:endParaRPr lang="ja-JP" altLang="en-US"/>
+            </a:p>
+          </p:txBody>
+        </p:sp>
+        <p:sp>
+          <p:nvSpPr>
+            <p:cNvPr id="32" name="フリーフォーム 31">
+              <a:extLst>
+                <a:ext uri="{FF2B5EF4-FFF2-40B4-BE49-F238E27FC236}">
+                  <a16:creationId xmlns:a16="http://schemas.microsoft.com/office/drawing/2014/main" id="{7F6893EB-D283-0DE9-7863-0B133CB9A127}"/>
+                </a:ext>
+              </a:extLst>
+            </p:cNvPr>
+            <p:cNvSpPr/>
+            <p:nvPr/>
+          </p:nvSpPr>
+          <p:spPr>
+            <a:xfrm>
+              <a:off x="11465201" y="2958143"/>
+              <a:ext cx="650309" cy="92901"/>
+            </a:xfrm>
+            <a:custGeom>
+              <a:avLst/>
+              <a:gdLst>
+                <a:gd name="connsiteX0" fmla="*/ 650310 w 650309"/>
+                <a:gd name="connsiteY0" fmla="*/ 0 h 92901"/>
+                <a:gd name="connsiteX1" fmla="*/ 0 w 650309"/>
+                <a:gd name="connsiteY1" fmla="*/ 0 h 92901"/>
+              </a:gdLst>
+              <a:ahLst/>
+              <a:cxnLst>
+                <a:cxn ang="0">
+                  <a:pos x="connsiteX0" y="connsiteY0"/>
+                </a:cxn>
+                <a:cxn ang="0">
+                  <a:pos x="connsiteX1" y="connsiteY1"/>
+                </a:cxn>
+              </a:cxnLst>
+              <a:rect l="l" t="t" r="r" b="b"/>
+              <a:pathLst>
+                <a:path w="650309" h="92901">
+                  <a:moveTo>
+                    <a:pt x="650310" y="0"/>
+                  </a:moveTo>
+                  <a:lnTo>
+                    <a:pt x="0" y="0"/>
+                  </a:lnTo>
+                </a:path>
+              </a:pathLst>
+            </a:custGeom>
+            <a:noFill/>
+            <a:ln w="139303" cap="rnd">
+              <a:solidFill>
+                <a:srgbClr val="0A0CF0">
+                  <a:alpha val="33000"/>
+                </a:srgbClr>
+              </a:solidFill>
+              <a:prstDash val="solid"/>
+              <a:miter/>
+            </a:ln>
+          </p:spPr>
+          <p:txBody>
+            <a:bodyPr rtlCol="0" anchor="ctr"/>
+            <a:lstStyle/>
+            <a:p>
+              <a:endParaRPr lang="ja-JP" altLang="en-US"/>
+            </a:p>
+          </p:txBody>
+        </p:sp>
+        <p:sp>
+          <p:nvSpPr>
+            <p:cNvPr id="33" name="フリーフォーム 32">
+              <a:extLst>
+                <a:ext uri="{FF2B5EF4-FFF2-40B4-BE49-F238E27FC236}">
+                  <a16:creationId xmlns:a16="http://schemas.microsoft.com/office/drawing/2014/main" id="{DBA41AAF-F40B-7904-100C-D75B58FFF621}"/>
+                </a:ext>
+              </a:extLst>
+            </p:cNvPr>
+            <p:cNvSpPr/>
+            <p:nvPr/>
+          </p:nvSpPr>
+          <p:spPr>
+            <a:xfrm>
+              <a:off x="11465201" y="3329749"/>
+              <a:ext cx="650309" cy="92901"/>
+            </a:xfrm>
+            <a:custGeom>
+              <a:avLst/>
+              <a:gdLst>
+                <a:gd name="connsiteX0" fmla="*/ 650310 w 650309"/>
+                <a:gd name="connsiteY0" fmla="*/ 0 h 92901"/>
+                <a:gd name="connsiteX1" fmla="*/ 0 w 650309"/>
+                <a:gd name="connsiteY1" fmla="*/ 0 h 92901"/>
+              </a:gdLst>
+              <a:ahLst/>
+              <a:cxnLst>
+                <a:cxn ang="0">
+                  <a:pos x="connsiteX0" y="connsiteY0"/>
+                </a:cxn>
+                <a:cxn ang="0">
+                  <a:pos x="connsiteX1" y="connsiteY1"/>
+                </a:cxn>
+              </a:cxnLst>
+              <a:rect l="l" t="t" r="r" b="b"/>
+              <a:pathLst>
+                <a:path w="650309" h="92901">
+                  <a:moveTo>
+                    <a:pt x="650310" y="0"/>
+                  </a:moveTo>
+                  <a:lnTo>
+                    <a:pt x="0" y="0"/>
+                  </a:lnTo>
+                </a:path>
+              </a:pathLst>
+            </a:custGeom>
+            <a:noFill/>
+            <a:ln w="139303" cap="rnd">
+              <a:solidFill>
+                <a:srgbClr val="0A0CF0">
+                  <a:alpha val="33000"/>
+                </a:srgbClr>
+              </a:solidFill>
+              <a:prstDash val="solid"/>
+              <a:miter/>
+            </a:ln>
+          </p:spPr>
+          <p:txBody>
+            <a:bodyPr rtlCol="0" anchor="ctr"/>
+            <a:lstStyle/>
+            <a:p>
+              <a:endParaRPr lang="ja-JP" altLang="en-US"/>
+            </a:p>
+          </p:txBody>
+        </p:sp>
+        <p:sp>
+          <p:nvSpPr>
+            <p:cNvPr id="34" name="フリーフォーム 33">
+              <a:extLst>
+                <a:ext uri="{FF2B5EF4-FFF2-40B4-BE49-F238E27FC236}">
+                  <a16:creationId xmlns:a16="http://schemas.microsoft.com/office/drawing/2014/main" id="{523C10BB-72A0-136D-837B-3D9F5A687E7B}"/>
+                </a:ext>
+              </a:extLst>
+            </p:cNvPr>
+            <p:cNvSpPr/>
+            <p:nvPr/>
+          </p:nvSpPr>
+          <p:spPr>
+            <a:xfrm>
+              <a:off x="11465201" y="2214932"/>
+              <a:ext cx="1579324" cy="92901"/>
+            </a:xfrm>
+            <a:custGeom>
+              <a:avLst/>
+              <a:gdLst>
+                <a:gd name="connsiteX0" fmla="*/ 0 w 1579324"/>
+                <a:gd name="connsiteY0" fmla="*/ 0 h 92901"/>
+                <a:gd name="connsiteX1" fmla="*/ 975465 w 1579324"/>
+                <a:gd name="connsiteY1" fmla="*/ 0 h 92901"/>
+                <a:gd name="connsiteX2" fmla="*/ 1579324 w 1579324"/>
+                <a:gd name="connsiteY2" fmla="*/ 0 h 92901"/>
+                <a:gd name="connsiteX3" fmla="*/ 1370296 w 1579324"/>
+                <a:gd name="connsiteY3" fmla="*/ 0 h 92901"/>
+              </a:gdLst>
+              <a:ahLst/>
+              <a:cxnLst>
+                <a:cxn ang="0">
+                  <a:pos x="connsiteX0" y="connsiteY0"/>
+                </a:cxn>
+                <a:cxn ang="0">
+                  <a:pos x="connsiteX1" y="connsiteY1"/>
+                </a:cxn>
+                <a:cxn ang="0">
+                  <a:pos x="connsiteX2" y="connsiteY2"/>
+                </a:cxn>
+                <a:cxn ang="0">
+                  <a:pos x="connsiteX3" y="connsiteY3"/>
+                </a:cxn>
+              </a:cxnLst>
+              <a:rect l="l" t="t" r="r" b="b"/>
+              <a:pathLst>
+                <a:path w="1579324" h="92901">
+                  <a:moveTo>
+                    <a:pt x="0" y="0"/>
+                  </a:moveTo>
+                  <a:lnTo>
+                    <a:pt x="975465" y="0"/>
+                  </a:lnTo>
+                  <a:moveTo>
+                    <a:pt x="1579324" y="0"/>
+                  </a:moveTo>
+                  <a:lnTo>
+                    <a:pt x="1370296" y="0"/>
+                  </a:lnTo>
+                </a:path>
+              </a:pathLst>
+            </a:custGeom>
+            <a:noFill/>
+            <a:ln w="139303" cap="rnd">
+              <a:solidFill>
+                <a:srgbClr val="0A0CF0">
+                  <a:alpha val="33000"/>
+                </a:srgbClr>
+              </a:solidFill>
+              <a:prstDash val="solid"/>
+              <a:miter/>
+            </a:ln>
+          </p:spPr>
+          <p:txBody>
+            <a:bodyPr rtlCol="0" anchor="ctr"/>
+            <a:lstStyle/>
+            <a:p>
+              <a:endParaRPr lang="ja-JP" altLang="en-US"/>
+            </a:p>
+          </p:txBody>
+        </p:sp>
+        <p:sp>
+          <p:nvSpPr>
+            <p:cNvPr id="35" name="フリーフォーム 34">
+              <a:extLst>
+                <a:ext uri="{FF2B5EF4-FFF2-40B4-BE49-F238E27FC236}">
+                  <a16:creationId xmlns:a16="http://schemas.microsoft.com/office/drawing/2014/main" id="{341A94BD-6EA1-EF4F-C9B1-B5C81C25FFE3}"/>
+                </a:ext>
+              </a:extLst>
+            </p:cNvPr>
+            <p:cNvSpPr/>
+            <p:nvPr/>
+          </p:nvSpPr>
+          <p:spPr>
+            <a:xfrm>
+              <a:off x="11465201" y="2586538"/>
+              <a:ext cx="1579324" cy="92901"/>
+            </a:xfrm>
+            <a:custGeom>
+              <a:avLst/>
+              <a:gdLst>
+                <a:gd name="connsiteX0" fmla="*/ 1579324 w 1579324"/>
+                <a:gd name="connsiteY0" fmla="*/ 0 h 92901"/>
+                <a:gd name="connsiteX1" fmla="*/ 603859 w 1579324"/>
+                <a:gd name="connsiteY1" fmla="*/ 0 h 92901"/>
+                <a:gd name="connsiteX2" fmla="*/ 0 w 1579324"/>
+                <a:gd name="connsiteY2" fmla="*/ 0 h 92901"/>
+                <a:gd name="connsiteX3" fmla="*/ 209028 w 1579324"/>
+                <a:gd name="connsiteY3" fmla="*/ 0 h 92901"/>
+              </a:gdLst>
+              <a:ahLst/>
+              <a:cxnLst>
+                <a:cxn ang="0">
+                  <a:pos x="connsiteX0" y="connsiteY0"/>
+                </a:cxn>
+                <a:cxn ang="0">
+                  <a:pos x="connsiteX1" y="connsiteY1"/>
+                </a:cxn>
+                <a:cxn ang="0">
+                  <a:pos x="connsiteX2" y="connsiteY2"/>
+                </a:cxn>
+                <a:cxn ang="0">
+                  <a:pos x="connsiteX3" y="connsiteY3"/>
+                </a:cxn>
+              </a:cxnLst>
+              <a:rect l="l" t="t" r="r" b="b"/>
+              <a:pathLst>
+                <a:path w="1579324" h="92901">
+                  <a:moveTo>
+                    <a:pt x="1579324" y="0"/>
+                  </a:moveTo>
+                  <a:lnTo>
+                    <a:pt x="603859" y="0"/>
+                  </a:lnTo>
+                  <a:moveTo>
+                    <a:pt x="0" y="0"/>
+                  </a:moveTo>
+                  <a:lnTo>
+                    <a:pt x="209028" y="0"/>
+                  </a:lnTo>
+                </a:path>
+              </a:pathLst>
+            </a:custGeom>
+            <a:noFill/>
+            <a:ln w="139303" cap="rnd">
+              <a:solidFill>
+                <a:srgbClr val="0A0CF0">
+                  <a:alpha val="33000"/>
+                </a:srgbClr>
+              </a:solidFill>
+              <a:prstDash val="solid"/>
+              <a:miter/>
+            </a:ln>
+          </p:spPr>
+          <p:txBody>
+            <a:bodyPr rtlCol="0" anchor="ctr"/>
+            <a:lstStyle/>
+            <a:p>
+              <a:endParaRPr lang="ja-JP" altLang="en-US"/>
+            </a:p>
+          </p:txBody>
+        </p:sp>
+        <p:sp>
+          <p:nvSpPr>
+            <p:cNvPr id="36" name="フリーフォーム 35">
+              <a:extLst>
+                <a:ext uri="{FF2B5EF4-FFF2-40B4-BE49-F238E27FC236}">
+                  <a16:creationId xmlns:a16="http://schemas.microsoft.com/office/drawing/2014/main" id="{D1929696-5AF4-A0C6-7006-3C54051DF6B8}"/>
+                </a:ext>
+              </a:extLst>
+            </p:cNvPr>
+            <p:cNvSpPr/>
+            <p:nvPr/>
+          </p:nvSpPr>
+          <p:spPr>
+            <a:xfrm>
+              <a:off x="11465201" y="1455804"/>
+              <a:ext cx="1579324" cy="92901"/>
+            </a:xfrm>
+            <a:custGeom>
+              <a:avLst/>
+              <a:gdLst>
+                <a:gd name="connsiteX0" fmla="*/ 0 w 1579324"/>
+                <a:gd name="connsiteY0" fmla="*/ 0 h 92901"/>
+                <a:gd name="connsiteX1" fmla="*/ 975465 w 1579324"/>
+                <a:gd name="connsiteY1" fmla="*/ 0 h 92901"/>
+                <a:gd name="connsiteX2" fmla="*/ 1579324 w 1579324"/>
+                <a:gd name="connsiteY2" fmla="*/ 0 h 92901"/>
+                <a:gd name="connsiteX3" fmla="*/ 1370296 w 1579324"/>
+                <a:gd name="connsiteY3" fmla="*/ 0 h 92901"/>
+              </a:gdLst>
+              <a:ahLst/>
+              <a:cxnLst>
+                <a:cxn ang="0">
+                  <a:pos x="connsiteX0" y="connsiteY0"/>
+                </a:cxn>
+                <a:cxn ang="0">
+                  <a:pos x="connsiteX1" y="connsiteY1"/>
+                </a:cxn>
+                <a:cxn ang="0">
+                  <a:pos x="connsiteX2" y="connsiteY2"/>
+                </a:cxn>
+                <a:cxn ang="0">
+                  <a:pos x="connsiteX3" y="connsiteY3"/>
+                </a:cxn>
+              </a:cxnLst>
+              <a:rect l="l" t="t" r="r" b="b"/>
+              <a:pathLst>
+                <a:path w="1579324" h="92901">
+                  <a:moveTo>
+                    <a:pt x="0" y="0"/>
+                  </a:moveTo>
+                  <a:lnTo>
+                    <a:pt x="975465" y="0"/>
+                  </a:lnTo>
+                  <a:moveTo>
+                    <a:pt x="1579324" y="0"/>
+                  </a:moveTo>
+                  <a:lnTo>
+                    <a:pt x="1370296" y="0"/>
+                  </a:lnTo>
+                </a:path>
+              </a:pathLst>
+            </a:custGeom>
+            <a:noFill/>
+            <a:ln w="139303" cap="rnd">
+              <a:solidFill>
+                <a:srgbClr val="0A0CF0">
+                  <a:alpha val="33000"/>
+                </a:srgbClr>
+              </a:solidFill>
+              <a:prstDash val="solid"/>
+              <a:miter/>
+            </a:ln>
+          </p:spPr>
+          <p:txBody>
+            <a:bodyPr rtlCol="0" anchor="ctr"/>
+            <a:lstStyle/>
+            <a:p>
+              <a:endParaRPr lang="ja-JP" altLang="en-US"/>
+            </a:p>
+          </p:txBody>
+        </p:sp>
+        <p:sp>
+          <p:nvSpPr>
+            <p:cNvPr id="37" name="フリーフォーム 36">
+              <a:extLst>
+                <a:ext uri="{FF2B5EF4-FFF2-40B4-BE49-F238E27FC236}">
+                  <a16:creationId xmlns:a16="http://schemas.microsoft.com/office/drawing/2014/main" id="{CB0C6876-77C4-A315-023B-A0DDBCF0146B}"/>
+                </a:ext>
+              </a:extLst>
+            </p:cNvPr>
+            <p:cNvSpPr/>
+            <p:nvPr/>
+          </p:nvSpPr>
+          <p:spPr>
+            <a:xfrm>
+              <a:off x="11465201" y="1827410"/>
+              <a:ext cx="1579324" cy="92901"/>
+            </a:xfrm>
+            <a:custGeom>
+              <a:avLst/>
+              <a:gdLst>
+                <a:gd name="connsiteX0" fmla="*/ 1579324 w 1579324"/>
+                <a:gd name="connsiteY0" fmla="*/ 0 h 92901"/>
+                <a:gd name="connsiteX1" fmla="*/ 603859 w 1579324"/>
+                <a:gd name="connsiteY1" fmla="*/ 0 h 92901"/>
+                <a:gd name="connsiteX2" fmla="*/ 0 w 1579324"/>
+                <a:gd name="connsiteY2" fmla="*/ 0 h 92901"/>
+                <a:gd name="connsiteX3" fmla="*/ 209028 w 1579324"/>
+                <a:gd name="connsiteY3" fmla="*/ 0 h 92901"/>
+              </a:gdLst>
+              <a:ahLst/>
+              <a:cxnLst>
+                <a:cxn ang="0">
+                  <a:pos x="connsiteX0" y="connsiteY0"/>
+                </a:cxn>
+                <a:cxn ang="0">
+                  <a:pos x="connsiteX1" y="connsiteY1"/>
+                </a:cxn>
+                <a:cxn ang="0">
+                  <a:pos x="connsiteX2" y="connsiteY2"/>
+                </a:cxn>
+                <a:cxn ang="0">
+                  <a:pos x="connsiteX3" y="connsiteY3"/>
+                </a:cxn>
+              </a:cxnLst>
+              <a:rect l="l" t="t" r="r" b="b"/>
+              <a:pathLst>
+                <a:path w="1579324" h="92901">
+                  <a:moveTo>
+                    <a:pt x="1579324" y="0"/>
+                  </a:moveTo>
+                  <a:lnTo>
+                    <a:pt x="603859" y="0"/>
+                  </a:lnTo>
+                  <a:moveTo>
+                    <a:pt x="0" y="0"/>
+                  </a:moveTo>
+                  <a:lnTo>
+                    <a:pt x="209028" y="0"/>
+                  </a:lnTo>
+                </a:path>
+              </a:pathLst>
+            </a:custGeom>
+            <a:noFill/>
+            <a:ln w="139303" cap="rnd">
+              <a:solidFill>
+                <a:srgbClr val="0A0CF0">
+                  <a:alpha val="33000"/>
+                </a:srgbClr>
+              </a:solidFill>
+              <a:prstDash val="solid"/>
+              <a:miter/>
+            </a:ln>
+          </p:spPr>
+          <p:txBody>
+            <a:bodyPr rtlCol="0" anchor="ctr"/>
+            <a:lstStyle/>
+            <a:p>
+              <a:endParaRPr lang="ja-JP" altLang="en-US"/>
+            </a:p>
+          </p:txBody>
+        </p:sp>
+        <p:sp>
+          <p:nvSpPr>
+            <p:cNvPr id="38" name="フリーフォーム 37">
+              <a:extLst>
+                <a:ext uri="{FF2B5EF4-FFF2-40B4-BE49-F238E27FC236}">
+                  <a16:creationId xmlns:a16="http://schemas.microsoft.com/office/drawing/2014/main" id="{847F5611-9D39-D9DE-7D7E-B2C8005E54D0}"/>
+                </a:ext>
+              </a:extLst>
+            </p:cNvPr>
+            <p:cNvSpPr/>
+            <p:nvPr/>
+          </p:nvSpPr>
+          <p:spPr>
+            <a:xfrm>
+              <a:off x="11465201" y="698742"/>
+              <a:ext cx="1579324" cy="92901"/>
+            </a:xfrm>
+            <a:custGeom>
+              <a:avLst/>
+              <a:gdLst>
+                <a:gd name="connsiteX0" fmla="*/ 0 w 1579324"/>
+                <a:gd name="connsiteY0" fmla="*/ 0 h 92901"/>
+                <a:gd name="connsiteX1" fmla="*/ 975465 w 1579324"/>
+                <a:gd name="connsiteY1" fmla="*/ 0 h 92901"/>
+                <a:gd name="connsiteX2" fmla="*/ 1579324 w 1579324"/>
+                <a:gd name="connsiteY2" fmla="*/ 0 h 92901"/>
+                <a:gd name="connsiteX3" fmla="*/ 1370296 w 1579324"/>
+                <a:gd name="connsiteY3" fmla="*/ 0 h 92901"/>
+              </a:gdLst>
+              <a:ahLst/>
+              <a:cxnLst>
+                <a:cxn ang="0">
+                  <a:pos x="connsiteX0" y="connsiteY0"/>
+                </a:cxn>
+                <a:cxn ang="0">
+                  <a:pos x="connsiteX1" y="connsiteY1"/>
+                </a:cxn>
+                <a:cxn ang="0">
+                  <a:pos x="connsiteX2" y="connsiteY2"/>
+                </a:cxn>
+                <a:cxn ang="0">
+                  <a:pos x="connsiteX3" y="connsiteY3"/>
+                </a:cxn>
+              </a:cxnLst>
+              <a:rect l="l" t="t" r="r" b="b"/>
+              <a:pathLst>
+                <a:path w="1579324" h="92901">
+                  <a:moveTo>
+                    <a:pt x="0" y="0"/>
+                  </a:moveTo>
+                  <a:lnTo>
+                    <a:pt x="975465" y="0"/>
+                  </a:lnTo>
+                  <a:moveTo>
+                    <a:pt x="1579324" y="0"/>
+                  </a:moveTo>
+                  <a:lnTo>
+                    <a:pt x="1370296" y="0"/>
+                  </a:lnTo>
+                </a:path>
+              </a:pathLst>
+            </a:custGeom>
+            <a:noFill/>
+            <a:ln w="139303" cap="rnd">
+              <a:solidFill>
+                <a:srgbClr val="0A0CF0">
+                  <a:alpha val="33000"/>
+                </a:srgbClr>
+              </a:solidFill>
+              <a:prstDash val="solid"/>
+              <a:miter/>
+            </a:ln>
+          </p:spPr>
+          <p:txBody>
+            <a:bodyPr rtlCol="0" anchor="ctr"/>
+            <a:lstStyle/>
+            <a:p>
+              <a:endParaRPr lang="ja-JP" altLang="en-US"/>
+            </a:p>
+          </p:txBody>
+        </p:sp>
+        <p:sp>
+          <p:nvSpPr>
+            <p:cNvPr id="39" name="フリーフォーム 38">
+              <a:extLst>
+                <a:ext uri="{FF2B5EF4-FFF2-40B4-BE49-F238E27FC236}">
+                  <a16:creationId xmlns:a16="http://schemas.microsoft.com/office/drawing/2014/main" id="{7018B8BA-D05B-5C33-3822-D3FCBEBE7D74}"/>
+                </a:ext>
+              </a:extLst>
+            </p:cNvPr>
+            <p:cNvSpPr/>
+            <p:nvPr/>
+          </p:nvSpPr>
+          <p:spPr>
+            <a:xfrm>
+              <a:off x="11465201" y="1070348"/>
+              <a:ext cx="1579324" cy="92901"/>
+            </a:xfrm>
+            <a:custGeom>
+              <a:avLst/>
+              <a:gdLst>
+                <a:gd name="connsiteX0" fmla="*/ 1579324 w 1579324"/>
+                <a:gd name="connsiteY0" fmla="*/ 0 h 92901"/>
+                <a:gd name="connsiteX1" fmla="*/ 603859 w 1579324"/>
+                <a:gd name="connsiteY1" fmla="*/ 0 h 92901"/>
+                <a:gd name="connsiteX2" fmla="*/ 0 w 1579324"/>
+                <a:gd name="connsiteY2" fmla="*/ 0 h 92901"/>
+                <a:gd name="connsiteX3" fmla="*/ 209028 w 1579324"/>
+                <a:gd name="connsiteY3" fmla="*/ 0 h 92901"/>
+              </a:gdLst>
+              <a:ahLst/>
+              <a:cxnLst>
+                <a:cxn ang="0">
+                  <a:pos x="connsiteX0" y="connsiteY0"/>
+                </a:cxn>
+                <a:cxn ang="0">
+                  <a:pos x="connsiteX1" y="connsiteY1"/>
+                </a:cxn>
+                <a:cxn ang="0">
+                  <a:pos x="connsiteX2" y="connsiteY2"/>
+                </a:cxn>
+                <a:cxn ang="0">
+                  <a:pos x="connsiteX3" y="connsiteY3"/>
+                </a:cxn>
+              </a:cxnLst>
+              <a:rect l="l" t="t" r="r" b="b"/>
+              <a:pathLst>
+                <a:path w="1579324" h="92901">
+                  <a:moveTo>
+                    <a:pt x="1579324" y="0"/>
+                  </a:moveTo>
+                  <a:lnTo>
+                    <a:pt x="603859" y="0"/>
+                  </a:lnTo>
+                  <a:moveTo>
+                    <a:pt x="0" y="0"/>
+                  </a:moveTo>
+                  <a:lnTo>
+                    <a:pt x="209028" y="0"/>
+                  </a:lnTo>
+                </a:path>
+              </a:pathLst>
+            </a:custGeom>
+            <a:noFill/>
+            <a:ln w="139303" cap="rnd">
+              <a:solidFill>
+                <a:srgbClr val="0A0CF0">
+                  <a:alpha val="33000"/>
+                </a:srgbClr>
+              </a:solidFill>
+              <a:prstDash val="solid"/>
+              <a:miter/>
+            </a:ln>
+          </p:spPr>
+          <p:txBody>
+            <a:bodyPr rtlCol="0" anchor="ctr"/>
+            <a:lstStyle/>
+            <a:p>
+              <a:endParaRPr lang="ja-JP" altLang="en-US"/>
+            </a:p>
+          </p:txBody>
+        </p:sp>
+      </p:grpSp>
+      <p:sp>
+        <p:nvSpPr>
+          <p:cNvPr id="4" name="角丸四角形 3">
+            <a:extLst>
+              <a:ext uri="{FF2B5EF4-FFF2-40B4-BE49-F238E27FC236}">
+                <a16:creationId xmlns:a16="http://schemas.microsoft.com/office/drawing/2014/main" id="{0ABC980A-BAFA-097C-C482-DB7BBEBE9F5F}"/>
+              </a:ext>
+            </a:extLst>
+          </p:cNvPr>
+          <p:cNvSpPr/>
+          <p:nvPr/>
+        </p:nvSpPr>
+        <p:spPr>
+          <a:xfrm>
+            <a:off x="1033671" y="1753772"/>
+            <a:ext cx="1431234" cy="830398"/>
+          </a:xfrm>
+          <a:prstGeom prst="roundRect">
+            <a:avLst/>
+          </a:prstGeom>
+          <a:solidFill>
+            <a:srgbClr val="751CFE">
+              <a:alpha val="63000"/>
+            </a:srgbClr>
+          </a:solidFill>
+          <a:ln w="12700">
+            <a:noFill/>
+            <a:miter lim="400000"/>
+          </a:ln>
+          <a:extLst>
+            <a:ext uri="{C572A759-6A51-4108-AA02-DFA0A04FC94B}">
+              <ma14:wrappingTextBoxFlag xmlns="" xmlns:ma14="http://schemas.microsoft.com/office/mac/drawingml/2011/main" val="1"/>
+            </a:ext>
+          </a:extLst>
+        </p:spPr>
+        <p:txBody>
+          <a:bodyPr rtlCol="0" anchor="ctr"/>
+          <a:lstStyle/>
+          <a:p>
+            <a:pPr algn="ctr"/>
+            <a:r>
+              <a:rPr kumimoji="1" lang="en-US" altLang="ja-JP" sz="6000" b="1">
+                <a:solidFill>
+                  <a:schemeClr val="bg1"/>
+                </a:solidFill>
+                <a:effectLst>
+                  <a:outerShdw blurRad="25400" dist="63500" dir="2700000" algn="tl" rotWithShape="0">
+                    <a:schemeClr val="tx1">
+                      <a:alpha val="31000"/>
+                    </a:schemeClr>
+                  </a:outerShdw>
+                </a:effectLst>
+                <a:latin typeface="Arial Black" panose="020B0604020202020204" pitchFamily="34" charset="0"/>
+                <a:cs typeface="Arial Black" panose="020B0604020202020204" pitchFamily="34" charset="0"/>
+              </a:rPr>
+              <a:t>R</a:t>
+            </a:r>
+            <a:endParaRPr kumimoji="1" lang="ja-JP" altLang="en-US" sz="6000" b="1">
+              <a:solidFill>
+                <a:schemeClr val="bg1"/>
+              </a:solidFill>
+              <a:effectLst>
+                <a:outerShdw blurRad="25400" dist="63500" dir="2700000" algn="tl" rotWithShape="0">
+                  <a:schemeClr val="tx1">
+                    <a:alpha val="31000"/>
+                  </a:schemeClr>
+                </a:outerShdw>
+              </a:effectLst>
+              <a:latin typeface="Arial Black" panose="020B0604020202020204" pitchFamily="34" charset="0"/>
+              <a:cs typeface="Arial Black" panose="020B0604020202020204" pitchFamily="34" charset="0"/>
+            </a:endParaRPr>
+          </a:p>
+        </p:txBody>
+      </p:sp>
+      <p:sp>
+        <p:nvSpPr>
+          <p:cNvPr id="5" name="角丸四角形 4">
+            <a:extLst>
+              <a:ext uri="{FF2B5EF4-FFF2-40B4-BE49-F238E27FC236}">
+                <a16:creationId xmlns:a16="http://schemas.microsoft.com/office/drawing/2014/main" id="{11362BFD-4FFC-B872-0109-A216E4C78530}"/>
+              </a:ext>
+            </a:extLst>
+          </p:cNvPr>
+          <p:cNvSpPr/>
+          <p:nvPr/>
+        </p:nvSpPr>
+        <p:spPr>
+          <a:xfrm>
+            <a:off x="11816598" y="1744394"/>
+            <a:ext cx="1859647" cy="839776"/>
+          </a:xfrm>
+          <a:prstGeom prst="roundRect">
+            <a:avLst/>
+          </a:prstGeom>
+          <a:solidFill>
+            <a:schemeClr val="accent6">
+              <a:lumMod val="75000"/>
+              <a:alpha val="73036"/>
+            </a:schemeClr>
+          </a:solidFill>
+          <a:ln w="12700">
+            <a:noFill/>
+            <a:miter lim="400000"/>
+          </a:ln>
+          <a:extLst>
+            <a:ext uri="{C572A759-6A51-4108-AA02-DFA0A04FC94B}">
+              <ma14:wrappingTextBoxFlag xmlns="" xmlns:ma14="http://schemas.microsoft.com/office/mac/drawingml/2011/main" val="1"/>
+            </a:ext>
+          </a:extLst>
+        </p:spPr>
+        <p:txBody>
+          <a:bodyPr rtlCol="0" anchor="ctr"/>
+          <a:lstStyle/>
+          <a:p>
+            <a:pPr algn="ctr"/>
+            <a:r>
+              <a:rPr lang="en-US" altLang="ja-JP" sz="5400" b="1">
+                <a:solidFill>
+                  <a:schemeClr val="bg1"/>
+                </a:solidFill>
+                <a:effectLst>
+                  <a:outerShdw blurRad="25400" dist="50800" dir="2700000" algn="tl" rotWithShape="0">
+                    <a:schemeClr val="tx2">
+                      <a:lumMod val="50000"/>
+                      <a:alpha val="61000"/>
+                    </a:schemeClr>
+                  </a:outerShdw>
+                </a:effectLst>
+                <a:latin typeface="Arial Black" panose="020B0604020202020204" pitchFamily="34" charset="0"/>
+                <a:cs typeface="Arial Black" panose="020B0604020202020204" pitchFamily="34" charset="0"/>
+              </a:rPr>
+              <a:t>SQL</a:t>
+            </a:r>
+            <a:endParaRPr kumimoji="1" lang="ja-JP" altLang="en-US" sz="5400" b="1">
+              <a:solidFill>
+                <a:schemeClr val="bg1"/>
+              </a:solidFill>
+              <a:effectLst>
+                <a:outerShdw blurRad="25400" dist="50800" dir="2700000" algn="tl" rotWithShape="0">
+                  <a:schemeClr val="tx2">
+                    <a:lumMod val="50000"/>
+                    <a:alpha val="61000"/>
+                  </a:schemeClr>
+                </a:outerShdw>
+              </a:effectLst>
+              <a:latin typeface="Arial Black" panose="020B0604020202020204" pitchFamily="34" charset="0"/>
+              <a:cs typeface="Arial Black" panose="020B0604020202020204" pitchFamily="34" charset="0"/>
+            </a:endParaRPr>
+          </a:p>
+        </p:txBody>
+      </p:sp>
+      <p:sp>
+        <p:nvSpPr>
+          <p:cNvPr id="7" name="Freeform 3">
+            <a:extLst>
+              <a:ext uri="{FF2B5EF4-FFF2-40B4-BE49-F238E27FC236}">
+                <a16:creationId xmlns:a16="http://schemas.microsoft.com/office/drawing/2014/main" id="{85160FEE-8ED2-40CE-6566-08B3D3D89465}"/>
+              </a:ext>
+            </a:extLst>
+          </p:cNvPr>
+          <p:cNvSpPr/>
+          <p:nvPr/>
+        </p:nvSpPr>
+        <p:spPr>
+          <a:xfrm>
+            <a:off x="3256721" y="1223827"/>
+            <a:ext cx="2004392" cy="2486784"/>
+          </a:xfrm>
+          <a:custGeom>
+            <a:avLst/>
+            <a:gdLst/>
+            <a:ahLst/>
+            <a:cxnLst/>
+            <a:rect l="l" t="t" r="r" b="b"/>
+            <a:pathLst>
+              <a:path w="838730" h="840973">
+                <a:moveTo>
+                  <a:pt x="0" y="0"/>
+                </a:moveTo>
+                <a:lnTo>
+                  <a:pt x="838730" y="0"/>
+                </a:lnTo>
+                <a:lnTo>
+                  <a:pt x="838730" y="840972"/>
+                </a:lnTo>
+                <a:lnTo>
+                  <a:pt x="0" y="840972"/>
+                </a:lnTo>
+                <a:lnTo>
+                  <a:pt x="0" y="0"/>
+                </a:lnTo>
+                <a:close/>
+              </a:path>
+            </a:pathLst>
+          </a:custGeom>
+          <a:blipFill>
+            <a:blip r:embed="rId2">
+              <a:extLst>
+                <a:ext uri="{96DAC541-7B7A-43D3-8B79-37D633B846F1}">
+                  <asvg:svgBlip xmlns:asvg="http://schemas.microsoft.com/office/drawing/2016/SVG/main" r:embed="rId3"/>
+                </a:ext>
+              </a:extLst>
+            </a:blip>
+            <a:stretch>
+              <a:fillRect/>
+            </a:stretch>
+          </a:blipFill>
+        </p:spPr>
+      </p:sp>
+      <p:sp>
+        <p:nvSpPr>
+          <p:cNvPr id="13" name="Freeform 2">
+            <a:extLst>
+              <a:ext uri="{FF2B5EF4-FFF2-40B4-BE49-F238E27FC236}">
+                <a16:creationId xmlns:a16="http://schemas.microsoft.com/office/drawing/2014/main" id="{4A072CDE-7026-B0FA-6A80-CD81CDF4A8C2}"/>
+              </a:ext>
+            </a:extLst>
+          </p:cNvPr>
+          <p:cNvSpPr/>
+          <p:nvPr/>
+        </p:nvSpPr>
+        <p:spPr>
+          <a:xfrm>
+            <a:off x="9005983" y="148190"/>
+            <a:ext cx="2100171" cy="1844332"/>
+          </a:xfrm>
+          <a:custGeom>
+            <a:avLst/>
+            <a:gdLst/>
+            <a:ahLst/>
+            <a:cxnLst/>
+            <a:rect l="l" t="t" r="r" b="b"/>
+            <a:pathLst>
+              <a:path w="985288" h="865262">
+                <a:moveTo>
+                  <a:pt x="0" y="0"/>
+                </a:moveTo>
+                <a:lnTo>
+                  <a:pt x="985288" y="0"/>
+                </a:lnTo>
+                <a:lnTo>
+                  <a:pt x="985288" y="865262"/>
+                </a:lnTo>
+                <a:lnTo>
+                  <a:pt x="0" y="865262"/>
+                </a:lnTo>
+                <a:lnTo>
+                  <a:pt x="0" y="0"/>
+                </a:lnTo>
+                <a:close/>
+              </a:path>
+            </a:pathLst>
+          </a:custGeom>
+          <a:blipFill>
+            <a:blip r:embed="rId4">
+              <a:extLst>
+                <a:ext uri="{96DAC541-7B7A-43D3-8B79-37D633B846F1}">
+                  <asvg:svgBlip xmlns:asvg="http://schemas.microsoft.com/office/drawing/2016/SVG/main" r:embed="rId5"/>
+                </a:ext>
+              </a:extLst>
+            </a:blip>
+            <a:stretch>
+              <a:fillRect/>
+            </a:stretch>
+          </a:blipFill>
+        </p:spPr>
+      </p:sp>
+    </p:spTree>
+    <p:extLst>
+      <p:ext uri="{BB962C8B-B14F-4D97-AF65-F5344CB8AC3E}">
+        <p14:creationId xmlns:p14="http://schemas.microsoft.com/office/powerpoint/2010/main" val="720627011"/>
+      </p:ext>
+    </p:extLst>
+  </p:cSld>
+  <p:clrMapOvr>
+    <a:masterClrMapping/>
+  </p:clrMapOvr>
+</p:sld>
+</file>
+
 <file path=ppt/slides/slide2.xml><?xml version="1.0" encoding="utf-8"?>
 <p:sld xmlns:a="http://schemas.openxmlformats.org/drawingml/2006/main" xmlns:r="http://schemas.openxmlformats.org/officeDocument/2006/relationships" xmlns:p="http://schemas.openxmlformats.org/presentationml/2006/main">
   <p:cSld>

--- a/_memo/image/drill-list.pptx
+++ b/_memo/image/drill-list.pptx
@@ -5,10 +5,10 @@
     <p:sldMasterId id="2147483648" r:id="rId1"/>
   </p:sldMasterIdLst>
   <p:notesMasterIdLst>
-    <p:notesMasterId r:id="rId10"/>
+    <p:notesMasterId r:id="rId12"/>
   </p:notesMasterIdLst>
   <p:handoutMasterIdLst>
-    <p:handoutMasterId r:id="rId11"/>
+    <p:handoutMasterId r:id="rId13"/>
   </p:handoutMasterIdLst>
   <p:sldIdLst>
     <p:sldId id="640" r:id="rId2"/>
@@ -19,6 +19,8 @@
     <p:sldId id="709" r:id="rId7"/>
     <p:sldId id="710" r:id="rId8"/>
     <p:sldId id="711" r:id="rId9"/>
+    <p:sldId id="712" r:id="rId10"/>
+    <p:sldId id="713" r:id="rId11"/>
   </p:sldIdLst>
   <p:sldSz cx="14400213" cy="4356100"/>
   <p:notesSz cx="6735763" cy="9866313"/>
@@ -130,6 +132,8 @@
             <p14:sldId id="709"/>
             <p14:sldId id="710"/>
             <p14:sldId id="711"/>
+            <p14:sldId id="712"/>
+            <p14:sldId id="713"/>
           </p14:sldIdLst>
         </p14:section>
         <p14:section name="アイコン" id="{E6A61129-24E8-BE4F-97F7-218E9035C89D}">
@@ -7628,6 +7632,1889 @@
 </p:sld>
 </file>
 
+<file path=ppt/slides/slide10.xml><?xml version="1.0" encoding="utf-8"?>
+<p:sld xmlns:a="http://schemas.openxmlformats.org/drawingml/2006/main" xmlns:r="http://schemas.openxmlformats.org/officeDocument/2006/relationships" xmlns:p="http://schemas.openxmlformats.org/presentationml/2006/main">
+  <p:cSld>
+    <p:bg>
+      <p:bgPr>
+        <a:gradFill>
+          <a:gsLst>
+            <a:gs pos="100000">
+              <a:srgbClr val="E5BCFF">
+                <a:alpha val="47217"/>
+                <a:lumMod val="61000"/>
+                <a:lumOff val="39000"/>
+              </a:srgbClr>
+            </a:gs>
+            <a:gs pos="2000">
+              <a:srgbClr val="4396FB">
+                <a:alpha val="63988"/>
+                <a:lumMod val="89000"/>
+                <a:lumOff val="11000"/>
+              </a:srgbClr>
+            </a:gs>
+          </a:gsLst>
+          <a:lin ang="18900000" scaled="0"/>
+        </a:gradFill>
+        <a:effectLst/>
+      </p:bgPr>
+    </p:bg>
+    <p:spTree>
+      <p:nvGrpSpPr>
+        <p:cNvPr id="1" name=""/>
+        <p:cNvGrpSpPr/>
+        <p:nvPr/>
+      </p:nvGrpSpPr>
+      <p:grpSpPr>
+        <a:xfrm>
+          <a:off x="0" y="0"/>
+          <a:ext cx="0" cy="0"/>
+          <a:chOff x="0" y="0"/>
+          <a:chExt cx="0" cy="0"/>
+        </a:xfrm>
+      </p:grpSpPr>
+      <p:grpSp>
+        <p:nvGrpSpPr>
+          <p:cNvPr id="27" name="グループ化 26">
+            <a:extLst>
+              <a:ext uri="{FF2B5EF4-FFF2-40B4-BE49-F238E27FC236}">
+                <a16:creationId xmlns:a16="http://schemas.microsoft.com/office/drawing/2014/main" id="{DB62DD05-BC9B-A3D3-FF29-371E44EE94BB}"/>
+              </a:ext>
+            </a:extLst>
+          </p:cNvPr>
+          <p:cNvGrpSpPr/>
+          <p:nvPr/>
+        </p:nvGrpSpPr>
+        <p:grpSpPr>
+          <a:xfrm>
+            <a:off x="904476" y="713741"/>
+            <a:ext cx="1745957" cy="3011305"/>
+            <a:chOff x="11465201" y="698742"/>
+            <a:chExt cx="1579324" cy="2723908"/>
+          </a:xfrm>
+        </p:grpSpPr>
+        <p:sp>
+          <p:nvSpPr>
+            <p:cNvPr id="18" name="フリーフォーム 17">
+              <a:extLst>
+                <a:ext uri="{FF2B5EF4-FFF2-40B4-BE49-F238E27FC236}">
+                  <a16:creationId xmlns:a16="http://schemas.microsoft.com/office/drawing/2014/main" id="{3037463D-E8E6-4727-41F0-1A2A30E767A8}"/>
+                </a:ext>
+              </a:extLst>
+            </p:cNvPr>
+            <p:cNvSpPr/>
+            <p:nvPr/>
+          </p:nvSpPr>
+          <p:spPr>
+            <a:xfrm>
+              <a:off x="12487116" y="2911693"/>
+              <a:ext cx="557408" cy="464507"/>
+            </a:xfrm>
+            <a:custGeom>
+              <a:avLst/>
+              <a:gdLst>
+                <a:gd name="connsiteX0" fmla="*/ 0 w 557408"/>
+                <a:gd name="connsiteY0" fmla="*/ 232254 h 464507"/>
+                <a:gd name="connsiteX1" fmla="*/ 195093 w 557408"/>
+                <a:gd name="connsiteY1" fmla="*/ 464507 h 464507"/>
+                <a:gd name="connsiteX2" fmla="*/ 557409 w 557408"/>
+                <a:gd name="connsiteY2" fmla="*/ 0 h 464507"/>
+              </a:gdLst>
+              <a:ahLst/>
+              <a:cxnLst>
+                <a:cxn ang="0">
+                  <a:pos x="connsiteX0" y="connsiteY0"/>
+                </a:cxn>
+                <a:cxn ang="0">
+                  <a:pos x="connsiteX1" y="connsiteY1"/>
+                </a:cxn>
+                <a:cxn ang="0">
+                  <a:pos x="connsiteX2" y="connsiteY2"/>
+                </a:cxn>
+              </a:cxnLst>
+              <a:rect l="l" t="t" r="r" b="b"/>
+              <a:pathLst>
+                <a:path w="557408" h="464507">
+                  <a:moveTo>
+                    <a:pt x="0" y="232254"/>
+                  </a:moveTo>
+                  <a:lnTo>
+                    <a:pt x="195093" y="464507"/>
+                  </a:lnTo>
+                  <a:lnTo>
+                    <a:pt x="557409" y="0"/>
+                  </a:lnTo>
+                </a:path>
+              </a:pathLst>
+            </a:custGeom>
+            <a:noFill/>
+            <a:ln w="139303" cap="rnd">
+              <a:solidFill>
+                <a:srgbClr val="0A0CF0">
+                  <a:alpha val="37000"/>
+                </a:srgbClr>
+              </a:solidFill>
+              <a:prstDash val="solid"/>
+              <a:round/>
+            </a:ln>
+          </p:spPr>
+          <p:txBody>
+            <a:bodyPr rtlCol="0" anchor="ctr"/>
+            <a:lstStyle/>
+            <a:p>
+              <a:endParaRPr lang="ja-JP" altLang="en-US"/>
+            </a:p>
+          </p:txBody>
+        </p:sp>
+        <p:sp>
+          <p:nvSpPr>
+            <p:cNvPr id="19" name="フリーフォーム 18">
+              <a:extLst>
+                <a:ext uri="{FF2B5EF4-FFF2-40B4-BE49-F238E27FC236}">
+                  <a16:creationId xmlns:a16="http://schemas.microsoft.com/office/drawing/2014/main" id="{97AE8855-74CA-9FF4-E945-9E1A738394AB}"/>
+                </a:ext>
+              </a:extLst>
+            </p:cNvPr>
+            <p:cNvSpPr/>
+            <p:nvPr/>
+          </p:nvSpPr>
+          <p:spPr>
+            <a:xfrm>
+              <a:off x="11465201" y="2958143"/>
+              <a:ext cx="650309" cy="92901"/>
+            </a:xfrm>
+            <a:custGeom>
+              <a:avLst/>
+              <a:gdLst>
+                <a:gd name="connsiteX0" fmla="*/ 650310 w 650309"/>
+                <a:gd name="connsiteY0" fmla="*/ 0 h 92901"/>
+                <a:gd name="connsiteX1" fmla="*/ 0 w 650309"/>
+                <a:gd name="connsiteY1" fmla="*/ 0 h 92901"/>
+              </a:gdLst>
+              <a:ahLst/>
+              <a:cxnLst>
+                <a:cxn ang="0">
+                  <a:pos x="connsiteX0" y="connsiteY0"/>
+                </a:cxn>
+                <a:cxn ang="0">
+                  <a:pos x="connsiteX1" y="connsiteY1"/>
+                </a:cxn>
+              </a:cxnLst>
+              <a:rect l="l" t="t" r="r" b="b"/>
+              <a:pathLst>
+                <a:path w="650309" h="92901">
+                  <a:moveTo>
+                    <a:pt x="650310" y="0"/>
+                  </a:moveTo>
+                  <a:lnTo>
+                    <a:pt x="0" y="0"/>
+                  </a:lnTo>
+                </a:path>
+              </a:pathLst>
+            </a:custGeom>
+            <a:noFill/>
+            <a:ln w="139303" cap="rnd">
+              <a:solidFill>
+                <a:srgbClr val="0A0CF0">
+                  <a:alpha val="37000"/>
+                </a:srgbClr>
+              </a:solidFill>
+              <a:prstDash val="solid"/>
+              <a:miter/>
+            </a:ln>
+          </p:spPr>
+          <p:txBody>
+            <a:bodyPr rtlCol="0" anchor="ctr"/>
+            <a:lstStyle/>
+            <a:p>
+              <a:endParaRPr lang="ja-JP" altLang="en-US"/>
+            </a:p>
+          </p:txBody>
+        </p:sp>
+        <p:sp>
+          <p:nvSpPr>
+            <p:cNvPr id="20" name="フリーフォーム 19">
+              <a:extLst>
+                <a:ext uri="{FF2B5EF4-FFF2-40B4-BE49-F238E27FC236}">
+                  <a16:creationId xmlns:a16="http://schemas.microsoft.com/office/drawing/2014/main" id="{31D7D10B-DF73-73D6-38C3-43972416C968}"/>
+                </a:ext>
+              </a:extLst>
+            </p:cNvPr>
+            <p:cNvSpPr/>
+            <p:nvPr/>
+          </p:nvSpPr>
+          <p:spPr>
+            <a:xfrm>
+              <a:off x="11465201" y="3329749"/>
+              <a:ext cx="650309" cy="92901"/>
+            </a:xfrm>
+            <a:custGeom>
+              <a:avLst/>
+              <a:gdLst>
+                <a:gd name="connsiteX0" fmla="*/ 650310 w 650309"/>
+                <a:gd name="connsiteY0" fmla="*/ 0 h 92901"/>
+                <a:gd name="connsiteX1" fmla="*/ 0 w 650309"/>
+                <a:gd name="connsiteY1" fmla="*/ 0 h 92901"/>
+              </a:gdLst>
+              <a:ahLst/>
+              <a:cxnLst>
+                <a:cxn ang="0">
+                  <a:pos x="connsiteX0" y="connsiteY0"/>
+                </a:cxn>
+                <a:cxn ang="0">
+                  <a:pos x="connsiteX1" y="connsiteY1"/>
+                </a:cxn>
+              </a:cxnLst>
+              <a:rect l="l" t="t" r="r" b="b"/>
+              <a:pathLst>
+                <a:path w="650309" h="92901">
+                  <a:moveTo>
+                    <a:pt x="650310" y="0"/>
+                  </a:moveTo>
+                  <a:lnTo>
+                    <a:pt x="0" y="0"/>
+                  </a:lnTo>
+                </a:path>
+              </a:pathLst>
+            </a:custGeom>
+            <a:noFill/>
+            <a:ln w="139303" cap="rnd">
+              <a:solidFill>
+                <a:srgbClr val="0A0CF0">
+                  <a:alpha val="37000"/>
+                </a:srgbClr>
+              </a:solidFill>
+              <a:prstDash val="solid"/>
+              <a:miter/>
+            </a:ln>
+          </p:spPr>
+          <p:txBody>
+            <a:bodyPr rtlCol="0" anchor="ctr"/>
+            <a:lstStyle/>
+            <a:p>
+              <a:endParaRPr lang="ja-JP" altLang="en-US"/>
+            </a:p>
+          </p:txBody>
+        </p:sp>
+        <p:sp>
+          <p:nvSpPr>
+            <p:cNvPr id="21" name="フリーフォーム 20">
+              <a:extLst>
+                <a:ext uri="{FF2B5EF4-FFF2-40B4-BE49-F238E27FC236}">
+                  <a16:creationId xmlns:a16="http://schemas.microsoft.com/office/drawing/2014/main" id="{B2E9EB2A-84B2-D514-7A58-DD0FFF4DF37C}"/>
+                </a:ext>
+              </a:extLst>
+            </p:cNvPr>
+            <p:cNvSpPr/>
+            <p:nvPr/>
+          </p:nvSpPr>
+          <p:spPr>
+            <a:xfrm>
+              <a:off x="11465201" y="2214932"/>
+              <a:ext cx="1579324" cy="92901"/>
+            </a:xfrm>
+            <a:custGeom>
+              <a:avLst/>
+              <a:gdLst>
+                <a:gd name="connsiteX0" fmla="*/ 0 w 1579324"/>
+                <a:gd name="connsiteY0" fmla="*/ 0 h 92901"/>
+                <a:gd name="connsiteX1" fmla="*/ 975465 w 1579324"/>
+                <a:gd name="connsiteY1" fmla="*/ 0 h 92901"/>
+                <a:gd name="connsiteX2" fmla="*/ 1579324 w 1579324"/>
+                <a:gd name="connsiteY2" fmla="*/ 0 h 92901"/>
+                <a:gd name="connsiteX3" fmla="*/ 1370296 w 1579324"/>
+                <a:gd name="connsiteY3" fmla="*/ 0 h 92901"/>
+              </a:gdLst>
+              <a:ahLst/>
+              <a:cxnLst>
+                <a:cxn ang="0">
+                  <a:pos x="connsiteX0" y="connsiteY0"/>
+                </a:cxn>
+                <a:cxn ang="0">
+                  <a:pos x="connsiteX1" y="connsiteY1"/>
+                </a:cxn>
+                <a:cxn ang="0">
+                  <a:pos x="connsiteX2" y="connsiteY2"/>
+                </a:cxn>
+                <a:cxn ang="0">
+                  <a:pos x="connsiteX3" y="connsiteY3"/>
+                </a:cxn>
+              </a:cxnLst>
+              <a:rect l="l" t="t" r="r" b="b"/>
+              <a:pathLst>
+                <a:path w="1579324" h="92901">
+                  <a:moveTo>
+                    <a:pt x="0" y="0"/>
+                  </a:moveTo>
+                  <a:lnTo>
+                    <a:pt x="975465" y="0"/>
+                  </a:lnTo>
+                  <a:moveTo>
+                    <a:pt x="1579324" y="0"/>
+                  </a:moveTo>
+                  <a:lnTo>
+                    <a:pt x="1370296" y="0"/>
+                  </a:lnTo>
+                </a:path>
+              </a:pathLst>
+            </a:custGeom>
+            <a:noFill/>
+            <a:ln w="139303" cap="rnd">
+              <a:solidFill>
+                <a:srgbClr val="0A0CF0">
+                  <a:alpha val="37000"/>
+                </a:srgbClr>
+              </a:solidFill>
+              <a:prstDash val="solid"/>
+              <a:miter/>
+            </a:ln>
+          </p:spPr>
+          <p:txBody>
+            <a:bodyPr rtlCol="0" anchor="ctr"/>
+            <a:lstStyle/>
+            <a:p>
+              <a:endParaRPr lang="ja-JP" altLang="en-US"/>
+            </a:p>
+          </p:txBody>
+        </p:sp>
+        <p:sp>
+          <p:nvSpPr>
+            <p:cNvPr id="22" name="フリーフォーム 21">
+              <a:extLst>
+                <a:ext uri="{FF2B5EF4-FFF2-40B4-BE49-F238E27FC236}">
+                  <a16:creationId xmlns:a16="http://schemas.microsoft.com/office/drawing/2014/main" id="{D0C5F125-B025-B566-65F4-B557D074E415}"/>
+                </a:ext>
+              </a:extLst>
+            </p:cNvPr>
+            <p:cNvSpPr/>
+            <p:nvPr/>
+          </p:nvSpPr>
+          <p:spPr>
+            <a:xfrm>
+              <a:off x="11465201" y="2586538"/>
+              <a:ext cx="1579324" cy="92901"/>
+            </a:xfrm>
+            <a:custGeom>
+              <a:avLst/>
+              <a:gdLst>
+                <a:gd name="connsiteX0" fmla="*/ 1579324 w 1579324"/>
+                <a:gd name="connsiteY0" fmla="*/ 0 h 92901"/>
+                <a:gd name="connsiteX1" fmla="*/ 603859 w 1579324"/>
+                <a:gd name="connsiteY1" fmla="*/ 0 h 92901"/>
+                <a:gd name="connsiteX2" fmla="*/ 0 w 1579324"/>
+                <a:gd name="connsiteY2" fmla="*/ 0 h 92901"/>
+                <a:gd name="connsiteX3" fmla="*/ 209028 w 1579324"/>
+                <a:gd name="connsiteY3" fmla="*/ 0 h 92901"/>
+              </a:gdLst>
+              <a:ahLst/>
+              <a:cxnLst>
+                <a:cxn ang="0">
+                  <a:pos x="connsiteX0" y="connsiteY0"/>
+                </a:cxn>
+                <a:cxn ang="0">
+                  <a:pos x="connsiteX1" y="connsiteY1"/>
+                </a:cxn>
+                <a:cxn ang="0">
+                  <a:pos x="connsiteX2" y="connsiteY2"/>
+                </a:cxn>
+                <a:cxn ang="0">
+                  <a:pos x="connsiteX3" y="connsiteY3"/>
+                </a:cxn>
+              </a:cxnLst>
+              <a:rect l="l" t="t" r="r" b="b"/>
+              <a:pathLst>
+                <a:path w="1579324" h="92901">
+                  <a:moveTo>
+                    <a:pt x="1579324" y="0"/>
+                  </a:moveTo>
+                  <a:lnTo>
+                    <a:pt x="603859" y="0"/>
+                  </a:lnTo>
+                  <a:moveTo>
+                    <a:pt x="0" y="0"/>
+                  </a:moveTo>
+                  <a:lnTo>
+                    <a:pt x="209028" y="0"/>
+                  </a:lnTo>
+                </a:path>
+              </a:pathLst>
+            </a:custGeom>
+            <a:noFill/>
+            <a:ln w="139303" cap="rnd">
+              <a:solidFill>
+                <a:srgbClr val="0A0CF0">
+                  <a:alpha val="37000"/>
+                </a:srgbClr>
+              </a:solidFill>
+              <a:prstDash val="solid"/>
+              <a:miter/>
+            </a:ln>
+          </p:spPr>
+          <p:txBody>
+            <a:bodyPr rtlCol="0" anchor="ctr"/>
+            <a:lstStyle/>
+            <a:p>
+              <a:endParaRPr lang="ja-JP" altLang="en-US"/>
+            </a:p>
+          </p:txBody>
+        </p:sp>
+        <p:sp>
+          <p:nvSpPr>
+            <p:cNvPr id="23" name="フリーフォーム 22">
+              <a:extLst>
+                <a:ext uri="{FF2B5EF4-FFF2-40B4-BE49-F238E27FC236}">
+                  <a16:creationId xmlns:a16="http://schemas.microsoft.com/office/drawing/2014/main" id="{4E6C3791-4DC8-51FC-7B4C-9E4EBA15885C}"/>
+                </a:ext>
+              </a:extLst>
+            </p:cNvPr>
+            <p:cNvSpPr/>
+            <p:nvPr/>
+          </p:nvSpPr>
+          <p:spPr>
+            <a:xfrm>
+              <a:off x="11465201" y="1455804"/>
+              <a:ext cx="1579324" cy="92901"/>
+            </a:xfrm>
+            <a:custGeom>
+              <a:avLst/>
+              <a:gdLst>
+                <a:gd name="connsiteX0" fmla="*/ 0 w 1579324"/>
+                <a:gd name="connsiteY0" fmla="*/ 0 h 92901"/>
+                <a:gd name="connsiteX1" fmla="*/ 975465 w 1579324"/>
+                <a:gd name="connsiteY1" fmla="*/ 0 h 92901"/>
+                <a:gd name="connsiteX2" fmla="*/ 1579324 w 1579324"/>
+                <a:gd name="connsiteY2" fmla="*/ 0 h 92901"/>
+                <a:gd name="connsiteX3" fmla="*/ 1370296 w 1579324"/>
+                <a:gd name="connsiteY3" fmla="*/ 0 h 92901"/>
+              </a:gdLst>
+              <a:ahLst/>
+              <a:cxnLst>
+                <a:cxn ang="0">
+                  <a:pos x="connsiteX0" y="connsiteY0"/>
+                </a:cxn>
+                <a:cxn ang="0">
+                  <a:pos x="connsiteX1" y="connsiteY1"/>
+                </a:cxn>
+                <a:cxn ang="0">
+                  <a:pos x="connsiteX2" y="connsiteY2"/>
+                </a:cxn>
+                <a:cxn ang="0">
+                  <a:pos x="connsiteX3" y="connsiteY3"/>
+                </a:cxn>
+              </a:cxnLst>
+              <a:rect l="l" t="t" r="r" b="b"/>
+              <a:pathLst>
+                <a:path w="1579324" h="92901">
+                  <a:moveTo>
+                    <a:pt x="0" y="0"/>
+                  </a:moveTo>
+                  <a:lnTo>
+                    <a:pt x="975465" y="0"/>
+                  </a:lnTo>
+                  <a:moveTo>
+                    <a:pt x="1579324" y="0"/>
+                  </a:moveTo>
+                  <a:lnTo>
+                    <a:pt x="1370296" y="0"/>
+                  </a:lnTo>
+                </a:path>
+              </a:pathLst>
+            </a:custGeom>
+            <a:noFill/>
+            <a:ln w="139303" cap="rnd">
+              <a:solidFill>
+                <a:srgbClr val="0A0CF0">
+                  <a:alpha val="37000"/>
+                </a:srgbClr>
+              </a:solidFill>
+              <a:prstDash val="solid"/>
+              <a:miter/>
+            </a:ln>
+          </p:spPr>
+          <p:txBody>
+            <a:bodyPr rtlCol="0" anchor="ctr"/>
+            <a:lstStyle/>
+            <a:p>
+              <a:endParaRPr lang="ja-JP" altLang="en-US"/>
+            </a:p>
+          </p:txBody>
+        </p:sp>
+        <p:sp>
+          <p:nvSpPr>
+            <p:cNvPr id="24" name="フリーフォーム 23">
+              <a:extLst>
+                <a:ext uri="{FF2B5EF4-FFF2-40B4-BE49-F238E27FC236}">
+                  <a16:creationId xmlns:a16="http://schemas.microsoft.com/office/drawing/2014/main" id="{D1C734B2-E792-B085-3EC3-96614BF912C1}"/>
+                </a:ext>
+              </a:extLst>
+            </p:cNvPr>
+            <p:cNvSpPr/>
+            <p:nvPr/>
+          </p:nvSpPr>
+          <p:spPr>
+            <a:xfrm>
+              <a:off x="11465201" y="1827410"/>
+              <a:ext cx="1579324" cy="92901"/>
+            </a:xfrm>
+            <a:custGeom>
+              <a:avLst/>
+              <a:gdLst>
+                <a:gd name="connsiteX0" fmla="*/ 1579324 w 1579324"/>
+                <a:gd name="connsiteY0" fmla="*/ 0 h 92901"/>
+                <a:gd name="connsiteX1" fmla="*/ 603859 w 1579324"/>
+                <a:gd name="connsiteY1" fmla="*/ 0 h 92901"/>
+                <a:gd name="connsiteX2" fmla="*/ 0 w 1579324"/>
+                <a:gd name="connsiteY2" fmla="*/ 0 h 92901"/>
+                <a:gd name="connsiteX3" fmla="*/ 209028 w 1579324"/>
+                <a:gd name="connsiteY3" fmla="*/ 0 h 92901"/>
+              </a:gdLst>
+              <a:ahLst/>
+              <a:cxnLst>
+                <a:cxn ang="0">
+                  <a:pos x="connsiteX0" y="connsiteY0"/>
+                </a:cxn>
+                <a:cxn ang="0">
+                  <a:pos x="connsiteX1" y="connsiteY1"/>
+                </a:cxn>
+                <a:cxn ang="0">
+                  <a:pos x="connsiteX2" y="connsiteY2"/>
+                </a:cxn>
+                <a:cxn ang="0">
+                  <a:pos x="connsiteX3" y="connsiteY3"/>
+                </a:cxn>
+              </a:cxnLst>
+              <a:rect l="l" t="t" r="r" b="b"/>
+              <a:pathLst>
+                <a:path w="1579324" h="92901">
+                  <a:moveTo>
+                    <a:pt x="1579324" y="0"/>
+                  </a:moveTo>
+                  <a:lnTo>
+                    <a:pt x="603859" y="0"/>
+                  </a:lnTo>
+                  <a:moveTo>
+                    <a:pt x="0" y="0"/>
+                  </a:moveTo>
+                  <a:lnTo>
+                    <a:pt x="209028" y="0"/>
+                  </a:lnTo>
+                </a:path>
+              </a:pathLst>
+            </a:custGeom>
+            <a:noFill/>
+            <a:ln w="139303" cap="rnd">
+              <a:solidFill>
+                <a:srgbClr val="0A0CF0">
+                  <a:alpha val="37000"/>
+                </a:srgbClr>
+              </a:solidFill>
+              <a:prstDash val="solid"/>
+              <a:miter/>
+            </a:ln>
+          </p:spPr>
+          <p:txBody>
+            <a:bodyPr rtlCol="0" anchor="ctr"/>
+            <a:lstStyle/>
+            <a:p>
+              <a:endParaRPr lang="ja-JP" altLang="en-US"/>
+            </a:p>
+          </p:txBody>
+        </p:sp>
+        <p:sp>
+          <p:nvSpPr>
+            <p:cNvPr id="25" name="フリーフォーム 24">
+              <a:extLst>
+                <a:ext uri="{FF2B5EF4-FFF2-40B4-BE49-F238E27FC236}">
+                  <a16:creationId xmlns:a16="http://schemas.microsoft.com/office/drawing/2014/main" id="{F42FF860-1879-B38D-B685-6797845204A0}"/>
+                </a:ext>
+              </a:extLst>
+            </p:cNvPr>
+            <p:cNvSpPr/>
+            <p:nvPr/>
+          </p:nvSpPr>
+          <p:spPr>
+            <a:xfrm>
+              <a:off x="11465201" y="698742"/>
+              <a:ext cx="1579324" cy="92901"/>
+            </a:xfrm>
+            <a:custGeom>
+              <a:avLst/>
+              <a:gdLst>
+                <a:gd name="connsiteX0" fmla="*/ 0 w 1579324"/>
+                <a:gd name="connsiteY0" fmla="*/ 0 h 92901"/>
+                <a:gd name="connsiteX1" fmla="*/ 975465 w 1579324"/>
+                <a:gd name="connsiteY1" fmla="*/ 0 h 92901"/>
+                <a:gd name="connsiteX2" fmla="*/ 1579324 w 1579324"/>
+                <a:gd name="connsiteY2" fmla="*/ 0 h 92901"/>
+                <a:gd name="connsiteX3" fmla="*/ 1370296 w 1579324"/>
+                <a:gd name="connsiteY3" fmla="*/ 0 h 92901"/>
+              </a:gdLst>
+              <a:ahLst/>
+              <a:cxnLst>
+                <a:cxn ang="0">
+                  <a:pos x="connsiteX0" y="connsiteY0"/>
+                </a:cxn>
+                <a:cxn ang="0">
+                  <a:pos x="connsiteX1" y="connsiteY1"/>
+                </a:cxn>
+                <a:cxn ang="0">
+                  <a:pos x="connsiteX2" y="connsiteY2"/>
+                </a:cxn>
+                <a:cxn ang="0">
+                  <a:pos x="connsiteX3" y="connsiteY3"/>
+                </a:cxn>
+              </a:cxnLst>
+              <a:rect l="l" t="t" r="r" b="b"/>
+              <a:pathLst>
+                <a:path w="1579324" h="92901">
+                  <a:moveTo>
+                    <a:pt x="0" y="0"/>
+                  </a:moveTo>
+                  <a:lnTo>
+                    <a:pt x="975465" y="0"/>
+                  </a:lnTo>
+                  <a:moveTo>
+                    <a:pt x="1579324" y="0"/>
+                  </a:moveTo>
+                  <a:lnTo>
+                    <a:pt x="1370296" y="0"/>
+                  </a:lnTo>
+                </a:path>
+              </a:pathLst>
+            </a:custGeom>
+            <a:noFill/>
+            <a:ln w="139303" cap="rnd">
+              <a:solidFill>
+                <a:srgbClr val="0A0CF0">
+                  <a:alpha val="37000"/>
+                </a:srgbClr>
+              </a:solidFill>
+              <a:prstDash val="solid"/>
+              <a:miter/>
+            </a:ln>
+          </p:spPr>
+          <p:txBody>
+            <a:bodyPr rtlCol="0" anchor="ctr"/>
+            <a:lstStyle/>
+            <a:p>
+              <a:endParaRPr lang="ja-JP" altLang="en-US"/>
+            </a:p>
+          </p:txBody>
+        </p:sp>
+        <p:sp>
+          <p:nvSpPr>
+            <p:cNvPr id="26" name="フリーフォーム 25">
+              <a:extLst>
+                <a:ext uri="{FF2B5EF4-FFF2-40B4-BE49-F238E27FC236}">
+                  <a16:creationId xmlns:a16="http://schemas.microsoft.com/office/drawing/2014/main" id="{F7A697C1-B417-02BE-3ED7-46575062A7EA}"/>
+                </a:ext>
+              </a:extLst>
+            </p:cNvPr>
+            <p:cNvSpPr/>
+            <p:nvPr/>
+          </p:nvSpPr>
+          <p:spPr>
+            <a:xfrm>
+              <a:off x="11465201" y="1070348"/>
+              <a:ext cx="1579324" cy="92901"/>
+            </a:xfrm>
+            <a:custGeom>
+              <a:avLst/>
+              <a:gdLst>
+                <a:gd name="connsiteX0" fmla="*/ 1579324 w 1579324"/>
+                <a:gd name="connsiteY0" fmla="*/ 0 h 92901"/>
+                <a:gd name="connsiteX1" fmla="*/ 603859 w 1579324"/>
+                <a:gd name="connsiteY1" fmla="*/ 0 h 92901"/>
+                <a:gd name="connsiteX2" fmla="*/ 0 w 1579324"/>
+                <a:gd name="connsiteY2" fmla="*/ 0 h 92901"/>
+                <a:gd name="connsiteX3" fmla="*/ 209028 w 1579324"/>
+                <a:gd name="connsiteY3" fmla="*/ 0 h 92901"/>
+              </a:gdLst>
+              <a:ahLst/>
+              <a:cxnLst>
+                <a:cxn ang="0">
+                  <a:pos x="connsiteX0" y="connsiteY0"/>
+                </a:cxn>
+                <a:cxn ang="0">
+                  <a:pos x="connsiteX1" y="connsiteY1"/>
+                </a:cxn>
+                <a:cxn ang="0">
+                  <a:pos x="connsiteX2" y="connsiteY2"/>
+                </a:cxn>
+                <a:cxn ang="0">
+                  <a:pos x="connsiteX3" y="connsiteY3"/>
+                </a:cxn>
+              </a:cxnLst>
+              <a:rect l="l" t="t" r="r" b="b"/>
+              <a:pathLst>
+                <a:path w="1579324" h="92901">
+                  <a:moveTo>
+                    <a:pt x="1579324" y="0"/>
+                  </a:moveTo>
+                  <a:lnTo>
+                    <a:pt x="603859" y="0"/>
+                  </a:lnTo>
+                  <a:moveTo>
+                    <a:pt x="0" y="0"/>
+                  </a:moveTo>
+                  <a:lnTo>
+                    <a:pt x="209028" y="0"/>
+                  </a:lnTo>
+                </a:path>
+              </a:pathLst>
+            </a:custGeom>
+            <a:noFill/>
+            <a:ln w="139303" cap="rnd">
+              <a:solidFill>
+                <a:srgbClr val="0A0CF0">
+                  <a:alpha val="37000"/>
+                </a:srgbClr>
+              </a:solidFill>
+              <a:prstDash val="solid"/>
+              <a:miter/>
+            </a:ln>
+          </p:spPr>
+          <p:txBody>
+            <a:bodyPr rtlCol="0" anchor="ctr"/>
+            <a:lstStyle/>
+            <a:p>
+              <a:endParaRPr lang="ja-JP" altLang="en-US"/>
+            </a:p>
+          </p:txBody>
+        </p:sp>
+      </p:grpSp>
+      <p:sp>
+        <p:nvSpPr>
+          <p:cNvPr id="2" name="角丸四角形 1">
+            <a:extLst>
+              <a:ext uri="{FF2B5EF4-FFF2-40B4-BE49-F238E27FC236}">
+                <a16:creationId xmlns:a16="http://schemas.microsoft.com/office/drawing/2014/main" id="{D560FB00-0E8A-E628-CC1D-9BEABB1F8AF6}"/>
+              </a:ext>
+            </a:extLst>
+          </p:cNvPr>
+          <p:cNvSpPr/>
+          <p:nvPr/>
+        </p:nvSpPr>
+        <p:spPr>
+          <a:xfrm>
+            <a:off x="5417635" y="1284920"/>
+            <a:ext cx="3337877" cy="914400"/>
+          </a:xfrm>
+          <a:prstGeom prst="roundRect">
+            <a:avLst>
+              <a:gd name="adj" fmla="val 0"/>
+            </a:avLst>
+          </a:prstGeom>
+          <a:solidFill>
+            <a:schemeClr val="bg1">
+              <a:alpha val="59000"/>
+            </a:schemeClr>
+          </a:solidFill>
+          <a:ln w="12700">
+            <a:noFill/>
+            <a:miter lim="400000"/>
+          </a:ln>
+          <a:extLst>
+            <a:ext uri="{C572A759-6A51-4108-AA02-DFA0A04FC94B}">
+              <ma14:wrappingTextBoxFlag xmlns="" xmlns:ma14="http://schemas.microsoft.com/office/mac/drawingml/2011/main" val="1"/>
+            </a:ext>
+          </a:extLst>
+        </p:spPr>
+        <p:txBody>
+          <a:bodyPr lIns="0" tIns="0" rIns="0" bIns="0" rtlCol="0" anchor="ctr">
+            <a:noAutofit/>
+          </a:bodyPr>
+          <a:lstStyle/>
+          <a:p>
+            <a:pPr algn="ctr"/>
+            <a:r>
+              <a:rPr kumimoji="1" lang="en" altLang="ja-JP" sz="6000" b="1">
+                <a:solidFill>
+                  <a:srgbClr val="056BE6"/>
+                </a:solidFill>
+                <a:latin typeface="Yu Gothic" panose="020B0400000000000000" pitchFamily="34" charset="-128"/>
+                <a:ea typeface="Yu Gothic" panose="020B0400000000000000" pitchFamily="34" charset="-128"/>
+              </a:rPr>
+              <a:t>R</a:t>
+            </a:r>
+            <a:r>
+              <a:rPr lang="en-US" altLang="ja-JP" sz="6000" b="1">
+                <a:solidFill>
+                  <a:srgbClr val="056BE6"/>
+                </a:solidFill>
+                <a:latin typeface="Yu Gothic" panose="020B0400000000000000" pitchFamily="34" charset="-128"/>
+                <a:ea typeface="Yu Gothic" panose="020B0400000000000000" pitchFamily="34" charset="-128"/>
+              </a:rPr>
+              <a:t> &amp; SQL</a:t>
+            </a:r>
+            <a:endParaRPr kumimoji="1" lang="ja-JP" altLang="en-US" sz="6000" b="1">
+              <a:solidFill>
+                <a:srgbClr val="056BE6"/>
+              </a:solidFill>
+              <a:latin typeface="Yu Gothic" panose="020B0400000000000000" pitchFamily="34" charset="-128"/>
+              <a:ea typeface="Yu Gothic" panose="020B0400000000000000" pitchFamily="34" charset="-128"/>
+            </a:endParaRPr>
+          </a:p>
+        </p:txBody>
+      </p:sp>
+      <p:sp>
+        <p:nvSpPr>
+          <p:cNvPr id="3" name="角丸四角形 2">
+            <a:extLst>
+              <a:ext uri="{FF2B5EF4-FFF2-40B4-BE49-F238E27FC236}">
+                <a16:creationId xmlns:a16="http://schemas.microsoft.com/office/drawing/2014/main" id="{893DBA56-8022-A275-0156-D3F30FEBC897}"/>
+              </a:ext>
+            </a:extLst>
+          </p:cNvPr>
+          <p:cNvSpPr/>
+          <p:nvPr/>
+        </p:nvSpPr>
+        <p:spPr>
+          <a:xfrm>
+            <a:off x="5417420" y="2262649"/>
+            <a:ext cx="5844746" cy="1166447"/>
+          </a:xfrm>
+          <a:prstGeom prst="roundRect">
+            <a:avLst>
+              <a:gd name="adj" fmla="val 0"/>
+            </a:avLst>
+          </a:prstGeom>
+          <a:solidFill>
+            <a:schemeClr val="bg1">
+              <a:alpha val="74000"/>
+            </a:schemeClr>
+          </a:solidFill>
+          <a:ln w="12700">
+            <a:noFill/>
+            <a:miter lim="400000"/>
+          </a:ln>
+          <a:extLst>
+            <a:ext uri="{C572A759-6A51-4108-AA02-DFA0A04FC94B}">
+              <ma14:wrappingTextBoxFlag xmlns="" xmlns:ma14="http://schemas.microsoft.com/office/mac/drawingml/2011/main" val="1"/>
+            </a:ext>
+          </a:extLst>
+        </p:spPr>
+        <p:txBody>
+          <a:bodyPr lIns="0" tIns="0" rIns="0" bIns="0" rtlCol="0" anchor="ctr">
+            <a:noAutofit/>
+          </a:bodyPr>
+          <a:lstStyle/>
+          <a:p>
+            <a:pPr algn="ctr"/>
+            <a:r>
+              <a:rPr kumimoji="1" lang="ja-JP" altLang="en-US" sz="7200" b="1">
+                <a:solidFill>
+                  <a:srgbClr val="0200A0"/>
+                </a:solidFill>
+                <a:effectLst>
+                  <a:outerShdw blurRad="25400" dist="38100" dir="2700000" algn="tl" rotWithShape="0">
+                    <a:schemeClr val="accent6">
+                      <a:lumMod val="75000"/>
+                      <a:alpha val="32000"/>
+                    </a:schemeClr>
+                  </a:outerShdw>
+                </a:effectLst>
+                <a:latin typeface="Hiragino Maru Gothic Pro W4" panose="020F0400000000000000" pitchFamily="34" charset="-128"/>
+                <a:ea typeface="Hiragino Maru Gothic Pro W4" panose="020F0400000000000000" pitchFamily="34" charset="-128"/>
+              </a:rPr>
+              <a:t>演習問題一覧</a:t>
+            </a:r>
+          </a:p>
+        </p:txBody>
+      </p:sp>
+      <p:grpSp>
+        <p:nvGrpSpPr>
+          <p:cNvPr id="30" name="グループ化 29">
+            <a:extLst>
+              <a:ext uri="{FF2B5EF4-FFF2-40B4-BE49-F238E27FC236}">
+                <a16:creationId xmlns:a16="http://schemas.microsoft.com/office/drawing/2014/main" id="{9593EA69-A5E2-C941-3145-7013EEBC622E}"/>
+              </a:ext>
+            </a:extLst>
+          </p:cNvPr>
+          <p:cNvGrpSpPr/>
+          <p:nvPr/>
+        </p:nvGrpSpPr>
+        <p:grpSpPr>
+          <a:xfrm>
+            <a:off x="11808618" y="713741"/>
+            <a:ext cx="1745957" cy="3011305"/>
+            <a:chOff x="11465201" y="698742"/>
+            <a:chExt cx="1579324" cy="2723908"/>
+          </a:xfrm>
+        </p:grpSpPr>
+        <p:sp>
+          <p:nvSpPr>
+            <p:cNvPr id="31" name="フリーフォーム 30">
+              <a:extLst>
+                <a:ext uri="{FF2B5EF4-FFF2-40B4-BE49-F238E27FC236}">
+                  <a16:creationId xmlns:a16="http://schemas.microsoft.com/office/drawing/2014/main" id="{42DD5361-0A04-BDC3-31B8-4281192D2D6B}"/>
+                </a:ext>
+              </a:extLst>
+            </p:cNvPr>
+            <p:cNvSpPr/>
+            <p:nvPr/>
+          </p:nvSpPr>
+          <p:spPr>
+            <a:xfrm>
+              <a:off x="12487116" y="2911693"/>
+              <a:ext cx="557408" cy="464507"/>
+            </a:xfrm>
+            <a:custGeom>
+              <a:avLst/>
+              <a:gdLst>
+                <a:gd name="connsiteX0" fmla="*/ 0 w 557408"/>
+                <a:gd name="connsiteY0" fmla="*/ 232254 h 464507"/>
+                <a:gd name="connsiteX1" fmla="*/ 195093 w 557408"/>
+                <a:gd name="connsiteY1" fmla="*/ 464507 h 464507"/>
+                <a:gd name="connsiteX2" fmla="*/ 557409 w 557408"/>
+                <a:gd name="connsiteY2" fmla="*/ 0 h 464507"/>
+              </a:gdLst>
+              <a:ahLst/>
+              <a:cxnLst>
+                <a:cxn ang="0">
+                  <a:pos x="connsiteX0" y="connsiteY0"/>
+                </a:cxn>
+                <a:cxn ang="0">
+                  <a:pos x="connsiteX1" y="connsiteY1"/>
+                </a:cxn>
+                <a:cxn ang="0">
+                  <a:pos x="connsiteX2" y="connsiteY2"/>
+                </a:cxn>
+              </a:cxnLst>
+              <a:rect l="l" t="t" r="r" b="b"/>
+              <a:pathLst>
+                <a:path w="557408" h="464507">
+                  <a:moveTo>
+                    <a:pt x="0" y="232254"/>
+                  </a:moveTo>
+                  <a:lnTo>
+                    <a:pt x="195093" y="464507"/>
+                  </a:lnTo>
+                  <a:lnTo>
+                    <a:pt x="557409" y="0"/>
+                  </a:lnTo>
+                </a:path>
+              </a:pathLst>
+            </a:custGeom>
+            <a:noFill/>
+            <a:ln w="139303" cap="rnd">
+              <a:solidFill>
+                <a:srgbClr val="0A0CF0">
+                  <a:alpha val="33000"/>
+                </a:srgbClr>
+              </a:solidFill>
+              <a:prstDash val="solid"/>
+              <a:round/>
+            </a:ln>
+          </p:spPr>
+          <p:txBody>
+            <a:bodyPr rtlCol="0" anchor="ctr"/>
+            <a:lstStyle/>
+            <a:p>
+              <a:endParaRPr lang="ja-JP" altLang="en-US"/>
+            </a:p>
+          </p:txBody>
+        </p:sp>
+        <p:sp>
+          <p:nvSpPr>
+            <p:cNvPr id="32" name="フリーフォーム 31">
+              <a:extLst>
+                <a:ext uri="{FF2B5EF4-FFF2-40B4-BE49-F238E27FC236}">
+                  <a16:creationId xmlns:a16="http://schemas.microsoft.com/office/drawing/2014/main" id="{7F6893EB-D283-0DE9-7863-0B133CB9A127}"/>
+                </a:ext>
+              </a:extLst>
+            </p:cNvPr>
+            <p:cNvSpPr/>
+            <p:nvPr/>
+          </p:nvSpPr>
+          <p:spPr>
+            <a:xfrm>
+              <a:off x="11465201" y="2958143"/>
+              <a:ext cx="650309" cy="92901"/>
+            </a:xfrm>
+            <a:custGeom>
+              <a:avLst/>
+              <a:gdLst>
+                <a:gd name="connsiteX0" fmla="*/ 650310 w 650309"/>
+                <a:gd name="connsiteY0" fmla="*/ 0 h 92901"/>
+                <a:gd name="connsiteX1" fmla="*/ 0 w 650309"/>
+                <a:gd name="connsiteY1" fmla="*/ 0 h 92901"/>
+              </a:gdLst>
+              <a:ahLst/>
+              <a:cxnLst>
+                <a:cxn ang="0">
+                  <a:pos x="connsiteX0" y="connsiteY0"/>
+                </a:cxn>
+                <a:cxn ang="0">
+                  <a:pos x="connsiteX1" y="connsiteY1"/>
+                </a:cxn>
+              </a:cxnLst>
+              <a:rect l="l" t="t" r="r" b="b"/>
+              <a:pathLst>
+                <a:path w="650309" h="92901">
+                  <a:moveTo>
+                    <a:pt x="650310" y="0"/>
+                  </a:moveTo>
+                  <a:lnTo>
+                    <a:pt x="0" y="0"/>
+                  </a:lnTo>
+                </a:path>
+              </a:pathLst>
+            </a:custGeom>
+            <a:noFill/>
+            <a:ln w="139303" cap="rnd">
+              <a:solidFill>
+                <a:srgbClr val="0A0CF0">
+                  <a:alpha val="33000"/>
+                </a:srgbClr>
+              </a:solidFill>
+              <a:prstDash val="solid"/>
+              <a:miter/>
+            </a:ln>
+          </p:spPr>
+          <p:txBody>
+            <a:bodyPr rtlCol="0" anchor="ctr"/>
+            <a:lstStyle/>
+            <a:p>
+              <a:endParaRPr lang="ja-JP" altLang="en-US"/>
+            </a:p>
+          </p:txBody>
+        </p:sp>
+        <p:sp>
+          <p:nvSpPr>
+            <p:cNvPr id="33" name="フリーフォーム 32">
+              <a:extLst>
+                <a:ext uri="{FF2B5EF4-FFF2-40B4-BE49-F238E27FC236}">
+                  <a16:creationId xmlns:a16="http://schemas.microsoft.com/office/drawing/2014/main" id="{DBA41AAF-F40B-7904-100C-D75B58FFF621}"/>
+                </a:ext>
+              </a:extLst>
+            </p:cNvPr>
+            <p:cNvSpPr/>
+            <p:nvPr/>
+          </p:nvSpPr>
+          <p:spPr>
+            <a:xfrm>
+              <a:off x="11465201" y="3329749"/>
+              <a:ext cx="650309" cy="92901"/>
+            </a:xfrm>
+            <a:custGeom>
+              <a:avLst/>
+              <a:gdLst>
+                <a:gd name="connsiteX0" fmla="*/ 650310 w 650309"/>
+                <a:gd name="connsiteY0" fmla="*/ 0 h 92901"/>
+                <a:gd name="connsiteX1" fmla="*/ 0 w 650309"/>
+                <a:gd name="connsiteY1" fmla="*/ 0 h 92901"/>
+              </a:gdLst>
+              <a:ahLst/>
+              <a:cxnLst>
+                <a:cxn ang="0">
+                  <a:pos x="connsiteX0" y="connsiteY0"/>
+                </a:cxn>
+                <a:cxn ang="0">
+                  <a:pos x="connsiteX1" y="connsiteY1"/>
+                </a:cxn>
+              </a:cxnLst>
+              <a:rect l="l" t="t" r="r" b="b"/>
+              <a:pathLst>
+                <a:path w="650309" h="92901">
+                  <a:moveTo>
+                    <a:pt x="650310" y="0"/>
+                  </a:moveTo>
+                  <a:lnTo>
+                    <a:pt x="0" y="0"/>
+                  </a:lnTo>
+                </a:path>
+              </a:pathLst>
+            </a:custGeom>
+            <a:noFill/>
+            <a:ln w="139303" cap="rnd">
+              <a:solidFill>
+                <a:srgbClr val="0A0CF0">
+                  <a:alpha val="33000"/>
+                </a:srgbClr>
+              </a:solidFill>
+              <a:prstDash val="solid"/>
+              <a:miter/>
+            </a:ln>
+          </p:spPr>
+          <p:txBody>
+            <a:bodyPr rtlCol="0" anchor="ctr"/>
+            <a:lstStyle/>
+            <a:p>
+              <a:endParaRPr lang="ja-JP" altLang="en-US"/>
+            </a:p>
+          </p:txBody>
+        </p:sp>
+        <p:sp>
+          <p:nvSpPr>
+            <p:cNvPr id="34" name="フリーフォーム 33">
+              <a:extLst>
+                <a:ext uri="{FF2B5EF4-FFF2-40B4-BE49-F238E27FC236}">
+                  <a16:creationId xmlns:a16="http://schemas.microsoft.com/office/drawing/2014/main" id="{523C10BB-72A0-136D-837B-3D9F5A687E7B}"/>
+                </a:ext>
+              </a:extLst>
+            </p:cNvPr>
+            <p:cNvSpPr/>
+            <p:nvPr/>
+          </p:nvSpPr>
+          <p:spPr>
+            <a:xfrm>
+              <a:off x="11465201" y="2214932"/>
+              <a:ext cx="1579324" cy="92901"/>
+            </a:xfrm>
+            <a:custGeom>
+              <a:avLst/>
+              <a:gdLst>
+                <a:gd name="connsiteX0" fmla="*/ 0 w 1579324"/>
+                <a:gd name="connsiteY0" fmla="*/ 0 h 92901"/>
+                <a:gd name="connsiteX1" fmla="*/ 975465 w 1579324"/>
+                <a:gd name="connsiteY1" fmla="*/ 0 h 92901"/>
+                <a:gd name="connsiteX2" fmla="*/ 1579324 w 1579324"/>
+                <a:gd name="connsiteY2" fmla="*/ 0 h 92901"/>
+                <a:gd name="connsiteX3" fmla="*/ 1370296 w 1579324"/>
+                <a:gd name="connsiteY3" fmla="*/ 0 h 92901"/>
+              </a:gdLst>
+              <a:ahLst/>
+              <a:cxnLst>
+                <a:cxn ang="0">
+                  <a:pos x="connsiteX0" y="connsiteY0"/>
+                </a:cxn>
+                <a:cxn ang="0">
+                  <a:pos x="connsiteX1" y="connsiteY1"/>
+                </a:cxn>
+                <a:cxn ang="0">
+                  <a:pos x="connsiteX2" y="connsiteY2"/>
+                </a:cxn>
+                <a:cxn ang="0">
+                  <a:pos x="connsiteX3" y="connsiteY3"/>
+                </a:cxn>
+              </a:cxnLst>
+              <a:rect l="l" t="t" r="r" b="b"/>
+              <a:pathLst>
+                <a:path w="1579324" h="92901">
+                  <a:moveTo>
+                    <a:pt x="0" y="0"/>
+                  </a:moveTo>
+                  <a:lnTo>
+                    <a:pt x="975465" y="0"/>
+                  </a:lnTo>
+                  <a:moveTo>
+                    <a:pt x="1579324" y="0"/>
+                  </a:moveTo>
+                  <a:lnTo>
+                    <a:pt x="1370296" y="0"/>
+                  </a:lnTo>
+                </a:path>
+              </a:pathLst>
+            </a:custGeom>
+            <a:noFill/>
+            <a:ln w="139303" cap="rnd">
+              <a:solidFill>
+                <a:srgbClr val="0A0CF0">
+                  <a:alpha val="33000"/>
+                </a:srgbClr>
+              </a:solidFill>
+              <a:prstDash val="solid"/>
+              <a:miter/>
+            </a:ln>
+          </p:spPr>
+          <p:txBody>
+            <a:bodyPr rtlCol="0" anchor="ctr"/>
+            <a:lstStyle/>
+            <a:p>
+              <a:endParaRPr lang="ja-JP" altLang="en-US"/>
+            </a:p>
+          </p:txBody>
+        </p:sp>
+        <p:sp>
+          <p:nvSpPr>
+            <p:cNvPr id="35" name="フリーフォーム 34">
+              <a:extLst>
+                <a:ext uri="{FF2B5EF4-FFF2-40B4-BE49-F238E27FC236}">
+                  <a16:creationId xmlns:a16="http://schemas.microsoft.com/office/drawing/2014/main" id="{341A94BD-6EA1-EF4F-C9B1-B5C81C25FFE3}"/>
+                </a:ext>
+              </a:extLst>
+            </p:cNvPr>
+            <p:cNvSpPr/>
+            <p:nvPr/>
+          </p:nvSpPr>
+          <p:spPr>
+            <a:xfrm>
+              <a:off x="11465201" y="2586538"/>
+              <a:ext cx="1579324" cy="92901"/>
+            </a:xfrm>
+            <a:custGeom>
+              <a:avLst/>
+              <a:gdLst>
+                <a:gd name="connsiteX0" fmla="*/ 1579324 w 1579324"/>
+                <a:gd name="connsiteY0" fmla="*/ 0 h 92901"/>
+                <a:gd name="connsiteX1" fmla="*/ 603859 w 1579324"/>
+                <a:gd name="connsiteY1" fmla="*/ 0 h 92901"/>
+                <a:gd name="connsiteX2" fmla="*/ 0 w 1579324"/>
+                <a:gd name="connsiteY2" fmla="*/ 0 h 92901"/>
+                <a:gd name="connsiteX3" fmla="*/ 209028 w 1579324"/>
+                <a:gd name="connsiteY3" fmla="*/ 0 h 92901"/>
+              </a:gdLst>
+              <a:ahLst/>
+              <a:cxnLst>
+                <a:cxn ang="0">
+                  <a:pos x="connsiteX0" y="connsiteY0"/>
+                </a:cxn>
+                <a:cxn ang="0">
+                  <a:pos x="connsiteX1" y="connsiteY1"/>
+                </a:cxn>
+                <a:cxn ang="0">
+                  <a:pos x="connsiteX2" y="connsiteY2"/>
+                </a:cxn>
+                <a:cxn ang="0">
+                  <a:pos x="connsiteX3" y="connsiteY3"/>
+                </a:cxn>
+              </a:cxnLst>
+              <a:rect l="l" t="t" r="r" b="b"/>
+              <a:pathLst>
+                <a:path w="1579324" h="92901">
+                  <a:moveTo>
+                    <a:pt x="1579324" y="0"/>
+                  </a:moveTo>
+                  <a:lnTo>
+                    <a:pt x="603859" y="0"/>
+                  </a:lnTo>
+                  <a:moveTo>
+                    <a:pt x="0" y="0"/>
+                  </a:moveTo>
+                  <a:lnTo>
+                    <a:pt x="209028" y="0"/>
+                  </a:lnTo>
+                </a:path>
+              </a:pathLst>
+            </a:custGeom>
+            <a:noFill/>
+            <a:ln w="139303" cap="rnd">
+              <a:solidFill>
+                <a:srgbClr val="0A0CF0">
+                  <a:alpha val="33000"/>
+                </a:srgbClr>
+              </a:solidFill>
+              <a:prstDash val="solid"/>
+              <a:miter/>
+            </a:ln>
+          </p:spPr>
+          <p:txBody>
+            <a:bodyPr rtlCol="0" anchor="ctr"/>
+            <a:lstStyle/>
+            <a:p>
+              <a:endParaRPr lang="ja-JP" altLang="en-US"/>
+            </a:p>
+          </p:txBody>
+        </p:sp>
+        <p:sp>
+          <p:nvSpPr>
+            <p:cNvPr id="36" name="フリーフォーム 35">
+              <a:extLst>
+                <a:ext uri="{FF2B5EF4-FFF2-40B4-BE49-F238E27FC236}">
+                  <a16:creationId xmlns:a16="http://schemas.microsoft.com/office/drawing/2014/main" id="{D1929696-5AF4-A0C6-7006-3C54051DF6B8}"/>
+                </a:ext>
+              </a:extLst>
+            </p:cNvPr>
+            <p:cNvSpPr/>
+            <p:nvPr/>
+          </p:nvSpPr>
+          <p:spPr>
+            <a:xfrm>
+              <a:off x="11465201" y="1455804"/>
+              <a:ext cx="1579324" cy="92901"/>
+            </a:xfrm>
+            <a:custGeom>
+              <a:avLst/>
+              <a:gdLst>
+                <a:gd name="connsiteX0" fmla="*/ 0 w 1579324"/>
+                <a:gd name="connsiteY0" fmla="*/ 0 h 92901"/>
+                <a:gd name="connsiteX1" fmla="*/ 975465 w 1579324"/>
+                <a:gd name="connsiteY1" fmla="*/ 0 h 92901"/>
+                <a:gd name="connsiteX2" fmla="*/ 1579324 w 1579324"/>
+                <a:gd name="connsiteY2" fmla="*/ 0 h 92901"/>
+                <a:gd name="connsiteX3" fmla="*/ 1370296 w 1579324"/>
+                <a:gd name="connsiteY3" fmla="*/ 0 h 92901"/>
+              </a:gdLst>
+              <a:ahLst/>
+              <a:cxnLst>
+                <a:cxn ang="0">
+                  <a:pos x="connsiteX0" y="connsiteY0"/>
+                </a:cxn>
+                <a:cxn ang="0">
+                  <a:pos x="connsiteX1" y="connsiteY1"/>
+                </a:cxn>
+                <a:cxn ang="0">
+                  <a:pos x="connsiteX2" y="connsiteY2"/>
+                </a:cxn>
+                <a:cxn ang="0">
+                  <a:pos x="connsiteX3" y="connsiteY3"/>
+                </a:cxn>
+              </a:cxnLst>
+              <a:rect l="l" t="t" r="r" b="b"/>
+              <a:pathLst>
+                <a:path w="1579324" h="92901">
+                  <a:moveTo>
+                    <a:pt x="0" y="0"/>
+                  </a:moveTo>
+                  <a:lnTo>
+                    <a:pt x="975465" y="0"/>
+                  </a:lnTo>
+                  <a:moveTo>
+                    <a:pt x="1579324" y="0"/>
+                  </a:moveTo>
+                  <a:lnTo>
+                    <a:pt x="1370296" y="0"/>
+                  </a:lnTo>
+                </a:path>
+              </a:pathLst>
+            </a:custGeom>
+            <a:noFill/>
+            <a:ln w="139303" cap="rnd">
+              <a:solidFill>
+                <a:srgbClr val="0A0CF0">
+                  <a:alpha val="33000"/>
+                </a:srgbClr>
+              </a:solidFill>
+              <a:prstDash val="solid"/>
+              <a:miter/>
+            </a:ln>
+          </p:spPr>
+          <p:txBody>
+            <a:bodyPr rtlCol="0" anchor="ctr"/>
+            <a:lstStyle/>
+            <a:p>
+              <a:endParaRPr lang="ja-JP" altLang="en-US"/>
+            </a:p>
+          </p:txBody>
+        </p:sp>
+        <p:sp>
+          <p:nvSpPr>
+            <p:cNvPr id="37" name="フリーフォーム 36">
+              <a:extLst>
+                <a:ext uri="{FF2B5EF4-FFF2-40B4-BE49-F238E27FC236}">
+                  <a16:creationId xmlns:a16="http://schemas.microsoft.com/office/drawing/2014/main" id="{CB0C6876-77C4-A315-023B-A0DDBCF0146B}"/>
+                </a:ext>
+              </a:extLst>
+            </p:cNvPr>
+            <p:cNvSpPr/>
+            <p:nvPr/>
+          </p:nvSpPr>
+          <p:spPr>
+            <a:xfrm>
+              <a:off x="11465201" y="1827410"/>
+              <a:ext cx="1579324" cy="92901"/>
+            </a:xfrm>
+            <a:custGeom>
+              <a:avLst/>
+              <a:gdLst>
+                <a:gd name="connsiteX0" fmla="*/ 1579324 w 1579324"/>
+                <a:gd name="connsiteY0" fmla="*/ 0 h 92901"/>
+                <a:gd name="connsiteX1" fmla="*/ 603859 w 1579324"/>
+                <a:gd name="connsiteY1" fmla="*/ 0 h 92901"/>
+                <a:gd name="connsiteX2" fmla="*/ 0 w 1579324"/>
+                <a:gd name="connsiteY2" fmla="*/ 0 h 92901"/>
+                <a:gd name="connsiteX3" fmla="*/ 209028 w 1579324"/>
+                <a:gd name="connsiteY3" fmla="*/ 0 h 92901"/>
+              </a:gdLst>
+              <a:ahLst/>
+              <a:cxnLst>
+                <a:cxn ang="0">
+                  <a:pos x="connsiteX0" y="connsiteY0"/>
+                </a:cxn>
+                <a:cxn ang="0">
+                  <a:pos x="connsiteX1" y="connsiteY1"/>
+                </a:cxn>
+                <a:cxn ang="0">
+                  <a:pos x="connsiteX2" y="connsiteY2"/>
+                </a:cxn>
+                <a:cxn ang="0">
+                  <a:pos x="connsiteX3" y="connsiteY3"/>
+                </a:cxn>
+              </a:cxnLst>
+              <a:rect l="l" t="t" r="r" b="b"/>
+              <a:pathLst>
+                <a:path w="1579324" h="92901">
+                  <a:moveTo>
+                    <a:pt x="1579324" y="0"/>
+                  </a:moveTo>
+                  <a:lnTo>
+                    <a:pt x="603859" y="0"/>
+                  </a:lnTo>
+                  <a:moveTo>
+                    <a:pt x="0" y="0"/>
+                  </a:moveTo>
+                  <a:lnTo>
+                    <a:pt x="209028" y="0"/>
+                  </a:lnTo>
+                </a:path>
+              </a:pathLst>
+            </a:custGeom>
+            <a:noFill/>
+            <a:ln w="139303" cap="rnd">
+              <a:solidFill>
+                <a:srgbClr val="0A0CF0">
+                  <a:alpha val="33000"/>
+                </a:srgbClr>
+              </a:solidFill>
+              <a:prstDash val="solid"/>
+              <a:miter/>
+            </a:ln>
+          </p:spPr>
+          <p:txBody>
+            <a:bodyPr rtlCol="0" anchor="ctr"/>
+            <a:lstStyle/>
+            <a:p>
+              <a:endParaRPr lang="ja-JP" altLang="en-US"/>
+            </a:p>
+          </p:txBody>
+        </p:sp>
+        <p:sp>
+          <p:nvSpPr>
+            <p:cNvPr id="38" name="フリーフォーム 37">
+              <a:extLst>
+                <a:ext uri="{FF2B5EF4-FFF2-40B4-BE49-F238E27FC236}">
+                  <a16:creationId xmlns:a16="http://schemas.microsoft.com/office/drawing/2014/main" id="{847F5611-9D39-D9DE-7D7E-B2C8005E54D0}"/>
+                </a:ext>
+              </a:extLst>
+            </p:cNvPr>
+            <p:cNvSpPr/>
+            <p:nvPr/>
+          </p:nvSpPr>
+          <p:spPr>
+            <a:xfrm>
+              <a:off x="11465201" y="698742"/>
+              <a:ext cx="1579324" cy="92901"/>
+            </a:xfrm>
+            <a:custGeom>
+              <a:avLst/>
+              <a:gdLst>
+                <a:gd name="connsiteX0" fmla="*/ 0 w 1579324"/>
+                <a:gd name="connsiteY0" fmla="*/ 0 h 92901"/>
+                <a:gd name="connsiteX1" fmla="*/ 975465 w 1579324"/>
+                <a:gd name="connsiteY1" fmla="*/ 0 h 92901"/>
+                <a:gd name="connsiteX2" fmla="*/ 1579324 w 1579324"/>
+                <a:gd name="connsiteY2" fmla="*/ 0 h 92901"/>
+                <a:gd name="connsiteX3" fmla="*/ 1370296 w 1579324"/>
+                <a:gd name="connsiteY3" fmla="*/ 0 h 92901"/>
+              </a:gdLst>
+              <a:ahLst/>
+              <a:cxnLst>
+                <a:cxn ang="0">
+                  <a:pos x="connsiteX0" y="connsiteY0"/>
+                </a:cxn>
+                <a:cxn ang="0">
+                  <a:pos x="connsiteX1" y="connsiteY1"/>
+                </a:cxn>
+                <a:cxn ang="0">
+                  <a:pos x="connsiteX2" y="connsiteY2"/>
+                </a:cxn>
+                <a:cxn ang="0">
+                  <a:pos x="connsiteX3" y="connsiteY3"/>
+                </a:cxn>
+              </a:cxnLst>
+              <a:rect l="l" t="t" r="r" b="b"/>
+              <a:pathLst>
+                <a:path w="1579324" h="92901">
+                  <a:moveTo>
+                    <a:pt x="0" y="0"/>
+                  </a:moveTo>
+                  <a:lnTo>
+                    <a:pt x="975465" y="0"/>
+                  </a:lnTo>
+                  <a:moveTo>
+                    <a:pt x="1579324" y="0"/>
+                  </a:moveTo>
+                  <a:lnTo>
+                    <a:pt x="1370296" y="0"/>
+                  </a:lnTo>
+                </a:path>
+              </a:pathLst>
+            </a:custGeom>
+            <a:noFill/>
+            <a:ln w="139303" cap="rnd">
+              <a:solidFill>
+                <a:srgbClr val="0A0CF0">
+                  <a:alpha val="33000"/>
+                </a:srgbClr>
+              </a:solidFill>
+              <a:prstDash val="solid"/>
+              <a:miter/>
+            </a:ln>
+          </p:spPr>
+          <p:txBody>
+            <a:bodyPr rtlCol="0" anchor="ctr"/>
+            <a:lstStyle/>
+            <a:p>
+              <a:endParaRPr lang="ja-JP" altLang="en-US"/>
+            </a:p>
+          </p:txBody>
+        </p:sp>
+        <p:sp>
+          <p:nvSpPr>
+            <p:cNvPr id="39" name="フリーフォーム 38">
+              <a:extLst>
+                <a:ext uri="{FF2B5EF4-FFF2-40B4-BE49-F238E27FC236}">
+                  <a16:creationId xmlns:a16="http://schemas.microsoft.com/office/drawing/2014/main" id="{7018B8BA-D05B-5C33-3822-D3FCBEBE7D74}"/>
+                </a:ext>
+              </a:extLst>
+            </p:cNvPr>
+            <p:cNvSpPr/>
+            <p:nvPr/>
+          </p:nvSpPr>
+          <p:spPr>
+            <a:xfrm>
+              <a:off x="11465201" y="1070348"/>
+              <a:ext cx="1579324" cy="92901"/>
+            </a:xfrm>
+            <a:custGeom>
+              <a:avLst/>
+              <a:gdLst>
+                <a:gd name="connsiteX0" fmla="*/ 1579324 w 1579324"/>
+                <a:gd name="connsiteY0" fmla="*/ 0 h 92901"/>
+                <a:gd name="connsiteX1" fmla="*/ 603859 w 1579324"/>
+                <a:gd name="connsiteY1" fmla="*/ 0 h 92901"/>
+                <a:gd name="connsiteX2" fmla="*/ 0 w 1579324"/>
+                <a:gd name="connsiteY2" fmla="*/ 0 h 92901"/>
+                <a:gd name="connsiteX3" fmla="*/ 209028 w 1579324"/>
+                <a:gd name="connsiteY3" fmla="*/ 0 h 92901"/>
+              </a:gdLst>
+              <a:ahLst/>
+              <a:cxnLst>
+                <a:cxn ang="0">
+                  <a:pos x="connsiteX0" y="connsiteY0"/>
+                </a:cxn>
+                <a:cxn ang="0">
+                  <a:pos x="connsiteX1" y="connsiteY1"/>
+                </a:cxn>
+                <a:cxn ang="0">
+                  <a:pos x="connsiteX2" y="connsiteY2"/>
+                </a:cxn>
+                <a:cxn ang="0">
+                  <a:pos x="connsiteX3" y="connsiteY3"/>
+                </a:cxn>
+              </a:cxnLst>
+              <a:rect l="l" t="t" r="r" b="b"/>
+              <a:pathLst>
+                <a:path w="1579324" h="92901">
+                  <a:moveTo>
+                    <a:pt x="1579324" y="0"/>
+                  </a:moveTo>
+                  <a:lnTo>
+                    <a:pt x="603859" y="0"/>
+                  </a:lnTo>
+                  <a:moveTo>
+                    <a:pt x="0" y="0"/>
+                  </a:moveTo>
+                  <a:lnTo>
+                    <a:pt x="209028" y="0"/>
+                  </a:lnTo>
+                </a:path>
+              </a:pathLst>
+            </a:custGeom>
+            <a:noFill/>
+            <a:ln w="139303" cap="rnd">
+              <a:solidFill>
+                <a:srgbClr val="0A0CF0">
+                  <a:alpha val="33000"/>
+                </a:srgbClr>
+              </a:solidFill>
+              <a:prstDash val="solid"/>
+              <a:miter/>
+            </a:ln>
+          </p:spPr>
+          <p:txBody>
+            <a:bodyPr rtlCol="0" anchor="ctr"/>
+            <a:lstStyle/>
+            <a:p>
+              <a:endParaRPr lang="ja-JP" altLang="en-US"/>
+            </a:p>
+          </p:txBody>
+        </p:sp>
+      </p:grpSp>
+      <p:sp>
+        <p:nvSpPr>
+          <p:cNvPr id="4" name="角丸四角形 3">
+            <a:extLst>
+              <a:ext uri="{FF2B5EF4-FFF2-40B4-BE49-F238E27FC236}">
+                <a16:creationId xmlns:a16="http://schemas.microsoft.com/office/drawing/2014/main" id="{0ABC980A-BAFA-097C-C482-DB7BBEBE9F5F}"/>
+              </a:ext>
+            </a:extLst>
+          </p:cNvPr>
+          <p:cNvSpPr/>
+          <p:nvPr/>
+        </p:nvSpPr>
+        <p:spPr>
+          <a:xfrm>
+            <a:off x="1086679" y="1753772"/>
+            <a:ext cx="1431234" cy="830398"/>
+          </a:xfrm>
+          <a:prstGeom prst="roundRect">
+            <a:avLst/>
+          </a:prstGeom>
+          <a:solidFill>
+            <a:srgbClr val="751CFE">
+              <a:alpha val="63000"/>
+            </a:srgbClr>
+          </a:solidFill>
+          <a:ln w="12700">
+            <a:noFill/>
+            <a:miter lim="400000"/>
+          </a:ln>
+          <a:extLst>
+            <a:ext uri="{C572A759-6A51-4108-AA02-DFA0A04FC94B}">
+              <ma14:wrappingTextBoxFlag xmlns="" xmlns:ma14="http://schemas.microsoft.com/office/mac/drawingml/2011/main" val="1"/>
+            </a:ext>
+          </a:extLst>
+        </p:spPr>
+        <p:txBody>
+          <a:bodyPr rtlCol="0" anchor="ctr"/>
+          <a:lstStyle/>
+          <a:p>
+            <a:pPr algn="ctr"/>
+            <a:r>
+              <a:rPr kumimoji="1" lang="en-US" altLang="ja-JP" sz="6000" b="1">
+                <a:solidFill>
+                  <a:schemeClr val="bg1"/>
+                </a:solidFill>
+                <a:effectLst>
+                  <a:outerShdw blurRad="25400" dist="63500" dir="2700000" algn="tl" rotWithShape="0">
+                    <a:schemeClr val="tx1">
+                      <a:alpha val="31000"/>
+                    </a:schemeClr>
+                  </a:outerShdw>
+                </a:effectLst>
+                <a:latin typeface="Arial Black" panose="020B0604020202020204" pitchFamily="34" charset="0"/>
+                <a:cs typeface="Arial Black" panose="020B0604020202020204" pitchFamily="34" charset="0"/>
+              </a:rPr>
+              <a:t>R</a:t>
+            </a:r>
+            <a:endParaRPr kumimoji="1" lang="ja-JP" altLang="en-US" sz="6000" b="1">
+              <a:solidFill>
+                <a:schemeClr val="bg1"/>
+              </a:solidFill>
+              <a:effectLst>
+                <a:outerShdw blurRad="25400" dist="63500" dir="2700000" algn="tl" rotWithShape="0">
+                  <a:schemeClr val="tx1">
+                    <a:alpha val="31000"/>
+                  </a:schemeClr>
+                </a:outerShdw>
+              </a:effectLst>
+              <a:latin typeface="Arial Black" panose="020B0604020202020204" pitchFamily="34" charset="0"/>
+              <a:cs typeface="Arial Black" panose="020B0604020202020204" pitchFamily="34" charset="0"/>
+            </a:endParaRPr>
+          </a:p>
+        </p:txBody>
+      </p:sp>
+      <p:sp>
+        <p:nvSpPr>
+          <p:cNvPr id="5" name="角丸四角形 4">
+            <a:extLst>
+              <a:ext uri="{FF2B5EF4-FFF2-40B4-BE49-F238E27FC236}">
+                <a16:creationId xmlns:a16="http://schemas.microsoft.com/office/drawing/2014/main" id="{11362BFD-4FFC-B872-0109-A216E4C78530}"/>
+              </a:ext>
+            </a:extLst>
+          </p:cNvPr>
+          <p:cNvSpPr/>
+          <p:nvPr/>
+        </p:nvSpPr>
+        <p:spPr>
+          <a:xfrm>
+            <a:off x="11763590" y="1744394"/>
+            <a:ext cx="1859647" cy="839776"/>
+          </a:xfrm>
+          <a:prstGeom prst="roundRect">
+            <a:avLst/>
+          </a:prstGeom>
+          <a:solidFill>
+            <a:schemeClr val="accent6">
+              <a:lumMod val="75000"/>
+              <a:alpha val="73036"/>
+            </a:schemeClr>
+          </a:solidFill>
+          <a:ln w="12700">
+            <a:noFill/>
+            <a:miter lim="400000"/>
+          </a:ln>
+          <a:extLst>
+            <a:ext uri="{C572A759-6A51-4108-AA02-DFA0A04FC94B}">
+              <ma14:wrappingTextBoxFlag xmlns="" xmlns:ma14="http://schemas.microsoft.com/office/mac/drawingml/2011/main" val="1"/>
+            </a:ext>
+          </a:extLst>
+        </p:spPr>
+        <p:txBody>
+          <a:bodyPr rtlCol="0" anchor="ctr"/>
+          <a:lstStyle/>
+          <a:p>
+            <a:pPr algn="ctr"/>
+            <a:r>
+              <a:rPr lang="en-US" altLang="ja-JP" sz="5400" b="1">
+                <a:solidFill>
+                  <a:schemeClr val="bg1"/>
+                </a:solidFill>
+                <a:effectLst>
+                  <a:outerShdw blurRad="25400" dist="50800" dir="2700000" algn="tl" rotWithShape="0">
+                    <a:schemeClr val="tx2">
+                      <a:lumMod val="50000"/>
+                      <a:alpha val="61000"/>
+                    </a:schemeClr>
+                  </a:outerShdw>
+                </a:effectLst>
+                <a:latin typeface="Arial Black" panose="020B0604020202020204" pitchFamily="34" charset="0"/>
+                <a:cs typeface="Arial Black" panose="020B0604020202020204" pitchFamily="34" charset="0"/>
+              </a:rPr>
+              <a:t>SQL</a:t>
+            </a:r>
+            <a:endParaRPr kumimoji="1" lang="ja-JP" altLang="en-US" sz="5400" b="1">
+              <a:solidFill>
+                <a:schemeClr val="bg1"/>
+              </a:solidFill>
+              <a:effectLst>
+                <a:outerShdw blurRad="25400" dist="50800" dir="2700000" algn="tl" rotWithShape="0">
+                  <a:schemeClr val="tx2">
+                    <a:lumMod val="50000"/>
+                    <a:alpha val="61000"/>
+                  </a:schemeClr>
+                </a:outerShdw>
+              </a:effectLst>
+              <a:latin typeface="Arial Black" panose="020B0604020202020204" pitchFamily="34" charset="0"/>
+              <a:cs typeface="Arial Black" panose="020B0604020202020204" pitchFamily="34" charset="0"/>
+            </a:endParaRPr>
+          </a:p>
+        </p:txBody>
+      </p:sp>
+      <p:sp>
+        <p:nvSpPr>
+          <p:cNvPr id="7" name="Freeform 3">
+            <a:extLst>
+              <a:ext uri="{FF2B5EF4-FFF2-40B4-BE49-F238E27FC236}">
+                <a16:creationId xmlns:a16="http://schemas.microsoft.com/office/drawing/2014/main" id="{85160FEE-8ED2-40CE-6566-08B3D3D89465}"/>
+              </a:ext>
+            </a:extLst>
+          </p:cNvPr>
+          <p:cNvSpPr/>
+          <p:nvPr/>
+        </p:nvSpPr>
+        <p:spPr>
+          <a:xfrm>
+            <a:off x="9330270" y="409751"/>
+            <a:ext cx="1250593" cy="1551571"/>
+          </a:xfrm>
+          <a:custGeom>
+            <a:avLst/>
+            <a:gdLst/>
+            <a:ahLst/>
+            <a:cxnLst/>
+            <a:rect l="l" t="t" r="r" b="b"/>
+            <a:pathLst>
+              <a:path w="838730" h="840973">
+                <a:moveTo>
+                  <a:pt x="0" y="0"/>
+                </a:moveTo>
+                <a:lnTo>
+                  <a:pt x="838730" y="0"/>
+                </a:lnTo>
+                <a:lnTo>
+                  <a:pt x="838730" y="840972"/>
+                </a:lnTo>
+                <a:lnTo>
+                  <a:pt x="0" y="840972"/>
+                </a:lnTo>
+                <a:lnTo>
+                  <a:pt x="0" y="0"/>
+                </a:lnTo>
+                <a:close/>
+              </a:path>
+            </a:pathLst>
+          </a:custGeom>
+          <a:blipFill dpi="0" rotWithShape="1">
+            <a:blip r:embed="rId2">
+              <a:lum bright="1000" contrast="52000"/>
+              <a:extLst>
+                <a:ext uri="{96DAC541-7B7A-43D3-8B79-37D633B846F1}">
+                  <asvg:svgBlip xmlns:asvg="http://schemas.microsoft.com/office/drawing/2016/SVG/main" r:embed="rId3"/>
+                </a:ext>
+              </a:extLst>
+            </a:blip>
+            <a:srcRect/>
+            <a:stretch>
+              <a:fillRect/>
+            </a:stretch>
+          </a:blipFill>
+        </p:spPr>
+      </p:sp>
+      <p:sp>
+        <p:nvSpPr>
+          <p:cNvPr id="13" name="Freeform 2">
+            <a:extLst>
+              <a:ext uri="{FF2B5EF4-FFF2-40B4-BE49-F238E27FC236}">
+                <a16:creationId xmlns:a16="http://schemas.microsoft.com/office/drawing/2014/main" id="{4A072CDE-7026-B0FA-6A80-CD81CDF4A8C2}"/>
+              </a:ext>
+            </a:extLst>
+          </p:cNvPr>
+          <p:cNvSpPr/>
+          <p:nvPr/>
+        </p:nvSpPr>
+        <p:spPr>
+          <a:xfrm>
+            <a:off x="3178381" y="1498806"/>
+            <a:ext cx="1975359" cy="1734725"/>
+          </a:xfrm>
+          <a:custGeom>
+            <a:avLst/>
+            <a:gdLst/>
+            <a:ahLst/>
+            <a:cxnLst/>
+            <a:rect l="l" t="t" r="r" b="b"/>
+            <a:pathLst>
+              <a:path w="985288" h="865262">
+                <a:moveTo>
+                  <a:pt x="0" y="0"/>
+                </a:moveTo>
+                <a:lnTo>
+                  <a:pt x="985288" y="0"/>
+                </a:lnTo>
+                <a:lnTo>
+                  <a:pt x="985288" y="865262"/>
+                </a:lnTo>
+                <a:lnTo>
+                  <a:pt x="0" y="865262"/>
+                </a:lnTo>
+                <a:lnTo>
+                  <a:pt x="0" y="0"/>
+                </a:lnTo>
+                <a:close/>
+              </a:path>
+            </a:pathLst>
+          </a:custGeom>
+          <a:blipFill>
+            <a:blip r:embed="rId4">
+              <a:lum bright="13000" contrast="35000"/>
+              <a:extLst>
+                <a:ext uri="{96DAC541-7B7A-43D3-8B79-37D633B846F1}">
+                  <asvg:svgBlip xmlns:asvg="http://schemas.microsoft.com/office/drawing/2016/SVG/main" r:embed="rId5"/>
+                </a:ext>
+              </a:extLst>
+            </a:blip>
+            <a:stretch>
+              <a:fillRect/>
+            </a:stretch>
+          </a:blipFill>
+        </p:spPr>
+      </p:sp>
+    </p:spTree>
+    <p:extLst>
+      <p:ext uri="{BB962C8B-B14F-4D97-AF65-F5344CB8AC3E}">
+        <p14:creationId xmlns:p14="http://schemas.microsoft.com/office/powerpoint/2010/main" val="3012931464"/>
+      </p:ext>
+    </p:extLst>
+  </p:cSld>
+  <p:clrMapOvr>
+    <a:masterClrMapping/>
+  </p:clrMapOvr>
+</p:sld>
+</file>
+
 <file path=ppt/slides/slide2.xml><?xml version="1.0" encoding="utf-8"?>
 <p:sld xmlns:a="http://schemas.openxmlformats.org/drawingml/2006/main" xmlns:r="http://schemas.openxmlformats.org/officeDocument/2006/relationships" xmlns:p="http://schemas.openxmlformats.org/presentationml/2006/main">
   <p:cSld>
@@ -17907,6 +19794,1889 @@
 </p:sld>
 </file>
 
+<file path=ppt/slides/slide9.xml><?xml version="1.0" encoding="utf-8"?>
+<p:sld xmlns:a="http://schemas.openxmlformats.org/drawingml/2006/main" xmlns:r="http://schemas.openxmlformats.org/officeDocument/2006/relationships" xmlns:p="http://schemas.openxmlformats.org/presentationml/2006/main">
+  <p:cSld>
+    <p:bg>
+      <p:bgPr>
+        <a:gradFill>
+          <a:gsLst>
+            <a:gs pos="100000">
+              <a:srgbClr val="F2EBFF">
+                <a:lumMod val="96299"/>
+                <a:lumOff val="3701"/>
+                <a:alpha val="43000"/>
+              </a:srgbClr>
+            </a:gs>
+            <a:gs pos="2000">
+              <a:srgbClr val="4396FB">
+                <a:alpha val="63988"/>
+                <a:lumMod val="89000"/>
+                <a:lumOff val="11000"/>
+              </a:srgbClr>
+            </a:gs>
+          </a:gsLst>
+          <a:lin ang="18900000" scaled="0"/>
+        </a:gradFill>
+        <a:effectLst/>
+      </p:bgPr>
+    </p:bg>
+    <p:spTree>
+      <p:nvGrpSpPr>
+        <p:cNvPr id="1" name=""/>
+        <p:cNvGrpSpPr/>
+        <p:nvPr/>
+      </p:nvGrpSpPr>
+      <p:grpSpPr>
+        <a:xfrm>
+          <a:off x="0" y="0"/>
+          <a:ext cx="0" cy="0"/>
+          <a:chOff x="0" y="0"/>
+          <a:chExt cx="0" cy="0"/>
+        </a:xfrm>
+      </p:grpSpPr>
+      <p:grpSp>
+        <p:nvGrpSpPr>
+          <p:cNvPr id="27" name="グループ化 26">
+            <a:extLst>
+              <a:ext uri="{FF2B5EF4-FFF2-40B4-BE49-F238E27FC236}">
+                <a16:creationId xmlns:a16="http://schemas.microsoft.com/office/drawing/2014/main" id="{DB62DD05-BC9B-A3D3-FF29-371E44EE94BB}"/>
+              </a:ext>
+            </a:extLst>
+          </p:cNvPr>
+          <p:cNvGrpSpPr/>
+          <p:nvPr/>
+        </p:nvGrpSpPr>
+        <p:grpSpPr>
+          <a:xfrm>
+            <a:off x="904476" y="713741"/>
+            <a:ext cx="1745957" cy="3011305"/>
+            <a:chOff x="11465201" y="698742"/>
+            <a:chExt cx="1579324" cy="2723908"/>
+          </a:xfrm>
+        </p:grpSpPr>
+        <p:sp>
+          <p:nvSpPr>
+            <p:cNvPr id="18" name="フリーフォーム 17">
+              <a:extLst>
+                <a:ext uri="{FF2B5EF4-FFF2-40B4-BE49-F238E27FC236}">
+                  <a16:creationId xmlns:a16="http://schemas.microsoft.com/office/drawing/2014/main" id="{3037463D-E8E6-4727-41F0-1A2A30E767A8}"/>
+                </a:ext>
+              </a:extLst>
+            </p:cNvPr>
+            <p:cNvSpPr/>
+            <p:nvPr/>
+          </p:nvSpPr>
+          <p:spPr>
+            <a:xfrm>
+              <a:off x="12487116" y="2911693"/>
+              <a:ext cx="557408" cy="464507"/>
+            </a:xfrm>
+            <a:custGeom>
+              <a:avLst/>
+              <a:gdLst>
+                <a:gd name="connsiteX0" fmla="*/ 0 w 557408"/>
+                <a:gd name="connsiteY0" fmla="*/ 232254 h 464507"/>
+                <a:gd name="connsiteX1" fmla="*/ 195093 w 557408"/>
+                <a:gd name="connsiteY1" fmla="*/ 464507 h 464507"/>
+                <a:gd name="connsiteX2" fmla="*/ 557409 w 557408"/>
+                <a:gd name="connsiteY2" fmla="*/ 0 h 464507"/>
+              </a:gdLst>
+              <a:ahLst/>
+              <a:cxnLst>
+                <a:cxn ang="0">
+                  <a:pos x="connsiteX0" y="connsiteY0"/>
+                </a:cxn>
+                <a:cxn ang="0">
+                  <a:pos x="connsiteX1" y="connsiteY1"/>
+                </a:cxn>
+                <a:cxn ang="0">
+                  <a:pos x="connsiteX2" y="connsiteY2"/>
+                </a:cxn>
+              </a:cxnLst>
+              <a:rect l="l" t="t" r="r" b="b"/>
+              <a:pathLst>
+                <a:path w="557408" h="464507">
+                  <a:moveTo>
+                    <a:pt x="0" y="232254"/>
+                  </a:moveTo>
+                  <a:lnTo>
+                    <a:pt x="195093" y="464507"/>
+                  </a:lnTo>
+                  <a:lnTo>
+                    <a:pt x="557409" y="0"/>
+                  </a:lnTo>
+                </a:path>
+              </a:pathLst>
+            </a:custGeom>
+            <a:noFill/>
+            <a:ln w="139303" cap="rnd">
+              <a:solidFill>
+                <a:srgbClr val="0A0CF0">
+                  <a:alpha val="37000"/>
+                </a:srgbClr>
+              </a:solidFill>
+              <a:prstDash val="solid"/>
+              <a:round/>
+            </a:ln>
+          </p:spPr>
+          <p:txBody>
+            <a:bodyPr rtlCol="0" anchor="ctr"/>
+            <a:lstStyle/>
+            <a:p>
+              <a:endParaRPr lang="ja-JP" altLang="en-US"/>
+            </a:p>
+          </p:txBody>
+        </p:sp>
+        <p:sp>
+          <p:nvSpPr>
+            <p:cNvPr id="19" name="フリーフォーム 18">
+              <a:extLst>
+                <a:ext uri="{FF2B5EF4-FFF2-40B4-BE49-F238E27FC236}">
+                  <a16:creationId xmlns:a16="http://schemas.microsoft.com/office/drawing/2014/main" id="{97AE8855-74CA-9FF4-E945-9E1A738394AB}"/>
+                </a:ext>
+              </a:extLst>
+            </p:cNvPr>
+            <p:cNvSpPr/>
+            <p:nvPr/>
+          </p:nvSpPr>
+          <p:spPr>
+            <a:xfrm>
+              <a:off x="11465201" y="2958143"/>
+              <a:ext cx="650309" cy="92901"/>
+            </a:xfrm>
+            <a:custGeom>
+              <a:avLst/>
+              <a:gdLst>
+                <a:gd name="connsiteX0" fmla="*/ 650310 w 650309"/>
+                <a:gd name="connsiteY0" fmla="*/ 0 h 92901"/>
+                <a:gd name="connsiteX1" fmla="*/ 0 w 650309"/>
+                <a:gd name="connsiteY1" fmla="*/ 0 h 92901"/>
+              </a:gdLst>
+              <a:ahLst/>
+              <a:cxnLst>
+                <a:cxn ang="0">
+                  <a:pos x="connsiteX0" y="connsiteY0"/>
+                </a:cxn>
+                <a:cxn ang="0">
+                  <a:pos x="connsiteX1" y="connsiteY1"/>
+                </a:cxn>
+              </a:cxnLst>
+              <a:rect l="l" t="t" r="r" b="b"/>
+              <a:pathLst>
+                <a:path w="650309" h="92901">
+                  <a:moveTo>
+                    <a:pt x="650310" y="0"/>
+                  </a:moveTo>
+                  <a:lnTo>
+                    <a:pt x="0" y="0"/>
+                  </a:lnTo>
+                </a:path>
+              </a:pathLst>
+            </a:custGeom>
+            <a:noFill/>
+            <a:ln w="139303" cap="rnd">
+              <a:solidFill>
+                <a:srgbClr val="0A0CF0">
+                  <a:alpha val="37000"/>
+                </a:srgbClr>
+              </a:solidFill>
+              <a:prstDash val="solid"/>
+              <a:miter/>
+            </a:ln>
+          </p:spPr>
+          <p:txBody>
+            <a:bodyPr rtlCol="0" anchor="ctr"/>
+            <a:lstStyle/>
+            <a:p>
+              <a:endParaRPr lang="ja-JP" altLang="en-US"/>
+            </a:p>
+          </p:txBody>
+        </p:sp>
+        <p:sp>
+          <p:nvSpPr>
+            <p:cNvPr id="20" name="フリーフォーム 19">
+              <a:extLst>
+                <a:ext uri="{FF2B5EF4-FFF2-40B4-BE49-F238E27FC236}">
+                  <a16:creationId xmlns:a16="http://schemas.microsoft.com/office/drawing/2014/main" id="{31D7D10B-DF73-73D6-38C3-43972416C968}"/>
+                </a:ext>
+              </a:extLst>
+            </p:cNvPr>
+            <p:cNvSpPr/>
+            <p:nvPr/>
+          </p:nvSpPr>
+          <p:spPr>
+            <a:xfrm>
+              <a:off x="11465201" y="3329749"/>
+              <a:ext cx="650309" cy="92901"/>
+            </a:xfrm>
+            <a:custGeom>
+              <a:avLst/>
+              <a:gdLst>
+                <a:gd name="connsiteX0" fmla="*/ 650310 w 650309"/>
+                <a:gd name="connsiteY0" fmla="*/ 0 h 92901"/>
+                <a:gd name="connsiteX1" fmla="*/ 0 w 650309"/>
+                <a:gd name="connsiteY1" fmla="*/ 0 h 92901"/>
+              </a:gdLst>
+              <a:ahLst/>
+              <a:cxnLst>
+                <a:cxn ang="0">
+                  <a:pos x="connsiteX0" y="connsiteY0"/>
+                </a:cxn>
+                <a:cxn ang="0">
+                  <a:pos x="connsiteX1" y="connsiteY1"/>
+                </a:cxn>
+              </a:cxnLst>
+              <a:rect l="l" t="t" r="r" b="b"/>
+              <a:pathLst>
+                <a:path w="650309" h="92901">
+                  <a:moveTo>
+                    <a:pt x="650310" y="0"/>
+                  </a:moveTo>
+                  <a:lnTo>
+                    <a:pt x="0" y="0"/>
+                  </a:lnTo>
+                </a:path>
+              </a:pathLst>
+            </a:custGeom>
+            <a:noFill/>
+            <a:ln w="139303" cap="rnd">
+              <a:solidFill>
+                <a:srgbClr val="0A0CF0">
+                  <a:alpha val="37000"/>
+                </a:srgbClr>
+              </a:solidFill>
+              <a:prstDash val="solid"/>
+              <a:miter/>
+            </a:ln>
+          </p:spPr>
+          <p:txBody>
+            <a:bodyPr rtlCol="0" anchor="ctr"/>
+            <a:lstStyle/>
+            <a:p>
+              <a:endParaRPr lang="ja-JP" altLang="en-US"/>
+            </a:p>
+          </p:txBody>
+        </p:sp>
+        <p:sp>
+          <p:nvSpPr>
+            <p:cNvPr id="21" name="フリーフォーム 20">
+              <a:extLst>
+                <a:ext uri="{FF2B5EF4-FFF2-40B4-BE49-F238E27FC236}">
+                  <a16:creationId xmlns:a16="http://schemas.microsoft.com/office/drawing/2014/main" id="{B2E9EB2A-84B2-D514-7A58-DD0FFF4DF37C}"/>
+                </a:ext>
+              </a:extLst>
+            </p:cNvPr>
+            <p:cNvSpPr/>
+            <p:nvPr/>
+          </p:nvSpPr>
+          <p:spPr>
+            <a:xfrm>
+              <a:off x="11465201" y="2214932"/>
+              <a:ext cx="1579324" cy="92901"/>
+            </a:xfrm>
+            <a:custGeom>
+              <a:avLst/>
+              <a:gdLst>
+                <a:gd name="connsiteX0" fmla="*/ 0 w 1579324"/>
+                <a:gd name="connsiteY0" fmla="*/ 0 h 92901"/>
+                <a:gd name="connsiteX1" fmla="*/ 975465 w 1579324"/>
+                <a:gd name="connsiteY1" fmla="*/ 0 h 92901"/>
+                <a:gd name="connsiteX2" fmla="*/ 1579324 w 1579324"/>
+                <a:gd name="connsiteY2" fmla="*/ 0 h 92901"/>
+                <a:gd name="connsiteX3" fmla="*/ 1370296 w 1579324"/>
+                <a:gd name="connsiteY3" fmla="*/ 0 h 92901"/>
+              </a:gdLst>
+              <a:ahLst/>
+              <a:cxnLst>
+                <a:cxn ang="0">
+                  <a:pos x="connsiteX0" y="connsiteY0"/>
+                </a:cxn>
+                <a:cxn ang="0">
+                  <a:pos x="connsiteX1" y="connsiteY1"/>
+                </a:cxn>
+                <a:cxn ang="0">
+                  <a:pos x="connsiteX2" y="connsiteY2"/>
+                </a:cxn>
+                <a:cxn ang="0">
+                  <a:pos x="connsiteX3" y="connsiteY3"/>
+                </a:cxn>
+              </a:cxnLst>
+              <a:rect l="l" t="t" r="r" b="b"/>
+              <a:pathLst>
+                <a:path w="1579324" h="92901">
+                  <a:moveTo>
+                    <a:pt x="0" y="0"/>
+                  </a:moveTo>
+                  <a:lnTo>
+                    <a:pt x="975465" y="0"/>
+                  </a:lnTo>
+                  <a:moveTo>
+                    <a:pt x="1579324" y="0"/>
+                  </a:moveTo>
+                  <a:lnTo>
+                    <a:pt x="1370296" y="0"/>
+                  </a:lnTo>
+                </a:path>
+              </a:pathLst>
+            </a:custGeom>
+            <a:noFill/>
+            <a:ln w="139303" cap="rnd">
+              <a:solidFill>
+                <a:srgbClr val="0A0CF0">
+                  <a:alpha val="37000"/>
+                </a:srgbClr>
+              </a:solidFill>
+              <a:prstDash val="solid"/>
+              <a:miter/>
+            </a:ln>
+          </p:spPr>
+          <p:txBody>
+            <a:bodyPr rtlCol="0" anchor="ctr"/>
+            <a:lstStyle/>
+            <a:p>
+              <a:endParaRPr lang="ja-JP" altLang="en-US"/>
+            </a:p>
+          </p:txBody>
+        </p:sp>
+        <p:sp>
+          <p:nvSpPr>
+            <p:cNvPr id="22" name="フリーフォーム 21">
+              <a:extLst>
+                <a:ext uri="{FF2B5EF4-FFF2-40B4-BE49-F238E27FC236}">
+                  <a16:creationId xmlns:a16="http://schemas.microsoft.com/office/drawing/2014/main" id="{D0C5F125-B025-B566-65F4-B557D074E415}"/>
+                </a:ext>
+              </a:extLst>
+            </p:cNvPr>
+            <p:cNvSpPr/>
+            <p:nvPr/>
+          </p:nvSpPr>
+          <p:spPr>
+            <a:xfrm>
+              <a:off x="11465201" y="2586538"/>
+              <a:ext cx="1579324" cy="92901"/>
+            </a:xfrm>
+            <a:custGeom>
+              <a:avLst/>
+              <a:gdLst>
+                <a:gd name="connsiteX0" fmla="*/ 1579324 w 1579324"/>
+                <a:gd name="connsiteY0" fmla="*/ 0 h 92901"/>
+                <a:gd name="connsiteX1" fmla="*/ 603859 w 1579324"/>
+                <a:gd name="connsiteY1" fmla="*/ 0 h 92901"/>
+                <a:gd name="connsiteX2" fmla="*/ 0 w 1579324"/>
+                <a:gd name="connsiteY2" fmla="*/ 0 h 92901"/>
+                <a:gd name="connsiteX3" fmla="*/ 209028 w 1579324"/>
+                <a:gd name="connsiteY3" fmla="*/ 0 h 92901"/>
+              </a:gdLst>
+              <a:ahLst/>
+              <a:cxnLst>
+                <a:cxn ang="0">
+                  <a:pos x="connsiteX0" y="connsiteY0"/>
+                </a:cxn>
+                <a:cxn ang="0">
+                  <a:pos x="connsiteX1" y="connsiteY1"/>
+                </a:cxn>
+                <a:cxn ang="0">
+                  <a:pos x="connsiteX2" y="connsiteY2"/>
+                </a:cxn>
+                <a:cxn ang="0">
+                  <a:pos x="connsiteX3" y="connsiteY3"/>
+                </a:cxn>
+              </a:cxnLst>
+              <a:rect l="l" t="t" r="r" b="b"/>
+              <a:pathLst>
+                <a:path w="1579324" h="92901">
+                  <a:moveTo>
+                    <a:pt x="1579324" y="0"/>
+                  </a:moveTo>
+                  <a:lnTo>
+                    <a:pt x="603859" y="0"/>
+                  </a:lnTo>
+                  <a:moveTo>
+                    <a:pt x="0" y="0"/>
+                  </a:moveTo>
+                  <a:lnTo>
+                    <a:pt x="209028" y="0"/>
+                  </a:lnTo>
+                </a:path>
+              </a:pathLst>
+            </a:custGeom>
+            <a:noFill/>
+            <a:ln w="139303" cap="rnd">
+              <a:solidFill>
+                <a:srgbClr val="0A0CF0">
+                  <a:alpha val="37000"/>
+                </a:srgbClr>
+              </a:solidFill>
+              <a:prstDash val="solid"/>
+              <a:miter/>
+            </a:ln>
+          </p:spPr>
+          <p:txBody>
+            <a:bodyPr rtlCol="0" anchor="ctr"/>
+            <a:lstStyle/>
+            <a:p>
+              <a:endParaRPr lang="ja-JP" altLang="en-US"/>
+            </a:p>
+          </p:txBody>
+        </p:sp>
+        <p:sp>
+          <p:nvSpPr>
+            <p:cNvPr id="23" name="フリーフォーム 22">
+              <a:extLst>
+                <a:ext uri="{FF2B5EF4-FFF2-40B4-BE49-F238E27FC236}">
+                  <a16:creationId xmlns:a16="http://schemas.microsoft.com/office/drawing/2014/main" id="{4E6C3791-4DC8-51FC-7B4C-9E4EBA15885C}"/>
+                </a:ext>
+              </a:extLst>
+            </p:cNvPr>
+            <p:cNvSpPr/>
+            <p:nvPr/>
+          </p:nvSpPr>
+          <p:spPr>
+            <a:xfrm>
+              <a:off x="11465201" y="1455804"/>
+              <a:ext cx="1579324" cy="92901"/>
+            </a:xfrm>
+            <a:custGeom>
+              <a:avLst/>
+              <a:gdLst>
+                <a:gd name="connsiteX0" fmla="*/ 0 w 1579324"/>
+                <a:gd name="connsiteY0" fmla="*/ 0 h 92901"/>
+                <a:gd name="connsiteX1" fmla="*/ 975465 w 1579324"/>
+                <a:gd name="connsiteY1" fmla="*/ 0 h 92901"/>
+                <a:gd name="connsiteX2" fmla="*/ 1579324 w 1579324"/>
+                <a:gd name="connsiteY2" fmla="*/ 0 h 92901"/>
+                <a:gd name="connsiteX3" fmla="*/ 1370296 w 1579324"/>
+                <a:gd name="connsiteY3" fmla="*/ 0 h 92901"/>
+              </a:gdLst>
+              <a:ahLst/>
+              <a:cxnLst>
+                <a:cxn ang="0">
+                  <a:pos x="connsiteX0" y="connsiteY0"/>
+                </a:cxn>
+                <a:cxn ang="0">
+                  <a:pos x="connsiteX1" y="connsiteY1"/>
+                </a:cxn>
+                <a:cxn ang="0">
+                  <a:pos x="connsiteX2" y="connsiteY2"/>
+                </a:cxn>
+                <a:cxn ang="0">
+                  <a:pos x="connsiteX3" y="connsiteY3"/>
+                </a:cxn>
+              </a:cxnLst>
+              <a:rect l="l" t="t" r="r" b="b"/>
+              <a:pathLst>
+                <a:path w="1579324" h="92901">
+                  <a:moveTo>
+                    <a:pt x="0" y="0"/>
+                  </a:moveTo>
+                  <a:lnTo>
+                    <a:pt x="975465" y="0"/>
+                  </a:lnTo>
+                  <a:moveTo>
+                    <a:pt x="1579324" y="0"/>
+                  </a:moveTo>
+                  <a:lnTo>
+                    <a:pt x="1370296" y="0"/>
+                  </a:lnTo>
+                </a:path>
+              </a:pathLst>
+            </a:custGeom>
+            <a:noFill/>
+            <a:ln w="139303" cap="rnd">
+              <a:solidFill>
+                <a:srgbClr val="0A0CF0">
+                  <a:alpha val="37000"/>
+                </a:srgbClr>
+              </a:solidFill>
+              <a:prstDash val="solid"/>
+              <a:miter/>
+            </a:ln>
+          </p:spPr>
+          <p:txBody>
+            <a:bodyPr rtlCol="0" anchor="ctr"/>
+            <a:lstStyle/>
+            <a:p>
+              <a:endParaRPr lang="ja-JP" altLang="en-US"/>
+            </a:p>
+          </p:txBody>
+        </p:sp>
+        <p:sp>
+          <p:nvSpPr>
+            <p:cNvPr id="24" name="フリーフォーム 23">
+              <a:extLst>
+                <a:ext uri="{FF2B5EF4-FFF2-40B4-BE49-F238E27FC236}">
+                  <a16:creationId xmlns:a16="http://schemas.microsoft.com/office/drawing/2014/main" id="{D1C734B2-E792-B085-3EC3-96614BF912C1}"/>
+                </a:ext>
+              </a:extLst>
+            </p:cNvPr>
+            <p:cNvSpPr/>
+            <p:nvPr/>
+          </p:nvSpPr>
+          <p:spPr>
+            <a:xfrm>
+              <a:off x="11465201" y="1827410"/>
+              <a:ext cx="1579324" cy="92901"/>
+            </a:xfrm>
+            <a:custGeom>
+              <a:avLst/>
+              <a:gdLst>
+                <a:gd name="connsiteX0" fmla="*/ 1579324 w 1579324"/>
+                <a:gd name="connsiteY0" fmla="*/ 0 h 92901"/>
+                <a:gd name="connsiteX1" fmla="*/ 603859 w 1579324"/>
+                <a:gd name="connsiteY1" fmla="*/ 0 h 92901"/>
+                <a:gd name="connsiteX2" fmla="*/ 0 w 1579324"/>
+                <a:gd name="connsiteY2" fmla="*/ 0 h 92901"/>
+                <a:gd name="connsiteX3" fmla="*/ 209028 w 1579324"/>
+                <a:gd name="connsiteY3" fmla="*/ 0 h 92901"/>
+              </a:gdLst>
+              <a:ahLst/>
+              <a:cxnLst>
+                <a:cxn ang="0">
+                  <a:pos x="connsiteX0" y="connsiteY0"/>
+                </a:cxn>
+                <a:cxn ang="0">
+                  <a:pos x="connsiteX1" y="connsiteY1"/>
+                </a:cxn>
+                <a:cxn ang="0">
+                  <a:pos x="connsiteX2" y="connsiteY2"/>
+                </a:cxn>
+                <a:cxn ang="0">
+                  <a:pos x="connsiteX3" y="connsiteY3"/>
+                </a:cxn>
+              </a:cxnLst>
+              <a:rect l="l" t="t" r="r" b="b"/>
+              <a:pathLst>
+                <a:path w="1579324" h="92901">
+                  <a:moveTo>
+                    <a:pt x="1579324" y="0"/>
+                  </a:moveTo>
+                  <a:lnTo>
+                    <a:pt x="603859" y="0"/>
+                  </a:lnTo>
+                  <a:moveTo>
+                    <a:pt x="0" y="0"/>
+                  </a:moveTo>
+                  <a:lnTo>
+                    <a:pt x="209028" y="0"/>
+                  </a:lnTo>
+                </a:path>
+              </a:pathLst>
+            </a:custGeom>
+            <a:noFill/>
+            <a:ln w="139303" cap="rnd">
+              <a:solidFill>
+                <a:srgbClr val="0A0CF0">
+                  <a:alpha val="37000"/>
+                </a:srgbClr>
+              </a:solidFill>
+              <a:prstDash val="solid"/>
+              <a:miter/>
+            </a:ln>
+          </p:spPr>
+          <p:txBody>
+            <a:bodyPr rtlCol="0" anchor="ctr"/>
+            <a:lstStyle/>
+            <a:p>
+              <a:endParaRPr lang="ja-JP" altLang="en-US"/>
+            </a:p>
+          </p:txBody>
+        </p:sp>
+        <p:sp>
+          <p:nvSpPr>
+            <p:cNvPr id="25" name="フリーフォーム 24">
+              <a:extLst>
+                <a:ext uri="{FF2B5EF4-FFF2-40B4-BE49-F238E27FC236}">
+                  <a16:creationId xmlns:a16="http://schemas.microsoft.com/office/drawing/2014/main" id="{F42FF860-1879-B38D-B685-6797845204A0}"/>
+                </a:ext>
+              </a:extLst>
+            </p:cNvPr>
+            <p:cNvSpPr/>
+            <p:nvPr/>
+          </p:nvSpPr>
+          <p:spPr>
+            <a:xfrm>
+              <a:off x="11465201" y="698742"/>
+              <a:ext cx="1579324" cy="92901"/>
+            </a:xfrm>
+            <a:custGeom>
+              <a:avLst/>
+              <a:gdLst>
+                <a:gd name="connsiteX0" fmla="*/ 0 w 1579324"/>
+                <a:gd name="connsiteY0" fmla="*/ 0 h 92901"/>
+                <a:gd name="connsiteX1" fmla="*/ 975465 w 1579324"/>
+                <a:gd name="connsiteY1" fmla="*/ 0 h 92901"/>
+                <a:gd name="connsiteX2" fmla="*/ 1579324 w 1579324"/>
+                <a:gd name="connsiteY2" fmla="*/ 0 h 92901"/>
+                <a:gd name="connsiteX3" fmla="*/ 1370296 w 1579324"/>
+                <a:gd name="connsiteY3" fmla="*/ 0 h 92901"/>
+              </a:gdLst>
+              <a:ahLst/>
+              <a:cxnLst>
+                <a:cxn ang="0">
+                  <a:pos x="connsiteX0" y="connsiteY0"/>
+                </a:cxn>
+                <a:cxn ang="0">
+                  <a:pos x="connsiteX1" y="connsiteY1"/>
+                </a:cxn>
+                <a:cxn ang="0">
+                  <a:pos x="connsiteX2" y="connsiteY2"/>
+                </a:cxn>
+                <a:cxn ang="0">
+                  <a:pos x="connsiteX3" y="connsiteY3"/>
+                </a:cxn>
+              </a:cxnLst>
+              <a:rect l="l" t="t" r="r" b="b"/>
+              <a:pathLst>
+                <a:path w="1579324" h="92901">
+                  <a:moveTo>
+                    <a:pt x="0" y="0"/>
+                  </a:moveTo>
+                  <a:lnTo>
+                    <a:pt x="975465" y="0"/>
+                  </a:lnTo>
+                  <a:moveTo>
+                    <a:pt x="1579324" y="0"/>
+                  </a:moveTo>
+                  <a:lnTo>
+                    <a:pt x="1370296" y="0"/>
+                  </a:lnTo>
+                </a:path>
+              </a:pathLst>
+            </a:custGeom>
+            <a:noFill/>
+            <a:ln w="139303" cap="rnd">
+              <a:solidFill>
+                <a:srgbClr val="0A0CF0">
+                  <a:alpha val="37000"/>
+                </a:srgbClr>
+              </a:solidFill>
+              <a:prstDash val="solid"/>
+              <a:miter/>
+            </a:ln>
+          </p:spPr>
+          <p:txBody>
+            <a:bodyPr rtlCol="0" anchor="ctr"/>
+            <a:lstStyle/>
+            <a:p>
+              <a:endParaRPr lang="ja-JP" altLang="en-US"/>
+            </a:p>
+          </p:txBody>
+        </p:sp>
+        <p:sp>
+          <p:nvSpPr>
+            <p:cNvPr id="26" name="フリーフォーム 25">
+              <a:extLst>
+                <a:ext uri="{FF2B5EF4-FFF2-40B4-BE49-F238E27FC236}">
+                  <a16:creationId xmlns:a16="http://schemas.microsoft.com/office/drawing/2014/main" id="{F7A697C1-B417-02BE-3ED7-46575062A7EA}"/>
+                </a:ext>
+              </a:extLst>
+            </p:cNvPr>
+            <p:cNvSpPr/>
+            <p:nvPr/>
+          </p:nvSpPr>
+          <p:spPr>
+            <a:xfrm>
+              <a:off x="11465201" y="1070348"/>
+              <a:ext cx="1579324" cy="92901"/>
+            </a:xfrm>
+            <a:custGeom>
+              <a:avLst/>
+              <a:gdLst>
+                <a:gd name="connsiteX0" fmla="*/ 1579324 w 1579324"/>
+                <a:gd name="connsiteY0" fmla="*/ 0 h 92901"/>
+                <a:gd name="connsiteX1" fmla="*/ 603859 w 1579324"/>
+                <a:gd name="connsiteY1" fmla="*/ 0 h 92901"/>
+                <a:gd name="connsiteX2" fmla="*/ 0 w 1579324"/>
+                <a:gd name="connsiteY2" fmla="*/ 0 h 92901"/>
+                <a:gd name="connsiteX3" fmla="*/ 209028 w 1579324"/>
+                <a:gd name="connsiteY3" fmla="*/ 0 h 92901"/>
+              </a:gdLst>
+              <a:ahLst/>
+              <a:cxnLst>
+                <a:cxn ang="0">
+                  <a:pos x="connsiteX0" y="connsiteY0"/>
+                </a:cxn>
+                <a:cxn ang="0">
+                  <a:pos x="connsiteX1" y="connsiteY1"/>
+                </a:cxn>
+                <a:cxn ang="0">
+                  <a:pos x="connsiteX2" y="connsiteY2"/>
+                </a:cxn>
+                <a:cxn ang="0">
+                  <a:pos x="connsiteX3" y="connsiteY3"/>
+                </a:cxn>
+              </a:cxnLst>
+              <a:rect l="l" t="t" r="r" b="b"/>
+              <a:pathLst>
+                <a:path w="1579324" h="92901">
+                  <a:moveTo>
+                    <a:pt x="1579324" y="0"/>
+                  </a:moveTo>
+                  <a:lnTo>
+                    <a:pt x="603859" y="0"/>
+                  </a:lnTo>
+                  <a:moveTo>
+                    <a:pt x="0" y="0"/>
+                  </a:moveTo>
+                  <a:lnTo>
+                    <a:pt x="209028" y="0"/>
+                  </a:lnTo>
+                </a:path>
+              </a:pathLst>
+            </a:custGeom>
+            <a:noFill/>
+            <a:ln w="139303" cap="rnd">
+              <a:solidFill>
+                <a:srgbClr val="0A0CF0">
+                  <a:alpha val="37000"/>
+                </a:srgbClr>
+              </a:solidFill>
+              <a:prstDash val="solid"/>
+              <a:miter/>
+            </a:ln>
+          </p:spPr>
+          <p:txBody>
+            <a:bodyPr rtlCol="0" anchor="ctr"/>
+            <a:lstStyle/>
+            <a:p>
+              <a:endParaRPr lang="ja-JP" altLang="en-US"/>
+            </a:p>
+          </p:txBody>
+        </p:sp>
+      </p:grpSp>
+      <p:sp>
+        <p:nvSpPr>
+          <p:cNvPr id="2" name="角丸四角形 1">
+            <a:extLst>
+              <a:ext uri="{FF2B5EF4-FFF2-40B4-BE49-F238E27FC236}">
+                <a16:creationId xmlns:a16="http://schemas.microsoft.com/office/drawing/2014/main" id="{D560FB00-0E8A-E628-CC1D-9BEABB1F8AF6}"/>
+              </a:ext>
+            </a:extLst>
+          </p:cNvPr>
+          <p:cNvSpPr/>
+          <p:nvPr/>
+        </p:nvSpPr>
+        <p:spPr>
+          <a:xfrm>
+            <a:off x="5417635" y="1443944"/>
+            <a:ext cx="3337877" cy="914400"/>
+          </a:xfrm>
+          <a:prstGeom prst="roundRect">
+            <a:avLst>
+              <a:gd name="adj" fmla="val 0"/>
+            </a:avLst>
+          </a:prstGeom>
+          <a:solidFill>
+            <a:schemeClr val="bg1">
+              <a:alpha val="59000"/>
+            </a:schemeClr>
+          </a:solidFill>
+          <a:ln w="12700">
+            <a:noFill/>
+            <a:miter lim="400000"/>
+          </a:ln>
+          <a:extLst>
+            <a:ext uri="{C572A759-6A51-4108-AA02-DFA0A04FC94B}">
+              <ma14:wrappingTextBoxFlag xmlns:ma14="http://schemas.microsoft.com/office/mac/drawingml/2011/main" xmlns="" val="1"/>
+            </a:ext>
+          </a:extLst>
+        </p:spPr>
+        <p:txBody>
+          <a:bodyPr lIns="0" tIns="0" rIns="0" bIns="0" rtlCol="0" anchor="ctr">
+            <a:noAutofit/>
+          </a:bodyPr>
+          <a:lstStyle/>
+          <a:p>
+            <a:pPr algn="ctr"/>
+            <a:r>
+              <a:rPr kumimoji="1" lang="en" altLang="ja-JP" sz="6000" b="1">
+                <a:solidFill>
+                  <a:srgbClr val="056BE6"/>
+                </a:solidFill>
+                <a:latin typeface="Yu Gothic" panose="020B0400000000000000" pitchFamily="34" charset="-128"/>
+                <a:ea typeface="Yu Gothic" panose="020B0400000000000000" pitchFamily="34" charset="-128"/>
+              </a:rPr>
+              <a:t>R</a:t>
+            </a:r>
+            <a:r>
+              <a:rPr lang="en-US" altLang="ja-JP" sz="6000" b="1">
+                <a:solidFill>
+                  <a:srgbClr val="056BE6"/>
+                </a:solidFill>
+                <a:latin typeface="Yu Gothic" panose="020B0400000000000000" pitchFamily="34" charset="-128"/>
+                <a:ea typeface="Yu Gothic" panose="020B0400000000000000" pitchFamily="34" charset="-128"/>
+              </a:rPr>
+              <a:t> &amp; SQL</a:t>
+            </a:r>
+            <a:endParaRPr kumimoji="1" lang="ja-JP" altLang="en-US" sz="6000" b="1">
+              <a:solidFill>
+                <a:srgbClr val="056BE6"/>
+              </a:solidFill>
+              <a:latin typeface="Yu Gothic" panose="020B0400000000000000" pitchFamily="34" charset="-128"/>
+              <a:ea typeface="Yu Gothic" panose="020B0400000000000000" pitchFamily="34" charset="-128"/>
+            </a:endParaRPr>
+          </a:p>
+        </p:txBody>
+      </p:sp>
+      <p:sp>
+        <p:nvSpPr>
+          <p:cNvPr id="3" name="角丸四角形 2">
+            <a:extLst>
+              <a:ext uri="{FF2B5EF4-FFF2-40B4-BE49-F238E27FC236}">
+                <a16:creationId xmlns:a16="http://schemas.microsoft.com/office/drawing/2014/main" id="{893DBA56-8022-A275-0156-D3F30FEBC897}"/>
+              </a:ext>
+            </a:extLst>
+          </p:cNvPr>
+          <p:cNvSpPr/>
+          <p:nvPr/>
+        </p:nvSpPr>
+        <p:spPr>
+          <a:xfrm>
+            <a:off x="5417420" y="2448177"/>
+            <a:ext cx="5844746" cy="1166447"/>
+          </a:xfrm>
+          <a:prstGeom prst="roundRect">
+            <a:avLst>
+              <a:gd name="adj" fmla="val 0"/>
+            </a:avLst>
+          </a:prstGeom>
+          <a:solidFill>
+            <a:schemeClr val="bg1">
+              <a:alpha val="74000"/>
+            </a:schemeClr>
+          </a:solidFill>
+          <a:ln w="12700">
+            <a:noFill/>
+            <a:miter lim="400000"/>
+          </a:ln>
+          <a:extLst>
+            <a:ext uri="{C572A759-6A51-4108-AA02-DFA0A04FC94B}">
+              <ma14:wrappingTextBoxFlag xmlns:ma14="http://schemas.microsoft.com/office/mac/drawingml/2011/main" xmlns="" val="1"/>
+            </a:ext>
+          </a:extLst>
+        </p:spPr>
+        <p:txBody>
+          <a:bodyPr lIns="0" tIns="0" rIns="0" bIns="0" rtlCol="0" anchor="ctr">
+            <a:noAutofit/>
+          </a:bodyPr>
+          <a:lstStyle/>
+          <a:p>
+            <a:pPr algn="ctr"/>
+            <a:r>
+              <a:rPr kumimoji="1" lang="ja-JP" altLang="en-US" sz="7200" b="1">
+                <a:solidFill>
+                  <a:srgbClr val="0200A0"/>
+                </a:solidFill>
+                <a:effectLst>
+                  <a:outerShdw blurRad="25400" dist="38100" dir="2700000" algn="tl" rotWithShape="0">
+                    <a:schemeClr val="accent6">
+                      <a:lumMod val="75000"/>
+                      <a:alpha val="32000"/>
+                    </a:schemeClr>
+                  </a:outerShdw>
+                </a:effectLst>
+                <a:latin typeface="Hiragino Maru Gothic Pro W4" panose="020F0400000000000000" pitchFamily="34" charset="-128"/>
+                <a:ea typeface="Hiragino Maru Gothic Pro W4" panose="020F0400000000000000" pitchFamily="34" charset="-128"/>
+              </a:rPr>
+              <a:t>演習問題一覧</a:t>
+            </a:r>
+          </a:p>
+        </p:txBody>
+      </p:sp>
+      <p:grpSp>
+        <p:nvGrpSpPr>
+          <p:cNvPr id="30" name="グループ化 29">
+            <a:extLst>
+              <a:ext uri="{FF2B5EF4-FFF2-40B4-BE49-F238E27FC236}">
+                <a16:creationId xmlns:a16="http://schemas.microsoft.com/office/drawing/2014/main" id="{9593EA69-A5E2-C941-3145-7013EEBC622E}"/>
+              </a:ext>
+            </a:extLst>
+          </p:cNvPr>
+          <p:cNvGrpSpPr/>
+          <p:nvPr/>
+        </p:nvGrpSpPr>
+        <p:grpSpPr>
+          <a:xfrm>
+            <a:off x="11808618" y="713741"/>
+            <a:ext cx="1745957" cy="3011305"/>
+            <a:chOff x="11465201" y="698742"/>
+            <a:chExt cx="1579324" cy="2723908"/>
+          </a:xfrm>
+        </p:grpSpPr>
+        <p:sp>
+          <p:nvSpPr>
+            <p:cNvPr id="31" name="フリーフォーム 30">
+              <a:extLst>
+                <a:ext uri="{FF2B5EF4-FFF2-40B4-BE49-F238E27FC236}">
+                  <a16:creationId xmlns:a16="http://schemas.microsoft.com/office/drawing/2014/main" id="{42DD5361-0A04-BDC3-31B8-4281192D2D6B}"/>
+                </a:ext>
+              </a:extLst>
+            </p:cNvPr>
+            <p:cNvSpPr/>
+            <p:nvPr/>
+          </p:nvSpPr>
+          <p:spPr>
+            <a:xfrm>
+              <a:off x="12487116" y="2911693"/>
+              <a:ext cx="557408" cy="464507"/>
+            </a:xfrm>
+            <a:custGeom>
+              <a:avLst/>
+              <a:gdLst>
+                <a:gd name="connsiteX0" fmla="*/ 0 w 557408"/>
+                <a:gd name="connsiteY0" fmla="*/ 232254 h 464507"/>
+                <a:gd name="connsiteX1" fmla="*/ 195093 w 557408"/>
+                <a:gd name="connsiteY1" fmla="*/ 464507 h 464507"/>
+                <a:gd name="connsiteX2" fmla="*/ 557409 w 557408"/>
+                <a:gd name="connsiteY2" fmla="*/ 0 h 464507"/>
+              </a:gdLst>
+              <a:ahLst/>
+              <a:cxnLst>
+                <a:cxn ang="0">
+                  <a:pos x="connsiteX0" y="connsiteY0"/>
+                </a:cxn>
+                <a:cxn ang="0">
+                  <a:pos x="connsiteX1" y="connsiteY1"/>
+                </a:cxn>
+                <a:cxn ang="0">
+                  <a:pos x="connsiteX2" y="connsiteY2"/>
+                </a:cxn>
+              </a:cxnLst>
+              <a:rect l="l" t="t" r="r" b="b"/>
+              <a:pathLst>
+                <a:path w="557408" h="464507">
+                  <a:moveTo>
+                    <a:pt x="0" y="232254"/>
+                  </a:moveTo>
+                  <a:lnTo>
+                    <a:pt x="195093" y="464507"/>
+                  </a:lnTo>
+                  <a:lnTo>
+                    <a:pt x="557409" y="0"/>
+                  </a:lnTo>
+                </a:path>
+              </a:pathLst>
+            </a:custGeom>
+            <a:noFill/>
+            <a:ln w="139303" cap="rnd">
+              <a:solidFill>
+                <a:srgbClr val="0A0CF0">
+                  <a:alpha val="33000"/>
+                </a:srgbClr>
+              </a:solidFill>
+              <a:prstDash val="solid"/>
+              <a:round/>
+            </a:ln>
+          </p:spPr>
+          <p:txBody>
+            <a:bodyPr rtlCol="0" anchor="ctr"/>
+            <a:lstStyle/>
+            <a:p>
+              <a:endParaRPr lang="ja-JP" altLang="en-US"/>
+            </a:p>
+          </p:txBody>
+        </p:sp>
+        <p:sp>
+          <p:nvSpPr>
+            <p:cNvPr id="32" name="フリーフォーム 31">
+              <a:extLst>
+                <a:ext uri="{FF2B5EF4-FFF2-40B4-BE49-F238E27FC236}">
+                  <a16:creationId xmlns:a16="http://schemas.microsoft.com/office/drawing/2014/main" id="{7F6893EB-D283-0DE9-7863-0B133CB9A127}"/>
+                </a:ext>
+              </a:extLst>
+            </p:cNvPr>
+            <p:cNvSpPr/>
+            <p:nvPr/>
+          </p:nvSpPr>
+          <p:spPr>
+            <a:xfrm>
+              <a:off x="11465201" y="2958143"/>
+              <a:ext cx="650309" cy="92901"/>
+            </a:xfrm>
+            <a:custGeom>
+              <a:avLst/>
+              <a:gdLst>
+                <a:gd name="connsiteX0" fmla="*/ 650310 w 650309"/>
+                <a:gd name="connsiteY0" fmla="*/ 0 h 92901"/>
+                <a:gd name="connsiteX1" fmla="*/ 0 w 650309"/>
+                <a:gd name="connsiteY1" fmla="*/ 0 h 92901"/>
+              </a:gdLst>
+              <a:ahLst/>
+              <a:cxnLst>
+                <a:cxn ang="0">
+                  <a:pos x="connsiteX0" y="connsiteY0"/>
+                </a:cxn>
+                <a:cxn ang="0">
+                  <a:pos x="connsiteX1" y="connsiteY1"/>
+                </a:cxn>
+              </a:cxnLst>
+              <a:rect l="l" t="t" r="r" b="b"/>
+              <a:pathLst>
+                <a:path w="650309" h="92901">
+                  <a:moveTo>
+                    <a:pt x="650310" y="0"/>
+                  </a:moveTo>
+                  <a:lnTo>
+                    <a:pt x="0" y="0"/>
+                  </a:lnTo>
+                </a:path>
+              </a:pathLst>
+            </a:custGeom>
+            <a:noFill/>
+            <a:ln w="139303" cap="rnd">
+              <a:solidFill>
+                <a:srgbClr val="0A0CF0">
+                  <a:alpha val="33000"/>
+                </a:srgbClr>
+              </a:solidFill>
+              <a:prstDash val="solid"/>
+              <a:miter/>
+            </a:ln>
+          </p:spPr>
+          <p:txBody>
+            <a:bodyPr rtlCol="0" anchor="ctr"/>
+            <a:lstStyle/>
+            <a:p>
+              <a:endParaRPr lang="ja-JP" altLang="en-US"/>
+            </a:p>
+          </p:txBody>
+        </p:sp>
+        <p:sp>
+          <p:nvSpPr>
+            <p:cNvPr id="33" name="フリーフォーム 32">
+              <a:extLst>
+                <a:ext uri="{FF2B5EF4-FFF2-40B4-BE49-F238E27FC236}">
+                  <a16:creationId xmlns:a16="http://schemas.microsoft.com/office/drawing/2014/main" id="{DBA41AAF-F40B-7904-100C-D75B58FFF621}"/>
+                </a:ext>
+              </a:extLst>
+            </p:cNvPr>
+            <p:cNvSpPr/>
+            <p:nvPr/>
+          </p:nvSpPr>
+          <p:spPr>
+            <a:xfrm>
+              <a:off x="11465201" y="3329749"/>
+              <a:ext cx="650309" cy="92901"/>
+            </a:xfrm>
+            <a:custGeom>
+              <a:avLst/>
+              <a:gdLst>
+                <a:gd name="connsiteX0" fmla="*/ 650310 w 650309"/>
+                <a:gd name="connsiteY0" fmla="*/ 0 h 92901"/>
+                <a:gd name="connsiteX1" fmla="*/ 0 w 650309"/>
+                <a:gd name="connsiteY1" fmla="*/ 0 h 92901"/>
+              </a:gdLst>
+              <a:ahLst/>
+              <a:cxnLst>
+                <a:cxn ang="0">
+                  <a:pos x="connsiteX0" y="connsiteY0"/>
+                </a:cxn>
+                <a:cxn ang="0">
+                  <a:pos x="connsiteX1" y="connsiteY1"/>
+                </a:cxn>
+              </a:cxnLst>
+              <a:rect l="l" t="t" r="r" b="b"/>
+              <a:pathLst>
+                <a:path w="650309" h="92901">
+                  <a:moveTo>
+                    <a:pt x="650310" y="0"/>
+                  </a:moveTo>
+                  <a:lnTo>
+                    <a:pt x="0" y="0"/>
+                  </a:lnTo>
+                </a:path>
+              </a:pathLst>
+            </a:custGeom>
+            <a:noFill/>
+            <a:ln w="139303" cap="rnd">
+              <a:solidFill>
+                <a:srgbClr val="0A0CF0">
+                  <a:alpha val="33000"/>
+                </a:srgbClr>
+              </a:solidFill>
+              <a:prstDash val="solid"/>
+              <a:miter/>
+            </a:ln>
+          </p:spPr>
+          <p:txBody>
+            <a:bodyPr rtlCol="0" anchor="ctr"/>
+            <a:lstStyle/>
+            <a:p>
+              <a:endParaRPr lang="ja-JP" altLang="en-US"/>
+            </a:p>
+          </p:txBody>
+        </p:sp>
+        <p:sp>
+          <p:nvSpPr>
+            <p:cNvPr id="34" name="フリーフォーム 33">
+              <a:extLst>
+                <a:ext uri="{FF2B5EF4-FFF2-40B4-BE49-F238E27FC236}">
+                  <a16:creationId xmlns:a16="http://schemas.microsoft.com/office/drawing/2014/main" id="{523C10BB-72A0-136D-837B-3D9F5A687E7B}"/>
+                </a:ext>
+              </a:extLst>
+            </p:cNvPr>
+            <p:cNvSpPr/>
+            <p:nvPr/>
+          </p:nvSpPr>
+          <p:spPr>
+            <a:xfrm>
+              <a:off x="11465201" y="2214932"/>
+              <a:ext cx="1579324" cy="92901"/>
+            </a:xfrm>
+            <a:custGeom>
+              <a:avLst/>
+              <a:gdLst>
+                <a:gd name="connsiteX0" fmla="*/ 0 w 1579324"/>
+                <a:gd name="connsiteY0" fmla="*/ 0 h 92901"/>
+                <a:gd name="connsiteX1" fmla="*/ 975465 w 1579324"/>
+                <a:gd name="connsiteY1" fmla="*/ 0 h 92901"/>
+                <a:gd name="connsiteX2" fmla="*/ 1579324 w 1579324"/>
+                <a:gd name="connsiteY2" fmla="*/ 0 h 92901"/>
+                <a:gd name="connsiteX3" fmla="*/ 1370296 w 1579324"/>
+                <a:gd name="connsiteY3" fmla="*/ 0 h 92901"/>
+              </a:gdLst>
+              <a:ahLst/>
+              <a:cxnLst>
+                <a:cxn ang="0">
+                  <a:pos x="connsiteX0" y="connsiteY0"/>
+                </a:cxn>
+                <a:cxn ang="0">
+                  <a:pos x="connsiteX1" y="connsiteY1"/>
+                </a:cxn>
+                <a:cxn ang="0">
+                  <a:pos x="connsiteX2" y="connsiteY2"/>
+                </a:cxn>
+                <a:cxn ang="0">
+                  <a:pos x="connsiteX3" y="connsiteY3"/>
+                </a:cxn>
+              </a:cxnLst>
+              <a:rect l="l" t="t" r="r" b="b"/>
+              <a:pathLst>
+                <a:path w="1579324" h="92901">
+                  <a:moveTo>
+                    <a:pt x="0" y="0"/>
+                  </a:moveTo>
+                  <a:lnTo>
+                    <a:pt x="975465" y="0"/>
+                  </a:lnTo>
+                  <a:moveTo>
+                    <a:pt x="1579324" y="0"/>
+                  </a:moveTo>
+                  <a:lnTo>
+                    <a:pt x="1370296" y="0"/>
+                  </a:lnTo>
+                </a:path>
+              </a:pathLst>
+            </a:custGeom>
+            <a:noFill/>
+            <a:ln w="139303" cap="rnd">
+              <a:solidFill>
+                <a:srgbClr val="0A0CF0">
+                  <a:alpha val="33000"/>
+                </a:srgbClr>
+              </a:solidFill>
+              <a:prstDash val="solid"/>
+              <a:miter/>
+            </a:ln>
+          </p:spPr>
+          <p:txBody>
+            <a:bodyPr rtlCol="0" anchor="ctr"/>
+            <a:lstStyle/>
+            <a:p>
+              <a:endParaRPr lang="ja-JP" altLang="en-US"/>
+            </a:p>
+          </p:txBody>
+        </p:sp>
+        <p:sp>
+          <p:nvSpPr>
+            <p:cNvPr id="35" name="フリーフォーム 34">
+              <a:extLst>
+                <a:ext uri="{FF2B5EF4-FFF2-40B4-BE49-F238E27FC236}">
+                  <a16:creationId xmlns:a16="http://schemas.microsoft.com/office/drawing/2014/main" id="{341A94BD-6EA1-EF4F-C9B1-B5C81C25FFE3}"/>
+                </a:ext>
+              </a:extLst>
+            </p:cNvPr>
+            <p:cNvSpPr/>
+            <p:nvPr/>
+          </p:nvSpPr>
+          <p:spPr>
+            <a:xfrm>
+              <a:off x="11465201" y="2586538"/>
+              <a:ext cx="1579324" cy="92901"/>
+            </a:xfrm>
+            <a:custGeom>
+              <a:avLst/>
+              <a:gdLst>
+                <a:gd name="connsiteX0" fmla="*/ 1579324 w 1579324"/>
+                <a:gd name="connsiteY0" fmla="*/ 0 h 92901"/>
+                <a:gd name="connsiteX1" fmla="*/ 603859 w 1579324"/>
+                <a:gd name="connsiteY1" fmla="*/ 0 h 92901"/>
+                <a:gd name="connsiteX2" fmla="*/ 0 w 1579324"/>
+                <a:gd name="connsiteY2" fmla="*/ 0 h 92901"/>
+                <a:gd name="connsiteX3" fmla="*/ 209028 w 1579324"/>
+                <a:gd name="connsiteY3" fmla="*/ 0 h 92901"/>
+              </a:gdLst>
+              <a:ahLst/>
+              <a:cxnLst>
+                <a:cxn ang="0">
+                  <a:pos x="connsiteX0" y="connsiteY0"/>
+                </a:cxn>
+                <a:cxn ang="0">
+                  <a:pos x="connsiteX1" y="connsiteY1"/>
+                </a:cxn>
+                <a:cxn ang="0">
+                  <a:pos x="connsiteX2" y="connsiteY2"/>
+                </a:cxn>
+                <a:cxn ang="0">
+                  <a:pos x="connsiteX3" y="connsiteY3"/>
+                </a:cxn>
+              </a:cxnLst>
+              <a:rect l="l" t="t" r="r" b="b"/>
+              <a:pathLst>
+                <a:path w="1579324" h="92901">
+                  <a:moveTo>
+                    <a:pt x="1579324" y="0"/>
+                  </a:moveTo>
+                  <a:lnTo>
+                    <a:pt x="603859" y="0"/>
+                  </a:lnTo>
+                  <a:moveTo>
+                    <a:pt x="0" y="0"/>
+                  </a:moveTo>
+                  <a:lnTo>
+                    <a:pt x="209028" y="0"/>
+                  </a:lnTo>
+                </a:path>
+              </a:pathLst>
+            </a:custGeom>
+            <a:noFill/>
+            <a:ln w="139303" cap="rnd">
+              <a:solidFill>
+                <a:srgbClr val="0A0CF0">
+                  <a:alpha val="33000"/>
+                </a:srgbClr>
+              </a:solidFill>
+              <a:prstDash val="solid"/>
+              <a:miter/>
+            </a:ln>
+          </p:spPr>
+          <p:txBody>
+            <a:bodyPr rtlCol="0" anchor="ctr"/>
+            <a:lstStyle/>
+            <a:p>
+              <a:endParaRPr lang="ja-JP" altLang="en-US"/>
+            </a:p>
+          </p:txBody>
+        </p:sp>
+        <p:sp>
+          <p:nvSpPr>
+            <p:cNvPr id="36" name="フリーフォーム 35">
+              <a:extLst>
+                <a:ext uri="{FF2B5EF4-FFF2-40B4-BE49-F238E27FC236}">
+                  <a16:creationId xmlns:a16="http://schemas.microsoft.com/office/drawing/2014/main" id="{D1929696-5AF4-A0C6-7006-3C54051DF6B8}"/>
+                </a:ext>
+              </a:extLst>
+            </p:cNvPr>
+            <p:cNvSpPr/>
+            <p:nvPr/>
+          </p:nvSpPr>
+          <p:spPr>
+            <a:xfrm>
+              <a:off x="11465201" y="1455804"/>
+              <a:ext cx="1579324" cy="92901"/>
+            </a:xfrm>
+            <a:custGeom>
+              <a:avLst/>
+              <a:gdLst>
+                <a:gd name="connsiteX0" fmla="*/ 0 w 1579324"/>
+                <a:gd name="connsiteY0" fmla="*/ 0 h 92901"/>
+                <a:gd name="connsiteX1" fmla="*/ 975465 w 1579324"/>
+                <a:gd name="connsiteY1" fmla="*/ 0 h 92901"/>
+                <a:gd name="connsiteX2" fmla="*/ 1579324 w 1579324"/>
+                <a:gd name="connsiteY2" fmla="*/ 0 h 92901"/>
+                <a:gd name="connsiteX3" fmla="*/ 1370296 w 1579324"/>
+                <a:gd name="connsiteY3" fmla="*/ 0 h 92901"/>
+              </a:gdLst>
+              <a:ahLst/>
+              <a:cxnLst>
+                <a:cxn ang="0">
+                  <a:pos x="connsiteX0" y="connsiteY0"/>
+                </a:cxn>
+                <a:cxn ang="0">
+                  <a:pos x="connsiteX1" y="connsiteY1"/>
+                </a:cxn>
+                <a:cxn ang="0">
+                  <a:pos x="connsiteX2" y="connsiteY2"/>
+                </a:cxn>
+                <a:cxn ang="0">
+                  <a:pos x="connsiteX3" y="connsiteY3"/>
+                </a:cxn>
+              </a:cxnLst>
+              <a:rect l="l" t="t" r="r" b="b"/>
+              <a:pathLst>
+                <a:path w="1579324" h="92901">
+                  <a:moveTo>
+                    <a:pt x="0" y="0"/>
+                  </a:moveTo>
+                  <a:lnTo>
+                    <a:pt x="975465" y="0"/>
+                  </a:lnTo>
+                  <a:moveTo>
+                    <a:pt x="1579324" y="0"/>
+                  </a:moveTo>
+                  <a:lnTo>
+                    <a:pt x="1370296" y="0"/>
+                  </a:lnTo>
+                </a:path>
+              </a:pathLst>
+            </a:custGeom>
+            <a:noFill/>
+            <a:ln w="139303" cap="rnd">
+              <a:solidFill>
+                <a:srgbClr val="0A0CF0">
+                  <a:alpha val="33000"/>
+                </a:srgbClr>
+              </a:solidFill>
+              <a:prstDash val="solid"/>
+              <a:miter/>
+            </a:ln>
+          </p:spPr>
+          <p:txBody>
+            <a:bodyPr rtlCol="0" anchor="ctr"/>
+            <a:lstStyle/>
+            <a:p>
+              <a:endParaRPr lang="ja-JP" altLang="en-US"/>
+            </a:p>
+          </p:txBody>
+        </p:sp>
+        <p:sp>
+          <p:nvSpPr>
+            <p:cNvPr id="37" name="フリーフォーム 36">
+              <a:extLst>
+                <a:ext uri="{FF2B5EF4-FFF2-40B4-BE49-F238E27FC236}">
+                  <a16:creationId xmlns:a16="http://schemas.microsoft.com/office/drawing/2014/main" id="{CB0C6876-77C4-A315-023B-A0DDBCF0146B}"/>
+                </a:ext>
+              </a:extLst>
+            </p:cNvPr>
+            <p:cNvSpPr/>
+            <p:nvPr/>
+          </p:nvSpPr>
+          <p:spPr>
+            <a:xfrm>
+              <a:off x="11465201" y="1827410"/>
+              <a:ext cx="1579324" cy="92901"/>
+            </a:xfrm>
+            <a:custGeom>
+              <a:avLst/>
+              <a:gdLst>
+                <a:gd name="connsiteX0" fmla="*/ 1579324 w 1579324"/>
+                <a:gd name="connsiteY0" fmla="*/ 0 h 92901"/>
+                <a:gd name="connsiteX1" fmla="*/ 603859 w 1579324"/>
+                <a:gd name="connsiteY1" fmla="*/ 0 h 92901"/>
+                <a:gd name="connsiteX2" fmla="*/ 0 w 1579324"/>
+                <a:gd name="connsiteY2" fmla="*/ 0 h 92901"/>
+                <a:gd name="connsiteX3" fmla="*/ 209028 w 1579324"/>
+                <a:gd name="connsiteY3" fmla="*/ 0 h 92901"/>
+              </a:gdLst>
+              <a:ahLst/>
+              <a:cxnLst>
+                <a:cxn ang="0">
+                  <a:pos x="connsiteX0" y="connsiteY0"/>
+                </a:cxn>
+                <a:cxn ang="0">
+                  <a:pos x="connsiteX1" y="connsiteY1"/>
+                </a:cxn>
+                <a:cxn ang="0">
+                  <a:pos x="connsiteX2" y="connsiteY2"/>
+                </a:cxn>
+                <a:cxn ang="0">
+                  <a:pos x="connsiteX3" y="connsiteY3"/>
+                </a:cxn>
+              </a:cxnLst>
+              <a:rect l="l" t="t" r="r" b="b"/>
+              <a:pathLst>
+                <a:path w="1579324" h="92901">
+                  <a:moveTo>
+                    <a:pt x="1579324" y="0"/>
+                  </a:moveTo>
+                  <a:lnTo>
+                    <a:pt x="603859" y="0"/>
+                  </a:lnTo>
+                  <a:moveTo>
+                    <a:pt x="0" y="0"/>
+                  </a:moveTo>
+                  <a:lnTo>
+                    <a:pt x="209028" y="0"/>
+                  </a:lnTo>
+                </a:path>
+              </a:pathLst>
+            </a:custGeom>
+            <a:noFill/>
+            <a:ln w="139303" cap="rnd">
+              <a:solidFill>
+                <a:srgbClr val="0A0CF0">
+                  <a:alpha val="33000"/>
+                </a:srgbClr>
+              </a:solidFill>
+              <a:prstDash val="solid"/>
+              <a:miter/>
+            </a:ln>
+          </p:spPr>
+          <p:txBody>
+            <a:bodyPr rtlCol="0" anchor="ctr"/>
+            <a:lstStyle/>
+            <a:p>
+              <a:endParaRPr lang="ja-JP" altLang="en-US"/>
+            </a:p>
+          </p:txBody>
+        </p:sp>
+        <p:sp>
+          <p:nvSpPr>
+            <p:cNvPr id="38" name="フリーフォーム 37">
+              <a:extLst>
+                <a:ext uri="{FF2B5EF4-FFF2-40B4-BE49-F238E27FC236}">
+                  <a16:creationId xmlns:a16="http://schemas.microsoft.com/office/drawing/2014/main" id="{847F5611-9D39-D9DE-7D7E-B2C8005E54D0}"/>
+                </a:ext>
+              </a:extLst>
+            </p:cNvPr>
+            <p:cNvSpPr/>
+            <p:nvPr/>
+          </p:nvSpPr>
+          <p:spPr>
+            <a:xfrm>
+              <a:off x="11465201" y="698742"/>
+              <a:ext cx="1579324" cy="92901"/>
+            </a:xfrm>
+            <a:custGeom>
+              <a:avLst/>
+              <a:gdLst>
+                <a:gd name="connsiteX0" fmla="*/ 0 w 1579324"/>
+                <a:gd name="connsiteY0" fmla="*/ 0 h 92901"/>
+                <a:gd name="connsiteX1" fmla="*/ 975465 w 1579324"/>
+                <a:gd name="connsiteY1" fmla="*/ 0 h 92901"/>
+                <a:gd name="connsiteX2" fmla="*/ 1579324 w 1579324"/>
+                <a:gd name="connsiteY2" fmla="*/ 0 h 92901"/>
+                <a:gd name="connsiteX3" fmla="*/ 1370296 w 1579324"/>
+                <a:gd name="connsiteY3" fmla="*/ 0 h 92901"/>
+              </a:gdLst>
+              <a:ahLst/>
+              <a:cxnLst>
+                <a:cxn ang="0">
+                  <a:pos x="connsiteX0" y="connsiteY0"/>
+                </a:cxn>
+                <a:cxn ang="0">
+                  <a:pos x="connsiteX1" y="connsiteY1"/>
+                </a:cxn>
+                <a:cxn ang="0">
+                  <a:pos x="connsiteX2" y="connsiteY2"/>
+                </a:cxn>
+                <a:cxn ang="0">
+                  <a:pos x="connsiteX3" y="connsiteY3"/>
+                </a:cxn>
+              </a:cxnLst>
+              <a:rect l="l" t="t" r="r" b="b"/>
+              <a:pathLst>
+                <a:path w="1579324" h="92901">
+                  <a:moveTo>
+                    <a:pt x="0" y="0"/>
+                  </a:moveTo>
+                  <a:lnTo>
+                    <a:pt x="975465" y="0"/>
+                  </a:lnTo>
+                  <a:moveTo>
+                    <a:pt x="1579324" y="0"/>
+                  </a:moveTo>
+                  <a:lnTo>
+                    <a:pt x="1370296" y="0"/>
+                  </a:lnTo>
+                </a:path>
+              </a:pathLst>
+            </a:custGeom>
+            <a:noFill/>
+            <a:ln w="139303" cap="rnd">
+              <a:solidFill>
+                <a:srgbClr val="0A0CF0">
+                  <a:alpha val="33000"/>
+                </a:srgbClr>
+              </a:solidFill>
+              <a:prstDash val="solid"/>
+              <a:miter/>
+            </a:ln>
+          </p:spPr>
+          <p:txBody>
+            <a:bodyPr rtlCol="0" anchor="ctr"/>
+            <a:lstStyle/>
+            <a:p>
+              <a:endParaRPr lang="ja-JP" altLang="en-US"/>
+            </a:p>
+          </p:txBody>
+        </p:sp>
+        <p:sp>
+          <p:nvSpPr>
+            <p:cNvPr id="39" name="フリーフォーム 38">
+              <a:extLst>
+                <a:ext uri="{FF2B5EF4-FFF2-40B4-BE49-F238E27FC236}">
+                  <a16:creationId xmlns:a16="http://schemas.microsoft.com/office/drawing/2014/main" id="{7018B8BA-D05B-5C33-3822-D3FCBEBE7D74}"/>
+                </a:ext>
+              </a:extLst>
+            </p:cNvPr>
+            <p:cNvSpPr/>
+            <p:nvPr/>
+          </p:nvSpPr>
+          <p:spPr>
+            <a:xfrm>
+              <a:off x="11465201" y="1070348"/>
+              <a:ext cx="1579324" cy="92901"/>
+            </a:xfrm>
+            <a:custGeom>
+              <a:avLst/>
+              <a:gdLst>
+                <a:gd name="connsiteX0" fmla="*/ 1579324 w 1579324"/>
+                <a:gd name="connsiteY0" fmla="*/ 0 h 92901"/>
+                <a:gd name="connsiteX1" fmla="*/ 603859 w 1579324"/>
+                <a:gd name="connsiteY1" fmla="*/ 0 h 92901"/>
+                <a:gd name="connsiteX2" fmla="*/ 0 w 1579324"/>
+                <a:gd name="connsiteY2" fmla="*/ 0 h 92901"/>
+                <a:gd name="connsiteX3" fmla="*/ 209028 w 1579324"/>
+                <a:gd name="connsiteY3" fmla="*/ 0 h 92901"/>
+              </a:gdLst>
+              <a:ahLst/>
+              <a:cxnLst>
+                <a:cxn ang="0">
+                  <a:pos x="connsiteX0" y="connsiteY0"/>
+                </a:cxn>
+                <a:cxn ang="0">
+                  <a:pos x="connsiteX1" y="connsiteY1"/>
+                </a:cxn>
+                <a:cxn ang="0">
+                  <a:pos x="connsiteX2" y="connsiteY2"/>
+                </a:cxn>
+                <a:cxn ang="0">
+                  <a:pos x="connsiteX3" y="connsiteY3"/>
+                </a:cxn>
+              </a:cxnLst>
+              <a:rect l="l" t="t" r="r" b="b"/>
+              <a:pathLst>
+                <a:path w="1579324" h="92901">
+                  <a:moveTo>
+                    <a:pt x="1579324" y="0"/>
+                  </a:moveTo>
+                  <a:lnTo>
+                    <a:pt x="603859" y="0"/>
+                  </a:lnTo>
+                  <a:moveTo>
+                    <a:pt x="0" y="0"/>
+                  </a:moveTo>
+                  <a:lnTo>
+                    <a:pt x="209028" y="0"/>
+                  </a:lnTo>
+                </a:path>
+              </a:pathLst>
+            </a:custGeom>
+            <a:noFill/>
+            <a:ln w="139303" cap="rnd">
+              <a:solidFill>
+                <a:srgbClr val="0A0CF0">
+                  <a:alpha val="33000"/>
+                </a:srgbClr>
+              </a:solidFill>
+              <a:prstDash val="solid"/>
+              <a:miter/>
+            </a:ln>
+          </p:spPr>
+          <p:txBody>
+            <a:bodyPr rtlCol="0" anchor="ctr"/>
+            <a:lstStyle/>
+            <a:p>
+              <a:endParaRPr lang="ja-JP" altLang="en-US"/>
+            </a:p>
+          </p:txBody>
+        </p:sp>
+      </p:grpSp>
+      <p:sp>
+        <p:nvSpPr>
+          <p:cNvPr id="4" name="角丸四角形 3">
+            <a:extLst>
+              <a:ext uri="{FF2B5EF4-FFF2-40B4-BE49-F238E27FC236}">
+                <a16:creationId xmlns:a16="http://schemas.microsoft.com/office/drawing/2014/main" id="{0ABC980A-BAFA-097C-C482-DB7BBEBE9F5F}"/>
+              </a:ext>
+            </a:extLst>
+          </p:cNvPr>
+          <p:cNvSpPr/>
+          <p:nvPr/>
+        </p:nvSpPr>
+        <p:spPr>
+          <a:xfrm>
+            <a:off x="1086679" y="1753772"/>
+            <a:ext cx="1431234" cy="830398"/>
+          </a:xfrm>
+          <a:prstGeom prst="roundRect">
+            <a:avLst/>
+          </a:prstGeom>
+          <a:solidFill>
+            <a:srgbClr val="751CFE">
+              <a:alpha val="63000"/>
+            </a:srgbClr>
+          </a:solidFill>
+          <a:ln w="12700">
+            <a:noFill/>
+            <a:miter lim="400000"/>
+          </a:ln>
+          <a:extLst>
+            <a:ext uri="{C572A759-6A51-4108-AA02-DFA0A04FC94B}">
+              <ma14:wrappingTextBoxFlag xmlns:ma14="http://schemas.microsoft.com/office/mac/drawingml/2011/main" xmlns="" val="1"/>
+            </a:ext>
+          </a:extLst>
+        </p:spPr>
+        <p:txBody>
+          <a:bodyPr rtlCol="0" anchor="ctr"/>
+          <a:lstStyle/>
+          <a:p>
+            <a:pPr algn="ctr"/>
+            <a:r>
+              <a:rPr kumimoji="1" lang="en-US" altLang="ja-JP" sz="6000" b="1">
+                <a:solidFill>
+                  <a:schemeClr val="bg1"/>
+                </a:solidFill>
+                <a:effectLst>
+                  <a:outerShdw blurRad="25400" dist="63500" dir="2700000" algn="tl" rotWithShape="0">
+                    <a:schemeClr val="tx1">
+                      <a:alpha val="31000"/>
+                    </a:schemeClr>
+                  </a:outerShdw>
+                </a:effectLst>
+                <a:latin typeface="Arial Black" panose="020B0604020202020204" pitchFamily="34" charset="0"/>
+                <a:cs typeface="Arial Black" panose="020B0604020202020204" pitchFamily="34" charset="0"/>
+              </a:rPr>
+              <a:t>R</a:t>
+            </a:r>
+            <a:endParaRPr kumimoji="1" lang="ja-JP" altLang="en-US" sz="6000" b="1">
+              <a:solidFill>
+                <a:schemeClr val="bg1"/>
+              </a:solidFill>
+              <a:effectLst>
+                <a:outerShdw blurRad="25400" dist="63500" dir="2700000" algn="tl" rotWithShape="0">
+                  <a:schemeClr val="tx1">
+                    <a:alpha val="31000"/>
+                  </a:schemeClr>
+                </a:outerShdw>
+              </a:effectLst>
+              <a:latin typeface="Arial Black" panose="020B0604020202020204" pitchFamily="34" charset="0"/>
+              <a:cs typeface="Arial Black" panose="020B0604020202020204" pitchFamily="34" charset="0"/>
+            </a:endParaRPr>
+          </a:p>
+        </p:txBody>
+      </p:sp>
+      <p:sp>
+        <p:nvSpPr>
+          <p:cNvPr id="5" name="角丸四角形 4">
+            <a:extLst>
+              <a:ext uri="{FF2B5EF4-FFF2-40B4-BE49-F238E27FC236}">
+                <a16:creationId xmlns:a16="http://schemas.microsoft.com/office/drawing/2014/main" id="{11362BFD-4FFC-B872-0109-A216E4C78530}"/>
+              </a:ext>
+            </a:extLst>
+          </p:cNvPr>
+          <p:cNvSpPr/>
+          <p:nvPr/>
+        </p:nvSpPr>
+        <p:spPr>
+          <a:xfrm>
+            <a:off x="11763590" y="1744394"/>
+            <a:ext cx="1859647" cy="839776"/>
+          </a:xfrm>
+          <a:prstGeom prst="roundRect">
+            <a:avLst/>
+          </a:prstGeom>
+          <a:solidFill>
+            <a:schemeClr val="accent6">
+              <a:lumMod val="75000"/>
+              <a:alpha val="73036"/>
+            </a:schemeClr>
+          </a:solidFill>
+          <a:ln w="12700">
+            <a:noFill/>
+            <a:miter lim="400000"/>
+          </a:ln>
+          <a:extLst>
+            <a:ext uri="{C572A759-6A51-4108-AA02-DFA0A04FC94B}">
+              <ma14:wrappingTextBoxFlag xmlns:ma14="http://schemas.microsoft.com/office/mac/drawingml/2011/main" xmlns="" val="1"/>
+            </a:ext>
+          </a:extLst>
+        </p:spPr>
+        <p:txBody>
+          <a:bodyPr rtlCol="0" anchor="ctr"/>
+          <a:lstStyle/>
+          <a:p>
+            <a:pPr algn="ctr"/>
+            <a:r>
+              <a:rPr lang="en-US" altLang="ja-JP" sz="5400" b="1">
+                <a:solidFill>
+                  <a:schemeClr val="bg1"/>
+                </a:solidFill>
+                <a:effectLst>
+                  <a:outerShdw blurRad="25400" dist="50800" dir="2700000" algn="tl" rotWithShape="0">
+                    <a:schemeClr val="tx2">
+                      <a:lumMod val="50000"/>
+                      <a:alpha val="61000"/>
+                    </a:schemeClr>
+                  </a:outerShdw>
+                </a:effectLst>
+                <a:latin typeface="Arial Black" panose="020B0604020202020204" pitchFamily="34" charset="0"/>
+                <a:cs typeface="Arial Black" panose="020B0604020202020204" pitchFamily="34" charset="0"/>
+              </a:rPr>
+              <a:t>SQL</a:t>
+            </a:r>
+            <a:endParaRPr kumimoji="1" lang="ja-JP" altLang="en-US" sz="5400" b="1">
+              <a:solidFill>
+                <a:schemeClr val="bg1"/>
+              </a:solidFill>
+              <a:effectLst>
+                <a:outerShdw blurRad="25400" dist="50800" dir="2700000" algn="tl" rotWithShape="0">
+                  <a:schemeClr val="tx2">
+                    <a:lumMod val="50000"/>
+                    <a:alpha val="61000"/>
+                  </a:schemeClr>
+                </a:outerShdw>
+              </a:effectLst>
+              <a:latin typeface="Arial Black" panose="020B0604020202020204" pitchFamily="34" charset="0"/>
+              <a:cs typeface="Arial Black" panose="020B0604020202020204" pitchFamily="34" charset="0"/>
+            </a:endParaRPr>
+          </a:p>
+        </p:txBody>
+      </p:sp>
+      <p:sp>
+        <p:nvSpPr>
+          <p:cNvPr id="7" name="Freeform 3">
+            <a:extLst>
+              <a:ext uri="{FF2B5EF4-FFF2-40B4-BE49-F238E27FC236}">
+                <a16:creationId xmlns:a16="http://schemas.microsoft.com/office/drawing/2014/main" id="{85160FEE-8ED2-40CE-6566-08B3D3D89465}"/>
+              </a:ext>
+            </a:extLst>
+          </p:cNvPr>
+          <p:cNvSpPr/>
+          <p:nvPr/>
+        </p:nvSpPr>
+        <p:spPr>
+          <a:xfrm>
+            <a:off x="9330270" y="409751"/>
+            <a:ext cx="1250593" cy="1551571"/>
+          </a:xfrm>
+          <a:custGeom>
+            <a:avLst/>
+            <a:gdLst/>
+            <a:ahLst/>
+            <a:cxnLst/>
+            <a:rect l="l" t="t" r="r" b="b"/>
+            <a:pathLst>
+              <a:path w="838730" h="840973">
+                <a:moveTo>
+                  <a:pt x="0" y="0"/>
+                </a:moveTo>
+                <a:lnTo>
+                  <a:pt x="838730" y="0"/>
+                </a:lnTo>
+                <a:lnTo>
+                  <a:pt x="838730" y="840972"/>
+                </a:lnTo>
+                <a:lnTo>
+                  <a:pt x="0" y="840972"/>
+                </a:lnTo>
+                <a:lnTo>
+                  <a:pt x="0" y="0"/>
+                </a:lnTo>
+                <a:close/>
+              </a:path>
+            </a:pathLst>
+          </a:custGeom>
+          <a:blipFill dpi="0" rotWithShape="1">
+            <a:blip r:embed="rId2">
+              <a:lum bright="1000" contrast="52000"/>
+              <a:extLst>
+                <a:ext uri="{96DAC541-7B7A-43D3-8B79-37D633B846F1}">
+                  <asvg:svgBlip xmlns:asvg="http://schemas.microsoft.com/office/drawing/2016/SVG/main" r:embed="rId3"/>
+                </a:ext>
+              </a:extLst>
+            </a:blip>
+            <a:srcRect/>
+            <a:stretch>
+              <a:fillRect/>
+            </a:stretch>
+          </a:blipFill>
+        </p:spPr>
+      </p:sp>
+      <p:sp>
+        <p:nvSpPr>
+          <p:cNvPr id="13" name="Freeform 2">
+            <a:extLst>
+              <a:ext uri="{FF2B5EF4-FFF2-40B4-BE49-F238E27FC236}">
+                <a16:creationId xmlns:a16="http://schemas.microsoft.com/office/drawing/2014/main" id="{4A072CDE-7026-B0FA-6A80-CD81CDF4A8C2}"/>
+              </a:ext>
+            </a:extLst>
+          </p:cNvPr>
+          <p:cNvSpPr/>
+          <p:nvPr/>
+        </p:nvSpPr>
+        <p:spPr>
+          <a:xfrm>
+            <a:off x="3191633" y="1565066"/>
+            <a:ext cx="1975359" cy="1734725"/>
+          </a:xfrm>
+          <a:custGeom>
+            <a:avLst/>
+            <a:gdLst/>
+            <a:ahLst/>
+            <a:cxnLst/>
+            <a:rect l="l" t="t" r="r" b="b"/>
+            <a:pathLst>
+              <a:path w="985288" h="865262">
+                <a:moveTo>
+                  <a:pt x="0" y="0"/>
+                </a:moveTo>
+                <a:lnTo>
+                  <a:pt x="985288" y="0"/>
+                </a:lnTo>
+                <a:lnTo>
+                  <a:pt x="985288" y="865262"/>
+                </a:lnTo>
+                <a:lnTo>
+                  <a:pt x="0" y="865262"/>
+                </a:lnTo>
+                <a:lnTo>
+                  <a:pt x="0" y="0"/>
+                </a:lnTo>
+                <a:close/>
+              </a:path>
+            </a:pathLst>
+          </a:custGeom>
+          <a:blipFill>
+            <a:blip r:embed="rId4">
+              <a:lum bright="13000" contrast="35000"/>
+              <a:extLst>
+                <a:ext uri="{96DAC541-7B7A-43D3-8B79-37D633B846F1}">
+                  <asvg:svgBlip xmlns:asvg="http://schemas.microsoft.com/office/drawing/2016/SVG/main" r:embed="rId5"/>
+                </a:ext>
+              </a:extLst>
+            </a:blip>
+            <a:stretch>
+              <a:fillRect/>
+            </a:stretch>
+          </a:blipFill>
+        </p:spPr>
+      </p:sp>
+    </p:spTree>
+    <p:extLst>
+      <p:ext uri="{BB962C8B-B14F-4D97-AF65-F5344CB8AC3E}">
+        <p14:creationId xmlns:p14="http://schemas.microsoft.com/office/powerpoint/2010/main" val="1682106042"/>
+      </p:ext>
+    </p:extLst>
+  </p:cSld>
+  <p:clrMapOvr>
+    <a:masterClrMapping/>
+  </p:clrMapOvr>
+</p:sld>
+</file>
+
 <file path=ppt/theme/theme1.xml><?xml version="1.0" encoding="utf-8"?>
 <a:theme xmlns:a="http://schemas.openxmlformats.org/drawingml/2006/main" name="Office ​​テーマ">
   <a:themeElements>

--- a/_memo/image/drill-list.pptx
+++ b/_memo/image/drill-list.pptx
@@ -5,10 +5,10 @@
     <p:sldMasterId id="2147483648" r:id="rId1"/>
   </p:sldMasterIdLst>
   <p:notesMasterIdLst>
-    <p:notesMasterId r:id="rId12"/>
+    <p:notesMasterId r:id="rId13"/>
   </p:notesMasterIdLst>
   <p:handoutMasterIdLst>
-    <p:handoutMasterId r:id="rId13"/>
+    <p:handoutMasterId r:id="rId14"/>
   </p:handoutMasterIdLst>
   <p:sldIdLst>
     <p:sldId id="640" r:id="rId2"/>
@@ -21,6 +21,7 @@
     <p:sldId id="711" r:id="rId9"/>
     <p:sldId id="712" r:id="rId10"/>
     <p:sldId id="713" r:id="rId11"/>
+    <p:sldId id="714" r:id="rId12"/>
   </p:sldIdLst>
   <p:sldSz cx="14400213" cy="4356100"/>
   <p:notesSz cx="6735763" cy="9866313"/>
@@ -134,6 +135,7 @@
             <p14:sldId id="711"/>
             <p14:sldId id="712"/>
             <p14:sldId id="713"/>
+            <p14:sldId id="714"/>
           </p14:sldIdLst>
         </p14:section>
         <p14:section name="アイコン" id="{E6A61129-24E8-BE4F-97F7-218E9035C89D}">
@@ -9515,6 +9517,1889 @@
 </p:sld>
 </file>
 
+<file path=ppt/slides/slide11.xml><?xml version="1.0" encoding="utf-8"?>
+<p:sld xmlns:a="http://schemas.openxmlformats.org/drawingml/2006/main" xmlns:r="http://schemas.openxmlformats.org/officeDocument/2006/relationships" xmlns:p="http://schemas.openxmlformats.org/presentationml/2006/main">
+  <p:cSld>
+    <p:bg>
+      <p:bgPr>
+        <a:gradFill>
+          <a:gsLst>
+            <a:gs pos="100000">
+              <a:srgbClr val="E5BCFF">
+                <a:alpha val="47217"/>
+                <a:lumMod val="61000"/>
+                <a:lumOff val="39000"/>
+              </a:srgbClr>
+            </a:gs>
+            <a:gs pos="2000">
+              <a:srgbClr val="4396FB">
+                <a:alpha val="63988"/>
+                <a:lumMod val="89000"/>
+                <a:lumOff val="11000"/>
+              </a:srgbClr>
+            </a:gs>
+          </a:gsLst>
+          <a:lin ang="18900000" scaled="0"/>
+        </a:gradFill>
+        <a:effectLst/>
+      </p:bgPr>
+    </p:bg>
+    <p:spTree>
+      <p:nvGrpSpPr>
+        <p:cNvPr id="1" name=""/>
+        <p:cNvGrpSpPr/>
+        <p:nvPr/>
+      </p:nvGrpSpPr>
+      <p:grpSpPr>
+        <a:xfrm>
+          <a:off x="0" y="0"/>
+          <a:ext cx="0" cy="0"/>
+          <a:chOff x="0" y="0"/>
+          <a:chExt cx="0" cy="0"/>
+        </a:xfrm>
+      </p:grpSpPr>
+      <p:grpSp>
+        <p:nvGrpSpPr>
+          <p:cNvPr id="27" name="グループ化 26">
+            <a:extLst>
+              <a:ext uri="{FF2B5EF4-FFF2-40B4-BE49-F238E27FC236}">
+                <a16:creationId xmlns:a16="http://schemas.microsoft.com/office/drawing/2014/main" id="{DB62DD05-BC9B-A3D3-FF29-371E44EE94BB}"/>
+              </a:ext>
+            </a:extLst>
+          </p:cNvPr>
+          <p:cNvGrpSpPr/>
+          <p:nvPr/>
+        </p:nvGrpSpPr>
+        <p:grpSpPr>
+          <a:xfrm>
+            <a:off x="904476" y="713741"/>
+            <a:ext cx="1745957" cy="3011305"/>
+            <a:chOff x="11465201" y="698742"/>
+            <a:chExt cx="1579324" cy="2723908"/>
+          </a:xfrm>
+        </p:grpSpPr>
+        <p:sp>
+          <p:nvSpPr>
+            <p:cNvPr id="18" name="フリーフォーム 17">
+              <a:extLst>
+                <a:ext uri="{FF2B5EF4-FFF2-40B4-BE49-F238E27FC236}">
+                  <a16:creationId xmlns:a16="http://schemas.microsoft.com/office/drawing/2014/main" id="{3037463D-E8E6-4727-41F0-1A2A30E767A8}"/>
+                </a:ext>
+              </a:extLst>
+            </p:cNvPr>
+            <p:cNvSpPr/>
+            <p:nvPr/>
+          </p:nvSpPr>
+          <p:spPr>
+            <a:xfrm>
+              <a:off x="12487116" y="2911693"/>
+              <a:ext cx="557408" cy="464507"/>
+            </a:xfrm>
+            <a:custGeom>
+              <a:avLst/>
+              <a:gdLst>
+                <a:gd name="connsiteX0" fmla="*/ 0 w 557408"/>
+                <a:gd name="connsiteY0" fmla="*/ 232254 h 464507"/>
+                <a:gd name="connsiteX1" fmla="*/ 195093 w 557408"/>
+                <a:gd name="connsiteY1" fmla="*/ 464507 h 464507"/>
+                <a:gd name="connsiteX2" fmla="*/ 557409 w 557408"/>
+                <a:gd name="connsiteY2" fmla="*/ 0 h 464507"/>
+              </a:gdLst>
+              <a:ahLst/>
+              <a:cxnLst>
+                <a:cxn ang="0">
+                  <a:pos x="connsiteX0" y="connsiteY0"/>
+                </a:cxn>
+                <a:cxn ang="0">
+                  <a:pos x="connsiteX1" y="connsiteY1"/>
+                </a:cxn>
+                <a:cxn ang="0">
+                  <a:pos x="connsiteX2" y="connsiteY2"/>
+                </a:cxn>
+              </a:cxnLst>
+              <a:rect l="l" t="t" r="r" b="b"/>
+              <a:pathLst>
+                <a:path w="557408" h="464507">
+                  <a:moveTo>
+                    <a:pt x="0" y="232254"/>
+                  </a:moveTo>
+                  <a:lnTo>
+                    <a:pt x="195093" y="464507"/>
+                  </a:lnTo>
+                  <a:lnTo>
+                    <a:pt x="557409" y="0"/>
+                  </a:lnTo>
+                </a:path>
+              </a:pathLst>
+            </a:custGeom>
+            <a:noFill/>
+            <a:ln w="139303" cap="rnd">
+              <a:solidFill>
+                <a:srgbClr val="0A0CF0">
+                  <a:alpha val="37000"/>
+                </a:srgbClr>
+              </a:solidFill>
+              <a:prstDash val="solid"/>
+              <a:round/>
+            </a:ln>
+          </p:spPr>
+          <p:txBody>
+            <a:bodyPr rtlCol="0" anchor="ctr"/>
+            <a:lstStyle/>
+            <a:p>
+              <a:endParaRPr lang="ja-JP" altLang="en-US"/>
+            </a:p>
+          </p:txBody>
+        </p:sp>
+        <p:sp>
+          <p:nvSpPr>
+            <p:cNvPr id="19" name="フリーフォーム 18">
+              <a:extLst>
+                <a:ext uri="{FF2B5EF4-FFF2-40B4-BE49-F238E27FC236}">
+                  <a16:creationId xmlns:a16="http://schemas.microsoft.com/office/drawing/2014/main" id="{97AE8855-74CA-9FF4-E945-9E1A738394AB}"/>
+                </a:ext>
+              </a:extLst>
+            </p:cNvPr>
+            <p:cNvSpPr/>
+            <p:nvPr/>
+          </p:nvSpPr>
+          <p:spPr>
+            <a:xfrm>
+              <a:off x="11465201" y="2958143"/>
+              <a:ext cx="650309" cy="92901"/>
+            </a:xfrm>
+            <a:custGeom>
+              <a:avLst/>
+              <a:gdLst>
+                <a:gd name="connsiteX0" fmla="*/ 650310 w 650309"/>
+                <a:gd name="connsiteY0" fmla="*/ 0 h 92901"/>
+                <a:gd name="connsiteX1" fmla="*/ 0 w 650309"/>
+                <a:gd name="connsiteY1" fmla="*/ 0 h 92901"/>
+              </a:gdLst>
+              <a:ahLst/>
+              <a:cxnLst>
+                <a:cxn ang="0">
+                  <a:pos x="connsiteX0" y="connsiteY0"/>
+                </a:cxn>
+                <a:cxn ang="0">
+                  <a:pos x="connsiteX1" y="connsiteY1"/>
+                </a:cxn>
+              </a:cxnLst>
+              <a:rect l="l" t="t" r="r" b="b"/>
+              <a:pathLst>
+                <a:path w="650309" h="92901">
+                  <a:moveTo>
+                    <a:pt x="650310" y="0"/>
+                  </a:moveTo>
+                  <a:lnTo>
+                    <a:pt x="0" y="0"/>
+                  </a:lnTo>
+                </a:path>
+              </a:pathLst>
+            </a:custGeom>
+            <a:noFill/>
+            <a:ln w="139303" cap="rnd">
+              <a:solidFill>
+                <a:srgbClr val="0A0CF0">
+                  <a:alpha val="37000"/>
+                </a:srgbClr>
+              </a:solidFill>
+              <a:prstDash val="solid"/>
+              <a:miter/>
+            </a:ln>
+          </p:spPr>
+          <p:txBody>
+            <a:bodyPr rtlCol="0" anchor="ctr"/>
+            <a:lstStyle/>
+            <a:p>
+              <a:endParaRPr lang="ja-JP" altLang="en-US"/>
+            </a:p>
+          </p:txBody>
+        </p:sp>
+        <p:sp>
+          <p:nvSpPr>
+            <p:cNvPr id="20" name="フリーフォーム 19">
+              <a:extLst>
+                <a:ext uri="{FF2B5EF4-FFF2-40B4-BE49-F238E27FC236}">
+                  <a16:creationId xmlns:a16="http://schemas.microsoft.com/office/drawing/2014/main" id="{31D7D10B-DF73-73D6-38C3-43972416C968}"/>
+                </a:ext>
+              </a:extLst>
+            </p:cNvPr>
+            <p:cNvSpPr/>
+            <p:nvPr/>
+          </p:nvSpPr>
+          <p:spPr>
+            <a:xfrm>
+              <a:off x="11465201" y="3329749"/>
+              <a:ext cx="650309" cy="92901"/>
+            </a:xfrm>
+            <a:custGeom>
+              <a:avLst/>
+              <a:gdLst>
+                <a:gd name="connsiteX0" fmla="*/ 650310 w 650309"/>
+                <a:gd name="connsiteY0" fmla="*/ 0 h 92901"/>
+                <a:gd name="connsiteX1" fmla="*/ 0 w 650309"/>
+                <a:gd name="connsiteY1" fmla="*/ 0 h 92901"/>
+              </a:gdLst>
+              <a:ahLst/>
+              <a:cxnLst>
+                <a:cxn ang="0">
+                  <a:pos x="connsiteX0" y="connsiteY0"/>
+                </a:cxn>
+                <a:cxn ang="0">
+                  <a:pos x="connsiteX1" y="connsiteY1"/>
+                </a:cxn>
+              </a:cxnLst>
+              <a:rect l="l" t="t" r="r" b="b"/>
+              <a:pathLst>
+                <a:path w="650309" h="92901">
+                  <a:moveTo>
+                    <a:pt x="650310" y="0"/>
+                  </a:moveTo>
+                  <a:lnTo>
+                    <a:pt x="0" y="0"/>
+                  </a:lnTo>
+                </a:path>
+              </a:pathLst>
+            </a:custGeom>
+            <a:noFill/>
+            <a:ln w="139303" cap="rnd">
+              <a:solidFill>
+                <a:srgbClr val="0A0CF0">
+                  <a:alpha val="37000"/>
+                </a:srgbClr>
+              </a:solidFill>
+              <a:prstDash val="solid"/>
+              <a:miter/>
+            </a:ln>
+          </p:spPr>
+          <p:txBody>
+            <a:bodyPr rtlCol="0" anchor="ctr"/>
+            <a:lstStyle/>
+            <a:p>
+              <a:endParaRPr lang="ja-JP" altLang="en-US"/>
+            </a:p>
+          </p:txBody>
+        </p:sp>
+        <p:sp>
+          <p:nvSpPr>
+            <p:cNvPr id="21" name="フリーフォーム 20">
+              <a:extLst>
+                <a:ext uri="{FF2B5EF4-FFF2-40B4-BE49-F238E27FC236}">
+                  <a16:creationId xmlns:a16="http://schemas.microsoft.com/office/drawing/2014/main" id="{B2E9EB2A-84B2-D514-7A58-DD0FFF4DF37C}"/>
+                </a:ext>
+              </a:extLst>
+            </p:cNvPr>
+            <p:cNvSpPr/>
+            <p:nvPr/>
+          </p:nvSpPr>
+          <p:spPr>
+            <a:xfrm>
+              <a:off x="11465201" y="2214932"/>
+              <a:ext cx="1579324" cy="92901"/>
+            </a:xfrm>
+            <a:custGeom>
+              <a:avLst/>
+              <a:gdLst>
+                <a:gd name="connsiteX0" fmla="*/ 0 w 1579324"/>
+                <a:gd name="connsiteY0" fmla="*/ 0 h 92901"/>
+                <a:gd name="connsiteX1" fmla="*/ 975465 w 1579324"/>
+                <a:gd name="connsiteY1" fmla="*/ 0 h 92901"/>
+                <a:gd name="connsiteX2" fmla="*/ 1579324 w 1579324"/>
+                <a:gd name="connsiteY2" fmla="*/ 0 h 92901"/>
+                <a:gd name="connsiteX3" fmla="*/ 1370296 w 1579324"/>
+                <a:gd name="connsiteY3" fmla="*/ 0 h 92901"/>
+              </a:gdLst>
+              <a:ahLst/>
+              <a:cxnLst>
+                <a:cxn ang="0">
+                  <a:pos x="connsiteX0" y="connsiteY0"/>
+                </a:cxn>
+                <a:cxn ang="0">
+                  <a:pos x="connsiteX1" y="connsiteY1"/>
+                </a:cxn>
+                <a:cxn ang="0">
+                  <a:pos x="connsiteX2" y="connsiteY2"/>
+                </a:cxn>
+                <a:cxn ang="0">
+                  <a:pos x="connsiteX3" y="connsiteY3"/>
+                </a:cxn>
+              </a:cxnLst>
+              <a:rect l="l" t="t" r="r" b="b"/>
+              <a:pathLst>
+                <a:path w="1579324" h="92901">
+                  <a:moveTo>
+                    <a:pt x="0" y="0"/>
+                  </a:moveTo>
+                  <a:lnTo>
+                    <a:pt x="975465" y="0"/>
+                  </a:lnTo>
+                  <a:moveTo>
+                    <a:pt x="1579324" y="0"/>
+                  </a:moveTo>
+                  <a:lnTo>
+                    <a:pt x="1370296" y="0"/>
+                  </a:lnTo>
+                </a:path>
+              </a:pathLst>
+            </a:custGeom>
+            <a:noFill/>
+            <a:ln w="139303" cap="rnd">
+              <a:solidFill>
+                <a:srgbClr val="0A0CF0">
+                  <a:alpha val="37000"/>
+                </a:srgbClr>
+              </a:solidFill>
+              <a:prstDash val="solid"/>
+              <a:miter/>
+            </a:ln>
+          </p:spPr>
+          <p:txBody>
+            <a:bodyPr rtlCol="0" anchor="ctr"/>
+            <a:lstStyle/>
+            <a:p>
+              <a:endParaRPr lang="ja-JP" altLang="en-US"/>
+            </a:p>
+          </p:txBody>
+        </p:sp>
+        <p:sp>
+          <p:nvSpPr>
+            <p:cNvPr id="22" name="フリーフォーム 21">
+              <a:extLst>
+                <a:ext uri="{FF2B5EF4-FFF2-40B4-BE49-F238E27FC236}">
+                  <a16:creationId xmlns:a16="http://schemas.microsoft.com/office/drawing/2014/main" id="{D0C5F125-B025-B566-65F4-B557D074E415}"/>
+                </a:ext>
+              </a:extLst>
+            </p:cNvPr>
+            <p:cNvSpPr/>
+            <p:nvPr/>
+          </p:nvSpPr>
+          <p:spPr>
+            <a:xfrm>
+              <a:off x="11465201" y="2586538"/>
+              <a:ext cx="1579324" cy="92901"/>
+            </a:xfrm>
+            <a:custGeom>
+              <a:avLst/>
+              <a:gdLst>
+                <a:gd name="connsiteX0" fmla="*/ 1579324 w 1579324"/>
+                <a:gd name="connsiteY0" fmla="*/ 0 h 92901"/>
+                <a:gd name="connsiteX1" fmla="*/ 603859 w 1579324"/>
+                <a:gd name="connsiteY1" fmla="*/ 0 h 92901"/>
+                <a:gd name="connsiteX2" fmla="*/ 0 w 1579324"/>
+                <a:gd name="connsiteY2" fmla="*/ 0 h 92901"/>
+                <a:gd name="connsiteX3" fmla="*/ 209028 w 1579324"/>
+                <a:gd name="connsiteY3" fmla="*/ 0 h 92901"/>
+              </a:gdLst>
+              <a:ahLst/>
+              <a:cxnLst>
+                <a:cxn ang="0">
+                  <a:pos x="connsiteX0" y="connsiteY0"/>
+                </a:cxn>
+                <a:cxn ang="0">
+                  <a:pos x="connsiteX1" y="connsiteY1"/>
+                </a:cxn>
+                <a:cxn ang="0">
+                  <a:pos x="connsiteX2" y="connsiteY2"/>
+                </a:cxn>
+                <a:cxn ang="0">
+                  <a:pos x="connsiteX3" y="connsiteY3"/>
+                </a:cxn>
+              </a:cxnLst>
+              <a:rect l="l" t="t" r="r" b="b"/>
+              <a:pathLst>
+                <a:path w="1579324" h="92901">
+                  <a:moveTo>
+                    <a:pt x="1579324" y="0"/>
+                  </a:moveTo>
+                  <a:lnTo>
+                    <a:pt x="603859" y="0"/>
+                  </a:lnTo>
+                  <a:moveTo>
+                    <a:pt x="0" y="0"/>
+                  </a:moveTo>
+                  <a:lnTo>
+                    <a:pt x="209028" y="0"/>
+                  </a:lnTo>
+                </a:path>
+              </a:pathLst>
+            </a:custGeom>
+            <a:noFill/>
+            <a:ln w="139303" cap="rnd">
+              <a:solidFill>
+                <a:srgbClr val="0A0CF0">
+                  <a:alpha val="37000"/>
+                </a:srgbClr>
+              </a:solidFill>
+              <a:prstDash val="solid"/>
+              <a:miter/>
+            </a:ln>
+          </p:spPr>
+          <p:txBody>
+            <a:bodyPr rtlCol="0" anchor="ctr"/>
+            <a:lstStyle/>
+            <a:p>
+              <a:endParaRPr lang="ja-JP" altLang="en-US"/>
+            </a:p>
+          </p:txBody>
+        </p:sp>
+        <p:sp>
+          <p:nvSpPr>
+            <p:cNvPr id="23" name="フリーフォーム 22">
+              <a:extLst>
+                <a:ext uri="{FF2B5EF4-FFF2-40B4-BE49-F238E27FC236}">
+                  <a16:creationId xmlns:a16="http://schemas.microsoft.com/office/drawing/2014/main" id="{4E6C3791-4DC8-51FC-7B4C-9E4EBA15885C}"/>
+                </a:ext>
+              </a:extLst>
+            </p:cNvPr>
+            <p:cNvSpPr/>
+            <p:nvPr/>
+          </p:nvSpPr>
+          <p:spPr>
+            <a:xfrm>
+              <a:off x="11465201" y="1455804"/>
+              <a:ext cx="1579324" cy="92901"/>
+            </a:xfrm>
+            <a:custGeom>
+              <a:avLst/>
+              <a:gdLst>
+                <a:gd name="connsiteX0" fmla="*/ 0 w 1579324"/>
+                <a:gd name="connsiteY0" fmla="*/ 0 h 92901"/>
+                <a:gd name="connsiteX1" fmla="*/ 975465 w 1579324"/>
+                <a:gd name="connsiteY1" fmla="*/ 0 h 92901"/>
+                <a:gd name="connsiteX2" fmla="*/ 1579324 w 1579324"/>
+                <a:gd name="connsiteY2" fmla="*/ 0 h 92901"/>
+                <a:gd name="connsiteX3" fmla="*/ 1370296 w 1579324"/>
+                <a:gd name="connsiteY3" fmla="*/ 0 h 92901"/>
+              </a:gdLst>
+              <a:ahLst/>
+              <a:cxnLst>
+                <a:cxn ang="0">
+                  <a:pos x="connsiteX0" y="connsiteY0"/>
+                </a:cxn>
+                <a:cxn ang="0">
+                  <a:pos x="connsiteX1" y="connsiteY1"/>
+                </a:cxn>
+                <a:cxn ang="0">
+                  <a:pos x="connsiteX2" y="connsiteY2"/>
+                </a:cxn>
+                <a:cxn ang="0">
+                  <a:pos x="connsiteX3" y="connsiteY3"/>
+                </a:cxn>
+              </a:cxnLst>
+              <a:rect l="l" t="t" r="r" b="b"/>
+              <a:pathLst>
+                <a:path w="1579324" h="92901">
+                  <a:moveTo>
+                    <a:pt x="0" y="0"/>
+                  </a:moveTo>
+                  <a:lnTo>
+                    <a:pt x="975465" y="0"/>
+                  </a:lnTo>
+                  <a:moveTo>
+                    <a:pt x="1579324" y="0"/>
+                  </a:moveTo>
+                  <a:lnTo>
+                    <a:pt x="1370296" y="0"/>
+                  </a:lnTo>
+                </a:path>
+              </a:pathLst>
+            </a:custGeom>
+            <a:noFill/>
+            <a:ln w="139303" cap="rnd">
+              <a:solidFill>
+                <a:srgbClr val="0A0CF0">
+                  <a:alpha val="37000"/>
+                </a:srgbClr>
+              </a:solidFill>
+              <a:prstDash val="solid"/>
+              <a:miter/>
+            </a:ln>
+          </p:spPr>
+          <p:txBody>
+            <a:bodyPr rtlCol="0" anchor="ctr"/>
+            <a:lstStyle/>
+            <a:p>
+              <a:endParaRPr lang="ja-JP" altLang="en-US"/>
+            </a:p>
+          </p:txBody>
+        </p:sp>
+        <p:sp>
+          <p:nvSpPr>
+            <p:cNvPr id="24" name="フリーフォーム 23">
+              <a:extLst>
+                <a:ext uri="{FF2B5EF4-FFF2-40B4-BE49-F238E27FC236}">
+                  <a16:creationId xmlns:a16="http://schemas.microsoft.com/office/drawing/2014/main" id="{D1C734B2-E792-B085-3EC3-96614BF912C1}"/>
+                </a:ext>
+              </a:extLst>
+            </p:cNvPr>
+            <p:cNvSpPr/>
+            <p:nvPr/>
+          </p:nvSpPr>
+          <p:spPr>
+            <a:xfrm>
+              <a:off x="11465201" y="1827410"/>
+              <a:ext cx="1579324" cy="92901"/>
+            </a:xfrm>
+            <a:custGeom>
+              <a:avLst/>
+              <a:gdLst>
+                <a:gd name="connsiteX0" fmla="*/ 1579324 w 1579324"/>
+                <a:gd name="connsiteY0" fmla="*/ 0 h 92901"/>
+                <a:gd name="connsiteX1" fmla="*/ 603859 w 1579324"/>
+                <a:gd name="connsiteY1" fmla="*/ 0 h 92901"/>
+                <a:gd name="connsiteX2" fmla="*/ 0 w 1579324"/>
+                <a:gd name="connsiteY2" fmla="*/ 0 h 92901"/>
+                <a:gd name="connsiteX3" fmla="*/ 209028 w 1579324"/>
+                <a:gd name="connsiteY3" fmla="*/ 0 h 92901"/>
+              </a:gdLst>
+              <a:ahLst/>
+              <a:cxnLst>
+                <a:cxn ang="0">
+                  <a:pos x="connsiteX0" y="connsiteY0"/>
+                </a:cxn>
+                <a:cxn ang="0">
+                  <a:pos x="connsiteX1" y="connsiteY1"/>
+                </a:cxn>
+                <a:cxn ang="0">
+                  <a:pos x="connsiteX2" y="connsiteY2"/>
+                </a:cxn>
+                <a:cxn ang="0">
+                  <a:pos x="connsiteX3" y="connsiteY3"/>
+                </a:cxn>
+              </a:cxnLst>
+              <a:rect l="l" t="t" r="r" b="b"/>
+              <a:pathLst>
+                <a:path w="1579324" h="92901">
+                  <a:moveTo>
+                    <a:pt x="1579324" y="0"/>
+                  </a:moveTo>
+                  <a:lnTo>
+                    <a:pt x="603859" y="0"/>
+                  </a:lnTo>
+                  <a:moveTo>
+                    <a:pt x="0" y="0"/>
+                  </a:moveTo>
+                  <a:lnTo>
+                    <a:pt x="209028" y="0"/>
+                  </a:lnTo>
+                </a:path>
+              </a:pathLst>
+            </a:custGeom>
+            <a:noFill/>
+            <a:ln w="139303" cap="rnd">
+              <a:solidFill>
+                <a:srgbClr val="0A0CF0">
+                  <a:alpha val="37000"/>
+                </a:srgbClr>
+              </a:solidFill>
+              <a:prstDash val="solid"/>
+              <a:miter/>
+            </a:ln>
+          </p:spPr>
+          <p:txBody>
+            <a:bodyPr rtlCol="0" anchor="ctr"/>
+            <a:lstStyle/>
+            <a:p>
+              <a:endParaRPr lang="ja-JP" altLang="en-US"/>
+            </a:p>
+          </p:txBody>
+        </p:sp>
+        <p:sp>
+          <p:nvSpPr>
+            <p:cNvPr id="25" name="フリーフォーム 24">
+              <a:extLst>
+                <a:ext uri="{FF2B5EF4-FFF2-40B4-BE49-F238E27FC236}">
+                  <a16:creationId xmlns:a16="http://schemas.microsoft.com/office/drawing/2014/main" id="{F42FF860-1879-B38D-B685-6797845204A0}"/>
+                </a:ext>
+              </a:extLst>
+            </p:cNvPr>
+            <p:cNvSpPr/>
+            <p:nvPr/>
+          </p:nvSpPr>
+          <p:spPr>
+            <a:xfrm>
+              <a:off x="11465201" y="698742"/>
+              <a:ext cx="1579324" cy="92901"/>
+            </a:xfrm>
+            <a:custGeom>
+              <a:avLst/>
+              <a:gdLst>
+                <a:gd name="connsiteX0" fmla="*/ 0 w 1579324"/>
+                <a:gd name="connsiteY0" fmla="*/ 0 h 92901"/>
+                <a:gd name="connsiteX1" fmla="*/ 975465 w 1579324"/>
+                <a:gd name="connsiteY1" fmla="*/ 0 h 92901"/>
+                <a:gd name="connsiteX2" fmla="*/ 1579324 w 1579324"/>
+                <a:gd name="connsiteY2" fmla="*/ 0 h 92901"/>
+                <a:gd name="connsiteX3" fmla="*/ 1370296 w 1579324"/>
+                <a:gd name="connsiteY3" fmla="*/ 0 h 92901"/>
+              </a:gdLst>
+              <a:ahLst/>
+              <a:cxnLst>
+                <a:cxn ang="0">
+                  <a:pos x="connsiteX0" y="connsiteY0"/>
+                </a:cxn>
+                <a:cxn ang="0">
+                  <a:pos x="connsiteX1" y="connsiteY1"/>
+                </a:cxn>
+                <a:cxn ang="0">
+                  <a:pos x="connsiteX2" y="connsiteY2"/>
+                </a:cxn>
+                <a:cxn ang="0">
+                  <a:pos x="connsiteX3" y="connsiteY3"/>
+                </a:cxn>
+              </a:cxnLst>
+              <a:rect l="l" t="t" r="r" b="b"/>
+              <a:pathLst>
+                <a:path w="1579324" h="92901">
+                  <a:moveTo>
+                    <a:pt x="0" y="0"/>
+                  </a:moveTo>
+                  <a:lnTo>
+                    <a:pt x="975465" y="0"/>
+                  </a:lnTo>
+                  <a:moveTo>
+                    <a:pt x="1579324" y="0"/>
+                  </a:moveTo>
+                  <a:lnTo>
+                    <a:pt x="1370296" y="0"/>
+                  </a:lnTo>
+                </a:path>
+              </a:pathLst>
+            </a:custGeom>
+            <a:noFill/>
+            <a:ln w="139303" cap="rnd">
+              <a:solidFill>
+                <a:srgbClr val="0A0CF0">
+                  <a:alpha val="37000"/>
+                </a:srgbClr>
+              </a:solidFill>
+              <a:prstDash val="solid"/>
+              <a:miter/>
+            </a:ln>
+          </p:spPr>
+          <p:txBody>
+            <a:bodyPr rtlCol="0" anchor="ctr"/>
+            <a:lstStyle/>
+            <a:p>
+              <a:endParaRPr lang="ja-JP" altLang="en-US"/>
+            </a:p>
+          </p:txBody>
+        </p:sp>
+        <p:sp>
+          <p:nvSpPr>
+            <p:cNvPr id="26" name="フリーフォーム 25">
+              <a:extLst>
+                <a:ext uri="{FF2B5EF4-FFF2-40B4-BE49-F238E27FC236}">
+                  <a16:creationId xmlns:a16="http://schemas.microsoft.com/office/drawing/2014/main" id="{F7A697C1-B417-02BE-3ED7-46575062A7EA}"/>
+                </a:ext>
+              </a:extLst>
+            </p:cNvPr>
+            <p:cNvSpPr/>
+            <p:nvPr/>
+          </p:nvSpPr>
+          <p:spPr>
+            <a:xfrm>
+              <a:off x="11465201" y="1070348"/>
+              <a:ext cx="1579324" cy="92901"/>
+            </a:xfrm>
+            <a:custGeom>
+              <a:avLst/>
+              <a:gdLst>
+                <a:gd name="connsiteX0" fmla="*/ 1579324 w 1579324"/>
+                <a:gd name="connsiteY0" fmla="*/ 0 h 92901"/>
+                <a:gd name="connsiteX1" fmla="*/ 603859 w 1579324"/>
+                <a:gd name="connsiteY1" fmla="*/ 0 h 92901"/>
+                <a:gd name="connsiteX2" fmla="*/ 0 w 1579324"/>
+                <a:gd name="connsiteY2" fmla="*/ 0 h 92901"/>
+                <a:gd name="connsiteX3" fmla="*/ 209028 w 1579324"/>
+                <a:gd name="connsiteY3" fmla="*/ 0 h 92901"/>
+              </a:gdLst>
+              <a:ahLst/>
+              <a:cxnLst>
+                <a:cxn ang="0">
+                  <a:pos x="connsiteX0" y="connsiteY0"/>
+                </a:cxn>
+                <a:cxn ang="0">
+                  <a:pos x="connsiteX1" y="connsiteY1"/>
+                </a:cxn>
+                <a:cxn ang="0">
+                  <a:pos x="connsiteX2" y="connsiteY2"/>
+                </a:cxn>
+                <a:cxn ang="0">
+                  <a:pos x="connsiteX3" y="connsiteY3"/>
+                </a:cxn>
+              </a:cxnLst>
+              <a:rect l="l" t="t" r="r" b="b"/>
+              <a:pathLst>
+                <a:path w="1579324" h="92901">
+                  <a:moveTo>
+                    <a:pt x="1579324" y="0"/>
+                  </a:moveTo>
+                  <a:lnTo>
+                    <a:pt x="603859" y="0"/>
+                  </a:lnTo>
+                  <a:moveTo>
+                    <a:pt x="0" y="0"/>
+                  </a:moveTo>
+                  <a:lnTo>
+                    <a:pt x="209028" y="0"/>
+                  </a:lnTo>
+                </a:path>
+              </a:pathLst>
+            </a:custGeom>
+            <a:noFill/>
+            <a:ln w="139303" cap="rnd">
+              <a:solidFill>
+                <a:srgbClr val="0A0CF0">
+                  <a:alpha val="37000"/>
+                </a:srgbClr>
+              </a:solidFill>
+              <a:prstDash val="solid"/>
+              <a:miter/>
+            </a:ln>
+          </p:spPr>
+          <p:txBody>
+            <a:bodyPr rtlCol="0" anchor="ctr"/>
+            <a:lstStyle/>
+            <a:p>
+              <a:endParaRPr lang="ja-JP" altLang="en-US"/>
+            </a:p>
+          </p:txBody>
+        </p:sp>
+      </p:grpSp>
+      <p:sp>
+        <p:nvSpPr>
+          <p:cNvPr id="2" name="角丸四角形 1">
+            <a:extLst>
+              <a:ext uri="{FF2B5EF4-FFF2-40B4-BE49-F238E27FC236}">
+                <a16:creationId xmlns:a16="http://schemas.microsoft.com/office/drawing/2014/main" id="{D560FB00-0E8A-E628-CC1D-9BEABB1F8AF6}"/>
+              </a:ext>
+            </a:extLst>
+          </p:cNvPr>
+          <p:cNvSpPr/>
+          <p:nvPr/>
+        </p:nvSpPr>
+        <p:spPr>
+          <a:xfrm>
+            <a:off x="5417635" y="1284920"/>
+            <a:ext cx="3337877" cy="914400"/>
+          </a:xfrm>
+          <a:prstGeom prst="roundRect">
+            <a:avLst>
+              <a:gd name="adj" fmla="val 0"/>
+            </a:avLst>
+          </a:prstGeom>
+          <a:solidFill>
+            <a:schemeClr val="bg1">
+              <a:alpha val="59000"/>
+            </a:schemeClr>
+          </a:solidFill>
+          <a:ln w="12700">
+            <a:noFill/>
+            <a:miter lim="400000"/>
+          </a:ln>
+          <a:extLst>
+            <a:ext uri="{C572A759-6A51-4108-AA02-DFA0A04FC94B}">
+              <ma14:wrappingTextBoxFlag xmlns:ma14="http://schemas.microsoft.com/office/mac/drawingml/2011/main" xmlns="" val="1"/>
+            </a:ext>
+          </a:extLst>
+        </p:spPr>
+        <p:txBody>
+          <a:bodyPr lIns="0" tIns="0" rIns="0" bIns="0" rtlCol="0" anchor="ctr">
+            <a:noAutofit/>
+          </a:bodyPr>
+          <a:lstStyle/>
+          <a:p>
+            <a:pPr algn="ctr"/>
+            <a:r>
+              <a:rPr kumimoji="1" lang="en" altLang="ja-JP" sz="6000" b="1">
+                <a:solidFill>
+                  <a:srgbClr val="056BE6"/>
+                </a:solidFill>
+                <a:latin typeface="Yu Gothic" panose="020B0400000000000000" pitchFamily="34" charset="-128"/>
+                <a:ea typeface="Yu Gothic" panose="020B0400000000000000" pitchFamily="34" charset="-128"/>
+              </a:rPr>
+              <a:t>R</a:t>
+            </a:r>
+            <a:r>
+              <a:rPr lang="en-US" altLang="ja-JP" sz="6000" b="1">
+                <a:solidFill>
+                  <a:srgbClr val="056BE6"/>
+                </a:solidFill>
+                <a:latin typeface="Yu Gothic" panose="020B0400000000000000" pitchFamily="34" charset="-128"/>
+                <a:ea typeface="Yu Gothic" panose="020B0400000000000000" pitchFamily="34" charset="-128"/>
+              </a:rPr>
+              <a:t> &amp; SQL</a:t>
+            </a:r>
+            <a:endParaRPr kumimoji="1" lang="ja-JP" altLang="en-US" sz="6000" b="1">
+              <a:solidFill>
+                <a:srgbClr val="056BE6"/>
+              </a:solidFill>
+              <a:latin typeface="Yu Gothic" panose="020B0400000000000000" pitchFamily="34" charset="-128"/>
+              <a:ea typeface="Yu Gothic" panose="020B0400000000000000" pitchFamily="34" charset="-128"/>
+            </a:endParaRPr>
+          </a:p>
+        </p:txBody>
+      </p:sp>
+      <p:sp>
+        <p:nvSpPr>
+          <p:cNvPr id="3" name="角丸四角形 2">
+            <a:extLst>
+              <a:ext uri="{FF2B5EF4-FFF2-40B4-BE49-F238E27FC236}">
+                <a16:creationId xmlns:a16="http://schemas.microsoft.com/office/drawing/2014/main" id="{893DBA56-8022-A275-0156-D3F30FEBC897}"/>
+              </a:ext>
+            </a:extLst>
+          </p:cNvPr>
+          <p:cNvSpPr/>
+          <p:nvPr/>
+        </p:nvSpPr>
+        <p:spPr>
+          <a:xfrm>
+            <a:off x="5417420" y="2262649"/>
+            <a:ext cx="5844746" cy="1166447"/>
+          </a:xfrm>
+          <a:prstGeom prst="roundRect">
+            <a:avLst>
+              <a:gd name="adj" fmla="val 0"/>
+            </a:avLst>
+          </a:prstGeom>
+          <a:solidFill>
+            <a:schemeClr val="bg1">
+              <a:alpha val="74000"/>
+            </a:schemeClr>
+          </a:solidFill>
+          <a:ln w="12700">
+            <a:noFill/>
+            <a:miter lim="400000"/>
+          </a:ln>
+          <a:extLst>
+            <a:ext uri="{C572A759-6A51-4108-AA02-DFA0A04FC94B}">
+              <ma14:wrappingTextBoxFlag xmlns:ma14="http://schemas.microsoft.com/office/mac/drawingml/2011/main" xmlns="" val="1"/>
+            </a:ext>
+          </a:extLst>
+        </p:spPr>
+        <p:txBody>
+          <a:bodyPr lIns="0" tIns="0" rIns="0" bIns="0" rtlCol="0" anchor="ctr">
+            <a:noAutofit/>
+          </a:bodyPr>
+          <a:lstStyle/>
+          <a:p>
+            <a:pPr algn="ctr"/>
+            <a:r>
+              <a:rPr kumimoji="1" lang="ja-JP" altLang="en-US" sz="7200" b="1">
+                <a:solidFill>
+                  <a:srgbClr val="0200A0"/>
+                </a:solidFill>
+                <a:effectLst>
+                  <a:outerShdw blurRad="25400" dist="38100" dir="2700000" algn="tl" rotWithShape="0">
+                    <a:schemeClr val="accent6">
+                      <a:lumMod val="75000"/>
+                      <a:alpha val="32000"/>
+                    </a:schemeClr>
+                  </a:outerShdw>
+                </a:effectLst>
+                <a:latin typeface="Hiragino Maru Gothic Pro W4" panose="020F0400000000000000" pitchFamily="34" charset="-128"/>
+                <a:ea typeface="Hiragino Maru Gothic Pro W4" panose="020F0400000000000000" pitchFamily="34" charset="-128"/>
+              </a:rPr>
+              <a:t>演習問題一覧</a:t>
+            </a:r>
+          </a:p>
+        </p:txBody>
+      </p:sp>
+      <p:grpSp>
+        <p:nvGrpSpPr>
+          <p:cNvPr id="30" name="グループ化 29">
+            <a:extLst>
+              <a:ext uri="{FF2B5EF4-FFF2-40B4-BE49-F238E27FC236}">
+                <a16:creationId xmlns:a16="http://schemas.microsoft.com/office/drawing/2014/main" id="{9593EA69-A5E2-C941-3145-7013EEBC622E}"/>
+              </a:ext>
+            </a:extLst>
+          </p:cNvPr>
+          <p:cNvGrpSpPr/>
+          <p:nvPr/>
+        </p:nvGrpSpPr>
+        <p:grpSpPr>
+          <a:xfrm>
+            <a:off x="11808618" y="713741"/>
+            <a:ext cx="1745957" cy="3011305"/>
+            <a:chOff x="11465201" y="698742"/>
+            <a:chExt cx="1579324" cy="2723908"/>
+          </a:xfrm>
+        </p:grpSpPr>
+        <p:sp>
+          <p:nvSpPr>
+            <p:cNvPr id="31" name="フリーフォーム 30">
+              <a:extLst>
+                <a:ext uri="{FF2B5EF4-FFF2-40B4-BE49-F238E27FC236}">
+                  <a16:creationId xmlns:a16="http://schemas.microsoft.com/office/drawing/2014/main" id="{42DD5361-0A04-BDC3-31B8-4281192D2D6B}"/>
+                </a:ext>
+              </a:extLst>
+            </p:cNvPr>
+            <p:cNvSpPr/>
+            <p:nvPr/>
+          </p:nvSpPr>
+          <p:spPr>
+            <a:xfrm>
+              <a:off x="12487116" y="2911693"/>
+              <a:ext cx="557408" cy="464507"/>
+            </a:xfrm>
+            <a:custGeom>
+              <a:avLst/>
+              <a:gdLst>
+                <a:gd name="connsiteX0" fmla="*/ 0 w 557408"/>
+                <a:gd name="connsiteY0" fmla="*/ 232254 h 464507"/>
+                <a:gd name="connsiteX1" fmla="*/ 195093 w 557408"/>
+                <a:gd name="connsiteY1" fmla="*/ 464507 h 464507"/>
+                <a:gd name="connsiteX2" fmla="*/ 557409 w 557408"/>
+                <a:gd name="connsiteY2" fmla="*/ 0 h 464507"/>
+              </a:gdLst>
+              <a:ahLst/>
+              <a:cxnLst>
+                <a:cxn ang="0">
+                  <a:pos x="connsiteX0" y="connsiteY0"/>
+                </a:cxn>
+                <a:cxn ang="0">
+                  <a:pos x="connsiteX1" y="connsiteY1"/>
+                </a:cxn>
+                <a:cxn ang="0">
+                  <a:pos x="connsiteX2" y="connsiteY2"/>
+                </a:cxn>
+              </a:cxnLst>
+              <a:rect l="l" t="t" r="r" b="b"/>
+              <a:pathLst>
+                <a:path w="557408" h="464507">
+                  <a:moveTo>
+                    <a:pt x="0" y="232254"/>
+                  </a:moveTo>
+                  <a:lnTo>
+                    <a:pt x="195093" y="464507"/>
+                  </a:lnTo>
+                  <a:lnTo>
+                    <a:pt x="557409" y="0"/>
+                  </a:lnTo>
+                </a:path>
+              </a:pathLst>
+            </a:custGeom>
+            <a:noFill/>
+            <a:ln w="139303" cap="rnd">
+              <a:solidFill>
+                <a:srgbClr val="0A0CF0">
+                  <a:alpha val="33000"/>
+                </a:srgbClr>
+              </a:solidFill>
+              <a:prstDash val="solid"/>
+              <a:round/>
+            </a:ln>
+          </p:spPr>
+          <p:txBody>
+            <a:bodyPr rtlCol="0" anchor="ctr"/>
+            <a:lstStyle/>
+            <a:p>
+              <a:endParaRPr lang="ja-JP" altLang="en-US"/>
+            </a:p>
+          </p:txBody>
+        </p:sp>
+        <p:sp>
+          <p:nvSpPr>
+            <p:cNvPr id="32" name="フリーフォーム 31">
+              <a:extLst>
+                <a:ext uri="{FF2B5EF4-FFF2-40B4-BE49-F238E27FC236}">
+                  <a16:creationId xmlns:a16="http://schemas.microsoft.com/office/drawing/2014/main" id="{7F6893EB-D283-0DE9-7863-0B133CB9A127}"/>
+                </a:ext>
+              </a:extLst>
+            </p:cNvPr>
+            <p:cNvSpPr/>
+            <p:nvPr/>
+          </p:nvSpPr>
+          <p:spPr>
+            <a:xfrm>
+              <a:off x="11465201" y="2958143"/>
+              <a:ext cx="650309" cy="92901"/>
+            </a:xfrm>
+            <a:custGeom>
+              <a:avLst/>
+              <a:gdLst>
+                <a:gd name="connsiteX0" fmla="*/ 650310 w 650309"/>
+                <a:gd name="connsiteY0" fmla="*/ 0 h 92901"/>
+                <a:gd name="connsiteX1" fmla="*/ 0 w 650309"/>
+                <a:gd name="connsiteY1" fmla="*/ 0 h 92901"/>
+              </a:gdLst>
+              <a:ahLst/>
+              <a:cxnLst>
+                <a:cxn ang="0">
+                  <a:pos x="connsiteX0" y="connsiteY0"/>
+                </a:cxn>
+                <a:cxn ang="0">
+                  <a:pos x="connsiteX1" y="connsiteY1"/>
+                </a:cxn>
+              </a:cxnLst>
+              <a:rect l="l" t="t" r="r" b="b"/>
+              <a:pathLst>
+                <a:path w="650309" h="92901">
+                  <a:moveTo>
+                    <a:pt x="650310" y="0"/>
+                  </a:moveTo>
+                  <a:lnTo>
+                    <a:pt x="0" y="0"/>
+                  </a:lnTo>
+                </a:path>
+              </a:pathLst>
+            </a:custGeom>
+            <a:noFill/>
+            <a:ln w="139303" cap="rnd">
+              <a:solidFill>
+                <a:srgbClr val="0A0CF0">
+                  <a:alpha val="33000"/>
+                </a:srgbClr>
+              </a:solidFill>
+              <a:prstDash val="solid"/>
+              <a:miter/>
+            </a:ln>
+          </p:spPr>
+          <p:txBody>
+            <a:bodyPr rtlCol="0" anchor="ctr"/>
+            <a:lstStyle/>
+            <a:p>
+              <a:endParaRPr lang="ja-JP" altLang="en-US"/>
+            </a:p>
+          </p:txBody>
+        </p:sp>
+        <p:sp>
+          <p:nvSpPr>
+            <p:cNvPr id="33" name="フリーフォーム 32">
+              <a:extLst>
+                <a:ext uri="{FF2B5EF4-FFF2-40B4-BE49-F238E27FC236}">
+                  <a16:creationId xmlns:a16="http://schemas.microsoft.com/office/drawing/2014/main" id="{DBA41AAF-F40B-7904-100C-D75B58FFF621}"/>
+                </a:ext>
+              </a:extLst>
+            </p:cNvPr>
+            <p:cNvSpPr/>
+            <p:nvPr/>
+          </p:nvSpPr>
+          <p:spPr>
+            <a:xfrm>
+              <a:off x="11465201" y="3329749"/>
+              <a:ext cx="650309" cy="92901"/>
+            </a:xfrm>
+            <a:custGeom>
+              <a:avLst/>
+              <a:gdLst>
+                <a:gd name="connsiteX0" fmla="*/ 650310 w 650309"/>
+                <a:gd name="connsiteY0" fmla="*/ 0 h 92901"/>
+                <a:gd name="connsiteX1" fmla="*/ 0 w 650309"/>
+                <a:gd name="connsiteY1" fmla="*/ 0 h 92901"/>
+              </a:gdLst>
+              <a:ahLst/>
+              <a:cxnLst>
+                <a:cxn ang="0">
+                  <a:pos x="connsiteX0" y="connsiteY0"/>
+                </a:cxn>
+                <a:cxn ang="0">
+                  <a:pos x="connsiteX1" y="connsiteY1"/>
+                </a:cxn>
+              </a:cxnLst>
+              <a:rect l="l" t="t" r="r" b="b"/>
+              <a:pathLst>
+                <a:path w="650309" h="92901">
+                  <a:moveTo>
+                    <a:pt x="650310" y="0"/>
+                  </a:moveTo>
+                  <a:lnTo>
+                    <a:pt x="0" y="0"/>
+                  </a:lnTo>
+                </a:path>
+              </a:pathLst>
+            </a:custGeom>
+            <a:noFill/>
+            <a:ln w="139303" cap="rnd">
+              <a:solidFill>
+                <a:srgbClr val="0A0CF0">
+                  <a:alpha val="33000"/>
+                </a:srgbClr>
+              </a:solidFill>
+              <a:prstDash val="solid"/>
+              <a:miter/>
+            </a:ln>
+          </p:spPr>
+          <p:txBody>
+            <a:bodyPr rtlCol="0" anchor="ctr"/>
+            <a:lstStyle/>
+            <a:p>
+              <a:endParaRPr lang="ja-JP" altLang="en-US"/>
+            </a:p>
+          </p:txBody>
+        </p:sp>
+        <p:sp>
+          <p:nvSpPr>
+            <p:cNvPr id="34" name="フリーフォーム 33">
+              <a:extLst>
+                <a:ext uri="{FF2B5EF4-FFF2-40B4-BE49-F238E27FC236}">
+                  <a16:creationId xmlns:a16="http://schemas.microsoft.com/office/drawing/2014/main" id="{523C10BB-72A0-136D-837B-3D9F5A687E7B}"/>
+                </a:ext>
+              </a:extLst>
+            </p:cNvPr>
+            <p:cNvSpPr/>
+            <p:nvPr/>
+          </p:nvSpPr>
+          <p:spPr>
+            <a:xfrm>
+              <a:off x="11465201" y="2214932"/>
+              <a:ext cx="1579324" cy="92901"/>
+            </a:xfrm>
+            <a:custGeom>
+              <a:avLst/>
+              <a:gdLst>
+                <a:gd name="connsiteX0" fmla="*/ 0 w 1579324"/>
+                <a:gd name="connsiteY0" fmla="*/ 0 h 92901"/>
+                <a:gd name="connsiteX1" fmla="*/ 975465 w 1579324"/>
+                <a:gd name="connsiteY1" fmla="*/ 0 h 92901"/>
+                <a:gd name="connsiteX2" fmla="*/ 1579324 w 1579324"/>
+                <a:gd name="connsiteY2" fmla="*/ 0 h 92901"/>
+                <a:gd name="connsiteX3" fmla="*/ 1370296 w 1579324"/>
+                <a:gd name="connsiteY3" fmla="*/ 0 h 92901"/>
+              </a:gdLst>
+              <a:ahLst/>
+              <a:cxnLst>
+                <a:cxn ang="0">
+                  <a:pos x="connsiteX0" y="connsiteY0"/>
+                </a:cxn>
+                <a:cxn ang="0">
+                  <a:pos x="connsiteX1" y="connsiteY1"/>
+                </a:cxn>
+                <a:cxn ang="0">
+                  <a:pos x="connsiteX2" y="connsiteY2"/>
+                </a:cxn>
+                <a:cxn ang="0">
+                  <a:pos x="connsiteX3" y="connsiteY3"/>
+                </a:cxn>
+              </a:cxnLst>
+              <a:rect l="l" t="t" r="r" b="b"/>
+              <a:pathLst>
+                <a:path w="1579324" h="92901">
+                  <a:moveTo>
+                    <a:pt x="0" y="0"/>
+                  </a:moveTo>
+                  <a:lnTo>
+                    <a:pt x="975465" y="0"/>
+                  </a:lnTo>
+                  <a:moveTo>
+                    <a:pt x="1579324" y="0"/>
+                  </a:moveTo>
+                  <a:lnTo>
+                    <a:pt x="1370296" y="0"/>
+                  </a:lnTo>
+                </a:path>
+              </a:pathLst>
+            </a:custGeom>
+            <a:noFill/>
+            <a:ln w="139303" cap="rnd">
+              <a:solidFill>
+                <a:srgbClr val="0A0CF0">
+                  <a:alpha val="33000"/>
+                </a:srgbClr>
+              </a:solidFill>
+              <a:prstDash val="solid"/>
+              <a:miter/>
+            </a:ln>
+          </p:spPr>
+          <p:txBody>
+            <a:bodyPr rtlCol="0" anchor="ctr"/>
+            <a:lstStyle/>
+            <a:p>
+              <a:endParaRPr lang="ja-JP" altLang="en-US"/>
+            </a:p>
+          </p:txBody>
+        </p:sp>
+        <p:sp>
+          <p:nvSpPr>
+            <p:cNvPr id="35" name="フリーフォーム 34">
+              <a:extLst>
+                <a:ext uri="{FF2B5EF4-FFF2-40B4-BE49-F238E27FC236}">
+                  <a16:creationId xmlns:a16="http://schemas.microsoft.com/office/drawing/2014/main" id="{341A94BD-6EA1-EF4F-C9B1-B5C81C25FFE3}"/>
+                </a:ext>
+              </a:extLst>
+            </p:cNvPr>
+            <p:cNvSpPr/>
+            <p:nvPr/>
+          </p:nvSpPr>
+          <p:spPr>
+            <a:xfrm>
+              <a:off x="11465201" y="2586538"/>
+              <a:ext cx="1579324" cy="92901"/>
+            </a:xfrm>
+            <a:custGeom>
+              <a:avLst/>
+              <a:gdLst>
+                <a:gd name="connsiteX0" fmla="*/ 1579324 w 1579324"/>
+                <a:gd name="connsiteY0" fmla="*/ 0 h 92901"/>
+                <a:gd name="connsiteX1" fmla="*/ 603859 w 1579324"/>
+                <a:gd name="connsiteY1" fmla="*/ 0 h 92901"/>
+                <a:gd name="connsiteX2" fmla="*/ 0 w 1579324"/>
+                <a:gd name="connsiteY2" fmla="*/ 0 h 92901"/>
+                <a:gd name="connsiteX3" fmla="*/ 209028 w 1579324"/>
+                <a:gd name="connsiteY3" fmla="*/ 0 h 92901"/>
+              </a:gdLst>
+              <a:ahLst/>
+              <a:cxnLst>
+                <a:cxn ang="0">
+                  <a:pos x="connsiteX0" y="connsiteY0"/>
+                </a:cxn>
+                <a:cxn ang="0">
+                  <a:pos x="connsiteX1" y="connsiteY1"/>
+                </a:cxn>
+                <a:cxn ang="0">
+                  <a:pos x="connsiteX2" y="connsiteY2"/>
+                </a:cxn>
+                <a:cxn ang="0">
+                  <a:pos x="connsiteX3" y="connsiteY3"/>
+                </a:cxn>
+              </a:cxnLst>
+              <a:rect l="l" t="t" r="r" b="b"/>
+              <a:pathLst>
+                <a:path w="1579324" h="92901">
+                  <a:moveTo>
+                    <a:pt x="1579324" y="0"/>
+                  </a:moveTo>
+                  <a:lnTo>
+                    <a:pt x="603859" y="0"/>
+                  </a:lnTo>
+                  <a:moveTo>
+                    <a:pt x="0" y="0"/>
+                  </a:moveTo>
+                  <a:lnTo>
+                    <a:pt x="209028" y="0"/>
+                  </a:lnTo>
+                </a:path>
+              </a:pathLst>
+            </a:custGeom>
+            <a:noFill/>
+            <a:ln w="139303" cap="rnd">
+              <a:solidFill>
+                <a:srgbClr val="0A0CF0">
+                  <a:alpha val="33000"/>
+                </a:srgbClr>
+              </a:solidFill>
+              <a:prstDash val="solid"/>
+              <a:miter/>
+            </a:ln>
+          </p:spPr>
+          <p:txBody>
+            <a:bodyPr rtlCol="0" anchor="ctr"/>
+            <a:lstStyle/>
+            <a:p>
+              <a:endParaRPr lang="ja-JP" altLang="en-US"/>
+            </a:p>
+          </p:txBody>
+        </p:sp>
+        <p:sp>
+          <p:nvSpPr>
+            <p:cNvPr id="36" name="フリーフォーム 35">
+              <a:extLst>
+                <a:ext uri="{FF2B5EF4-FFF2-40B4-BE49-F238E27FC236}">
+                  <a16:creationId xmlns:a16="http://schemas.microsoft.com/office/drawing/2014/main" id="{D1929696-5AF4-A0C6-7006-3C54051DF6B8}"/>
+                </a:ext>
+              </a:extLst>
+            </p:cNvPr>
+            <p:cNvSpPr/>
+            <p:nvPr/>
+          </p:nvSpPr>
+          <p:spPr>
+            <a:xfrm>
+              <a:off x="11465201" y="1455804"/>
+              <a:ext cx="1579324" cy="92901"/>
+            </a:xfrm>
+            <a:custGeom>
+              <a:avLst/>
+              <a:gdLst>
+                <a:gd name="connsiteX0" fmla="*/ 0 w 1579324"/>
+                <a:gd name="connsiteY0" fmla="*/ 0 h 92901"/>
+                <a:gd name="connsiteX1" fmla="*/ 975465 w 1579324"/>
+                <a:gd name="connsiteY1" fmla="*/ 0 h 92901"/>
+                <a:gd name="connsiteX2" fmla="*/ 1579324 w 1579324"/>
+                <a:gd name="connsiteY2" fmla="*/ 0 h 92901"/>
+                <a:gd name="connsiteX3" fmla="*/ 1370296 w 1579324"/>
+                <a:gd name="connsiteY3" fmla="*/ 0 h 92901"/>
+              </a:gdLst>
+              <a:ahLst/>
+              <a:cxnLst>
+                <a:cxn ang="0">
+                  <a:pos x="connsiteX0" y="connsiteY0"/>
+                </a:cxn>
+                <a:cxn ang="0">
+                  <a:pos x="connsiteX1" y="connsiteY1"/>
+                </a:cxn>
+                <a:cxn ang="0">
+                  <a:pos x="connsiteX2" y="connsiteY2"/>
+                </a:cxn>
+                <a:cxn ang="0">
+                  <a:pos x="connsiteX3" y="connsiteY3"/>
+                </a:cxn>
+              </a:cxnLst>
+              <a:rect l="l" t="t" r="r" b="b"/>
+              <a:pathLst>
+                <a:path w="1579324" h="92901">
+                  <a:moveTo>
+                    <a:pt x="0" y="0"/>
+                  </a:moveTo>
+                  <a:lnTo>
+                    <a:pt x="975465" y="0"/>
+                  </a:lnTo>
+                  <a:moveTo>
+                    <a:pt x="1579324" y="0"/>
+                  </a:moveTo>
+                  <a:lnTo>
+                    <a:pt x="1370296" y="0"/>
+                  </a:lnTo>
+                </a:path>
+              </a:pathLst>
+            </a:custGeom>
+            <a:noFill/>
+            <a:ln w="139303" cap="rnd">
+              <a:solidFill>
+                <a:srgbClr val="0A0CF0">
+                  <a:alpha val="33000"/>
+                </a:srgbClr>
+              </a:solidFill>
+              <a:prstDash val="solid"/>
+              <a:miter/>
+            </a:ln>
+          </p:spPr>
+          <p:txBody>
+            <a:bodyPr rtlCol="0" anchor="ctr"/>
+            <a:lstStyle/>
+            <a:p>
+              <a:endParaRPr lang="ja-JP" altLang="en-US"/>
+            </a:p>
+          </p:txBody>
+        </p:sp>
+        <p:sp>
+          <p:nvSpPr>
+            <p:cNvPr id="37" name="フリーフォーム 36">
+              <a:extLst>
+                <a:ext uri="{FF2B5EF4-FFF2-40B4-BE49-F238E27FC236}">
+                  <a16:creationId xmlns:a16="http://schemas.microsoft.com/office/drawing/2014/main" id="{CB0C6876-77C4-A315-023B-A0DDBCF0146B}"/>
+                </a:ext>
+              </a:extLst>
+            </p:cNvPr>
+            <p:cNvSpPr/>
+            <p:nvPr/>
+          </p:nvSpPr>
+          <p:spPr>
+            <a:xfrm>
+              <a:off x="11465201" y="1827410"/>
+              <a:ext cx="1579324" cy="92901"/>
+            </a:xfrm>
+            <a:custGeom>
+              <a:avLst/>
+              <a:gdLst>
+                <a:gd name="connsiteX0" fmla="*/ 1579324 w 1579324"/>
+                <a:gd name="connsiteY0" fmla="*/ 0 h 92901"/>
+                <a:gd name="connsiteX1" fmla="*/ 603859 w 1579324"/>
+                <a:gd name="connsiteY1" fmla="*/ 0 h 92901"/>
+                <a:gd name="connsiteX2" fmla="*/ 0 w 1579324"/>
+                <a:gd name="connsiteY2" fmla="*/ 0 h 92901"/>
+                <a:gd name="connsiteX3" fmla="*/ 209028 w 1579324"/>
+                <a:gd name="connsiteY3" fmla="*/ 0 h 92901"/>
+              </a:gdLst>
+              <a:ahLst/>
+              <a:cxnLst>
+                <a:cxn ang="0">
+                  <a:pos x="connsiteX0" y="connsiteY0"/>
+                </a:cxn>
+                <a:cxn ang="0">
+                  <a:pos x="connsiteX1" y="connsiteY1"/>
+                </a:cxn>
+                <a:cxn ang="0">
+                  <a:pos x="connsiteX2" y="connsiteY2"/>
+                </a:cxn>
+                <a:cxn ang="0">
+                  <a:pos x="connsiteX3" y="connsiteY3"/>
+                </a:cxn>
+              </a:cxnLst>
+              <a:rect l="l" t="t" r="r" b="b"/>
+              <a:pathLst>
+                <a:path w="1579324" h="92901">
+                  <a:moveTo>
+                    <a:pt x="1579324" y="0"/>
+                  </a:moveTo>
+                  <a:lnTo>
+                    <a:pt x="603859" y="0"/>
+                  </a:lnTo>
+                  <a:moveTo>
+                    <a:pt x="0" y="0"/>
+                  </a:moveTo>
+                  <a:lnTo>
+                    <a:pt x="209028" y="0"/>
+                  </a:lnTo>
+                </a:path>
+              </a:pathLst>
+            </a:custGeom>
+            <a:noFill/>
+            <a:ln w="139303" cap="rnd">
+              <a:solidFill>
+                <a:srgbClr val="0A0CF0">
+                  <a:alpha val="33000"/>
+                </a:srgbClr>
+              </a:solidFill>
+              <a:prstDash val="solid"/>
+              <a:miter/>
+            </a:ln>
+          </p:spPr>
+          <p:txBody>
+            <a:bodyPr rtlCol="0" anchor="ctr"/>
+            <a:lstStyle/>
+            <a:p>
+              <a:endParaRPr lang="ja-JP" altLang="en-US"/>
+            </a:p>
+          </p:txBody>
+        </p:sp>
+        <p:sp>
+          <p:nvSpPr>
+            <p:cNvPr id="38" name="フリーフォーム 37">
+              <a:extLst>
+                <a:ext uri="{FF2B5EF4-FFF2-40B4-BE49-F238E27FC236}">
+                  <a16:creationId xmlns:a16="http://schemas.microsoft.com/office/drawing/2014/main" id="{847F5611-9D39-D9DE-7D7E-B2C8005E54D0}"/>
+                </a:ext>
+              </a:extLst>
+            </p:cNvPr>
+            <p:cNvSpPr/>
+            <p:nvPr/>
+          </p:nvSpPr>
+          <p:spPr>
+            <a:xfrm>
+              <a:off x="11465201" y="698742"/>
+              <a:ext cx="1579324" cy="92901"/>
+            </a:xfrm>
+            <a:custGeom>
+              <a:avLst/>
+              <a:gdLst>
+                <a:gd name="connsiteX0" fmla="*/ 0 w 1579324"/>
+                <a:gd name="connsiteY0" fmla="*/ 0 h 92901"/>
+                <a:gd name="connsiteX1" fmla="*/ 975465 w 1579324"/>
+                <a:gd name="connsiteY1" fmla="*/ 0 h 92901"/>
+                <a:gd name="connsiteX2" fmla="*/ 1579324 w 1579324"/>
+                <a:gd name="connsiteY2" fmla="*/ 0 h 92901"/>
+                <a:gd name="connsiteX3" fmla="*/ 1370296 w 1579324"/>
+                <a:gd name="connsiteY3" fmla="*/ 0 h 92901"/>
+              </a:gdLst>
+              <a:ahLst/>
+              <a:cxnLst>
+                <a:cxn ang="0">
+                  <a:pos x="connsiteX0" y="connsiteY0"/>
+                </a:cxn>
+                <a:cxn ang="0">
+                  <a:pos x="connsiteX1" y="connsiteY1"/>
+                </a:cxn>
+                <a:cxn ang="0">
+                  <a:pos x="connsiteX2" y="connsiteY2"/>
+                </a:cxn>
+                <a:cxn ang="0">
+                  <a:pos x="connsiteX3" y="connsiteY3"/>
+                </a:cxn>
+              </a:cxnLst>
+              <a:rect l="l" t="t" r="r" b="b"/>
+              <a:pathLst>
+                <a:path w="1579324" h="92901">
+                  <a:moveTo>
+                    <a:pt x="0" y="0"/>
+                  </a:moveTo>
+                  <a:lnTo>
+                    <a:pt x="975465" y="0"/>
+                  </a:lnTo>
+                  <a:moveTo>
+                    <a:pt x="1579324" y="0"/>
+                  </a:moveTo>
+                  <a:lnTo>
+                    <a:pt x="1370296" y="0"/>
+                  </a:lnTo>
+                </a:path>
+              </a:pathLst>
+            </a:custGeom>
+            <a:noFill/>
+            <a:ln w="139303" cap="rnd">
+              <a:solidFill>
+                <a:srgbClr val="0A0CF0">
+                  <a:alpha val="33000"/>
+                </a:srgbClr>
+              </a:solidFill>
+              <a:prstDash val="solid"/>
+              <a:miter/>
+            </a:ln>
+          </p:spPr>
+          <p:txBody>
+            <a:bodyPr rtlCol="0" anchor="ctr"/>
+            <a:lstStyle/>
+            <a:p>
+              <a:endParaRPr lang="ja-JP" altLang="en-US"/>
+            </a:p>
+          </p:txBody>
+        </p:sp>
+        <p:sp>
+          <p:nvSpPr>
+            <p:cNvPr id="39" name="フリーフォーム 38">
+              <a:extLst>
+                <a:ext uri="{FF2B5EF4-FFF2-40B4-BE49-F238E27FC236}">
+                  <a16:creationId xmlns:a16="http://schemas.microsoft.com/office/drawing/2014/main" id="{7018B8BA-D05B-5C33-3822-D3FCBEBE7D74}"/>
+                </a:ext>
+              </a:extLst>
+            </p:cNvPr>
+            <p:cNvSpPr/>
+            <p:nvPr/>
+          </p:nvSpPr>
+          <p:spPr>
+            <a:xfrm>
+              <a:off x="11465201" y="1070348"/>
+              <a:ext cx="1579324" cy="92901"/>
+            </a:xfrm>
+            <a:custGeom>
+              <a:avLst/>
+              <a:gdLst>
+                <a:gd name="connsiteX0" fmla="*/ 1579324 w 1579324"/>
+                <a:gd name="connsiteY0" fmla="*/ 0 h 92901"/>
+                <a:gd name="connsiteX1" fmla="*/ 603859 w 1579324"/>
+                <a:gd name="connsiteY1" fmla="*/ 0 h 92901"/>
+                <a:gd name="connsiteX2" fmla="*/ 0 w 1579324"/>
+                <a:gd name="connsiteY2" fmla="*/ 0 h 92901"/>
+                <a:gd name="connsiteX3" fmla="*/ 209028 w 1579324"/>
+                <a:gd name="connsiteY3" fmla="*/ 0 h 92901"/>
+              </a:gdLst>
+              <a:ahLst/>
+              <a:cxnLst>
+                <a:cxn ang="0">
+                  <a:pos x="connsiteX0" y="connsiteY0"/>
+                </a:cxn>
+                <a:cxn ang="0">
+                  <a:pos x="connsiteX1" y="connsiteY1"/>
+                </a:cxn>
+                <a:cxn ang="0">
+                  <a:pos x="connsiteX2" y="connsiteY2"/>
+                </a:cxn>
+                <a:cxn ang="0">
+                  <a:pos x="connsiteX3" y="connsiteY3"/>
+                </a:cxn>
+              </a:cxnLst>
+              <a:rect l="l" t="t" r="r" b="b"/>
+              <a:pathLst>
+                <a:path w="1579324" h="92901">
+                  <a:moveTo>
+                    <a:pt x="1579324" y="0"/>
+                  </a:moveTo>
+                  <a:lnTo>
+                    <a:pt x="603859" y="0"/>
+                  </a:lnTo>
+                  <a:moveTo>
+                    <a:pt x="0" y="0"/>
+                  </a:moveTo>
+                  <a:lnTo>
+                    <a:pt x="209028" y="0"/>
+                  </a:lnTo>
+                </a:path>
+              </a:pathLst>
+            </a:custGeom>
+            <a:noFill/>
+            <a:ln w="139303" cap="rnd">
+              <a:solidFill>
+                <a:srgbClr val="0A0CF0">
+                  <a:alpha val="33000"/>
+                </a:srgbClr>
+              </a:solidFill>
+              <a:prstDash val="solid"/>
+              <a:miter/>
+            </a:ln>
+          </p:spPr>
+          <p:txBody>
+            <a:bodyPr rtlCol="0" anchor="ctr"/>
+            <a:lstStyle/>
+            <a:p>
+              <a:endParaRPr lang="ja-JP" altLang="en-US"/>
+            </a:p>
+          </p:txBody>
+        </p:sp>
+      </p:grpSp>
+      <p:sp>
+        <p:nvSpPr>
+          <p:cNvPr id="4" name="角丸四角形 3">
+            <a:extLst>
+              <a:ext uri="{FF2B5EF4-FFF2-40B4-BE49-F238E27FC236}">
+                <a16:creationId xmlns:a16="http://schemas.microsoft.com/office/drawing/2014/main" id="{0ABC980A-BAFA-097C-C482-DB7BBEBE9F5F}"/>
+              </a:ext>
+            </a:extLst>
+          </p:cNvPr>
+          <p:cNvSpPr/>
+          <p:nvPr/>
+        </p:nvSpPr>
+        <p:spPr>
+          <a:xfrm>
+            <a:off x="1086679" y="1753772"/>
+            <a:ext cx="1431234" cy="830398"/>
+          </a:xfrm>
+          <a:prstGeom prst="roundRect">
+            <a:avLst/>
+          </a:prstGeom>
+          <a:solidFill>
+            <a:srgbClr val="751CFE">
+              <a:alpha val="63000"/>
+            </a:srgbClr>
+          </a:solidFill>
+          <a:ln w="12700">
+            <a:noFill/>
+            <a:miter lim="400000"/>
+          </a:ln>
+          <a:extLst>
+            <a:ext uri="{C572A759-6A51-4108-AA02-DFA0A04FC94B}">
+              <ma14:wrappingTextBoxFlag xmlns:ma14="http://schemas.microsoft.com/office/mac/drawingml/2011/main" xmlns="" val="1"/>
+            </a:ext>
+          </a:extLst>
+        </p:spPr>
+        <p:txBody>
+          <a:bodyPr rtlCol="0" anchor="ctr"/>
+          <a:lstStyle/>
+          <a:p>
+            <a:pPr algn="ctr"/>
+            <a:r>
+              <a:rPr kumimoji="1" lang="en-US" altLang="ja-JP" sz="6000" b="1">
+                <a:solidFill>
+                  <a:schemeClr val="bg1"/>
+                </a:solidFill>
+                <a:effectLst>
+                  <a:outerShdw blurRad="25400" dist="63500" dir="2700000" algn="tl" rotWithShape="0">
+                    <a:schemeClr val="tx1">
+                      <a:alpha val="31000"/>
+                    </a:schemeClr>
+                  </a:outerShdw>
+                </a:effectLst>
+                <a:latin typeface="Arial Black" panose="020B0604020202020204" pitchFamily="34" charset="0"/>
+                <a:cs typeface="Arial Black" panose="020B0604020202020204" pitchFamily="34" charset="0"/>
+              </a:rPr>
+              <a:t>R</a:t>
+            </a:r>
+            <a:endParaRPr kumimoji="1" lang="ja-JP" altLang="en-US" sz="6000" b="1">
+              <a:solidFill>
+                <a:schemeClr val="bg1"/>
+              </a:solidFill>
+              <a:effectLst>
+                <a:outerShdw blurRad="25400" dist="63500" dir="2700000" algn="tl" rotWithShape="0">
+                  <a:schemeClr val="tx1">
+                    <a:alpha val="31000"/>
+                  </a:schemeClr>
+                </a:outerShdw>
+              </a:effectLst>
+              <a:latin typeface="Arial Black" panose="020B0604020202020204" pitchFamily="34" charset="0"/>
+              <a:cs typeface="Arial Black" panose="020B0604020202020204" pitchFamily="34" charset="0"/>
+            </a:endParaRPr>
+          </a:p>
+        </p:txBody>
+      </p:sp>
+      <p:sp>
+        <p:nvSpPr>
+          <p:cNvPr id="5" name="角丸四角形 4">
+            <a:extLst>
+              <a:ext uri="{FF2B5EF4-FFF2-40B4-BE49-F238E27FC236}">
+                <a16:creationId xmlns:a16="http://schemas.microsoft.com/office/drawing/2014/main" id="{11362BFD-4FFC-B872-0109-A216E4C78530}"/>
+              </a:ext>
+            </a:extLst>
+          </p:cNvPr>
+          <p:cNvSpPr/>
+          <p:nvPr/>
+        </p:nvSpPr>
+        <p:spPr>
+          <a:xfrm>
+            <a:off x="11763590" y="1744394"/>
+            <a:ext cx="1859647" cy="839776"/>
+          </a:xfrm>
+          <a:prstGeom prst="roundRect">
+            <a:avLst/>
+          </a:prstGeom>
+          <a:solidFill>
+            <a:schemeClr val="accent6">
+              <a:lumMod val="75000"/>
+              <a:alpha val="73036"/>
+            </a:schemeClr>
+          </a:solidFill>
+          <a:ln w="12700">
+            <a:noFill/>
+            <a:miter lim="400000"/>
+          </a:ln>
+          <a:extLst>
+            <a:ext uri="{C572A759-6A51-4108-AA02-DFA0A04FC94B}">
+              <ma14:wrappingTextBoxFlag xmlns:ma14="http://schemas.microsoft.com/office/mac/drawingml/2011/main" xmlns="" val="1"/>
+            </a:ext>
+          </a:extLst>
+        </p:spPr>
+        <p:txBody>
+          <a:bodyPr rtlCol="0" anchor="ctr"/>
+          <a:lstStyle/>
+          <a:p>
+            <a:pPr algn="ctr"/>
+            <a:r>
+              <a:rPr lang="en-US" altLang="ja-JP" sz="5400" b="1">
+                <a:solidFill>
+                  <a:schemeClr val="bg1"/>
+                </a:solidFill>
+                <a:effectLst>
+                  <a:outerShdw blurRad="25400" dist="50800" dir="2700000" algn="tl" rotWithShape="0">
+                    <a:schemeClr val="tx2">
+                      <a:lumMod val="50000"/>
+                      <a:alpha val="61000"/>
+                    </a:schemeClr>
+                  </a:outerShdw>
+                </a:effectLst>
+                <a:latin typeface="Arial Black" panose="020B0604020202020204" pitchFamily="34" charset="0"/>
+                <a:cs typeface="Arial Black" panose="020B0604020202020204" pitchFamily="34" charset="0"/>
+              </a:rPr>
+              <a:t>SQL</a:t>
+            </a:r>
+            <a:endParaRPr kumimoji="1" lang="ja-JP" altLang="en-US" sz="5400" b="1">
+              <a:solidFill>
+                <a:schemeClr val="bg1"/>
+              </a:solidFill>
+              <a:effectLst>
+                <a:outerShdw blurRad="25400" dist="50800" dir="2700000" algn="tl" rotWithShape="0">
+                  <a:schemeClr val="tx2">
+                    <a:lumMod val="50000"/>
+                    <a:alpha val="61000"/>
+                  </a:schemeClr>
+                </a:outerShdw>
+              </a:effectLst>
+              <a:latin typeface="Arial Black" panose="020B0604020202020204" pitchFamily="34" charset="0"/>
+              <a:cs typeface="Arial Black" panose="020B0604020202020204" pitchFamily="34" charset="0"/>
+            </a:endParaRPr>
+          </a:p>
+        </p:txBody>
+      </p:sp>
+      <p:sp>
+        <p:nvSpPr>
+          <p:cNvPr id="7" name="Freeform 3">
+            <a:extLst>
+              <a:ext uri="{FF2B5EF4-FFF2-40B4-BE49-F238E27FC236}">
+                <a16:creationId xmlns:a16="http://schemas.microsoft.com/office/drawing/2014/main" id="{85160FEE-8ED2-40CE-6566-08B3D3D89465}"/>
+              </a:ext>
+            </a:extLst>
+          </p:cNvPr>
+          <p:cNvSpPr/>
+          <p:nvPr/>
+        </p:nvSpPr>
+        <p:spPr>
+          <a:xfrm>
+            <a:off x="9330270" y="409751"/>
+            <a:ext cx="1250593" cy="1551571"/>
+          </a:xfrm>
+          <a:custGeom>
+            <a:avLst/>
+            <a:gdLst/>
+            <a:ahLst/>
+            <a:cxnLst/>
+            <a:rect l="l" t="t" r="r" b="b"/>
+            <a:pathLst>
+              <a:path w="838730" h="840973">
+                <a:moveTo>
+                  <a:pt x="0" y="0"/>
+                </a:moveTo>
+                <a:lnTo>
+                  <a:pt x="838730" y="0"/>
+                </a:lnTo>
+                <a:lnTo>
+                  <a:pt x="838730" y="840972"/>
+                </a:lnTo>
+                <a:lnTo>
+                  <a:pt x="0" y="840972"/>
+                </a:lnTo>
+                <a:lnTo>
+                  <a:pt x="0" y="0"/>
+                </a:lnTo>
+                <a:close/>
+              </a:path>
+            </a:pathLst>
+          </a:custGeom>
+          <a:blipFill dpi="0" rotWithShape="1">
+            <a:blip r:embed="rId2">
+              <a:lum bright="1000" contrast="52000"/>
+              <a:extLst>
+                <a:ext uri="{96DAC541-7B7A-43D3-8B79-37D633B846F1}">
+                  <asvg:svgBlip xmlns:asvg="http://schemas.microsoft.com/office/drawing/2016/SVG/main" r:embed="rId3"/>
+                </a:ext>
+              </a:extLst>
+            </a:blip>
+            <a:srcRect/>
+            <a:stretch>
+              <a:fillRect/>
+            </a:stretch>
+          </a:blipFill>
+        </p:spPr>
+      </p:sp>
+      <p:sp>
+        <p:nvSpPr>
+          <p:cNvPr id="13" name="Freeform 2">
+            <a:extLst>
+              <a:ext uri="{FF2B5EF4-FFF2-40B4-BE49-F238E27FC236}">
+                <a16:creationId xmlns:a16="http://schemas.microsoft.com/office/drawing/2014/main" id="{4A072CDE-7026-B0FA-6A80-CD81CDF4A8C2}"/>
+              </a:ext>
+            </a:extLst>
+          </p:cNvPr>
+          <p:cNvSpPr/>
+          <p:nvPr/>
+        </p:nvSpPr>
+        <p:spPr>
+          <a:xfrm>
+            <a:off x="3178381" y="1498806"/>
+            <a:ext cx="1975359" cy="1734725"/>
+          </a:xfrm>
+          <a:custGeom>
+            <a:avLst/>
+            <a:gdLst/>
+            <a:ahLst/>
+            <a:cxnLst/>
+            <a:rect l="l" t="t" r="r" b="b"/>
+            <a:pathLst>
+              <a:path w="985288" h="865262">
+                <a:moveTo>
+                  <a:pt x="0" y="0"/>
+                </a:moveTo>
+                <a:lnTo>
+                  <a:pt x="985288" y="0"/>
+                </a:lnTo>
+                <a:lnTo>
+                  <a:pt x="985288" y="865262"/>
+                </a:lnTo>
+                <a:lnTo>
+                  <a:pt x="0" y="865262"/>
+                </a:lnTo>
+                <a:lnTo>
+                  <a:pt x="0" y="0"/>
+                </a:lnTo>
+                <a:close/>
+              </a:path>
+            </a:pathLst>
+          </a:custGeom>
+          <a:blipFill>
+            <a:blip r:embed="rId4">
+              <a:lum bright="13000" contrast="35000"/>
+              <a:extLst>
+                <a:ext uri="{96DAC541-7B7A-43D3-8B79-37D633B846F1}">
+                  <asvg:svgBlip xmlns:asvg="http://schemas.microsoft.com/office/drawing/2016/SVG/main" r:embed="rId5"/>
+                </a:ext>
+              </a:extLst>
+            </a:blip>
+            <a:stretch>
+              <a:fillRect/>
+            </a:stretch>
+          </a:blipFill>
+        </p:spPr>
+      </p:sp>
+    </p:spTree>
+    <p:extLst>
+      <p:ext uri="{BB962C8B-B14F-4D97-AF65-F5344CB8AC3E}">
+        <p14:creationId xmlns:p14="http://schemas.microsoft.com/office/powerpoint/2010/main" val="1273449788"/>
+      </p:ext>
+    </p:extLst>
+  </p:cSld>
+  <p:clrMapOvr>
+    <a:masterClrMapping/>
+  </p:clrMapOvr>
+</p:sld>
+</file>
+
 <file path=ppt/slides/slide2.xml><?xml version="1.0" encoding="utf-8"?>
 <p:sld xmlns:a="http://schemas.openxmlformats.org/drawingml/2006/main" xmlns:r="http://schemas.openxmlformats.org/officeDocument/2006/relationships" xmlns:p="http://schemas.openxmlformats.org/presentationml/2006/main">
   <p:cSld>
@@ -9560,7 +11445,7 @@
         </p:blipFill>
         <p:spPr>
           <a:xfrm>
-            <a:off x="3386330" y="-615374"/>
+            <a:off x="3929670" y="-1185218"/>
             <a:ext cx="2639352" cy="2639352"/>
           </a:xfrm>
           <a:prstGeom prst="rect">

--- a/_memo/image/drill-list.pptx
+++ b/_memo/image/drill-list.pptx
@@ -270,7 +270,7 @@
           </a:lstStyle>
           <a:p>
             <a:fld id="{F4EC1F04-A1CF-A64F-8670-D4A663991F5F}" type="datetimeFigureOut">
-              <a:t>2025/4/17</a:t>
+              <a:t>2025/4/19</a:t>
             </a:fld>
             <a:endParaRPr kumimoji="1" lang="ja-JP" altLang="en-US"/>
           </a:p>
@@ -446,7 +446,7 @@
           <a:p>
             <a:fld id="{CCF4AC06-B0E3-4F8D-B03B-27FBE5868222}" type="datetimeFigureOut">
               <a:rPr kumimoji="1" lang="ja-JP" altLang="en-US" smtClean="0"/>
-              <a:t>2025/4/17</a:t>
+              <a:t>2025/4/19</a:t>
             </a:fld>
             <a:endParaRPr kumimoji="1" lang="ja-JP" altLang="en-US"/>
           </a:p>
@@ -3908,7 +3908,7 @@
           </a:ln>
           <a:extLst>
             <a:ext uri="{C572A759-6A51-4108-AA02-DFA0A04FC94B}">
-              <ma14:wrappingTextBoxFlag xmlns:ma14="http://schemas.microsoft.com/office/mac/drawingml/2011/main" xmlns="" val="1"/>
+              <ma14:wrappingTextBoxFlag xmlns="" xmlns:ma14="http://schemas.microsoft.com/office/mac/drawingml/2011/main" val="1"/>
             </a:ext>
           </a:extLst>
         </p:spPr>
@@ -4160,7 +4160,7 @@
           </a:ln>
           <a:extLst>
             <a:ext uri="{C572A759-6A51-4108-AA02-DFA0A04FC94B}">
-              <ma14:wrappingTextBoxFlag xmlns:ma14="http://schemas.microsoft.com/office/mac/drawingml/2011/main" xmlns="" val="1"/>
+              <ma14:wrappingTextBoxFlag xmlns="" xmlns:ma14="http://schemas.microsoft.com/office/mac/drawingml/2011/main" val="1"/>
             </a:ext>
           </a:extLst>
         </p:spPr>
@@ -4397,7 +4397,7 @@
             </a:ln>
             <a:extLst>
               <a:ext uri="{C572A759-6A51-4108-AA02-DFA0A04FC94B}">
-                <ma14:wrappingTextBoxFlag xmlns:ma14="http://schemas.microsoft.com/office/mac/drawingml/2011/main" xmlns="" val="1"/>
+                <ma14:wrappingTextBoxFlag xmlns="" xmlns:ma14="http://schemas.microsoft.com/office/mac/drawingml/2011/main" val="1"/>
               </a:ext>
             </a:extLst>
           </p:spPr>
@@ -4467,7 +4467,7 @@
             </a:ln>
             <a:extLst>
               <a:ext uri="{C572A759-6A51-4108-AA02-DFA0A04FC94B}">
-                <ma14:wrappingTextBoxFlag xmlns:ma14="http://schemas.microsoft.com/office/mac/drawingml/2011/main" xmlns="" val="1"/>
+                <ma14:wrappingTextBoxFlag xmlns="" xmlns:ma14="http://schemas.microsoft.com/office/mac/drawingml/2011/main" val="1"/>
               </a:ext>
             </a:extLst>
           </p:spPr>
@@ -4537,7 +4537,7 @@
             </a:ln>
             <a:extLst>
               <a:ext uri="{C572A759-6A51-4108-AA02-DFA0A04FC94B}">
-                <ma14:wrappingTextBoxFlag xmlns:ma14="http://schemas.microsoft.com/office/mac/drawingml/2011/main" xmlns="" val="1"/>
+                <ma14:wrappingTextBoxFlag xmlns="" xmlns:ma14="http://schemas.microsoft.com/office/mac/drawingml/2011/main" val="1"/>
               </a:ext>
             </a:extLst>
           </p:spPr>
@@ -4804,7 +4804,7 @@
           </a:ln>
           <a:extLst>
             <a:ext uri="{C572A759-6A51-4108-AA02-DFA0A04FC94B}">
-              <ma14:wrappingTextBoxFlag xmlns:ma14="http://schemas.microsoft.com/office/mac/drawingml/2011/main" xmlns="" val="1"/>
+              <ma14:wrappingTextBoxFlag xmlns="" xmlns:ma14="http://schemas.microsoft.com/office/mac/drawingml/2011/main" val="1"/>
             </a:ext>
           </a:extLst>
         </p:spPr>
@@ -5056,7 +5056,7 @@
           </a:ln>
           <a:extLst>
             <a:ext uri="{C572A759-6A51-4108-AA02-DFA0A04FC94B}">
-              <ma14:wrappingTextBoxFlag xmlns:ma14="http://schemas.microsoft.com/office/mac/drawingml/2011/main" xmlns="" val="1"/>
+              <ma14:wrappingTextBoxFlag xmlns="" xmlns:ma14="http://schemas.microsoft.com/office/mac/drawingml/2011/main" val="1"/>
             </a:ext>
           </a:extLst>
         </p:spPr>
@@ -5273,7 +5273,7 @@
           </a:ln>
           <a:extLst>
             <a:ext uri="{C572A759-6A51-4108-AA02-DFA0A04FC94B}">
-              <ma14:wrappingTextBoxFlag xmlns:ma14="http://schemas.microsoft.com/office/mac/drawingml/2011/main" xmlns="" val="1"/>
+              <ma14:wrappingTextBoxFlag xmlns="" xmlns:ma14="http://schemas.microsoft.com/office/mac/drawingml/2011/main" val="1"/>
             </a:ext>
           </a:extLst>
         </p:spPr>
@@ -5345,7 +5345,7 @@
           </a:ln>
           <a:extLst>
             <a:ext uri="{C572A759-6A51-4108-AA02-DFA0A04FC94B}">
-              <ma14:wrappingTextBoxFlag xmlns:ma14="http://schemas.microsoft.com/office/mac/drawingml/2011/main" xmlns="" val="1"/>
+              <ma14:wrappingTextBoxFlag xmlns="" xmlns:ma14="http://schemas.microsoft.com/office/mac/drawingml/2011/main" val="1"/>
             </a:ext>
           </a:extLst>
         </p:spPr>
@@ -5415,7 +5415,7 @@
           </a:ln>
           <a:extLst>
             <a:ext uri="{C572A759-6A51-4108-AA02-DFA0A04FC94B}">
-              <ma14:wrappingTextBoxFlag xmlns:ma14="http://schemas.microsoft.com/office/mac/drawingml/2011/main" xmlns="" val="1"/>
+              <ma14:wrappingTextBoxFlag xmlns="" xmlns:ma14="http://schemas.microsoft.com/office/mac/drawingml/2011/main" val="1"/>
             </a:ext>
           </a:extLst>
         </p:spPr>
@@ -5676,7 +5676,7 @@
           </a:ln>
           <a:extLst>
             <a:ext uri="{C572A759-6A51-4108-AA02-DFA0A04FC94B}">
-              <ma14:wrappingTextBoxFlag xmlns:ma14="http://schemas.microsoft.com/office/mac/drawingml/2011/main" xmlns="" val="1"/>
+              <ma14:wrappingTextBoxFlag xmlns="" xmlns:ma14="http://schemas.microsoft.com/office/mac/drawingml/2011/main" val="1"/>
             </a:ext>
           </a:extLst>
         </p:spPr>
@@ -5928,7 +5928,7 @@
           </a:ln>
           <a:extLst>
             <a:ext uri="{C572A759-6A51-4108-AA02-DFA0A04FC94B}">
-              <ma14:wrappingTextBoxFlag xmlns:ma14="http://schemas.microsoft.com/office/mac/drawingml/2011/main" xmlns="" val="1"/>
+              <ma14:wrappingTextBoxFlag xmlns="" xmlns:ma14="http://schemas.microsoft.com/office/mac/drawingml/2011/main" val="1"/>
             </a:ext>
           </a:extLst>
         </p:spPr>
@@ -6145,7 +6145,7 @@
           </a:ln>
           <a:extLst>
             <a:ext uri="{C572A759-6A51-4108-AA02-DFA0A04FC94B}">
-              <ma14:wrappingTextBoxFlag xmlns:ma14="http://schemas.microsoft.com/office/mac/drawingml/2011/main" xmlns="" val="1"/>
+              <ma14:wrappingTextBoxFlag xmlns="" xmlns:ma14="http://schemas.microsoft.com/office/mac/drawingml/2011/main" val="1"/>
             </a:ext>
           </a:extLst>
         </p:spPr>
@@ -6215,7 +6215,7 @@
           </a:ln>
           <a:extLst>
             <a:ext uri="{C572A759-6A51-4108-AA02-DFA0A04FC94B}">
-              <ma14:wrappingTextBoxFlag xmlns:ma14="http://schemas.microsoft.com/office/mac/drawingml/2011/main" xmlns="" val="1"/>
+              <ma14:wrappingTextBoxFlag xmlns="" xmlns:ma14="http://schemas.microsoft.com/office/mac/drawingml/2011/main" val="1"/>
             </a:ext>
           </a:extLst>
         </p:spPr>
@@ -6287,7 +6287,7 @@
           </a:ln>
           <a:extLst>
             <a:ext uri="{C572A759-6A51-4108-AA02-DFA0A04FC94B}">
-              <ma14:wrappingTextBoxFlag xmlns:ma14="http://schemas.microsoft.com/office/mac/drawingml/2011/main" xmlns="" val="1"/>
+              <ma14:wrappingTextBoxFlag xmlns="" xmlns:ma14="http://schemas.microsoft.com/office/mac/drawingml/2011/main" val="1"/>
             </a:ext>
           </a:extLst>
         </p:spPr>
@@ -7596,7 +7596,7 @@
           </a:ln>
           <a:extLst>
             <a:ext uri="{C572A759-6A51-4108-AA02-DFA0A04FC94B}">
-              <ma14:wrappingTextBoxFlag xmlns="" xmlns:ma14="http://schemas.microsoft.com/office/mac/drawingml/2011/main" val="1"/>
+              <ma14:wrappingTextBoxFlag xmlns:ma14="http://schemas.microsoft.com/office/mac/drawingml/2011/main" xmlns="" val="1"/>
             </a:ext>
           </a:extLst>
         </p:spPr>
@@ -8418,7 +8418,7 @@
           </a:ln>
           <a:extLst>
             <a:ext uri="{C572A759-6A51-4108-AA02-DFA0A04FC94B}">
-              <ma14:wrappingTextBoxFlag xmlns="" xmlns:ma14="http://schemas.microsoft.com/office/mac/drawingml/2011/main" val="1"/>
+              <ma14:wrappingTextBoxFlag xmlns:ma14="http://schemas.microsoft.com/office/mac/drawingml/2011/main" xmlns="" val="1"/>
             </a:ext>
           </a:extLst>
         </p:spPr>
@@ -8492,7 +8492,7 @@
           </a:ln>
           <a:extLst>
             <a:ext uri="{C572A759-6A51-4108-AA02-DFA0A04FC94B}">
-              <ma14:wrappingTextBoxFlag xmlns="" xmlns:ma14="http://schemas.microsoft.com/office/mac/drawingml/2011/main" val="1"/>
+              <ma14:wrappingTextBoxFlag xmlns:ma14="http://schemas.microsoft.com/office/mac/drawingml/2011/main" xmlns="" val="1"/>
             </a:ext>
           </a:extLst>
         </p:spPr>
@@ -9265,7 +9265,7 @@
           </a:ln>
           <a:extLst>
             <a:ext uri="{C572A759-6A51-4108-AA02-DFA0A04FC94B}">
-              <ma14:wrappingTextBoxFlag xmlns="" xmlns:ma14="http://schemas.microsoft.com/office/mac/drawingml/2011/main" val="1"/>
+              <ma14:wrappingTextBoxFlag xmlns:ma14="http://schemas.microsoft.com/office/mac/drawingml/2011/main" xmlns="" val="1"/>
             </a:ext>
           </a:extLst>
         </p:spPr>
@@ -9340,7 +9340,7 @@
           </a:ln>
           <a:extLst>
             <a:ext uri="{C572A759-6A51-4108-AA02-DFA0A04FC94B}">
-              <ma14:wrappingTextBoxFlag xmlns="" xmlns:ma14="http://schemas.microsoft.com/office/mac/drawingml/2011/main" val="1"/>
+              <ma14:wrappingTextBoxFlag xmlns:ma14="http://schemas.microsoft.com/office/mac/drawingml/2011/main" xmlns="" val="1"/>
             </a:ext>
           </a:extLst>
         </p:spPr>
@@ -10301,7 +10301,7 @@
           </a:ln>
           <a:extLst>
             <a:ext uri="{C572A759-6A51-4108-AA02-DFA0A04FC94B}">
-              <ma14:wrappingTextBoxFlag xmlns:ma14="http://schemas.microsoft.com/office/mac/drawingml/2011/main" xmlns="" val="1"/>
+              <ma14:wrappingTextBoxFlag xmlns="" xmlns:ma14="http://schemas.microsoft.com/office/mac/drawingml/2011/main" val="1"/>
             </a:ext>
           </a:extLst>
         </p:spPr>
@@ -10375,7 +10375,7 @@
           </a:ln>
           <a:extLst>
             <a:ext uri="{C572A759-6A51-4108-AA02-DFA0A04FC94B}">
-              <ma14:wrappingTextBoxFlag xmlns:ma14="http://schemas.microsoft.com/office/mac/drawingml/2011/main" xmlns="" val="1"/>
+              <ma14:wrappingTextBoxFlag xmlns="" xmlns:ma14="http://schemas.microsoft.com/office/mac/drawingml/2011/main" val="1"/>
             </a:ext>
           </a:extLst>
         </p:spPr>
@@ -11148,7 +11148,7 @@
           </a:ln>
           <a:extLst>
             <a:ext uri="{C572A759-6A51-4108-AA02-DFA0A04FC94B}">
-              <ma14:wrappingTextBoxFlag xmlns:ma14="http://schemas.microsoft.com/office/mac/drawingml/2011/main" xmlns="" val="1"/>
+              <ma14:wrappingTextBoxFlag xmlns="" xmlns:ma14="http://schemas.microsoft.com/office/mac/drawingml/2011/main" val="1"/>
             </a:ext>
           </a:extLst>
         </p:spPr>
@@ -11223,7 +11223,7 @@
           </a:ln>
           <a:extLst>
             <a:ext uri="{C572A759-6A51-4108-AA02-DFA0A04FC94B}">
-              <ma14:wrappingTextBoxFlag xmlns:ma14="http://schemas.microsoft.com/office/mac/drawingml/2011/main" xmlns="" val="1"/>
+              <ma14:wrappingTextBoxFlag xmlns="" xmlns:ma14="http://schemas.microsoft.com/office/mac/drawingml/2011/main" val="1"/>
             </a:ext>
           </a:extLst>
         </p:spPr>
@@ -11898,7 +11898,7 @@
           </a:ln>
           <a:extLst>
             <a:ext uri="{C572A759-6A51-4108-AA02-DFA0A04FC94B}">
-              <ma14:wrappingTextBoxFlag xmlns:ma14="http://schemas.microsoft.com/office/mac/drawingml/2011/main" xmlns="" val="1"/>
+              <ma14:wrappingTextBoxFlag xmlns="" xmlns:ma14="http://schemas.microsoft.com/office/mac/drawingml/2011/main" val="1"/>
             </a:ext>
           </a:extLst>
         </p:spPr>
@@ -13453,7 +13453,7 @@
           </a:ln>
           <a:extLst>
             <a:ext uri="{C572A759-6A51-4108-AA02-DFA0A04FC94B}">
-              <ma14:wrappingTextBoxFlag xmlns:ma14="http://schemas.microsoft.com/office/mac/drawingml/2011/main" xmlns="" val="1"/>
+              <ma14:wrappingTextBoxFlag xmlns="" xmlns:ma14="http://schemas.microsoft.com/office/mac/drawingml/2011/main" val="1"/>
             </a:ext>
           </a:extLst>
         </p:spPr>
@@ -13527,7 +13527,7 @@
           </a:ln>
           <a:extLst>
             <a:ext uri="{C572A759-6A51-4108-AA02-DFA0A04FC94B}">
-              <ma14:wrappingTextBoxFlag xmlns:ma14="http://schemas.microsoft.com/office/mac/drawingml/2011/main" xmlns="" val="1"/>
+              <ma14:wrappingTextBoxFlag xmlns="" xmlns:ma14="http://schemas.microsoft.com/office/mac/drawingml/2011/main" val="1"/>
             </a:ext>
           </a:extLst>
         </p:spPr>
@@ -15183,7 +15183,7 @@
           </a:ln>
           <a:extLst>
             <a:ext uri="{C572A759-6A51-4108-AA02-DFA0A04FC94B}">
-              <ma14:wrappingTextBoxFlag xmlns:ma14="http://schemas.microsoft.com/office/mac/drawingml/2011/main" xmlns="" val="1"/>
+              <ma14:wrappingTextBoxFlag xmlns="" xmlns:ma14="http://schemas.microsoft.com/office/mac/drawingml/2011/main" val="1"/>
             </a:ext>
           </a:extLst>
         </p:spPr>
@@ -15257,7 +15257,7 @@
           </a:ln>
           <a:extLst>
             <a:ext uri="{C572A759-6A51-4108-AA02-DFA0A04FC94B}">
-              <ma14:wrappingTextBoxFlag xmlns:ma14="http://schemas.microsoft.com/office/mac/drawingml/2011/main" xmlns="" val="1"/>
+              <ma14:wrappingTextBoxFlag xmlns="" xmlns:ma14="http://schemas.microsoft.com/office/mac/drawingml/2011/main" val="1"/>
             </a:ext>
           </a:extLst>
         </p:spPr>
@@ -16919,6 +16919,1822 @@
           </a:ln>
           <a:extLst>
             <a:ext uri="{C572A759-6A51-4108-AA02-DFA0A04FC94B}">
+              <ma14:wrappingTextBoxFlag xmlns:ma14="http://schemas.microsoft.com/office/mac/drawingml/2011/main" xmlns="" val="1"/>
+            </a:ext>
+          </a:extLst>
+        </p:spPr>
+        <p:txBody>
+          <a:bodyPr lIns="0" tIns="0" rIns="0" bIns="0" rtlCol="0" anchor="ctr">
+            <a:noAutofit/>
+          </a:bodyPr>
+          <a:lstStyle/>
+          <a:p>
+            <a:pPr algn="ctr"/>
+            <a:r>
+              <a:rPr kumimoji="1" lang="en" altLang="ja-JP" sz="6000" b="1">
+                <a:solidFill>
+                  <a:srgbClr val="056BE6"/>
+                </a:solidFill>
+                <a:latin typeface="Yu Gothic" panose="020B0400000000000000" pitchFamily="34" charset="-128"/>
+                <a:ea typeface="Yu Gothic" panose="020B0400000000000000" pitchFamily="34" charset="-128"/>
+              </a:rPr>
+              <a:t>R</a:t>
+            </a:r>
+            <a:r>
+              <a:rPr lang="en-US" altLang="ja-JP" sz="6000" b="1">
+                <a:solidFill>
+                  <a:srgbClr val="056BE6"/>
+                </a:solidFill>
+                <a:latin typeface="Yu Gothic" panose="020B0400000000000000" pitchFamily="34" charset="-128"/>
+                <a:ea typeface="Yu Gothic" panose="020B0400000000000000" pitchFamily="34" charset="-128"/>
+              </a:rPr>
+              <a:t> &amp; SQL</a:t>
+            </a:r>
+            <a:endParaRPr kumimoji="1" lang="ja-JP" altLang="en-US" sz="6000" b="1">
+              <a:solidFill>
+                <a:srgbClr val="056BE6"/>
+              </a:solidFill>
+              <a:latin typeface="Yu Gothic" panose="020B0400000000000000" pitchFamily="34" charset="-128"/>
+              <a:ea typeface="Yu Gothic" panose="020B0400000000000000" pitchFamily="34" charset="-128"/>
+            </a:endParaRPr>
+          </a:p>
+        </p:txBody>
+      </p:sp>
+      <p:sp>
+        <p:nvSpPr>
+          <p:cNvPr id="3" name="角丸四角形 2">
+            <a:extLst>
+              <a:ext uri="{FF2B5EF4-FFF2-40B4-BE49-F238E27FC236}">
+                <a16:creationId xmlns:a16="http://schemas.microsoft.com/office/drawing/2014/main" id="{893DBA56-8022-A275-0156-D3F30FEBC897}"/>
+              </a:ext>
+            </a:extLst>
+          </p:cNvPr>
+          <p:cNvSpPr/>
+          <p:nvPr/>
+        </p:nvSpPr>
+        <p:spPr>
+          <a:xfrm>
+            <a:off x="5417420" y="2660209"/>
+            <a:ext cx="5844746" cy="1166447"/>
+          </a:xfrm>
+          <a:prstGeom prst="roundRect">
+            <a:avLst>
+              <a:gd name="adj" fmla="val 0"/>
+            </a:avLst>
+          </a:prstGeom>
+          <a:solidFill>
+            <a:schemeClr val="bg1">
+              <a:alpha val="62000"/>
+            </a:schemeClr>
+          </a:solidFill>
+          <a:ln w="12700">
+            <a:noFill/>
+            <a:miter lim="400000"/>
+          </a:ln>
+          <a:extLst>
+            <a:ext uri="{C572A759-6A51-4108-AA02-DFA0A04FC94B}">
+              <ma14:wrappingTextBoxFlag xmlns:ma14="http://schemas.microsoft.com/office/mac/drawingml/2011/main" xmlns="" val="1"/>
+            </a:ext>
+          </a:extLst>
+        </p:spPr>
+        <p:txBody>
+          <a:bodyPr lIns="0" tIns="0" rIns="0" bIns="0" rtlCol="0" anchor="ctr">
+            <a:noAutofit/>
+          </a:bodyPr>
+          <a:lstStyle/>
+          <a:p>
+            <a:pPr algn="ctr"/>
+            <a:r>
+              <a:rPr kumimoji="1" lang="ja-JP" altLang="en-US" sz="7200" b="1">
+                <a:solidFill>
+                  <a:srgbClr val="056BE6"/>
+                </a:solidFill>
+                <a:effectLst>
+                  <a:outerShdw blurRad="25400" dist="38100" dir="2700000" algn="tl" rotWithShape="0">
+                    <a:schemeClr val="accent6">
+                      <a:lumMod val="50000"/>
+                      <a:alpha val="32000"/>
+                    </a:schemeClr>
+                  </a:outerShdw>
+                </a:effectLst>
+                <a:latin typeface="Hiragino Maru Gothic Pro W4" panose="020F0400000000000000" pitchFamily="34" charset="-128"/>
+                <a:ea typeface="Hiragino Maru Gothic Pro W4" panose="020F0400000000000000" pitchFamily="34" charset="-128"/>
+              </a:rPr>
+              <a:t>演習問題一覧</a:t>
+            </a:r>
+          </a:p>
+        </p:txBody>
+      </p:sp>
+      <p:grpSp>
+        <p:nvGrpSpPr>
+          <p:cNvPr id="30" name="グループ化 29">
+            <a:extLst>
+              <a:ext uri="{FF2B5EF4-FFF2-40B4-BE49-F238E27FC236}">
+                <a16:creationId xmlns:a16="http://schemas.microsoft.com/office/drawing/2014/main" id="{9593EA69-A5E2-C941-3145-7013EEBC622E}"/>
+              </a:ext>
+            </a:extLst>
+          </p:cNvPr>
+          <p:cNvGrpSpPr/>
+          <p:nvPr/>
+        </p:nvGrpSpPr>
+        <p:grpSpPr>
+          <a:xfrm>
+            <a:off x="11861626" y="713741"/>
+            <a:ext cx="1745957" cy="3011305"/>
+            <a:chOff x="11465201" y="698742"/>
+            <a:chExt cx="1579324" cy="2723908"/>
+          </a:xfrm>
+        </p:grpSpPr>
+        <p:sp>
+          <p:nvSpPr>
+            <p:cNvPr id="31" name="フリーフォーム 30">
+              <a:extLst>
+                <a:ext uri="{FF2B5EF4-FFF2-40B4-BE49-F238E27FC236}">
+                  <a16:creationId xmlns:a16="http://schemas.microsoft.com/office/drawing/2014/main" id="{42DD5361-0A04-BDC3-31B8-4281192D2D6B}"/>
+                </a:ext>
+              </a:extLst>
+            </p:cNvPr>
+            <p:cNvSpPr/>
+            <p:nvPr/>
+          </p:nvSpPr>
+          <p:spPr>
+            <a:xfrm>
+              <a:off x="12487116" y="2911693"/>
+              <a:ext cx="557408" cy="464507"/>
+            </a:xfrm>
+            <a:custGeom>
+              <a:avLst/>
+              <a:gdLst>
+                <a:gd name="connsiteX0" fmla="*/ 0 w 557408"/>
+                <a:gd name="connsiteY0" fmla="*/ 232254 h 464507"/>
+                <a:gd name="connsiteX1" fmla="*/ 195093 w 557408"/>
+                <a:gd name="connsiteY1" fmla="*/ 464507 h 464507"/>
+                <a:gd name="connsiteX2" fmla="*/ 557409 w 557408"/>
+                <a:gd name="connsiteY2" fmla="*/ 0 h 464507"/>
+              </a:gdLst>
+              <a:ahLst/>
+              <a:cxnLst>
+                <a:cxn ang="0">
+                  <a:pos x="connsiteX0" y="connsiteY0"/>
+                </a:cxn>
+                <a:cxn ang="0">
+                  <a:pos x="connsiteX1" y="connsiteY1"/>
+                </a:cxn>
+                <a:cxn ang="0">
+                  <a:pos x="connsiteX2" y="connsiteY2"/>
+                </a:cxn>
+              </a:cxnLst>
+              <a:rect l="l" t="t" r="r" b="b"/>
+              <a:pathLst>
+                <a:path w="557408" h="464507">
+                  <a:moveTo>
+                    <a:pt x="0" y="232254"/>
+                  </a:moveTo>
+                  <a:lnTo>
+                    <a:pt x="195093" y="464507"/>
+                  </a:lnTo>
+                  <a:lnTo>
+                    <a:pt x="557409" y="0"/>
+                  </a:lnTo>
+                </a:path>
+              </a:pathLst>
+            </a:custGeom>
+            <a:noFill/>
+            <a:ln w="139303" cap="rnd">
+              <a:solidFill>
+                <a:srgbClr val="0A0CF0">
+                  <a:alpha val="33000"/>
+                </a:srgbClr>
+              </a:solidFill>
+              <a:prstDash val="solid"/>
+              <a:round/>
+            </a:ln>
+          </p:spPr>
+          <p:txBody>
+            <a:bodyPr rtlCol="0" anchor="ctr"/>
+            <a:lstStyle/>
+            <a:p>
+              <a:endParaRPr lang="ja-JP" altLang="en-US"/>
+            </a:p>
+          </p:txBody>
+        </p:sp>
+        <p:sp>
+          <p:nvSpPr>
+            <p:cNvPr id="32" name="フリーフォーム 31">
+              <a:extLst>
+                <a:ext uri="{FF2B5EF4-FFF2-40B4-BE49-F238E27FC236}">
+                  <a16:creationId xmlns:a16="http://schemas.microsoft.com/office/drawing/2014/main" id="{7F6893EB-D283-0DE9-7863-0B133CB9A127}"/>
+                </a:ext>
+              </a:extLst>
+            </p:cNvPr>
+            <p:cNvSpPr/>
+            <p:nvPr/>
+          </p:nvSpPr>
+          <p:spPr>
+            <a:xfrm>
+              <a:off x="11465201" y="2958143"/>
+              <a:ext cx="650309" cy="92901"/>
+            </a:xfrm>
+            <a:custGeom>
+              <a:avLst/>
+              <a:gdLst>
+                <a:gd name="connsiteX0" fmla="*/ 650310 w 650309"/>
+                <a:gd name="connsiteY0" fmla="*/ 0 h 92901"/>
+                <a:gd name="connsiteX1" fmla="*/ 0 w 650309"/>
+                <a:gd name="connsiteY1" fmla="*/ 0 h 92901"/>
+              </a:gdLst>
+              <a:ahLst/>
+              <a:cxnLst>
+                <a:cxn ang="0">
+                  <a:pos x="connsiteX0" y="connsiteY0"/>
+                </a:cxn>
+                <a:cxn ang="0">
+                  <a:pos x="connsiteX1" y="connsiteY1"/>
+                </a:cxn>
+              </a:cxnLst>
+              <a:rect l="l" t="t" r="r" b="b"/>
+              <a:pathLst>
+                <a:path w="650309" h="92901">
+                  <a:moveTo>
+                    <a:pt x="650310" y="0"/>
+                  </a:moveTo>
+                  <a:lnTo>
+                    <a:pt x="0" y="0"/>
+                  </a:lnTo>
+                </a:path>
+              </a:pathLst>
+            </a:custGeom>
+            <a:noFill/>
+            <a:ln w="139303" cap="rnd">
+              <a:solidFill>
+                <a:srgbClr val="0A0CF0">
+                  <a:alpha val="33000"/>
+                </a:srgbClr>
+              </a:solidFill>
+              <a:prstDash val="solid"/>
+              <a:miter/>
+            </a:ln>
+          </p:spPr>
+          <p:txBody>
+            <a:bodyPr rtlCol="0" anchor="ctr"/>
+            <a:lstStyle/>
+            <a:p>
+              <a:endParaRPr lang="ja-JP" altLang="en-US"/>
+            </a:p>
+          </p:txBody>
+        </p:sp>
+        <p:sp>
+          <p:nvSpPr>
+            <p:cNvPr id="33" name="フリーフォーム 32">
+              <a:extLst>
+                <a:ext uri="{FF2B5EF4-FFF2-40B4-BE49-F238E27FC236}">
+                  <a16:creationId xmlns:a16="http://schemas.microsoft.com/office/drawing/2014/main" id="{DBA41AAF-F40B-7904-100C-D75B58FFF621}"/>
+                </a:ext>
+              </a:extLst>
+            </p:cNvPr>
+            <p:cNvSpPr/>
+            <p:nvPr/>
+          </p:nvSpPr>
+          <p:spPr>
+            <a:xfrm>
+              <a:off x="11465201" y="3329749"/>
+              <a:ext cx="650309" cy="92901"/>
+            </a:xfrm>
+            <a:custGeom>
+              <a:avLst/>
+              <a:gdLst>
+                <a:gd name="connsiteX0" fmla="*/ 650310 w 650309"/>
+                <a:gd name="connsiteY0" fmla="*/ 0 h 92901"/>
+                <a:gd name="connsiteX1" fmla="*/ 0 w 650309"/>
+                <a:gd name="connsiteY1" fmla="*/ 0 h 92901"/>
+              </a:gdLst>
+              <a:ahLst/>
+              <a:cxnLst>
+                <a:cxn ang="0">
+                  <a:pos x="connsiteX0" y="connsiteY0"/>
+                </a:cxn>
+                <a:cxn ang="0">
+                  <a:pos x="connsiteX1" y="connsiteY1"/>
+                </a:cxn>
+              </a:cxnLst>
+              <a:rect l="l" t="t" r="r" b="b"/>
+              <a:pathLst>
+                <a:path w="650309" h="92901">
+                  <a:moveTo>
+                    <a:pt x="650310" y="0"/>
+                  </a:moveTo>
+                  <a:lnTo>
+                    <a:pt x="0" y="0"/>
+                  </a:lnTo>
+                </a:path>
+              </a:pathLst>
+            </a:custGeom>
+            <a:noFill/>
+            <a:ln w="139303" cap="rnd">
+              <a:solidFill>
+                <a:srgbClr val="0A0CF0">
+                  <a:alpha val="33000"/>
+                </a:srgbClr>
+              </a:solidFill>
+              <a:prstDash val="solid"/>
+              <a:miter/>
+            </a:ln>
+          </p:spPr>
+          <p:txBody>
+            <a:bodyPr rtlCol="0" anchor="ctr"/>
+            <a:lstStyle/>
+            <a:p>
+              <a:endParaRPr lang="ja-JP" altLang="en-US"/>
+            </a:p>
+          </p:txBody>
+        </p:sp>
+        <p:sp>
+          <p:nvSpPr>
+            <p:cNvPr id="34" name="フリーフォーム 33">
+              <a:extLst>
+                <a:ext uri="{FF2B5EF4-FFF2-40B4-BE49-F238E27FC236}">
+                  <a16:creationId xmlns:a16="http://schemas.microsoft.com/office/drawing/2014/main" id="{523C10BB-72A0-136D-837B-3D9F5A687E7B}"/>
+                </a:ext>
+              </a:extLst>
+            </p:cNvPr>
+            <p:cNvSpPr/>
+            <p:nvPr/>
+          </p:nvSpPr>
+          <p:spPr>
+            <a:xfrm>
+              <a:off x="11465201" y="2214932"/>
+              <a:ext cx="1579324" cy="92901"/>
+            </a:xfrm>
+            <a:custGeom>
+              <a:avLst/>
+              <a:gdLst>
+                <a:gd name="connsiteX0" fmla="*/ 0 w 1579324"/>
+                <a:gd name="connsiteY0" fmla="*/ 0 h 92901"/>
+                <a:gd name="connsiteX1" fmla="*/ 975465 w 1579324"/>
+                <a:gd name="connsiteY1" fmla="*/ 0 h 92901"/>
+                <a:gd name="connsiteX2" fmla="*/ 1579324 w 1579324"/>
+                <a:gd name="connsiteY2" fmla="*/ 0 h 92901"/>
+                <a:gd name="connsiteX3" fmla="*/ 1370296 w 1579324"/>
+                <a:gd name="connsiteY3" fmla="*/ 0 h 92901"/>
+              </a:gdLst>
+              <a:ahLst/>
+              <a:cxnLst>
+                <a:cxn ang="0">
+                  <a:pos x="connsiteX0" y="connsiteY0"/>
+                </a:cxn>
+                <a:cxn ang="0">
+                  <a:pos x="connsiteX1" y="connsiteY1"/>
+                </a:cxn>
+                <a:cxn ang="0">
+                  <a:pos x="connsiteX2" y="connsiteY2"/>
+                </a:cxn>
+                <a:cxn ang="0">
+                  <a:pos x="connsiteX3" y="connsiteY3"/>
+                </a:cxn>
+              </a:cxnLst>
+              <a:rect l="l" t="t" r="r" b="b"/>
+              <a:pathLst>
+                <a:path w="1579324" h="92901">
+                  <a:moveTo>
+                    <a:pt x="0" y="0"/>
+                  </a:moveTo>
+                  <a:lnTo>
+                    <a:pt x="975465" y="0"/>
+                  </a:lnTo>
+                  <a:moveTo>
+                    <a:pt x="1579324" y="0"/>
+                  </a:moveTo>
+                  <a:lnTo>
+                    <a:pt x="1370296" y="0"/>
+                  </a:lnTo>
+                </a:path>
+              </a:pathLst>
+            </a:custGeom>
+            <a:noFill/>
+            <a:ln w="139303" cap="rnd">
+              <a:solidFill>
+                <a:srgbClr val="0A0CF0">
+                  <a:alpha val="33000"/>
+                </a:srgbClr>
+              </a:solidFill>
+              <a:prstDash val="solid"/>
+              <a:miter/>
+            </a:ln>
+          </p:spPr>
+          <p:txBody>
+            <a:bodyPr rtlCol="0" anchor="ctr"/>
+            <a:lstStyle/>
+            <a:p>
+              <a:endParaRPr lang="ja-JP" altLang="en-US"/>
+            </a:p>
+          </p:txBody>
+        </p:sp>
+        <p:sp>
+          <p:nvSpPr>
+            <p:cNvPr id="35" name="フリーフォーム 34">
+              <a:extLst>
+                <a:ext uri="{FF2B5EF4-FFF2-40B4-BE49-F238E27FC236}">
+                  <a16:creationId xmlns:a16="http://schemas.microsoft.com/office/drawing/2014/main" id="{341A94BD-6EA1-EF4F-C9B1-B5C81C25FFE3}"/>
+                </a:ext>
+              </a:extLst>
+            </p:cNvPr>
+            <p:cNvSpPr/>
+            <p:nvPr/>
+          </p:nvSpPr>
+          <p:spPr>
+            <a:xfrm>
+              <a:off x="11465201" y="2586538"/>
+              <a:ext cx="1579324" cy="92901"/>
+            </a:xfrm>
+            <a:custGeom>
+              <a:avLst/>
+              <a:gdLst>
+                <a:gd name="connsiteX0" fmla="*/ 1579324 w 1579324"/>
+                <a:gd name="connsiteY0" fmla="*/ 0 h 92901"/>
+                <a:gd name="connsiteX1" fmla="*/ 603859 w 1579324"/>
+                <a:gd name="connsiteY1" fmla="*/ 0 h 92901"/>
+                <a:gd name="connsiteX2" fmla="*/ 0 w 1579324"/>
+                <a:gd name="connsiteY2" fmla="*/ 0 h 92901"/>
+                <a:gd name="connsiteX3" fmla="*/ 209028 w 1579324"/>
+                <a:gd name="connsiteY3" fmla="*/ 0 h 92901"/>
+              </a:gdLst>
+              <a:ahLst/>
+              <a:cxnLst>
+                <a:cxn ang="0">
+                  <a:pos x="connsiteX0" y="connsiteY0"/>
+                </a:cxn>
+                <a:cxn ang="0">
+                  <a:pos x="connsiteX1" y="connsiteY1"/>
+                </a:cxn>
+                <a:cxn ang="0">
+                  <a:pos x="connsiteX2" y="connsiteY2"/>
+                </a:cxn>
+                <a:cxn ang="0">
+                  <a:pos x="connsiteX3" y="connsiteY3"/>
+                </a:cxn>
+              </a:cxnLst>
+              <a:rect l="l" t="t" r="r" b="b"/>
+              <a:pathLst>
+                <a:path w="1579324" h="92901">
+                  <a:moveTo>
+                    <a:pt x="1579324" y="0"/>
+                  </a:moveTo>
+                  <a:lnTo>
+                    <a:pt x="603859" y="0"/>
+                  </a:lnTo>
+                  <a:moveTo>
+                    <a:pt x="0" y="0"/>
+                  </a:moveTo>
+                  <a:lnTo>
+                    <a:pt x="209028" y="0"/>
+                  </a:lnTo>
+                </a:path>
+              </a:pathLst>
+            </a:custGeom>
+            <a:noFill/>
+            <a:ln w="139303" cap="rnd">
+              <a:solidFill>
+                <a:srgbClr val="0A0CF0">
+                  <a:alpha val="33000"/>
+                </a:srgbClr>
+              </a:solidFill>
+              <a:prstDash val="solid"/>
+              <a:miter/>
+            </a:ln>
+          </p:spPr>
+          <p:txBody>
+            <a:bodyPr rtlCol="0" anchor="ctr"/>
+            <a:lstStyle/>
+            <a:p>
+              <a:endParaRPr lang="ja-JP" altLang="en-US"/>
+            </a:p>
+          </p:txBody>
+        </p:sp>
+        <p:sp>
+          <p:nvSpPr>
+            <p:cNvPr id="36" name="フリーフォーム 35">
+              <a:extLst>
+                <a:ext uri="{FF2B5EF4-FFF2-40B4-BE49-F238E27FC236}">
+                  <a16:creationId xmlns:a16="http://schemas.microsoft.com/office/drawing/2014/main" id="{D1929696-5AF4-A0C6-7006-3C54051DF6B8}"/>
+                </a:ext>
+              </a:extLst>
+            </p:cNvPr>
+            <p:cNvSpPr/>
+            <p:nvPr/>
+          </p:nvSpPr>
+          <p:spPr>
+            <a:xfrm>
+              <a:off x="11465201" y="1455804"/>
+              <a:ext cx="1579324" cy="92901"/>
+            </a:xfrm>
+            <a:custGeom>
+              <a:avLst/>
+              <a:gdLst>
+                <a:gd name="connsiteX0" fmla="*/ 0 w 1579324"/>
+                <a:gd name="connsiteY0" fmla="*/ 0 h 92901"/>
+                <a:gd name="connsiteX1" fmla="*/ 975465 w 1579324"/>
+                <a:gd name="connsiteY1" fmla="*/ 0 h 92901"/>
+                <a:gd name="connsiteX2" fmla="*/ 1579324 w 1579324"/>
+                <a:gd name="connsiteY2" fmla="*/ 0 h 92901"/>
+                <a:gd name="connsiteX3" fmla="*/ 1370296 w 1579324"/>
+                <a:gd name="connsiteY3" fmla="*/ 0 h 92901"/>
+              </a:gdLst>
+              <a:ahLst/>
+              <a:cxnLst>
+                <a:cxn ang="0">
+                  <a:pos x="connsiteX0" y="connsiteY0"/>
+                </a:cxn>
+                <a:cxn ang="0">
+                  <a:pos x="connsiteX1" y="connsiteY1"/>
+                </a:cxn>
+                <a:cxn ang="0">
+                  <a:pos x="connsiteX2" y="connsiteY2"/>
+                </a:cxn>
+                <a:cxn ang="0">
+                  <a:pos x="connsiteX3" y="connsiteY3"/>
+                </a:cxn>
+              </a:cxnLst>
+              <a:rect l="l" t="t" r="r" b="b"/>
+              <a:pathLst>
+                <a:path w="1579324" h="92901">
+                  <a:moveTo>
+                    <a:pt x="0" y="0"/>
+                  </a:moveTo>
+                  <a:lnTo>
+                    <a:pt x="975465" y="0"/>
+                  </a:lnTo>
+                  <a:moveTo>
+                    <a:pt x="1579324" y="0"/>
+                  </a:moveTo>
+                  <a:lnTo>
+                    <a:pt x="1370296" y="0"/>
+                  </a:lnTo>
+                </a:path>
+              </a:pathLst>
+            </a:custGeom>
+            <a:noFill/>
+            <a:ln w="139303" cap="rnd">
+              <a:solidFill>
+                <a:srgbClr val="0A0CF0">
+                  <a:alpha val="33000"/>
+                </a:srgbClr>
+              </a:solidFill>
+              <a:prstDash val="solid"/>
+              <a:miter/>
+            </a:ln>
+          </p:spPr>
+          <p:txBody>
+            <a:bodyPr rtlCol="0" anchor="ctr"/>
+            <a:lstStyle/>
+            <a:p>
+              <a:endParaRPr lang="ja-JP" altLang="en-US"/>
+            </a:p>
+          </p:txBody>
+        </p:sp>
+        <p:sp>
+          <p:nvSpPr>
+            <p:cNvPr id="37" name="フリーフォーム 36">
+              <a:extLst>
+                <a:ext uri="{FF2B5EF4-FFF2-40B4-BE49-F238E27FC236}">
+                  <a16:creationId xmlns:a16="http://schemas.microsoft.com/office/drawing/2014/main" id="{CB0C6876-77C4-A315-023B-A0DDBCF0146B}"/>
+                </a:ext>
+              </a:extLst>
+            </p:cNvPr>
+            <p:cNvSpPr/>
+            <p:nvPr/>
+          </p:nvSpPr>
+          <p:spPr>
+            <a:xfrm>
+              <a:off x="11465201" y="1827410"/>
+              <a:ext cx="1579324" cy="92901"/>
+            </a:xfrm>
+            <a:custGeom>
+              <a:avLst/>
+              <a:gdLst>
+                <a:gd name="connsiteX0" fmla="*/ 1579324 w 1579324"/>
+                <a:gd name="connsiteY0" fmla="*/ 0 h 92901"/>
+                <a:gd name="connsiteX1" fmla="*/ 603859 w 1579324"/>
+                <a:gd name="connsiteY1" fmla="*/ 0 h 92901"/>
+                <a:gd name="connsiteX2" fmla="*/ 0 w 1579324"/>
+                <a:gd name="connsiteY2" fmla="*/ 0 h 92901"/>
+                <a:gd name="connsiteX3" fmla="*/ 209028 w 1579324"/>
+                <a:gd name="connsiteY3" fmla="*/ 0 h 92901"/>
+              </a:gdLst>
+              <a:ahLst/>
+              <a:cxnLst>
+                <a:cxn ang="0">
+                  <a:pos x="connsiteX0" y="connsiteY0"/>
+                </a:cxn>
+                <a:cxn ang="0">
+                  <a:pos x="connsiteX1" y="connsiteY1"/>
+                </a:cxn>
+                <a:cxn ang="0">
+                  <a:pos x="connsiteX2" y="connsiteY2"/>
+                </a:cxn>
+                <a:cxn ang="0">
+                  <a:pos x="connsiteX3" y="connsiteY3"/>
+                </a:cxn>
+              </a:cxnLst>
+              <a:rect l="l" t="t" r="r" b="b"/>
+              <a:pathLst>
+                <a:path w="1579324" h="92901">
+                  <a:moveTo>
+                    <a:pt x="1579324" y="0"/>
+                  </a:moveTo>
+                  <a:lnTo>
+                    <a:pt x="603859" y="0"/>
+                  </a:lnTo>
+                  <a:moveTo>
+                    <a:pt x="0" y="0"/>
+                  </a:moveTo>
+                  <a:lnTo>
+                    <a:pt x="209028" y="0"/>
+                  </a:lnTo>
+                </a:path>
+              </a:pathLst>
+            </a:custGeom>
+            <a:noFill/>
+            <a:ln w="139303" cap="rnd">
+              <a:solidFill>
+                <a:srgbClr val="0A0CF0">
+                  <a:alpha val="33000"/>
+                </a:srgbClr>
+              </a:solidFill>
+              <a:prstDash val="solid"/>
+              <a:miter/>
+            </a:ln>
+          </p:spPr>
+          <p:txBody>
+            <a:bodyPr rtlCol="0" anchor="ctr"/>
+            <a:lstStyle/>
+            <a:p>
+              <a:endParaRPr lang="ja-JP" altLang="en-US"/>
+            </a:p>
+          </p:txBody>
+        </p:sp>
+        <p:sp>
+          <p:nvSpPr>
+            <p:cNvPr id="38" name="フリーフォーム 37">
+              <a:extLst>
+                <a:ext uri="{FF2B5EF4-FFF2-40B4-BE49-F238E27FC236}">
+                  <a16:creationId xmlns:a16="http://schemas.microsoft.com/office/drawing/2014/main" id="{847F5611-9D39-D9DE-7D7E-B2C8005E54D0}"/>
+                </a:ext>
+              </a:extLst>
+            </p:cNvPr>
+            <p:cNvSpPr/>
+            <p:nvPr/>
+          </p:nvSpPr>
+          <p:spPr>
+            <a:xfrm>
+              <a:off x="11465201" y="698742"/>
+              <a:ext cx="1579324" cy="92901"/>
+            </a:xfrm>
+            <a:custGeom>
+              <a:avLst/>
+              <a:gdLst>
+                <a:gd name="connsiteX0" fmla="*/ 0 w 1579324"/>
+                <a:gd name="connsiteY0" fmla="*/ 0 h 92901"/>
+                <a:gd name="connsiteX1" fmla="*/ 975465 w 1579324"/>
+                <a:gd name="connsiteY1" fmla="*/ 0 h 92901"/>
+                <a:gd name="connsiteX2" fmla="*/ 1579324 w 1579324"/>
+                <a:gd name="connsiteY2" fmla="*/ 0 h 92901"/>
+                <a:gd name="connsiteX3" fmla="*/ 1370296 w 1579324"/>
+                <a:gd name="connsiteY3" fmla="*/ 0 h 92901"/>
+              </a:gdLst>
+              <a:ahLst/>
+              <a:cxnLst>
+                <a:cxn ang="0">
+                  <a:pos x="connsiteX0" y="connsiteY0"/>
+                </a:cxn>
+                <a:cxn ang="0">
+                  <a:pos x="connsiteX1" y="connsiteY1"/>
+                </a:cxn>
+                <a:cxn ang="0">
+                  <a:pos x="connsiteX2" y="connsiteY2"/>
+                </a:cxn>
+                <a:cxn ang="0">
+                  <a:pos x="connsiteX3" y="connsiteY3"/>
+                </a:cxn>
+              </a:cxnLst>
+              <a:rect l="l" t="t" r="r" b="b"/>
+              <a:pathLst>
+                <a:path w="1579324" h="92901">
+                  <a:moveTo>
+                    <a:pt x="0" y="0"/>
+                  </a:moveTo>
+                  <a:lnTo>
+                    <a:pt x="975465" y="0"/>
+                  </a:lnTo>
+                  <a:moveTo>
+                    <a:pt x="1579324" y="0"/>
+                  </a:moveTo>
+                  <a:lnTo>
+                    <a:pt x="1370296" y="0"/>
+                  </a:lnTo>
+                </a:path>
+              </a:pathLst>
+            </a:custGeom>
+            <a:noFill/>
+            <a:ln w="139303" cap="rnd">
+              <a:solidFill>
+                <a:srgbClr val="0A0CF0">
+                  <a:alpha val="33000"/>
+                </a:srgbClr>
+              </a:solidFill>
+              <a:prstDash val="solid"/>
+              <a:miter/>
+            </a:ln>
+          </p:spPr>
+          <p:txBody>
+            <a:bodyPr rtlCol="0" anchor="ctr"/>
+            <a:lstStyle/>
+            <a:p>
+              <a:endParaRPr lang="ja-JP" altLang="en-US"/>
+            </a:p>
+          </p:txBody>
+        </p:sp>
+        <p:sp>
+          <p:nvSpPr>
+            <p:cNvPr id="39" name="フリーフォーム 38">
+              <a:extLst>
+                <a:ext uri="{FF2B5EF4-FFF2-40B4-BE49-F238E27FC236}">
+                  <a16:creationId xmlns:a16="http://schemas.microsoft.com/office/drawing/2014/main" id="{7018B8BA-D05B-5C33-3822-D3FCBEBE7D74}"/>
+                </a:ext>
+              </a:extLst>
+            </p:cNvPr>
+            <p:cNvSpPr/>
+            <p:nvPr/>
+          </p:nvSpPr>
+          <p:spPr>
+            <a:xfrm>
+              <a:off x="11465201" y="1070348"/>
+              <a:ext cx="1579324" cy="92901"/>
+            </a:xfrm>
+            <a:custGeom>
+              <a:avLst/>
+              <a:gdLst>
+                <a:gd name="connsiteX0" fmla="*/ 1579324 w 1579324"/>
+                <a:gd name="connsiteY0" fmla="*/ 0 h 92901"/>
+                <a:gd name="connsiteX1" fmla="*/ 603859 w 1579324"/>
+                <a:gd name="connsiteY1" fmla="*/ 0 h 92901"/>
+                <a:gd name="connsiteX2" fmla="*/ 0 w 1579324"/>
+                <a:gd name="connsiteY2" fmla="*/ 0 h 92901"/>
+                <a:gd name="connsiteX3" fmla="*/ 209028 w 1579324"/>
+                <a:gd name="connsiteY3" fmla="*/ 0 h 92901"/>
+              </a:gdLst>
+              <a:ahLst/>
+              <a:cxnLst>
+                <a:cxn ang="0">
+                  <a:pos x="connsiteX0" y="connsiteY0"/>
+                </a:cxn>
+                <a:cxn ang="0">
+                  <a:pos x="connsiteX1" y="connsiteY1"/>
+                </a:cxn>
+                <a:cxn ang="0">
+                  <a:pos x="connsiteX2" y="connsiteY2"/>
+                </a:cxn>
+                <a:cxn ang="0">
+                  <a:pos x="connsiteX3" y="connsiteY3"/>
+                </a:cxn>
+              </a:cxnLst>
+              <a:rect l="l" t="t" r="r" b="b"/>
+              <a:pathLst>
+                <a:path w="1579324" h="92901">
+                  <a:moveTo>
+                    <a:pt x="1579324" y="0"/>
+                  </a:moveTo>
+                  <a:lnTo>
+                    <a:pt x="603859" y="0"/>
+                  </a:lnTo>
+                  <a:moveTo>
+                    <a:pt x="0" y="0"/>
+                  </a:moveTo>
+                  <a:lnTo>
+                    <a:pt x="209028" y="0"/>
+                  </a:lnTo>
+                </a:path>
+              </a:pathLst>
+            </a:custGeom>
+            <a:noFill/>
+            <a:ln w="139303" cap="rnd">
+              <a:solidFill>
+                <a:srgbClr val="0A0CF0">
+                  <a:alpha val="33000"/>
+                </a:srgbClr>
+              </a:solidFill>
+              <a:prstDash val="solid"/>
+              <a:miter/>
+            </a:ln>
+          </p:spPr>
+          <p:txBody>
+            <a:bodyPr rtlCol="0" anchor="ctr"/>
+            <a:lstStyle/>
+            <a:p>
+              <a:endParaRPr lang="ja-JP" altLang="en-US"/>
+            </a:p>
+          </p:txBody>
+        </p:sp>
+      </p:grpSp>
+      <p:pic>
+        <p:nvPicPr>
+          <p:cNvPr id="28" name="グラフィックス 27" descr="ワークフロー">
+            <a:extLst>
+              <a:ext uri="{FF2B5EF4-FFF2-40B4-BE49-F238E27FC236}">
+                <a16:creationId xmlns:a16="http://schemas.microsoft.com/office/drawing/2014/main" id="{FFBFB588-FD97-3B31-13B5-E6F8C4ED6BE4}"/>
+              </a:ext>
+            </a:extLst>
+          </p:cNvPr>
+          <p:cNvPicPr>
+            <a:picLocks noChangeAspect="1"/>
+          </p:cNvPicPr>
+          <p:nvPr/>
+        </p:nvPicPr>
+        <p:blipFill>
+          <a:blip r:embed="rId4">
+            <a:extLst>
+              <a:ext uri="{28A0092B-C50C-407E-A947-70E740481C1C}">
+                <a14:useLocalDpi xmlns:a14="http://schemas.microsoft.com/office/drawing/2010/main" val="0"/>
+              </a:ext>
+              <a:ext uri="{96DAC541-7B7A-43D3-8B79-37D633B846F1}">
+                <asvg:svgBlip xmlns:asvg="http://schemas.microsoft.com/office/drawing/2016/SVG/main" r:embed="rId5"/>
+              </a:ext>
+            </a:extLst>
+          </a:blip>
+          <a:stretch>
+            <a:fillRect/>
+          </a:stretch>
+        </p:blipFill>
+        <p:spPr>
+          <a:xfrm>
+            <a:off x="9833111" y="-19052"/>
+            <a:ext cx="1503295" cy="1503295"/>
+          </a:xfrm>
+          <a:prstGeom prst="rect">
+            <a:avLst/>
+          </a:prstGeom>
+        </p:spPr>
+      </p:pic>
+      <p:pic>
+        <p:nvPicPr>
+          <p:cNvPr id="6" name="図 5">
+            <a:extLst>
+              <a:ext uri="{FF2B5EF4-FFF2-40B4-BE49-F238E27FC236}">
+                <a16:creationId xmlns:a16="http://schemas.microsoft.com/office/drawing/2014/main" id="{E64D9AB2-2CD5-A2A3-B4B3-221BCFFBBBFE}"/>
+              </a:ext>
+            </a:extLst>
+          </p:cNvPr>
+          <p:cNvPicPr>
+            <a:picLocks noChangeAspect="1"/>
+          </p:cNvPicPr>
+          <p:nvPr/>
+        </p:nvPicPr>
+        <p:blipFill>
+          <a:blip r:embed="rId6">
+            <a:extLst>
+              <a:ext uri="{BEBA8EAE-BF5A-486C-A8C5-ECC9F3942E4B}">
+                <a14:imgProps xmlns:a14="http://schemas.microsoft.com/office/drawing/2010/main">
+                  <a14:imgLayer r:embed="rId7">
+                    <a14:imgEffect>
+                      <a14:brightnessContrast bright="23000" contrast="46000"/>
+                    </a14:imgEffect>
+                  </a14:imgLayer>
+                </a14:imgProps>
+              </a:ext>
+              <a:ext uri="{28A0092B-C50C-407E-A947-70E740481C1C}">
+                <a14:useLocalDpi xmlns:a14="http://schemas.microsoft.com/office/drawing/2010/main" val="0"/>
+              </a:ext>
+            </a:extLst>
+          </a:blip>
+          <a:stretch>
+            <a:fillRect/>
+          </a:stretch>
+        </p:blipFill>
+        <p:spPr>
+          <a:xfrm>
+            <a:off x="3182801" y="1468160"/>
+            <a:ext cx="1991903" cy="2480986"/>
+          </a:xfrm>
+          <a:prstGeom prst="rect">
+            <a:avLst/>
+          </a:prstGeom>
+        </p:spPr>
+      </p:pic>
+      <p:sp>
+        <p:nvSpPr>
+          <p:cNvPr id="4" name="角丸四角形 3">
+            <a:extLst>
+              <a:ext uri="{FF2B5EF4-FFF2-40B4-BE49-F238E27FC236}">
+                <a16:creationId xmlns:a16="http://schemas.microsoft.com/office/drawing/2014/main" id="{0ABC980A-BAFA-097C-C482-DB7BBEBE9F5F}"/>
+              </a:ext>
+            </a:extLst>
+          </p:cNvPr>
+          <p:cNvSpPr/>
+          <p:nvPr/>
+        </p:nvSpPr>
+        <p:spPr>
+          <a:xfrm>
+            <a:off x="1113183" y="1789044"/>
+            <a:ext cx="1258954" cy="795126"/>
+          </a:xfrm>
+          <a:prstGeom prst="roundRect">
+            <a:avLst/>
+          </a:prstGeom>
+          <a:solidFill>
+            <a:srgbClr val="751CFE">
+              <a:alpha val="71000"/>
+            </a:srgbClr>
+          </a:solidFill>
+          <a:ln w="12700">
+            <a:noFill/>
+            <a:miter lim="400000"/>
+          </a:ln>
+          <a:extLst>
+            <a:ext uri="{C572A759-6A51-4108-AA02-DFA0A04FC94B}">
+              <ma14:wrappingTextBoxFlag xmlns:ma14="http://schemas.microsoft.com/office/mac/drawingml/2011/main" xmlns="" val="1"/>
+            </a:ext>
+          </a:extLst>
+        </p:spPr>
+        <p:txBody>
+          <a:bodyPr rtlCol="0" anchor="ctr"/>
+          <a:lstStyle/>
+          <a:p>
+            <a:pPr algn="ctr"/>
+            <a:r>
+              <a:rPr kumimoji="1" lang="en-US" altLang="ja-JP" sz="5400" b="1">
+                <a:solidFill>
+                  <a:schemeClr val="bg1"/>
+                </a:solidFill>
+                <a:latin typeface="Arial Black" panose="020B0604020202020204" pitchFamily="34" charset="0"/>
+                <a:cs typeface="Arial Black" panose="020B0604020202020204" pitchFamily="34" charset="0"/>
+              </a:rPr>
+              <a:t>R</a:t>
+            </a:r>
+            <a:endParaRPr kumimoji="1" lang="ja-JP" altLang="en-US" sz="5400" b="1">
+              <a:solidFill>
+                <a:schemeClr val="bg1"/>
+              </a:solidFill>
+              <a:latin typeface="Arial Black" panose="020B0604020202020204" pitchFamily="34" charset="0"/>
+              <a:cs typeface="Arial Black" panose="020B0604020202020204" pitchFamily="34" charset="0"/>
+            </a:endParaRPr>
+          </a:p>
+        </p:txBody>
+      </p:sp>
+      <p:sp>
+        <p:nvSpPr>
+          <p:cNvPr id="5" name="角丸四角形 4">
+            <a:extLst>
+              <a:ext uri="{FF2B5EF4-FFF2-40B4-BE49-F238E27FC236}">
+                <a16:creationId xmlns:a16="http://schemas.microsoft.com/office/drawing/2014/main" id="{11362BFD-4FFC-B872-0109-A216E4C78530}"/>
+              </a:ext>
+            </a:extLst>
+          </p:cNvPr>
+          <p:cNvSpPr/>
+          <p:nvPr/>
+        </p:nvSpPr>
+        <p:spPr>
+          <a:xfrm>
+            <a:off x="11816598" y="1789044"/>
+            <a:ext cx="1859647" cy="795126"/>
+          </a:xfrm>
+          <a:prstGeom prst="roundRect">
+            <a:avLst/>
+          </a:prstGeom>
+          <a:solidFill>
+            <a:schemeClr val="accent6">
+              <a:lumMod val="75000"/>
+              <a:alpha val="73036"/>
+            </a:schemeClr>
+          </a:solidFill>
+          <a:ln w="12700">
+            <a:noFill/>
+            <a:miter lim="400000"/>
+          </a:ln>
+          <a:extLst>
+            <a:ext uri="{C572A759-6A51-4108-AA02-DFA0A04FC94B}">
+              <ma14:wrappingTextBoxFlag xmlns:ma14="http://schemas.microsoft.com/office/mac/drawingml/2011/main" xmlns="" val="1"/>
+            </a:ext>
+          </a:extLst>
+        </p:spPr>
+        <p:txBody>
+          <a:bodyPr rtlCol="0" anchor="ctr"/>
+          <a:lstStyle/>
+          <a:p>
+            <a:pPr algn="ctr"/>
+            <a:r>
+              <a:rPr lang="en-US" altLang="ja-JP" sz="5400" b="1">
+                <a:solidFill>
+                  <a:schemeClr val="bg1"/>
+                </a:solidFill>
+                <a:latin typeface="Arial Black" panose="020B0604020202020204" pitchFamily="34" charset="0"/>
+                <a:cs typeface="Arial Black" panose="020B0604020202020204" pitchFamily="34" charset="0"/>
+              </a:rPr>
+              <a:t>SQL</a:t>
+            </a:r>
+            <a:endParaRPr kumimoji="1" lang="ja-JP" altLang="en-US" sz="5400" b="1">
+              <a:solidFill>
+                <a:schemeClr val="bg1"/>
+              </a:solidFill>
+              <a:latin typeface="Arial Black" panose="020B0604020202020204" pitchFamily="34" charset="0"/>
+              <a:cs typeface="Arial Black" panose="020B0604020202020204" pitchFamily="34" charset="0"/>
+            </a:endParaRPr>
+          </a:p>
+        </p:txBody>
+      </p:sp>
+    </p:spTree>
+    <p:extLst>
+      <p:ext uri="{BB962C8B-B14F-4D97-AF65-F5344CB8AC3E}">
+        <p14:creationId xmlns:p14="http://schemas.microsoft.com/office/powerpoint/2010/main" val="182223047"/>
+      </p:ext>
+    </p:extLst>
+  </p:cSld>
+  <p:clrMapOvr>
+    <a:masterClrMapping/>
+  </p:clrMapOvr>
+</p:sld>
+</file>
+
+<file path=ppt/slides/slide7.xml><?xml version="1.0" encoding="utf-8"?>
+<p:sld xmlns:a="http://schemas.openxmlformats.org/drawingml/2006/main" xmlns:r="http://schemas.openxmlformats.org/officeDocument/2006/relationships" xmlns:p="http://schemas.openxmlformats.org/presentationml/2006/main">
+  <p:cSld>
+    <p:bg>
+      <p:bgPr>
+        <a:gradFill>
+          <a:gsLst>
+            <a:gs pos="100000">
+              <a:srgbClr val="F2EBFF">
+                <a:lumMod val="96299"/>
+                <a:lumOff val="3701"/>
+                <a:alpha val="43000"/>
+              </a:srgbClr>
+            </a:gs>
+            <a:gs pos="2000">
+              <a:srgbClr val="4396FB">
+                <a:alpha val="63988"/>
+              </a:srgbClr>
+            </a:gs>
+          </a:gsLst>
+          <a:lin ang="18900000" scaled="0"/>
+        </a:gradFill>
+        <a:effectLst/>
+      </p:bgPr>
+    </p:bg>
+    <p:spTree>
+      <p:nvGrpSpPr>
+        <p:cNvPr id="1" name=""/>
+        <p:cNvGrpSpPr/>
+        <p:nvPr/>
+      </p:nvGrpSpPr>
+      <p:grpSpPr>
+        <a:xfrm>
+          <a:off x="0" y="0"/>
+          <a:ext cx="0" cy="0"/>
+          <a:chOff x="0" y="0"/>
+          <a:chExt cx="0" cy="0"/>
+        </a:xfrm>
+      </p:grpSpPr>
+      <p:grpSp>
+        <p:nvGrpSpPr>
+          <p:cNvPr id="27" name="グループ化 26">
+            <a:extLst>
+              <a:ext uri="{FF2B5EF4-FFF2-40B4-BE49-F238E27FC236}">
+                <a16:creationId xmlns:a16="http://schemas.microsoft.com/office/drawing/2014/main" id="{DB62DD05-BC9B-A3D3-FF29-371E44EE94BB}"/>
+              </a:ext>
+            </a:extLst>
+          </p:cNvPr>
+          <p:cNvGrpSpPr/>
+          <p:nvPr/>
+        </p:nvGrpSpPr>
+        <p:grpSpPr>
+          <a:xfrm>
+            <a:off x="851468" y="713741"/>
+            <a:ext cx="1745957" cy="3011305"/>
+            <a:chOff x="11465201" y="698742"/>
+            <a:chExt cx="1579324" cy="2723908"/>
+          </a:xfrm>
+        </p:grpSpPr>
+        <p:sp>
+          <p:nvSpPr>
+            <p:cNvPr id="18" name="フリーフォーム 17">
+              <a:extLst>
+                <a:ext uri="{FF2B5EF4-FFF2-40B4-BE49-F238E27FC236}">
+                  <a16:creationId xmlns:a16="http://schemas.microsoft.com/office/drawing/2014/main" id="{3037463D-E8E6-4727-41F0-1A2A30E767A8}"/>
+                </a:ext>
+              </a:extLst>
+            </p:cNvPr>
+            <p:cNvSpPr/>
+            <p:nvPr/>
+          </p:nvSpPr>
+          <p:spPr>
+            <a:xfrm>
+              <a:off x="12487116" y="2911693"/>
+              <a:ext cx="557408" cy="464507"/>
+            </a:xfrm>
+            <a:custGeom>
+              <a:avLst/>
+              <a:gdLst>
+                <a:gd name="connsiteX0" fmla="*/ 0 w 557408"/>
+                <a:gd name="connsiteY0" fmla="*/ 232254 h 464507"/>
+                <a:gd name="connsiteX1" fmla="*/ 195093 w 557408"/>
+                <a:gd name="connsiteY1" fmla="*/ 464507 h 464507"/>
+                <a:gd name="connsiteX2" fmla="*/ 557409 w 557408"/>
+                <a:gd name="connsiteY2" fmla="*/ 0 h 464507"/>
+              </a:gdLst>
+              <a:ahLst/>
+              <a:cxnLst>
+                <a:cxn ang="0">
+                  <a:pos x="connsiteX0" y="connsiteY0"/>
+                </a:cxn>
+                <a:cxn ang="0">
+                  <a:pos x="connsiteX1" y="connsiteY1"/>
+                </a:cxn>
+                <a:cxn ang="0">
+                  <a:pos x="connsiteX2" y="connsiteY2"/>
+                </a:cxn>
+              </a:cxnLst>
+              <a:rect l="l" t="t" r="r" b="b"/>
+              <a:pathLst>
+                <a:path w="557408" h="464507">
+                  <a:moveTo>
+                    <a:pt x="0" y="232254"/>
+                  </a:moveTo>
+                  <a:lnTo>
+                    <a:pt x="195093" y="464507"/>
+                  </a:lnTo>
+                  <a:lnTo>
+                    <a:pt x="557409" y="0"/>
+                  </a:lnTo>
+                </a:path>
+              </a:pathLst>
+            </a:custGeom>
+            <a:noFill/>
+            <a:ln w="139303" cap="rnd">
+              <a:solidFill>
+                <a:srgbClr val="0A0CF0">
+                  <a:alpha val="37000"/>
+                </a:srgbClr>
+              </a:solidFill>
+              <a:prstDash val="solid"/>
+              <a:round/>
+            </a:ln>
+          </p:spPr>
+          <p:txBody>
+            <a:bodyPr rtlCol="0" anchor="ctr"/>
+            <a:lstStyle/>
+            <a:p>
+              <a:endParaRPr lang="ja-JP" altLang="en-US"/>
+            </a:p>
+          </p:txBody>
+        </p:sp>
+        <p:sp>
+          <p:nvSpPr>
+            <p:cNvPr id="19" name="フリーフォーム 18">
+              <a:extLst>
+                <a:ext uri="{FF2B5EF4-FFF2-40B4-BE49-F238E27FC236}">
+                  <a16:creationId xmlns:a16="http://schemas.microsoft.com/office/drawing/2014/main" id="{97AE8855-74CA-9FF4-E945-9E1A738394AB}"/>
+                </a:ext>
+              </a:extLst>
+            </p:cNvPr>
+            <p:cNvSpPr/>
+            <p:nvPr/>
+          </p:nvSpPr>
+          <p:spPr>
+            <a:xfrm>
+              <a:off x="11465201" y="2958143"/>
+              <a:ext cx="650309" cy="92901"/>
+            </a:xfrm>
+            <a:custGeom>
+              <a:avLst/>
+              <a:gdLst>
+                <a:gd name="connsiteX0" fmla="*/ 650310 w 650309"/>
+                <a:gd name="connsiteY0" fmla="*/ 0 h 92901"/>
+                <a:gd name="connsiteX1" fmla="*/ 0 w 650309"/>
+                <a:gd name="connsiteY1" fmla="*/ 0 h 92901"/>
+              </a:gdLst>
+              <a:ahLst/>
+              <a:cxnLst>
+                <a:cxn ang="0">
+                  <a:pos x="connsiteX0" y="connsiteY0"/>
+                </a:cxn>
+                <a:cxn ang="0">
+                  <a:pos x="connsiteX1" y="connsiteY1"/>
+                </a:cxn>
+              </a:cxnLst>
+              <a:rect l="l" t="t" r="r" b="b"/>
+              <a:pathLst>
+                <a:path w="650309" h="92901">
+                  <a:moveTo>
+                    <a:pt x="650310" y="0"/>
+                  </a:moveTo>
+                  <a:lnTo>
+                    <a:pt x="0" y="0"/>
+                  </a:lnTo>
+                </a:path>
+              </a:pathLst>
+            </a:custGeom>
+            <a:noFill/>
+            <a:ln w="139303" cap="rnd">
+              <a:solidFill>
+                <a:srgbClr val="0A0CF0">
+                  <a:alpha val="37000"/>
+                </a:srgbClr>
+              </a:solidFill>
+              <a:prstDash val="solid"/>
+              <a:miter/>
+            </a:ln>
+          </p:spPr>
+          <p:txBody>
+            <a:bodyPr rtlCol="0" anchor="ctr"/>
+            <a:lstStyle/>
+            <a:p>
+              <a:endParaRPr lang="ja-JP" altLang="en-US"/>
+            </a:p>
+          </p:txBody>
+        </p:sp>
+        <p:sp>
+          <p:nvSpPr>
+            <p:cNvPr id="20" name="フリーフォーム 19">
+              <a:extLst>
+                <a:ext uri="{FF2B5EF4-FFF2-40B4-BE49-F238E27FC236}">
+                  <a16:creationId xmlns:a16="http://schemas.microsoft.com/office/drawing/2014/main" id="{31D7D10B-DF73-73D6-38C3-43972416C968}"/>
+                </a:ext>
+              </a:extLst>
+            </p:cNvPr>
+            <p:cNvSpPr/>
+            <p:nvPr/>
+          </p:nvSpPr>
+          <p:spPr>
+            <a:xfrm>
+              <a:off x="11465201" y="3329749"/>
+              <a:ext cx="650309" cy="92901"/>
+            </a:xfrm>
+            <a:custGeom>
+              <a:avLst/>
+              <a:gdLst>
+                <a:gd name="connsiteX0" fmla="*/ 650310 w 650309"/>
+                <a:gd name="connsiteY0" fmla="*/ 0 h 92901"/>
+                <a:gd name="connsiteX1" fmla="*/ 0 w 650309"/>
+                <a:gd name="connsiteY1" fmla="*/ 0 h 92901"/>
+              </a:gdLst>
+              <a:ahLst/>
+              <a:cxnLst>
+                <a:cxn ang="0">
+                  <a:pos x="connsiteX0" y="connsiteY0"/>
+                </a:cxn>
+                <a:cxn ang="0">
+                  <a:pos x="connsiteX1" y="connsiteY1"/>
+                </a:cxn>
+              </a:cxnLst>
+              <a:rect l="l" t="t" r="r" b="b"/>
+              <a:pathLst>
+                <a:path w="650309" h="92901">
+                  <a:moveTo>
+                    <a:pt x="650310" y="0"/>
+                  </a:moveTo>
+                  <a:lnTo>
+                    <a:pt x="0" y="0"/>
+                  </a:lnTo>
+                </a:path>
+              </a:pathLst>
+            </a:custGeom>
+            <a:noFill/>
+            <a:ln w="139303" cap="rnd">
+              <a:solidFill>
+                <a:srgbClr val="0A0CF0">
+                  <a:alpha val="37000"/>
+                </a:srgbClr>
+              </a:solidFill>
+              <a:prstDash val="solid"/>
+              <a:miter/>
+            </a:ln>
+          </p:spPr>
+          <p:txBody>
+            <a:bodyPr rtlCol="0" anchor="ctr"/>
+            <a:lstStyle/>
+            <a:p>
+              <a:endParaRPr lang="ja-JP" altLang="en-US"/>
+            </a:p>
+          </p:txBody>
+        </p:sp>
+        <p:sp>
+          <p:nvSpPr>
+            <p:cNvPr id="21" name="フリーフォーム 20">
+              <a:extLst>
+                <a:ext uri="{FF2B5EF4-FFF2-40B4-BE49-F238E27FC236}">
+                  <a16:creationId xmlns:a16="http://schemas.microsoft.com/office/drawing/2014/main" id="{B2E9EB2A-84B2-D514-7A58-DD0FFF4DF37C}"/>
+                </a:ext>
+              </a:extLst>
+            </p:cNvPr>
+            <p:cNvSpPr/>
+            <p:nvPr/>
+          </p:nvSpPr>
+          <p:spPr>
+            <a:xfrm>
+              <a:off x="11465201" y="2214932"/>
+              <a:ext cx="1579324" cy="92901"/>
+            </a:xfrm>
+            <a:custGeom>
+              <a:avLst/>
+              <a:gdLst>
+                <a:gd name="connsiteX0" fmla="*/ 0 w 1579324"/>
+                <a:gd name="connsiteY0" fmla="*/ 0 h 92901"/>
+                <a:gd name="connsiteX1" fmla="*/ 975465 w 1579324"/>
+                <a:gd name="connsiteY1" fmla="*/ 0 h 92901"/>
+                <a:gd name="connsiteX2" fmla="*/ 1579324 w 1579324"/>
+                <a:gd name="connsiteY2" fmla="*/ 0 h 92901"/>
+                <a:gd name="connsiteX3" fmla="*/ 1370296 w 1579324"/>
+                <a:gd name="connsiteY3" fmla="*/ 0 h 92901"/>
+              </a:gdLst>
+              <a:ahLst/>
+              <a:cxnLst>
+                <a:cxn ang="0">
+                  <a:pos x="connsiteX0" y="connsiteY0"/>
+                </a:cxn>
+                <a:cxn ang="0">
+                  <a:pos x="connsiteX1" y="connsiteY1"/>
+                </a:cxn>
+                <a:cxn ang="0">
+                  <a:pos x="connsiteX2" y="connsiteY2"/>
+                </a:cxn>
+                <a:cxn ang="0">
+                  <a:pos x="connsiteX3" y="connsiteY3"/>
+                </a:cxn>
+              </a:cxnLst>
+              <a:rect l="l" t="t" r="r" b="b"/>
+              <a:pathLst>
+                <a:path w="1579324" h="92901">
+                  <a:moveTo>
+                    <a:pt x="0" y="0"/>
+                  </a:moveTo>
+                  <a:lnTo>
+                    <a:pt x="975465" y="0"/>
+                  </a:lnTo>
+                  <a:moveTo>
+                    <a:pt x="1579324" y="0"/>
+                  </a:moveTo>
+                  <a:lnTo>
+                    <a:pt x="1370296" y="0"/>
+                  </a:lnTo>
+                </a:path>
+              </a:pathLst>
+            </a:custGeom>
+            <a:noFill/>
+            <a:ln w="139303" cap="rnd">
+              <a:solidFill>
+                <a:srgbClr val="0A0CF0">
+                  <a:alpha val="37000"/>
+                </a:srgbClr>
+              </a:solidFill>
+              <a:prstDash val="solid"/>
+              <a:miter/>
+            </a:ln>
+          </p:spPr>
+          <p:txBody>
+            <a:bodyPr rtlCol="0" anchor="ctr"/>
+            <a:lstStyle/>
+            <a:p>
+              <a:endParaRPr lang="ja-JP" altLang="en-US"/>
+            </a:p>
+          </p:txBody>
+        </p:sp>
+        <p:sp>
+          <p:nvSpPr>
+            <p:cNvPr id="22" name="フリーフォーム 21">
+              <a:extLst>
+                <a:ext uri="{FF2B5EF4-FFF2-40B4-BE49-F238E27FC236}">
+                  <a16:creationId xmlns:a16="http://schemas.microsoft.com/office/drawing/2014/main" id="{D0C5F125-B025-B566-65F4-B557D074E415}"/>
+                </a:ext>
+              </a:extLst>
+            </p:cNvPr>
+            <p:cNvSpPr/>
+            <p:nvPr/>
+          </p:nvSpPr>
+          <p:spPr>
+            <a:xfrm>
+              <a:off x="11465201" y="2586538"/>
+              <a:ext cx="1579324" cy="92901"/>
+            </a:xfrm>
+            <a:custGeom>
+              <a:avLst/>
+              <a:gdLst>
+                <a:gd name="connsiteX0" fmla="*/ 1579324 w 1579324"/>
+                <a:gd name="connsiteY0" fmla="*/ 0 h 92901"/>
+                <a:gd name="connsiteX1" fmla="*/ 603859 w 1579324"/>
+                <a:gd name="connsiteY1" fmla="*/ 0 h 92901"/>
+                <a:gd name="connsiteX2" fmla="*/ 0 w 1579324"/>
+                <a:gd name="connsiteY2" fmla="*/ 0 h 92901"/>
+                <a:gd name="connsiteX3" fmla="*/ 209028 w 1579324"/>
+                <a:gd name="connsiteY3" fmla="*/ 0 h 92901"/>
+              </a:gdLst>
+              <a:ahLst/>
+              <a:cxnLst>
+                <a:cxn ang="0">
+                  <a:pos x="connsiteX0" y="connsiteY0"/>
+                </a:cxn>
+                <a:cxn ang="0">
+                  <a:pos x="connsiteX1" y="connsiteY1"/>
+                </a:cxn>
+                <a:cxn ang="0">
+                  <a:pos x="connsiteX2" y="connsiteY2"/>
+                </a:cxn>
+                <a:cxn ang="0">
+                  <a:pos x="connsiteX3" y="connsiteY3"/>
+                </a:cxn>
+              </a:cxnLst>
+              <a:rect l="l" t="t" r="r" b="b"/>
+              <a:pathLst>
+                <a:path w="1579324" h="92901">
+                  <a:moveTo>
+                    <a:pt x="1579324" y="0"/>
+                  </a:moveTo>
+                  <a:lnTo>
+                    <a:pt x="603859" y="0"/>
+                  </a:lnTo>
+                  <a:moveTo>
+                    <a:pt x="0" y="0"/>
+                  </a:moveTo>
+                  <a:lnTo>
+                    <a:pt x="209028" y="0"/>
+                  </a:lnTo>
+                </a:path>
+              </a:pathLst>
+            </a:custGeom>
+            <a:noFill/>
+            <a:ln w="139303" cap="rnd">
+              <a:solidFill>
+                <a:srgbClr val="0A0CF0">
+                  <a:alpha val="37000"/>
+                </a:srgbClr>
+              </a:solidFill>
+              <a:prstDash val="solid"/>
+              <a:miter/>
+            </a:ln>
+          </p:spPr>
+          <p:txBody>
+            <a:bodyPr rtlCol="0" anchor="ctr"/>
+            <a:lstStyle/>
+            <a:p>
+              <a:endParaRPr lang="ja-JP" altLang="en-US"/>
+            </a:p>
+          </p:txBody>
+        </p:sp>
+        <p:sp>
+          <p:nvSpPr>
+            <p:cNvPr id="23" name="フリーフォーム 22">
+              <a:extLst>
+                <a:ext uri="{FF2B5EF4-FFF2-40B4-BE49-F238E27FC236}">
+                  <a16:creationId xmlns:a16="http://schemas.microsoft.com/office/drawing/2014/main" id="{4E6C3791-4DC8-51FC-7B4C-9E4EBA15885C}"/>
+                </a:ext>
+              </a:extLst>
+            </p:cNvPr>
+            <p:cNvSpPr/>
+            <p:nvPr/>
+          </p:nvSpPr>
+          <p:spPr>
+            <a:xfrm>
+              <a:off x="11465201" y="1455804"/>
+              <a:ext cx="1579324" cy="92901"/>
+            </a:xfrm>
+            <a:custGeom>
+              <a:avLst/>
+              <a:gdLst>
+                <a:gd name="connsiteX0" fmla="*/ 0 w 1579324"/>
+                <a:gd name="connsiteY0" fmla="*/ 0 h 92901"/>
+                <a:gd name="connsiteX1" fmla="*/ 975465 w 1579324"/>
+                <a:gd name="connsiteY1" fmla="*/ 0 h 92901"/>
+                <a:gd name="connsiteX2" fmla="*/ 1579324 w 1579324"/>
+                <a:gd name="connsiteY2" fmla="*/ 0 h 92901"/>
+                <a:gd name="connsiteX3" fmla="*/ 1370296 w 1579324"/>
+                <a:gd name="connsiteY3" fmla="*/ 0 h 92901"/>
+              </a:gdLst>
+              <a:ahLst/>
+              <a:cxnLst>
+                <a:cxn ang="0">
+                  <a:pos x="connsiteX0" y="connsiteY0"/>
+                </a:cxn>
+                <a:cxn ang="0">
+                  <a:pos x="connsiteX1" y="connsiteY1"/>
+                </a:cxn>
+                <a:cxn ang="0">
+                  <a:pos x="connsiteX2" y="connsiteY2"/>
+                </a:cxn>
+                <a:cxn ang="0">
+                  <a:pos x="connsiteX3" y="connsiteY3"/>
+                </a:cxn>
+              </a:cxnLst>
+              <a:rect l="l" t="t" r="r" b="b"/>
+              <a:pathLst>
+                <a:path w="1579324" h="92901">
+                  <a:moveTo>
+                    <a:pt x="0" y="0"/>
+                  </a:moveTo>
+                  <a:lnTo>
+                    <a:pt x="975465" y="0"/>
+                  </a:lnTo>
+                  <a:moveTo>
+                    <a:pt x="1579324" y="0"/>
+                  </a:moveTo>
+                  <a:lnTo>
+                    <a:pt x="1370296" y="0"/>
+                  </a:lnTo>
+                </a:path>
+              </a:pathLst>
+            </a:custGeom>
+            <a:noFill/>
+            <a:ln w="139303" cap="rnd">
+              <a:solidFill>
+                <a:srgbClr val="0A0CF0">
+                  <a:alpha val="37000"/>
+                </a:srgbClr>
+              </a:solidFill>
+              <a:prstDash val="solid"/>
+              <a:miter/>
+            </a:ln>
+          </p:spPr>
+          <p:txBody>
+            <a:bodyPr rtlCol="0" anchor="ctr"/>
+            <a:lstStyle/>
+            <a:p>
+              <a:endParaRPr lang="ja-JP" altLang="en-US"/>
+            </a:p>
+          </p:txBody>
+        </p:sp>
+        <p:sp>
+          <p:nvSpPr>
+            <p:cNvPr id="24" name="フリーフォーム 23">
+              <a:extLst>
+                <a:ext uri="{FF2B5EF4-FFF2-40B4-BE49-F238E27FC236}">
+                  <a16:creationId xmlns:a16="http://schemas.microsoft.com/office/drawing/2014/main" id="{D1C734B2-E792-B085-3EC3-96614BF912C1}"/>
+                </a:ext>
+              </a:extLst>
+            </p:cNvPr>
+            <p:cNvSpPr/>
+            <p:nvPr/>
+          </p:nvSpPr>
+          <p:spPr>
+            <a:xfrm>
+              <a:off x="11465201" y="1827410"/>
+              <a:ext cx="1579324" cy="92901"/>
+            </a:xfrm>
+            <a:custGeom>
+              <a:avLst/>
+              <a:gdLst>
+                <a:gd name="connsiteX0" fmla="*/ 1579324 w 1579324"/>
+                <a:gd name="connsiteY0" fmla="*/ 0 h 92901"/>
+                <a:gd name="connsiteX1" fmla="*/ 603859 w 1579324"/>
+                <a:gd name="connsiteY1" fmla="*/ 0 h 92901"/>
+                <a:gd name="connsiteX2" fmla="*/ 0 w 1579324"/>
+                <a:gd name="connsiteY2" fmla="*/ 0 h 92901"/>
+                <a:gd name="connsiteX3" fmla="*/ 209028 w 1579324"/>
+                <a:gd name="connsiteY3" fmla="*/ 0 h 92901"/>
+              </a:gdLst>
+              <a:ahLst/>
+              <a:cxnLst>
+                <a:cxn ang="0">
+                  <a:pos x="connsiteX0" y="connsiteY0"/>
+                </a:cxn>
+                <a:cxn ang="0">
+                  <a:pos x="connsiteX1" y="connsiteY1"/>
+                </a:cxn>
+                <a:cxn ang="0">
+                  <a:pos x="connsiteX2" y="connsiteY2"/>
+                </a:cxn>
+                <a:cxn ang="0">
+                  <a:pos x="connsiteX3" y="connsiteY3"/>
+                </a:cxn>
+              </a:cxnLst>
+              <a:rect l="l" t="t" r="r" b="b"/>
+              <a:pathLst>
+                <a:path w="1579324" h="92901">
+                  <a:moveTo>
+                    <a:pt x="1579324" y="0"/>
+                  </a:moveTo>
+                  <a:lnTo>
+                    <a:pt x="603859" y="0"/>
+                  </a:lnTo>
+                  <a:moveTo>
+                    <a:pt x="0" y="0"/>
+                  </a:moveTo>
+                  <a:lnTo>
+                    <a:pt x="209028" y="0"/>
+                  </a:lnTo>
+                </a:path>
+              </a:pathLst>
+            </a:custGeom>
+            <a:noFill/>
+            <a:ln w="139303" cap="rnd">
+              <a:solidFill>
+                <a:srgbClr val="0A0CF0">
+                  <a:alpha val="37000"/>
+                </a:srgbClr>
+              </a:solidFill>
+              <a:prstDash val="solid"/>
+              <a:miter/>
+            </a:ln>
+          </p:spPr>
+          <p:txBody>
+            <a:bodyPr rtlCol="0" anchor="ctr"/>
+            <a:lstStyle/>
+            <a:p>
+              <a:endParaRPr lang="ja-JP" altLang="en-US"/>
+            </a:p>
+          </p:txBody>
+        </p:sp>
+        <p:sp>
+          <p:nvSpPr>
+            <p:cNvPr id="25" name="フリーフォーム 24">
+              <a:extLst>
+                <a:ext uri="{FF2B5EF4-FFF2-40B4-BE49-F238E27FC236}">
+                  <a16:creationId xmlns:a16="http://schemas.microsoft.com/office/drawing/2014/main" id="{F42FF860-1879-B38D-B685-6797845204A0}"/>
+                </a:ext>
+              </a:extLst>
+            </p:cNvPr>
+            <p:cNvSpPr/>
+            <p:nvPr/>
+          </p:nvSpPr>
+          <p:spPr>
+            <a:xfrm>
+              <a:off x="11465201" y="698742"/>
+              <a:ext cx="1579324" cy="92901"/>
+            </a:xfrm>
+            <a:custGeom>
+              <a:avLst/>
+              <a:gdLst>
+                <a:gd name="connsiteX0" fmla="*/ 0 w 1579324"/>
+                <a:gd name="connsiteY0" fmla="*/ 0 h 92901"/>
+                <a:gd name="connsiteX1" fmla="*/ 975465 w 1579324"/>
+                <a:gd name="connsiteY1" fmla="*/ 0 h 92901"/>
+                <a:gd name="connsiteX2" fmla="*/ 1579324 w 1579324"/>
+                <a:gd name="connsiteY2" fmla="*/ 0 h 92901"/>
+                <a:gd name="connsiteX3" fmla="*/ 1370296 w 1579324"/>
+                <a:gd name="connsiteY3" fmla="*/ 0 h 92901"/>
+              </a:gdLst>
+              <a:ahLst/>
+              <a:cxnLst>
+                <a:cxn ang="0">
+                  <a:pos x="connsiteX0" y="connsiteY0"/>
+                </a:cxn>
+                <a:cxn ang="0">
+                  <a:pos x="connsiteX1" y="connsiteY1"/>
+                </a:cxn>
+                <a:cxn ang="0">
+                  <a:pos x="connsiteX2" y="connsiteY2"/>
+                </a:cxn>
+                <a:cxn ang="0">
+                  <a:pos x="connsiteX3" y="connsiteY3"/>
+                </a:cxn>
+              </a:cxnLst>
+              <a:rect l="l" t="t" r="r" b="b"/>
+              <a:pathLst>
+                <a:path w="1579324" h="92901">
+                  <a:moveTo>
+                    <a:pt x="0" y="0"/>
+                  </a:moveTo>
+                  <a:lnTo>
+                    <a:pt x="975465" y="0"/>
+                  </a:lnTo>
+                  <a:moveTo>
+                    <a:pt x="1579324" y="0"/>
+                  </a:moveTo>
+                  <a:lnTo>
+                    <a:pt x="1370296" y="0"/>
+                  </a:lnTo>
+                </a:path>
+              </a:pathLst>
+            </a:custGeom>
+            <a:noFill/>
+            <a:ln w="139303" cap="rnd">
+              <a:solidFill>
+                <a:srgbClr val="0A0CF0">
+                  <a:alpha val="37000"/>
+                </a:srgbClr>
+              </a:solidFill>
+              <a:prstDash val="solid"/>
+              <a:miter/>
+            </a:ln>
+          </p:spPr>
+          <p:txBody>
+            <a:bodyPr rtlCol="0" anchor="ctr"/>
+            <a:lstStyle/>
+            <a:p>
+              <a:endParaRPr lang="ja-JP" altLang="en-US"/>
+            </a:p>
+          </p:txBody>
+        </p:sp>
+        <p:sp>
+          <p:nvSpPr>
+            <p:cNvPr id="26" name="フリーフォーム 25">
+              <a:extLst>
+                <a:ext uri="{FF2B5EF4-FFF2-40B4-BE49-F238E27FC236}">
+                  <a16:creationId xmlns:a16="http://schemas.microsoft.com/office/drawing/2014/main" id="{F7A697C1-B417-02BE-3ED7-46575062A7EA}"/>
+                </a:ext>
+              </a:extLst>
+            </p:cNvPr>
+            <p:cNvSpPr/>
+            <p:nvPr/>
+          </p:nvSpPr>
+          <p:spPr>
+            <a:xfrm>
+              <a:off x="11465201" y="1070348"/>
+              <a:ext cx="1579324" cy="92901"/>
+            </a:xfrm>
+            <a:custGeom>
+              <a:avLst/>
+              <a:gdLst>
+                <a:gd name="connsiteX0" fmla="*/ 1579324 w 1579324"/>
+                <a:gd name="connsiteY0" fmla="*/ 0 h 92901"/>
+                <a:gd name="connsiteX1" fmla="*/ 603859 w 1579324"/>
+                <a:gd name="connsiteY1" fmla="*/ 0 h 92901"/>
+                <a:gd name="connsiteX2" fmla="*/ 0 w 1579324"/>
+                <a:gd name="connsiteY2" fmla="*/ 0 h 92901"/>
+                <a:gd name="connsiteX3" fmla="*/ 209028 w 1579324"/>
+                <a:gd name="connsiteY3" fmla="*/ 0 h 92901"/>
+              </a:gdLst>
+              <a:ahLst/>
+              <a:cxnLst>
+                <a:cxn ang="0">
+                  <a:pos x="connsiteX0" y="connsiteY0"/>
+                </a:cxn>
+                <a:cxn ang="0">
+                  <a:pos x="connsiteX1" y="connsiteY1"/>
+                </a:cxn>
+                <a:cxn ang="0">
+                  <a:pos x="connsiteX2" y="connsiteY2"/>
+                </a:cxn>
+                <a:cxn ang="0">
+                  <a:pos x="connsiteX3" y="connsiteY3"/>
+                </a:cxn>
+              </a:cxnLst>
+              <a:rect l="l" t="t" r="r" b="b"/>
+              <a:pathLst>
+                <a:path w="1579324" h="92901">
+                  <a:moveTo>
+                    <a:pt x="1579324" y="0"/>
+                  </a:moveTo>
+                  <a:lnTo>
+                    <a:pt x="603859" y="0"/>
+                  </a:lnTo>
+                  <a:moveTo>
+                    <a:pt x="0" y="0"/>
+                  </a:moveTo>
+                  <a:lnTo>
+                    <a:pt x="209028" y="0"/>
+                  </a:lnTo>
+                </a:path>
+              </a:pathLst>
+            </a:custGeom>
+            <a:noFill/>
+            <a:ln w="139303" cap="rnd">
+              <a:solidFill>
+                <a:srgbClr val="0A0CF0">
+                  <a:alpha val="37000"/>
+                </a:srgbClr>
+              </a:solidFill>
+              <a:prstDash val="solid"/>
+              <a:miter/>
+            </a:ln>
+          </p:spPr>
+          <p:txBody>
+            <a:bodyPr rtlCol="0" anchor="ctr"/>
+            <a:lstStyle/>
+            <a:p>
+              <a:endParaRPr lang="ja-JP" altLang="en-US"/>
+            </a:p>
+          </p:txBody>
+        </p:sp>
+      </p:grpSp>
+      <p:sp>
+        <p:nvSpPr>
+          <p:cNvPr id="2" name="角丸四角形 1">
+            <a:extLst>
+              <a:ext uri="{FF2B5EF4-FFF2-40B4-BE49-F238E27FC236}">
+                <a16:creationId xmlns:a16="http://schemas.microsoft.com/office/drawing/2014/main" id="{D560FB00-0E8A-E628-CC1D-9BEABB1F8AF6}"/>
+              </a:ext>
+            </a:extLst>
+          </p:cNvPr>
+          <p:cNvSpPr/>
+          <p:nvPr/>
+        </p:nvSpPr>
+        <p:spPr>
+          <a:xfrm>
+            <a:off x="5417635" y="1655976"/>
+            <a:ext cx="3337877" cy="914400"/>
+          </a:xfrm>
+          <a:prstGeom prst="roundRect">
+            <a:avLst>
+              <a:gd name="adj" fmla="val 0"/>
+            </a:avLst>
+          </a:prstGeom>
+          <a:solidFill>
+            <a:schemeClr val="bg1">
+              <a:alpha val="60000"/>
+            </a:schemeClr>
+          </a:solidFill>
+          <a:ln w="12700">
+            <a:noFill/>
+            <a:miter lim="400000"/>
+          </a:ln>
+          <a:extLst>
+            <a:ext uri="{C572A759-6A51-4108-AA02-DFA0A04FC94B}">
               <ma14:wrappingTextBoxFlag xmlns="" xmlns:ma14="http://schemas.microsoft.com/office/mac/drawingml/2011/main" val="1"/>
             </a:ext>
           </a:extLst>
@@ -17735,90 +19551,6 @@
           </p:txBody>
         </p:sp>
       </p:grpSp>
-      <p:pic>
-        <p:nvPicPr>
-          <p:cNvPr id="28" name="グラフィックス 27" descr="ワークフロー">
-            <a:extLst>
-              <a:ext uri="{FF2B5EF4-FFF2-40B4-BE49-F238E27FC236}">
-                <a16:creationId xmlns:a16="http://schemas.microsoft.com/office/drawing/2014/main" id="{FFBFB588-FD97-3B31-13B5-E6F8C4ED6BE4}"/>
-              </a:ext>
-            </a:extLst>
-          </p:cNvPr>
-          <p:cNvPicPr>
-            <a:picLocks noChangeAspect="1"/>
-          </p:cNvPicPr>
-          <p:nvPr/>
-        </p:nvPicPr>
-        <p:blipFill>
-          <a:blip r:embed="rId4">
-            <a:extLst>
-              <a:ext uri="{28A0092B-C50C-407E-A947-70E740481C1C}">
-                <a14:useLocalDpi xmlns:a14="http://schemas.microsoft.com/office/drawing/2010/main" val="0"/>
-              </a:ext>
-              <a:ext uri="{96DAC541-7B7A-43D3-8B79-37D633B846F1}">
-                <asvg:svgBlip xmlns:asvg="http://schemas.microsoft.com/office/drawing/2016/SVG/main" r:embed="rId5"/>
-              </a:ext>
-            </a:extLst>
-          </a:blip>
-          <a:stretch>
-            <a:fillRect/>
-          </a:stretch>
-        </p:blipFill>
-        <p:spPr>
-          <a:xfrm>
-            <a:off x="9833111" y="-19052"/>
-            <a:ext cx="1503295" cy="1503295"/>
-          </a:xfrm>
-          <a:prstGeom prst="rect">
-            <a:avLst/>
-          </a:prstGeom>
-        </p:spPr>
-      </p:pic>
-      <p:pic>
-        <p:nvPicPr>
-          <p:cNvPr id="6" name="図 5">
-            <a:extLst>
-              <a:ext uri="{FF2B5EF4-FFF2-40B4-BE49-F238E27FC236}">
-                <a16:creationId xmlns:a16="http://schemas.microsoft.com/office/drawing/2014/main" id="{E64D9AB2-2CD5-A2A3-B4B3-221BCFFBBBFE}"/>
-              </a:ext>
-            </a:extLst>
-          </p:cNvPr>
-          <p:cNvPicPr>
-            <a:picLocks noChangeAspect="1"/>
-          </p:cNvPicPr>
-          <p:nvPr/>
-        </p:nvPicPr>
-        <p:blipFill>
-          <a:blip r:embed="rId6">
-            <a:extLst>
-              <a:ext uri="{BEBA8EAE-BF5A-486C-A8C5-ECC9F3942E4B}">
-                <a14:imgProps xmlns:a14="http://schemas.microsoft.com/office/drawing/2010/main">
-                  <a14:imgLayer r:embed="rId7">
-                    <a14:imgEffect>
-                      <a14:brightnessContrast bright="23000" contrast="46000"/>
-                    </a14:imgEffect>
-                  </a14:imgLayer>
-                </a14:imgProps>
-              </a:ext>
-              <a:ext uri="{28A0092B-C50C-407E-A947-70E740481C1C}">
-                <a14:useLocalDpi xmlns:a14="http://schemas.microsoft.com/office/drawing/2010/main" val="0"/>
-              </a:ext>
-            </a:extLst>
-          </a:blip>
-          <a:stretch>
-            <a:fillRect/>
-          </a:stretch>
-        </p:blipFill>
-        <p:spPr>
-          <a:xfrm>
-            <a:off x="3182801" y="1468160"/>
-            <a:ext cx="1991903" cy="2480986"/>
-          </a:xfrm>
-          <a:prstGeom prst="rect">
-            <a:avLst/>
-          </a:prstGeom>
-        </p:spPr>
-      </p:pic>
       <p:sp>
         <p:nvSpPr>
           <p:cNvPr id="4" name="角丸四角形 3">
@@ -17912,1738 +19644,6 @@
           <a:extLst>
             <a:ext uri="{C572A759-6A51-4108-AA02-DFA0A04FC94B}">
               <ma14:wrappingTextBoxFlag xmlns="" xmlns:ma14="http://schemas.microsoft.com/office/mac/drawingml/2011/main" val="1"/>
-            </a:ext>
-          </a:extLst>
-        </p:spPr>
-        <p:txBody>
-          <a:bodyPr rtlCol="0" anchor="ctr"/>
-          <a:lstStyle/>
-          <a:p>
-            <a:pPr algn="ctr"/>
-            <a:r>
-              <a:rPr lang="en-US" altLang="ja-JP" sz="5400" b="1">
-                <a:solidFill>
-                  <a:schemeClr val="bg1"/>
-                </a:solidFill>
-                <a:latin typeface="Arial Black" panose="020B0604020202020204" pitchFamily="34" charset="0"/>
-                <a:cs typeface="Arial Black" panose="020B0604020202020204" pitchFamily="34" charset="0"/>
-              </a:rPr>
-              <a:t>SQL</a:t>
-            </a:r>
-            <a:endParaRPr kumimoji="1" lang="ja-JP" altLang="en-US" sz="5400" b="1">
-              <a:solidFill>
-                <a:schemeClr val="bg1"/>
-              </a:solidFill>
-              <a:latin typeface="Arial Black" panose="020B0604020202020204" pitchFamily="34" charset="0"/>
-              <a:cs typeface="Arial Black" panose="020B0604020202020204" pitchFamily="34" charset="0"/>
-            </a:endParaRPr>
-          </a:p>
-        </p:txBody>
-      </p:sp>
-    </p:spTree>
-    <p:extLst>
-      <p:ext uri="{BB962C8B-B14F-4D97-AF65-F5344CB8AC3E}">
-        <p14:creationId xmlns:p14="http://schemas.microsoft.com/office/powerpoint/2010/main" val="182223047"/>
-      </p:ext>
-    </p:extLst>
-  </p:cSld>
-  <p:clrMapOvr>
-    <a:masterClrMapping/>
-  </p:clrMapOvr>
-</p:sld>
-</file>
-
-<file path=ppt/slides/slide7.xml><?xml version="1.0" encoding="utf-8"?>
-<p:sld xmlns:a="http://schemas.openxmlformats.org/drawingml/2006/main" xmlns:r="http://schemas.openxmlformats.org/officeDocument/2006/relationships" xmlns:p="http://schemas.openxmlformats.org/presentationml/2006/main">
-  <p:cSld>
-    <p:bg>
-      <p:bgPr>
-        <a:gradFill>
-          <a:gsLst>
-            <a:gs pos="100000">
-              <a:srgbClr val="F2EBFF">
-                <a:lumMod val="96299"/>
-                <a:lumOff val="3701"/>
-                <a:alpha val="43000"/>
-              </a:srgbClr>
-            </a:gs>
-            <a:gs pos="2000">
-              <a:srgbClr val="4396FB">
-                <a:alpha val="63988"/>
-              </a:srgbClr>
-            </a:gs>
-          </a:gsLst>
-          <a:lin ang="18900000" scaled="0"/>
-        </a:gradFill>
-        <a:effectLst/>
-      </p:bgPr>
-    </p:bg>
-    <p:spTree>
-      <p:nvGrpSpPr>
-        <p:cNvPr id="1" name=""/>
-        <p:cNvGrpSpPr/>
-        <p:nvPr/>
-      </p:nvGrpSpPr>
-      <p:grpSpPr>
-        <a:xfrm>
-          <a:off x="0" y="0"/>
-          <a:ext cx="0" cy="0"/>
-          <a:chOff x="0" y="0"/>
-          <a:chExt cx="0" cy="0"/>
-        </a:xfrm>
-      </p:grpSpPr>
-      <p:grpSp>
-        <p:nvGrpSpPr>
-          <p:cNvPr id="27" name="グループ化 26">
-            <a:extLst>
-              <a:ext uri="{FF2B5EF4-FFF2-40B4-BE49-F238E27FC236}">
-                <a16:creationId xmlns:a16="http://schemas.microsoft.com/office/drawing/2014/main" id="{DB62DD05-BC9B-A3D3-FF29-371E44EE94BB}"/>
-              </a:ext>
-            </a:extLst>
-          </p:cNvPr>
-          <p:cNvGrpSpPr/>
-          <p:nvPr/>
-        </p:nvGrpSpPr>
-        <p:grpSpPr>
-          <a:xfrm>
-            <a:off x="851468" y="713741"/>
-            <a:ext cx="1745957" cy="3011305"/>
-            <a:chOff x="11465201" y="698742"/>
-            <a:chExt cx="1579324" cy="2723908"/>
-          </a:xfrm>
-        </p:grpSpPr>
-        <p:sp>
-          <p:nvSpPr>
-            <p:cNvPr id="18" name="フリーフォーム 17">
-              <a:extLst>
-                <a:ext uri="{FF2B5EF4-FFF2-40B4-BE49-F238E27FC236}">
-                  <a16:creationId xmlns:a16="http://schemas.microsoft.com/office/drawing/2014/main" id="{3037463D-E8E6-4727-41F0-1A2A30E767A8}"/>
-                </a:ext>
-              </a:extLst>
-            </p:cNvPr>
-            <p:cNvSpPr/>
-            <p:nvPr/>
-          </p:nvSpPr>
-          <p:spPr>
-            <a:xfrm>
-              <a:off x="12487116" y="2911693"/>
-              <a:ext cx="557408" cy="464507"/>
-            </a:xfrm>
-            <a:custGeom>
-              <a:avLst/>
-              <a:gdLst>
-                <a:gd name="connsiteX0" fmla="*/ 0 w 557408"/>
-                <a:gd name="connsiteY0" fmla="*/ 232254 h 464507"/>
-                <a:gd name="connsiteX1" fmla="*/ 195093 w 557408"/>
-                <a:gd name="connsiteY1" fmla="*/ 464507 h 464507"/>
-                <a:gd name="connsiteX2" fmla="*/ 557409 w 557408"/>
-                <a:gd name="connsiteY2" fmla="*/ 0 h 464507"/>
-              </a:gdLst>
-              <a:ahLst/>
-              <a:cxnLst>
-                <a:cxn ang="0">
-                  <a:pos x="connsiteX0" y="connsiteY0"/>
-                </a:cxn>
-                <a:cxn ang="0">
-                  <a:pos x="connsiteX1" y="connsiteY1"/>
-                </a:cxn>
-                <a:cxn ang="0">
-                  <a:pos x="connsiteX2" y="connsiteY2"/>
-                </a:cxn>
-              </a:cxnLst>
-              <a:rect l="l" t="t" r="r" b="b"/>
-              <a:pathLst>
-                <a:path w="557408" h="464507">
-                  <a:moveTo>
-                    <a:pt x="0" y="232254"/>
-                  </a:moveTo>
-                  <a:lnTo>
-                    <a:pt x="195093" y="464507"/>
-                  </a:lnTo>
-                  <a:lnTo>
-                    <a:pt x="557409" y="0"/>
-                  </a:lnTo>
-                </a:path>
-              </a:pathLst>
-            </a:custGeom>
-            <a:noFill/>
-            <a:ln w="139303" cap="rnd">
-              <a:solidFill>
-                <a:srgbClr val="0A0CF0">
-                  <a:alpha val="37000"/>
-                </a:srgbClr>
-              </a:solidFill>
-              <a:prstDash val="solid"/>
-              <a:round/>
-            </a:ln>
-          </p:spPr>
-          <p:txBody>
-            <a:bodyPr rtlCol="0" anchor="ctr"/>
-            <a:lstStyle/>
-            <a:p>
-              <a:endParaRPr lang="ja-JP" altLang="en-US"/>
-            </a:p>
-          </p:txBody>
-        </p:sp>
-        <p:sp>
-          <p:nvSpPr>
-            <p:cNvPr id="19" name="フリーフォーム 18">
-              <a:extLst>
-                <a:ext uri="{FF2B5EF4-FFF2-40B4-BE49-F238E27FC236}">
-                  <a16:creationId xmlns:a16="http://schemas.microsoft.com/office/drawing/2014/main" id="{97AE8855-74CA-9FF4-E945-9E1A738394AB}"/>
-                </a:ext>
-              </a:extLst>
-            </p:cNvPr>
-            <p:cNvSpPr/>
-            <p:nvPr/>
-          </p:nvSpPr>
-          <p:spPr>
-            <a:xfrm>
-              <a:off x="11465201" y="2958143"/>
-              <a:ext cx="650309" cy="92901"/>
-            </a:xfrm>
-            <a:custGeom>
-              <a:avLst/>
-              <a:gdLst>
-                <a:gd name="connsiteX0" fmla="*/ 650310 w 650309"/>
-                <a:gd name="connsiteY0" fmla="*/ 0 h 92901"/>
-                <a:gd name="connsiteX1" fmla="*/ 0 w 650309"/>
-                <a:gd name="connsiteY1" fmla="*/ 0 h 92901"/>
-              </a:gdLst>
-              <a:ahLst/>
-              <a:cxnLst>
-                <a:cxn ang="0">
-                  <a:pos x="connsiteX0" y="connsiteY0"/>
-                </a:cxn>
-                <a:cxn ang="0">
-                  <a:pos x="connsiteX1" y="connsiteY1"/>
-                </a:cxn>
-              </a:cxnLst>
-              <a:rect l="l" t="t" r="r" b="b"/>
-              <a:pathLst>
-                <a:path w="650309" h="92901">
-                  <a:moveTo>
-                    <a:pt x="650310" y="0"/>
-                  </a:moveTo>
-                  <a:lnTo>
-                    <a:pt x="0" y="0"/>
-                  </a:lnTo>
-                </a:path>
-              </a:pathLst>
-            </a:custGeom>
-            <a:noFill/>
-            <a:ln w="139303" cap="rnd">
-              <a:solidFill>
-                <a:srgbClr val="0A0CF0">
-                  <a:alpha val="37000"/>
-                </a:srgbClr>
-              </a:solidFill>
-              <a:prstDash val="solid"/>
-              <a:miter/>
-            </a:ln>
-          </p:spPr>
-          <p:txBody>
-            <a:bodyPr rtlCol="0" anchor="ctr"/>
-            <a:lstStyle/>
-            <a:p>
-              <a:endParaRPr lang="ja-JP" altLang="en-US"/>
-            </a:p>
-          </p:txBody>
-        </p:sp>
-        <p:sp>
-          <p:nvSpPr>
-            <p:cNvPr id="20" name="フリーフォーム 19">
-              <a:extLst>
-                <a:ext uri="{FF2B5EF4-FFF2-40B4-BE49-F238E27FC236}">
-                  <a16:creationId xmlns:a16="http://schemas.microsoft.com/office/drawing/2014/main" id="{31D7D10B-DF73-73D6-38C3-43972416C968}"/>
-                </a:ext>
-              </a:extLst>
-            </p:cNvPr>
-            <p:cNvSpPr/>
-            <p:nvPr/>
-          </p:nvSpPr>
-          <p:spPr>
-            <a:xfrm>
-              <a:off x="11465201" y="3329749"/>
-              <a:ext cx="650309" cy="92901"/>
-            </a:xfrm>
-            <a:custGeom>
-              <a:avLst/>
-              <a:gdLst>
-                <a:gd name="connsiteX0" fmla="*/ 650310 w 650309"/>
-                <a:gd name="connsiteY0" fmla="*/ 0 h 92901"/>
-                <a:gd name="connsiteX1" fmla="*/ 0 w 650309"/>
-                <a:gd name="connsiteY1" fmla="*/ 0 h 92901"/>
-              </a:gdLst>
-              <a:ahLst/>
-              <a:cxnLst>
-                <a:cxn ang="0">
-                  <a:pos x="connsiteX0" y="connsiteY0"/>
-                </a:cxn>
-                <a:cxn ang="0">
-                  <a:pos x="connsiteX1" y="connsiteY1"/>
-                </a:cxn>
-              </a:cxnLst>
-              <a:rect l="l" t="t" r="r" b="b"/>
-              <a:pathLst>
-                <a:path w="650309" h="92901">
-                  <a:moveTo>
-                    <a:pt x="650310" y="0"/>
-                  </a:moveTo>
-                  <a:lnTo>
-                    <a:pt x="0" y="0"/>
-                  </a:lnTo>
-                </a:path>
-              </a:pathLst>
-            </a:custGeom>
-            <a:noFill/>
-            <a:ln w="139303" cap="rnd">
-              <a:solidFill>
-                <a:srgbClr val="0A0CF0">
-                  <a:alpha val="37000"/>
-                </a:srgbClr>
-              </a:solidFill>
-              <a:prstDash val="solid"/>
-              <a:miter/>
-            </a:ln>
-          </p:spPr>
-          <p:txBody>
-            <a:bodyPr rtlCol="0" anchor="ctr"/>
-            <a:lstStyle/>
-            <a:p>
-              <a:endParaRPr lang="ja-JP" altLang="en-US"/>
-            </a:p>
-          </p:txBody>
-        </p:sp>
-        <p:sp>
-          <p:nvSpPr>
-            <p:cNvPr id="21" name="フリーフォーム 20">
-              <a:extLst>
-                <a:ext uri="{FF2B5EF4-FFF2-40B4-BE49-F238E27FC236}">
-                  <a16:creationId xmlns:a16="http://schemas.microsoft.com/office/drawing/2014/main" id="{B2E9EB2A-84B2-D514-7A58-DD0FFF4DF37C}"/>
-                </a:ext>
-              </a:extLst>
-            </p:cNvPr>
-            <p:cNvSpPr/>
-            <p:nvPr/>
-          </p:nvSpPr>
-          <p:spPr>
-            <a:xfrm>
-              <a:off x="11465201" y="2214932"/>
-              <a:ext cx="1579324" cy="92901"/>
-            </a:xfrm>
-            <a:custGeom>
-              <a:avLst/>
-              <a:gdLst>
-                <a:gd name="connsiteX0" fmla="*/ 0 w 1579324"/>
-                <a:gd name="connsiteY0" fmla="*/ 0 h 92901"/>
-                <a:gd name="connsiteX1" fmla="*/ 975465 w 1579324"/>
-                <a:gd name="connsiteY1" fmla="*/ 0 h 92901"/>
-                <a:gd name="connsiteX2" fmla="*/ 1579324 w 1579324"/>
-                <a:gd name="connsiteY2" fmla="*/ 0 h 92901"/>
-                <a:gd name="connsiteX3" fmla="*/ 1370296 w 1579324"/>
-                <a:gd name="connsiteY3" fmla="*/ 0 h 92901"/>
-              </a:gdLst>
-              <a:ahLst/>
-              <a:cxnLst>
-                <a:cxn ang="0">
-                  <a:pos x="connsiteX0" y="connsiteY0"/>
-                </a:cxn>
-                <a:cxn ang="0">
-                  <a:pos x="connsiteX1" y="connsiteY1"/>
-                </a:cxn>
-                <a:cxn ang="0">
-                  <a:pos x="connsiteX2" y="connsiteY2"/>
-                </a:cxn>
-                <a:cxn ang="0">
-                  <a:pos x="connsiteX3" y="connsiteY3"/>
-                </a:cxn>
-              </a:cxnLst>
-              <a:rect l="l" t="t" r="r" b="b"/>
-              <a:pathLst>
-                <a:path w="1579324" h="92901">
-                  <a:moveTo>
-                    <a:pt x="0" y="0"/>
-                  </a:moveTo>
-                  <a:lnTo>
-                    <a:pt x="975465" y="0"/>
-                  </a:lnTo>
-                  <a:moveTo>
-                    <a:pt x="1579324" y="0"/>
-                  </a:moveTo>
-                  <a:lnTo>
-                    <a:pt x="1370296" y="0"/>
-                  </a:lnTo>
-                </a:path>
-              </a:pathLst>
-            </a:custGeom>
-            <a:noFill/>
-            <a:ln w="139303" cap="rnd">
-              <a:solidFill>
-                <a:srgbClr val="0A0CF0">
-                  <a:alpha val="37000"/>
-                </a:srgbClr>
-              </a:solidFill>
-              <a:prstDash val="solid"/>
-              <a:miter/>
-            </a:ln>
-          </p:spPr>
-          <p:txBody>
-            <a:bodyPr rtlCol="0" anchor="ctr"/>
-            <a:lstStyle/>
-            <a:p>
-              <a:endParaRPr lang="ja-JP" altLang="en-US"/>
-            </a:p>
-          </p:txBody>
-        </p:sp>
-        <p:sp>
-          <p:nvSpPr>
-            <p:cNvPr id="22" name="フリーフォーム 21">
-              <a:extLst>
-                <a:ext uri="{FF2B5EF4-FFF2-40B4-BE49-F238E27FC236}">
-                  <a16:creationId xmlns:a16="http://schemas.microsoft.com/office/drawing/2014/main" id="{D0C5F125-B025-B566-65F4-B557D074E415}"/>
-                </a:ext>
-              </a:extLst>
-            </p:cNvPr>
-            <p:cNvSpPr/>
-            <p:nvPr/>
-          </p:nvSpPr>
-          <p:spPr>
-            <a:xfrm>
-              <a:off x="11465201" y="2586538"/>
-              <a:ext cx="1579324" cy="92901"/>
-            </a:xfrm>
-            <a:custGeom>
-              <a:avLst/>
-              <a:gdLst>
-                <a:gd name="connsiteX0" fmla="*/ 1579324 w 1579324"/>
-                <a:gd name="connsiteY0" fmla="*/ 0 h 92901"/>
-                <a:gd name="connsiteX1" fmla="*/ 603859 w 1579324"/>
-                <a:gd name="connsiteY1" fmla="*/ 0 h 92901"/>
-                <a:gd name="connsiteX2" fmla="*/ 0 w 1579324"/>
-                <a:gd name="connsiteY2" fmla="*/ 0 h 92901"/>
-                <a:gd name="connsiteX3" fmla="*/ 209028 w 1579324"/>
-                <a:gd name="connsiteY3" fmla="*/ 0 h 92901"/>
-              </a:gdLst>
-              <a:ahLst/>
-              <a:cxnLst>
-                <a:cxn ang="0">
-                  <a:pos x="connsiteX0" y="connsiteY0"/>
-                </a:cxn>
-                <a:cxn ang="0">
-                  <a:pos x="connsiteX1" y="connsiteY1"/>
-                </a:cxn>
-                <a:cxn ang="0">
-                  <a:pos x="connsiteX2" y="connsiteY2"/>
-                </a:cxn>
-                <a:cxn ang="0">
-                  <a:pos x="connsiteX3" y="connsiteY3"/>
-                </a:cxn>
-              </a:cxnLst>
-              <a:rect l="l" t="t" r="r" b="b"/>
-              <a:pathLst>
-                <a:path w="1579324" h="92901">
-                  <a:moveTo>
-                    <a:pt x="1579324" y="0"/>
-                  </a:moveTo>
-                  <a:lnTo>
-                    <a:pt x="603859" y="0"/>
-                  </a:lnTo>
-                  <a:moveTo>
-                    <a:pt x="0" y="0"/>
-                  </a:moveTo>
-                  <a:lnTo>
-                    <a:pt x="209028" y="0"/>
-                  </a:lnTo>
-                </a:path>
-              </a:pathLst>
-            </a:custGeom>
-            <a:noFill/>
-            <a:ln w="139303" cap="rnd">
-              <a:solidFill>
-                <a:srgbClr val="0A0CF0">
-                  <a:alpha val="37000"/>
-                </a:srgbClr>
-              </a:solidFill>
-              <a:prstDash val="solid"/>
-              <a:miter/>
-            </a:ln>
-          </p:spPr>
-          <p:txBody>
-            <a:bodyPr rtlCol="0" anchor="ctr"/>
-            <a:lstStyle/>
-            <a:p>
-              <a:endParaRPr lang="ja-JP" altLang="en-US"/>
-            </a:p>
-          </p:txBody>
-        </p:sp>
-        <p:sp>
-          <p:nvSpPr>
-            <p:cNvPr id="23" name="フリーフォーム 22">
-              <a:extLst>
-                <a:ext uri="{FF2B5EF4-FFF2-40B4-BE49-F238E27FC236}">
-                  <a16:creationId xmlns:a16="http://schemas.microsoft.com/office/drawing/2014/main" id="{4E6C3791-4DC8-51FC-7B4C-9E4EBA15885C}"/>
-                </a:ext>
-              </a:extLst>
-            </p:cNvPr>
-            <p:cNvSpPr/>
-            <p:nvPr/>
-          </p:nvSpPr>
-          <p:spPr>
-            <a:xfrm>
-              <a:off x="11465201" y="1455804"/>
-              <a:ext cx="1579324" cy="92901"/>
-            </a:xfrm>
-            <a:custGeom>
-              <a:avLst/>
-              <a:gdLst>
-                <a:gd name="connsiteX0" fmla="*/ 0 w 1579324"/>
-                <a:gd name="connsiteY0" fmla="*/ 0 h 92901"/>
-                <a:gd name="connsiteX1" fmla="*/ 975465 w 1579324"/>
-                <a:gd name="connsiteY1" fmla="*/ 0 h 92901"/>
-                <a:gd name="connsiteX2" fmla="*/ 1579324 w 1579324"/>
-                <a:gd name="connsiteY2" fmla="*/ 0 h 92901"/>
-                <a:gd name="connsiteX3" fmla="*/ 1370296 w 1579324"/>
-                <a:gd name="connsiteY3" fmla="*/ 0 h 92901"/>
-              </a:gdLst>
-              <a:ahLst/>
-              <a:cxnLst>
-                <a:cxn ang="0">
-                  <a:pos x="connsiteX0" y="connsiteY0"/>
-                </a:cxn>
-                <a:cxn ang="0">
-                  <a:pos x="connsiteX1" y="connsiteY1"/>
-                </a:cxn>
-                <a:cxn ang="0">
-                  <a:pos x="connsiteX2" y="connsiteY2"/>
-                </a:cxn>
-                <a:cxn ang="0">
-                  <a:pos x="connsiteX3" y="connsiteY3"/>
-                </a:cxn>
-              </a:cxnLst>
-              <a:rect l="l" t="t" r="r" b="b"/>
-              <a:pathLst>
-                <a:path w="1579324" h="92901">
-                  <a:moveTo>
-                    <a:pt x="0" y="0"/>
-                  </a:moveTo>
-                  <a:lnTo>
-                    <a:pt x="975465" y="0"/>
-                  </a:lnTo>
-                  <a:moveTo>
-                    <a:pt x="1579324" y="0"/>
-                  </a:moveTo>
-                  <a:lnTo>
-                    <a:pt x="1370296" y="0"/>
-                  </a:lnTo>
-                </a:path>
-              </a:pathLst>
-            </a:custGeom>
-            <a:noFill/>
-            <a:ln w="139303" cap="rnd">
-              <a:solidFill>
-                <a:srgbClr val="0A0CF0">
-                  <a:alpha val="37000"/>
-                </a:srgbClr>
-              </a:solidFill>
-              <a:prstDash val="solid"/>
-              <a:miter/>
-            </a:ln>
-          </p:spPr>
-          <p:txBody>
-            <a:bodyPr rtlCol="0" anchor="ctr"/>
-            <a:lstStyle/>
-            <a:p>
-              <a:endParaRPr lang="ja-JP" altLang="en-US"/>
-            </a:p>
-          </p:txBody>
-        </p:sp>
-        <p:sp>
-          <p:nvSpPr>
-            <p:cNvPr id="24" name="フリーフォーム 23">
-              <a:extLst>
-                <a:ext uri="{FF2B5EF4-FFF2-40B4-BE49-F238E27FC236}">
-                  <a16:creationId xmlns:a16="http://schemas.microsoft.com/office/drawing/2014/main" id="{D1C734B2-E792-B085-3EC3-96614BF912C1}"/>
-                </a:ext>
-              </a:extLst>
-            </p:cNvPr>
-            <p:cNvSpPr/>
-            <p:nvPr/>
-          </p:nvSpPr>
-          <p:spPr>
-            <a:xfrm>
-              <a:off x="11465201" y="1827410"/>
-              <a:ext cx="1579324" cy="92901"/>
-            </a:xfrm>
-            <a:custGeom>
-              <a:avLst/>
-              <a:gdLst>
-                <a:gd name="connsiteX0" fmla="*/ 1579324 w 1579324"/>
-                <a:gd name="connsiteY0" fmla="*/ 0 h 92901"/>
-                <a:gd name="connsiteX1" fmla="*/ 603859 w 1579324"/>
-                <a:gd name="connsiteY1" fmla="*/ 0 h 92901"/>
-                <a:gd name="connsiteX2" fmla="*/ 0 w 1579324"/>
-                <a:gd name="connsiteY2" fmla="*/ 0 h 92901"/>
-                <a:gd name="connsiteX3" fmla="*/ 209028 w 1579324"/>
-                <a:gd name="connsiteY3" fmla="*/ 0 h 92901"/>
-              </a:gdLst>
-              <a:ahLst/>
-              <a:cxnLst>
-                <a:cxn ang="0">
-                  <a:pos x="connsiteX0" y="connsiteY0"/>
-                </a:cxn>
-                <a:cxn ang="0">
-                  <a:pos x="connsiteX1" y="connsiteY1"/>
-                </a:cxn>
-                <a:cxn ang="0">
-                  <a:pos x="connsiteX2" y="connsiteY2"/>
-                </a:cxn>
-                <a:cxn ang="0">
-                  <a:pos x="connsiteX3" y="connsiteY3"/>
-                </a:cxn>
-              </a:cxnLst>
-              <a:rect l="l" t="t" r="r" b="b"/>
-              <a:pathLst>
-                <a:path w="1579324" h="92901">
-                  <a:moveTo>
-                    <a:pt x="1579324" y="0"/>
-                  </a:moveTo>
-                  <a:lnTo>
-                    <a:pt x="603859" y="0"/>
-                  </a:lnTo>
-                  <a:moveTo>
-                    <a:pt x="0" y="0"/>
-                  </a:moveTo>
-                  <a:lnTo>
-                    <a:pt x="209028" y="0"/>
-                  </a:lnTo>
-                </a:path>
-              </a:pathLst>
-            </a:custGeom>
-            <a:noFill/>
-            <a:ln w="139303" cap="rnd">
-              <a:solidFill>
-                <a:srgbClr val="0A0CF0">
-                  <a:alpha val="37000"/>
-                </a:srgbClr>
-              </a:solidFill>
-              <a:prstDash val="solid"/>
-              <a:miter/>
-            </a:ln>
-          </p:spPr>
-          <p:txBody>
-            <a:bodyPr rtlCol="0" anchor="ctr"/>
-            <a:lstStyle/>
-            <a:p>
-              <a:endParaRPr lang="ja-JP" altLang="en-US"/>
-            </a:p>
-          </p:txBody>
-        </p:sp>
-        <p:sp>
-          <p:nvSpPr>
-            <p:cNvPr id="25" name="フリーフォーム 24">
-              <a:extLst>
-                <a:ext uri="{FF2B5EF4-FFF2-40B4-BE49-F238E27FC236}">
-                  <a16:creationId xmlns:a16="http://schemas.microsoft.com/office/drawing/2014/main" id="{F42FF860-1879-B38D-B685-6797845204A0}"/>
-                </a:ext>
-              </a:extLst>
-            </p:cNvPr>
-            <p:cNvSpPr/>
-            <p:nvPr/>
-          </p:nvSpPr>
-          <p:spPr>
-            <a:xfrm>
-              <a:off x="11465201" y="698742"/>
-              <a:ext cx="1579324" cy="92901"/>
-            </a:xfrm>
-            <a:custGeom>
-              <a:avLst/>
-              <a:gdLst>
-                <a:gd name="connsiteX0" fmla="*/ 0 w 1579324"/>
-                <a:gd name="connsiteY0" fmla="*/ 0 h 92901"/>
-                <a:gd name="connsiteX1" fmla="*/ 975465 w 1579324"/>
-                <a:gd name="connsiteY1" fmla="*/ 0 h 92901"/>
-                <a:gd name="connsiteX2" fmla="*/ 1579324 w 1579324"/>
-                <a:gd name="connsiteY2" fmla="*/ 0 h 92901"/>
-                <a:gd name="connsiteX3" fmla="*/ 1370296 w 1579324"/>
-                <a:gd name="connsiteY3" fmla="*/ 0 h 92901"/>
-              </a:gdLst>
-              <a:ahLst/>
-              <a:cxnLst>
-                <a:cxn ang="0">
-                  <a:pos x="connsiteX0" y="connsiteY0"/>
-                </a:cxn>
-                <a:cxn ang="0">
-                  <a:pos x="connsiteX1" y="connsiteY1"/>
-                </a:cxn>
-                <a:cxn ang="0">
-                  <a:pos x="connsiteX2" y="connsiteY2"/>
-                </a:cxn>
-                <a:cxn ang="0">
-                  <a:pos x="connsiteX3" y="connsiteY3"/>
-                </a:cxn>
-              </a:cxnLst>
-              <a:rect l="l" t="t" r="r" b="b"/>
-              <a:pathLst>
-                <a:path w="1579324" h="92901">
-                  <a:moveTo>
-                    <a:pt x="0" y="0"/>
-                  </a:moveTo>
-                  <a:lnTo>
-                    <a:pt x="975465" y="0"/>
-                  </a:lnTo>
-                  <a:moveTo>
-                    <a:pt x="1579324" y="0"/>
-                  </a:moveTo>
-                  <a:lnTo>
-                    <a:pt x="1370296" y="0"/>
-                  </a:lnTo>
-                </a:path>
-              </a:pathLst>
-            </a:custGeom>
-            <a:noFill/>
-            <a:ln w="139303" cap="rnd">
-              <a:solidFill>
-                <a:srgbClr val="0A0CF0">
-                  <a:alpha val="37000"/>
-                </a:srgbClr>
-              </a:solidFill>
-              <a:prstDash val="solid"/>
-              <a:miter/>
-            </a:ln>
-          </p:spPr>
-          <p:txBody>
-            <a:bodyPr rtlCol="0" anchor="ctr"/>
-            <a:lstStyle/>
-            <a:p>
-              <a:endParaRPr lang="ja-JP" altLang="en-US"/>
-            </a:p>
-          </p:txBody>
-        </p:sp>
-        <p:sp>
-          <p:nvSpPr>
-            <p:cNvPr id="26" name="フリーフォーム 25">
-              <a:extLst>
-                <a:ext uri="{FF2B5EF4-FFF2-40B4-BE49-F238E27FC236}">
-                  <a16:creationId xmlns:a16="http://schemas.microsoft.com/office/drawing/2014/main" id="{F7A697C1-B417-02BE-3ED7-46575062A7EA}"/>
-                </a:ext>
-              </a:extLst>
-            </p:cNvPr>
-            <p:cNvSpPr/>
-            <p:nvPr/>
-          </p:nvSpPr>
-          <p:spPr>
-            <a:xfrm>
-              <a:off x="11465201" y="1070348"/>
-              <a:ext cx="1579324" cy="92901"/>
-            </a:xfrm>
-            <a:custGeom>
-              <a:avLst/>
-              <a:gdLst>
-                <a:gd name="connsiteX0" fmla="*/ 1579324 w 1579324"/>
-                <a:gd name="connsiteY0" fmla="*/ 0 h 92901"/>
-                <a:gd name="connsiteX1" fmla="*/ 603859 w 1579324"/>
-                <a:gd name="connsiteY1" fmla="*/ 0 h 92901"/>
-                <a:gd name="connsiteX2" fmla="*/ 0 w 1579324"/>
-                <a:gd name="connsiteY2" fmla="*/ 0 h 92901"/>
-                <a:gd name="connsiteX3" fmla="*/ 209028 w 1579324"/>
-                <a:gd name="connsiteY3" fmla="*/ 0 h 92901"/>
-              </a:gdLst>
-              <a:ahLst/>
-              <a:cxnLst>
-                <a:cxn ang="0">
-                  <a:pos x="connsiteX0" y="connsiteY0"/>
-                </a:cxn>
-                <a:cxn ang="0">
-                  <a:pos x="connsiteX1" y="connsiteY1"/>
-                </a:cxn>
-                <a:cxn ang="0">
-                  <a:pos x="connsiteX2" y="connsiteY2"/>
-                </a:cxn>
-                <a:cxn ang="0">
-                  <a:pos x="connsiteX3" y="connsiteY3"/>
-                </a:cxn>
-              </a:cxnLst>
-              <a:rect l="l" t="t" r="r" b="b"/>
-              <a:pathLst>
-                <a:path w="1579324" h="92901">
-                  <a:moveTo>
-                    <a:pt x="1579324" y="0"/>
-                  </a:moveTo>
-                  <a:lnTo>
-                    <a:pt x="603859" y="0"/>
-                  </a:lnTo>
-                  <a:moveTo>
-                    <a:pt x="0" y="0"/>
-                  </a:moveTo>
-                  <a:lnTo>
-                    <a:pt x="209028" y="0"/>
-                  </a:lnTo>
-                </a:path>
-              </a:pathLst>
-            </a:custGeom>
-            <a:noFill/>
-            <a:ln w="139303" cap="rnd">
-              <a:solidFill>
-                <a:srgbClr val="0A0CF0">
-                  <a:alpha val="37000"/>
-                </a:srgbClr>
-              </a:solidFill>
-              <a:prstDash val="solid"/>
-              <a:miter/>
-            </a:ln>
-          </p:spPr>
-          <p:txBody>
-            <a:bodyPr rtlCol="0" anchor="ctr"/>
-            <a:lstStyle/>
-            <a:p>
-              <a:endParaRPr lang="ja-JP" altLang="en-US"/>
-            </a:p>
-          </p:txBody>
-        </p:sp>
-      </p:grpSp>
-      <p:sp>
-        <p:nvSpPr>
-          <p:cNvPr id="2" name="角丸四角形 1">
-            <a:extLst>
-              <a:ext uri="{FF2B5EF4-FFF2-40B4-BE49-F238E27FC236}">
-                <a16:creationId xmlns:a16="http://schemas.microsoft.com/office/drawing/2014/main" id="{D560FB00-0E8A-E628-CC1D-9BEABB1F8AF6}"/>
-              </a:ext>
-            </a:extLst>
-          </p:cNvPr>
-          <p:cNvSpPr/>
-          <p:nvPr/>
-        </p:nvSpPr>
-        <p:spPr>
-          <a:xfrm>
-            <a:off x="5417635" y="1655976"/>
-            <a:ext cx="3337877" cy="914400"/>
-          </a:xfrm>
-          <a:prstGeom prst="roundRect">
-            <a:avLst>
-              <a:gd name="adj" fmla="val 0"/>
-            </a:avLst>
-          </a:prstGeom>
-          <a:solidFill>
-            <a:schemeClr val="bg1">
-              <a:alpha val="60000"/>
-            </a:schemeClr>
-          </a:solidFill>
-          <a:ln w="12700">
-            <a:noFill/>
-            <a:miter lim="400000"/>
-          </a:ln>
-          <a:extLst>
-            <a:ext uri="{C572A759-6A51-4108-AA02-DFA0A04FC94B}">
-              <ma14:wrappingTextBoxFlag xmlns:ma14="http://schemas.microsoft.com/office/mac/drawingml/2011/main" xmlns="" val="1"/>
-            </a:ext>
-          </a:extLst>
-        </p:spPr>
-        <p:txBody>
-          <a:bodyPr lIns="0" tIns="0" rIns="0" bIns="0" rtlCol="0" anchor="ctr">
-            <a:noAutofit/>
-          </a:bodyPr>
-          <a:lstStyle/>
-          <a:p>
-            <a:pPr algn="ctr"/>
-            <a:r>
-              <a:rPr kumimoji="1" lang="en" altLang="ja-JP" sz="6000" b="1">
-                <a:solidFill>
-                  <a:srgbClr val="056BE6"/>
-                </a:solidFill>
-                <a:latin typeface="Yu Gothic" panose="020B0400000000000000" pitchFamily="34" charset="-128"/>
-                <a:ea typeface="Yu Gothic" panose="020B0400000000000000" pitchFamily="34" charset="-128"/>
-              </a:rPr>
-              <a:t>R</a:t>
-            </a:r>
-            <a:r>
-              <a:rPr lang="en-US" altLang="ja-JP" sz="6000" b="1">
-                <a:solidFill>
-                  <a:srgbClr val="056BE6"/>
-                </a:solidFill>
-                <a:latin typeface="Yu Gothic" panose="020B0400000000000000" pitchFamily="34" charset="-128"/>
-                <a:ea typeface="Yu Gothic" panose="020B0400000000000000" pitchFamily="34" charset="-128"/>
-              </a:rPr>
-              <a:t> &amp; SQL</a:t>
-            </a:r>
-            <a:endParaRPr kumimoji="1" lang="ja-JP" altLang="en-US" sz="6000" b="1">
-              <a:solidFill>
-                <a:srgbClr val="056BE6"/>
-              </a:solidFill>
-              <a:latin typeface="Yu Gothic" panose="020B0400000000000000" pitchFamily="34" charset="-128"/>
-              <a:ea typeface="Yu Gothic" panose="020B0400000000000000" pitchFamily="34" charset="-128"/>
-            </a:endParaRPr>
-          </a:p>
-        </p:txBody>
-      </p:sp>
-      <p:sp>
-        <p:nvSpPr>
-          <p:cNvPr id="3" name="角丸四角形 2">
-            <a:extLst>
-              <a:ext uri="{FF2B5EF4-FFF2-40B4-BE49-F238E27FC236}">
-                <a16:creationId xmlns:a16="http://schemas.microsoft.com/office/drawing/2014/main" id="{893DBA56-8022-A275-0156-D3F30FEBC897}"/>
-              </a:ext>
-            </a:extLst>
-          </p:cNvPr>
-          <p:cNvSpPr/>
-          <p:nvPr/>
-        </p:nvSpPr>
-        <p:spPr>
-          <a:xfrm>
-            <a:off x="5417420" y="2660209"/>
-            <a:ext cx="5844746" cy="1166447"/>
-          </a:xfrm>
-          <a:prstGeom prst="roundRect">
-            <a:avLst>
-              <a:gd name="adj" fmla="val 0"/>
-            </a:avLst>
-          </a:prstGeom>
-          <a:solidFill>
-            <a:schemeClr val="bg1">
-              <a:alpha val="62000"/>
-            </a:schemeClr>
-          </a:solidFill>
-          <a:ln w="12700">
-            <a:noFill/>
-            <a:miter lim="400000"/>
-          </a:ln>
-          <a:extLst>
-            <a:ext uri="{C572A759-6A51-4108-AA02-DFA0A04FC94B}">
-              <ma14:wrappingTextBoxFlag xmlns:ma14="http://schemas.microsoft.com/office/mac/drawingml/2011/main" xmlns="" val="1"/>
-            </a:ext>
-          </a:extLst>
-        </p:spPr>
-        <p:txBody>
-          <a:bodyPr lIns="0" tIns="0" rIns="0" bIns="0" rtlCol="0" anchor="ctr">
-            <a:noAutofit/>
-          </a:bodyPr>
-          <a:lstStyle/>
-          <a:p>
-            <a:pPr algn="ctr"/>
-            <a:r>
-              <a:rPr kumimoji="1" lang="ja-JP" altLang="en-US" sz="7200" b="1">
-                <a:solidFill>
-                  <a:srgbClr val="056BE6"/>
-                </a:solidFill>
-                <a:effectLst>
-                  <a:outerShdw blurRad="25400" dist="38100" dir="2700000" algn="tl" rotWithShape="0">
-                    <a:schemeClr val="accent6">
-                      <a:lumMod val="50000"/>
-                      <a:alpha val="32000"/>
-                    </a:schemeClr>
-                  </a:outerShdw>
-                </a:effectLst>
-                <a:latin typeface="Hiragino Maru Gothic Pro W4" panose="020F0400000000000000" pitchFamily="34" charset="-128"/>
-                <a:ea typeface="Hiragino Maru Gothic Pro W4" panose="020F0400000000000000" pitchFamily="34" charset="-128"/>
-              </a:rPr>
-              <a:t>演習問題一覧</a:t>
-            </a:r>
-          </a:p>
-        </p:txBody>
-      </p:sp>
-      <p:grpSp>
-        <p:nvGrpSpPr>
-          <p:cNvPr id="30" name="グループ化 29">
-            <a:extLst>
-              <a:ext uri="{FF2B5EF4-FFF2-40B4-BE49-F238E27FC236}">
-                <a16:creationId xmlns:a16="http://schemas.microsoft.com/office/drawing/2014/main" id="{9593EA69-A5E2-C941-3145-7013EEBC622E}"/>
-              </a:ext>
-            </a:extLst>
-          </p:cNvPr>
-          <p:cNvGrpSpPr/>
-          <p:nvPr/>
-        </p:nvGrpSpPr>
-        <p:grpSpPr>
-          <a:xfrm>
-            <a:off x="11861626" y="713741"/>
-            <a:ext cx="1745957" cy="3011305"/>
-            <a:chOff x="11465201" y="698742"/>
-            <a:chExt cx="1579324" cy="2723908"/>
-          </a:xfrm>
-        </p:grpSpPr>
-        <p:sp>
-          <p:nvSpPr>
-            <p:cNvPr id="31" name="フリーフォーム 30">
-              <a:extLst>
-                <a:ext uri="{FF2B5EF4-FFF2-40B4-BE49-F238E27FC236}">
-                  <a16:creationId xmlns:a16="http://schemas.microsoft.com/office/drawing/2014/main" id="{42DD5361-0A04-BDC3-31B8-4281192D2D6B}"/>
-                </a:ext>
-              </a:extLst>
-            </p:cNvPr>
-            <p:cNvSpPr/>
-            <p:nvPr/>
-          </p:nvSpPr>
-          <p:spPr>
-            <a:xfrm>
-              <a:off x="12487116" y="2911693"/>
-              <a:ext cx="557408" cy="464507"/>
-            </a:xfrm>
-            <a:custGeom>
-              <a:avLst/>
-              <a:gdLst>
-                <a:gd name="connsiteX0" fmla="*/ 0 w 557408"/>
-                <a:gd name="connsiteY0" fmla="*/ 232254 h 464507"/>
-                <a:gd name="connsiteX1" fmla="*/ 195093 w 557408"/>
-                <a:gd name="connsiteY1" fmla="*/ 464507 h 464507"/>
-                <a:gd name="connsiteX2" fmla="*/ 557409 w 557408"/>
-                <a:gd name="connsiteY2" fmla="*/ 0 h 464507"/>
-              </a:gdLst>
-              <a:ahLst/>
-              <a:cxnLst>
-                <a:cxn ang="0">
-                  <a:pos x="connsiteX0" y="connsiteY0"/>
-                </a:cxn>
-                <a:cxn ang="0">
-                  <a:pos x="connsiteX1" y="connsiteY1"/>
-                </a:cxn>
-                <a:cxn ang="0">
-                  <a:pos x="connsiteX2" y="connsiteY2"/>
-                </a:cxn>
-              </a:cxnLst>
-              <a:rect l="l" t="t" r="r" b="b"/>
-              <a:pathLst>
-                <a:path w="557408" h="464507">
-                  <a:moveTo>
-                    <a:pt x="0" y="232254"/>
-                  </a:moveTo>
-                  <a:lnTo>
-                    <a:pt x="195093" y="464507"/>
-                  </a:lnTo>
-                  <a:lnTo>
-                    <a:pt x="557409" y="0"/>
-                  </a:lnTo>
-                </a:path>
-              </a:pathLst>
-            </a:custGeom>
-            <a:noFill/>
-            <a:ln w="139303" cap="rnd">
-              <a:solidFill>
-                <a:srgbClr val="0A0CF0">
-                  <a:alpha val="33000"/>
-                </a:srgbClr>
-              </a:solidFill>
-              <a:prstDash val="solid"/>
-              <a:round/>
-            </a:ln>
-          </p:spPr>
-          <p:txBody>
-            <a:bodyPr rtlCol="0" anchor="ctr"/>
-            <a:lstStyle/>
-            <a:p>
-              <a:endParaRPr lang="ja-JP" altLang="en-US"/>
-            </a:p>
-          </p:txBody>
-        </p:sp>
-        <p:sp>
-          <p:nvSpPr>
-            <p:cNvPr id="32" name="フリーフォーム 31">
-              <a:extLst>
-                <a:ext uri="{FF2B5EF4-FFF2-40B4-BE49-F238E27FC236}">
-                  <a16:creationId xmlns:a16="http://schemas.microsoft.com/office/drawing/2014/main" id="{7F6893EB-D283-0DE9-7863-0B133CB9A127}"/>
-                </a:ext>
-              </a:extLst>
-            </p:cNvPr>
-            <p:cNvSpPr/>
-            <p:nvPr/>
-          </p:nvSpPr>
-          <p:spPr>
-            <a:xfrm>
-              <a:off x="11465201" y="2958143"/>
-              <a:ext cx="650309" cy="92901"/>
-            </a:xfrm>
-            <a:custGeom>
-              <a:avLst/>
-              <a:gdLst>
-                <a:gd name="connsiteX0" fmla="*/ 650310 w 650309"/>
-                <a:gd name="connsiteY0" fmla="*/ 0 h 92901"/>
-                <a:gd name="connsiteX1" fmla="*/ 0 w 650309"/>
-                <a:gd name="connsiteY1" fmla="*/ 0 h 92901"/>
-              </a:gdLst>
-              <a:ahLst/>
-              <a:cxnLst>
-                <a:cxn ang="0">
-                  <a:pos x="connsiteX0" y="connsiteY0"/>
-                </a:cxn>
-                <a:cxn ang="0">
-                  <a:pos x="connsiteX1" y="connsiteY1"/>
-                </a:cxn>
-              </a:cxnLst>
-              <a:rect l="l" t="t" r="r" b="b"/>
-              <a:pathLst>
-                <a:path w="650309" h="92901">
-                  <a:moveTo>
-                    <a:pt x="650310" y="0"/>
-                  </a:moveTo>
-                  <a:lnTo>
-                    <a:pt x="0" y="0"/>
-                  </a:lnTo>
-                </a:path>
-              </a:pathLst>
-            </a:custGeom>
-            <a:noFill/>
-            <a:ln w="139303" cap="rnd">
-              <a:solidFill>
-                <a:srgbClr val="0A0CF0">
-                  <a:alpha val="33000"/>
-                </a:srgbClr>
-              </a:solidFill>
-              <a:prstDash val="solid"/>
-              <a:miter/>
-            </a:ln>
-          </p:spPr>
-          <p:txBody>
-            <a:bodyPr rtlCol="0" anchor="ctr"/>
-            <a:lstStyle/>
-            <a:p>
-              <a:endParaRPr lang="ja-JP" altLang="en-US"/>
-            </a:p>
-          </p:txBody>
-        </p:sp>
-        <p:sp>
-          <p:nvSpPr>
-            <p:cNvPr id="33" name="フリーフォーム 32">
-              <a:extLst>
-                <a:ext uri="{FF2B5EF4-FFF2-40B4-BE49-F238E27FC236}">
-                  <a16:creationId xmlns:a16="http://schemas.microsoft.com/office/drawing/2014/main" id="{DBA41AAF-F40B-7904-100C-D75B58FFF621}"/>
-                </a:ext>
-              </a:extLst>
-            </p:cNvPr>
-            <p:cNvSpPr/>
-            <p:nvPr/>
-          </p:nvSpPr>
-          <p:spPr>
-            <a:xfrm>
-              <a:off x="11465201" y="3329749"/>
-              <a:ext cx="650309" cy="92901"/>
-            </a:xfrm>
-            <a:custGeom>
-              <a:avLst/>
-              <a:gdLst>
-                <a:gd name="connsiteX0" fmla="*/ 650310 w 650309"/>
-                <a:gd name="connsiteY0" fmla="*/ 0 h 92901"/>
-                <a:gd name="connsiteX1" fmla="*/ 0 w 650309"/>
-                <a:gd name="connsiteY1" fmla="*/ 0 h 92901"/>
-              </a:gdLst>
-              <a:ahLst/>
-              <a:cxnLst>
-                <a:cxn ang="0">
-                  <a:pos x="connsiteX0" y="connsiteY0"/>
-                </a:cxn>
-                <a:cxn ang="0">
-                  <a:pos x="connsiteX1" y="connsiteY1"/>
-                </a:cxn>
-              </a:cxnLst>
-              <a:rect l="l" t="t" r="r" b="b"/>
-              <a:pathLst>
-                <a:path w="650309" h="92901">
-                  <a:moveTo>
-                    <a:pt x="650310" y="0"/>
-                  </a:moveTo>
-                  <a:lnTo>
-                    <a:pt x="0" y="0"/>
-                  </a:lnTo>
-                </a:path>
-              </a:pathLst>
-            </a:custGeom>
-            <a:noFill/>
-            <a:ln w="139303" cap="rnd">
-              <a:solidFill>
-                <a:srgbClr val="0A0CF0">
-                  <a:alpha val="33000"/>
-                </a:srgbClr>
-              </a:solidFill>
-              <a:prstDash val="solid"/>
-              <a:miter/>
-            </a:ln>
-          </p:spPr>
-          <p:txBody>
-            <a:bodyPr rtlCol="0" anchor="ctr"/>
-            <a:lstStyle/>
-            <a:p>
-              <a:endParaRPr lang="ja-JP" altLang="en-US"/>
-            </a:p>
-          </p:txBody>
-        </p:sp>
-        <p:sp>
-          <p:nvSpPr>
-            <p:cNvPr id="34" name="フリーフォーム 33">
-              <a:extLst>
-                <a:ext uri="{FF2B5EF4-FFF2-40B4-BE49-F238E27FC236}">
-                  <a16:creationId xmlns:a16="http://schemas.microsoft.com/office/drawing/2014/main" id="{523C10BB-72A0-136D-837B-3D9F5A687E7B}"/>
-                </a:ext>
-              </a:extLst>
-            </p:cNvPr>
-            <p:cNvSpPr/>
-            <p:nvPr/>
-          </p:nvSpPr>
-          <p:spPr>
-            <a:xfrm>
-              <a:off x="11465201" y="2214932"/>
-              <a:ext cx="1579324" cy="92901"/>
-            </a:xfrm>
-            <a:custGeom>
-              <a:avLst/>
-              <a:gdLst>
-                <a:gd name="connsiteX0" fmla="*/ 0 w 1579324"/>
-                <a:gd name="connsiteY0" fmla="*/ 0 h 92901"/>
-                <a:gd name="connsiteX1" fmla="*/ 975465 w 1579324"/>
-                <a:gd name="connsiteY1" fmla="*/ 0 h 92901"/>
-                <a:gd name="connsiteX2" fmla="*/ 1579324 w 1579324"/>
-                <a:gd name="connsiteY2" fmla="*/ 0 h 92901"/>
-                <a:gd name="connsiteX3" fmla="*/ 1370296 w 1579324"/>
-                <a:gd name="connsiteY3" fmla="*/ 0 h 92901"/>
-              </a:gdLst>
-              <a:ahLst/>
-              <a:cxnLst>
-                <a:cxn ang="0">
-                  <a:pos x="connsiteX0" y="connsiteY0"/>
-                </a:cxn>
-                <a:cxn ang="0">
-                  <a:pos x="connsiteX1" y="connsiteY1"/>
-                </a:cxn>
-                <a:cxn ang="0">
-                  <a:pos x="connsiteX2" y="connsiteY2"/>
-                </a:cxn>
-                <a:cxn ang="0">
-                  <a:pos x="connsiteX3" y="connsiteY3"/>
-                </a:cxn>
-              </a:cxnLst>
-              <a:rect l="l" t="t" r="r" b="b"/>
-              <a:pathLst>
-                <a:path w="1579324" h="92901">
-                  <a:moveTo>
-                    <a:pt x="0" y="0"/>
-                  </a:moveTo>
-                  <a:lnTo>
-                    <a:pt x="975465" y="0"/>
-                  </a:lnTo>
-                  <a:moveTo>
-                    <a:pt x="1579324" y="0"/>
-                  </a:moveTo>
-                  <a:lnTo>
-                    <a:pt x="1370296" y="0"/>
-                  </a:lnTo>
-                </a:path>
-              </a:pathLst>
-            </a:custGeom>
-            <a:noFill/>
-            <a:ln w="139303" cap="rnd">
-              <a:solidFill>
-                <a:srgbClr val="0A0CF0">
-                  <a:alpha val="33000"/>
-                </a:srgbClr>
-              </a:solidFill>
-              <a:prstDash val="solid"/>
-              <a:miter/>
-            </a:ln>
-          </p:spPr>
-          <p:txBody>
-            <a:bodyPr rtlCol="0" anchor="ctr"/>
-            <a:lstStyle/>
-            <a:p>
-              <a:endParaRPr lang="ja-JP" altLang="en-US"/>
-            </a:p>
-          </p:txBody>
-        </p:sp>
-        <p:sp>
-          <p:nvSpPr>
-            <p:cNvPr id="35" name="フリーフォーム 34">
-              <a:extLst>
-                <a:ext uri="{FF2B5EF4-FFF2-40B4-BE49-F238E27FC236}">
-                  <a16:creationId xmlns:a16="http://schemas.microsoft.com/office/drawing/2014/main" id="{341A94BD-6EA1-EF4F-C9B1-B5C81C25FFE3}"/>
-                </a:ext>
-              </a:extLst>
-            </p:cNvPr>
-            <p:cNvSpPr/>
-            <p:nvPr/>
-          </p:nvSpPr>
-          <p:spPr>
-            <a:xfrm>
-              <a:off x="11465201" y="2586538"/>
-              <a:ext cx="1579324" cy="92901"/>
-            </a:xfrm>
-            <a:custGeom>
-              <a:avLst/>
-              <a:gdLst>
-                <a:gd name="connsiteX0" fmla="*/ 1579324 w 1579324"/>
-                <a:gd name="connsiteY0" fmla="*/ 0 h 92901"/>
-                <a:gd name="connsiteX1" fmla="*/ 603859 w 1579324"/>
-                <a:gd name="connsiteY1" fmla="*/ 0 h 92901"/>
-                <a:gd name="connsiteX2" fmla="*/ 0 w 1579324"/>
-                <a:gd name="connsiteY2" fmla="*/ 0 h 92901"/>
-                <a:gd name="connsiteX3" fmla="*/ 209028 w 1579324"/>
-                <a:gd name="connsiteY3" fmla="*/ 0 h 92901"/>
-              </a:gdLst>
-              <a:ahLst/>
-              <a:cxnLst>
-                <a:cxn ang="0">
-                  <a:pos x="connsiteX0" y="connsiteY0"/>
-                </a:cxn>
-                <a:cxn ang="0">
-                  <a:pos x="connsiteX1" y="connsiteY1"/>
-                </a:cxn>
-                <a:cxn ang="0">
-                  <a:pos x="connsiteX2" y="connsiteY2"/>
-                </a:cxn>
-                <a:cxn ang="0">
-                  <a:pos x="connsiteX3" y="connsiteY3"/>
-                </a:cxn>
-              </a:cxnLst>
-              <a:rect l="l" t="t" r="r" b="b"/>
-              <a:pathLst>
-                <a:path w="1579324" h="92901">
-                  <a:moveTo>
-                    <a:pt x="1579324" y="0"/>
-                  </a:moveTo>
-                  <a:lnTo>
-                    <a:pt x="603859" y="0"/>
-                  </a:lnTo>
-                  <a:moveTo>
-                    <a:pt x="0" y="0"/>
-                  </a:moveTo>
-                  <a:lnTo>
-                    <a:pt x="209028" y="0"/>
-                  </a:lnTo>
-                </a:path>
-              </a:pathLst>
-            </a:custGeom>
-            <a:noFill/>
-            <a:ln w="139303" cap="rnd">
-              <a:solidFill>
-                <a:srgbClr val="0A0CF0">
-                  <a:alpha val="33000"/>
-                </a:srgbClr>
-              </a:solidFill>
-              <a:prstDash val="solid"/>
-              <a:miter/>
-            </a:ln>
-          </p:spPr>
-          <p:txBody>
-            <a:bodyPr rtlCol="0" anchor="ctr"/>
-            <a:lstStyle/>
-            <a:p>
-              <a:endParaRPr lang="ja-JP" altLang="en-US"/>
-            </a:p>
-          </p:txBody>
-        </p:sp>
-        <p:sp>
-          <p:nvSpPr>
-            <p:cNvPr id="36" name="フリーフォーム 35">
-              <a:extLst>
-                <a:ext uri="{FF2B5EF4-FFF2-40B4-BE49-F238E27FC236}">
-                  <a16:creationId xmlns:a16="http://schemas.microsoft.com/office/drawing/2014/main" id="{D1929696-5AF4-A0C6-7006-3C54051DF6B8}"/>
-                </a:ext>
-              </a:extLst>
-            </p:cNvPr>
-            <p:cNvSpPr/>
-            <p:nvPr/>
-          </p:nvSpPr>
-          <p:spPr>
-            <a:xfrm>
-              <a:off x="11465201" y="1455804"/>
-              <a:ext cx="1579324" cy="92901"/>
-            </a:xfrm>
-            <a:custGeom>
-              <a:avLst/>
-              <a:gdLst>
-                <a:gd name="connsiteX0" fmla="*/ 0 w 1579324"/>
-                <a:gd name="connsiteY0" fmla="*/ 0 h 92901"/>
-                <a:gd name="connsiteX1" fmla="*/ 975465 w 1579324"/>
-                <a:gd name="connsiteY1" fmla="*/ 0 h 92901"/>
-                <a:gd name="connsiteX2" fmla="*/ 1579324 w 1579324"/>
-                <a:gd name="connsiteY2" fmla="*/ 0 h 92901"/>
-                <a:gd name="connsiteX3" fmla="*/ 1370296 w 1579324"/>
-                <a:gd name="connsiteY3" fmla="*/ 0 h 92901"/>
-              </a:gdLst>
-              <a:ahLst/>
-              <a:cxnLst>
-                <a:cxn ang="0">
-                  <a:pos x="connsiteX0" y="connsiteY0"/>
-                </a:cxn>
-                <a:cxn ang="0">
-                  <a:pos x="connsiteX1" y="connsiteY1"/>
-                </a:cxn>
-                <a:cxn ang="0">
-                  <a:pos x="connsiteX2" y="connsiteY2"/>
-                </a:cxn>
-                <a:cxn ang="0">
-                  <a:pos x="connsiteX3" y="connsiteY3"/>
-                </a:cxn>
-              </a:cxnLst>
-              <a:rect l="l" t="t" r="r" b="b"/>
-              <a:pathLst>
-                <a:path w="1579324" h="92901">
-                  <a:moveTo>
-                    <a:pt x="0" y="0"/>
-                  </a:moveTo>
-                  <a:lnTo>
-                    <a:pt x="975465" y="0"/>
-                  </a:lnTo>
-                  <a:moveTo>
-                    <a:pt x="1579324" y="0"/>
-                  </a:moveTo>
-                  <a:lnTo>
-                    <a:pt x="1370296" y="0"/>
-                  </a:lnTo>
-                </a:path>
-              </a:pathLst>
-            </a:custGeom>
-            <a:noFill/>
-            <a:ln w="139303" cap="rnd">
-              <a:solidFill>
-                <a:srgbClr val="0A0CF0">
-                  <a:alpha val="33000"/>
-                </a:srgbClr>
-              </a:solidFill>
-              <a:prstDash val="solid"/>
-              <a:miter/>
-            </a:ln>
-          </p:spPr>
-          <p:txBody>
-            <a:bodyPr rtlCol="0" anchor="ctr"/>
-            <a:lstStyle/>
-            <a:p>
-              <a:endParaRPr lang="ja-JP" altLang="en-US"/>
-            </a:p>
-          </p:txBody>
-        </p:sp>
-        <p:sp>
-          <p:nvSpPr>
-            <p:cNvPr id="37" name="フリーフォーム 36">
-              <a:extLst>
-                <a:ext uri="{FF2B5EF4-FFF2-40B4-BE49-F238E27FC236}">
-                  <a16:creationId xmlns:a16="http://schemas.microsoft.com/office/drawing/2014/main" id="{CB0C6876-77C4-A315-023B-A0DDBCF0146B}"/>
-                </a:ext>
-              </a:extLst>
-            </p:cNvPr>
-            <p:cNvSpPr/>
-            <p:nvPr/>
-          </p:nvSpPr>
-          <p:spPr>
-            <a:xfrm>
-              <a:off x="11465201" y="1827410"/>
-              <a:ext cx="1579324" cy="92901"/>
-            </a:xfrm>
-            <a:custGeom>
-              <a:avLst/>
-              <a:gdLst>
-                <a:gd name="connsiteX0" fmla="*/ 1579324 w 1579324"/>
-                <a:gd name="connsiteY0" fmla="*/ 0 h 92901"/>
-                <a:gd name="connsiteX1" fmla="*/ 603859 w 1579324"/>
-                <a:gd name="connsiteY1" fmla="*/ 0 h 92901"/>
-                <a:gd name="connsiteX2" fmla="*/ 0 w 1579324"/>
-                <a:gd name="connsiteY2" fmla="*/ 0 h 92901"/>
-                <a:gd name="connsiteX3" fmla="*/ 209028 w 1579324"/>
-                <a:gd name="connsiteY3" fmla="*/ 0 h 92901"/>
-              </a:gdLst>
-              <a:ahLst/>
-              <a:cxnLst>
-                <a:cxn ang="0">
-                  <a:pos x="connsiteX0" y="connsiteY0"/>
-                </a:cxn>
-                <a:cxn ang="0">
-                  <a:pos x="connsiteX1" y="connsiteY1"/>
-                </a:cxn>
-                <a:cxn ang="0">
-                  <a:pos x="connsiteX2" y="connsiteY2"/>
-                </a:cxn>
-                <a:cxn ang="0">
-                  <a:pos x="connsiteX3" y="connsiteY3"/>
-                </a:cxn>
-              </a:cxnLst>
-              <a:rect l="l" t="t" r="r" b="b"/>
-              <a:pathLst>
-                <a:path w="1579324" h="92901">
-                  <a:moveTo>
-                    <a:pt x="1579324" y="0"/>
-                  </a:moveTo>
-                  <a:lnTo>
-                    <a:pt x="603859" y="0"/>
-                  </a:lnTo>
-                  <a:moveTo>
-                    <a:pt x="0" y="0"/>
-                  </a:moveTo>
-                  <a:lnTo>
-                    <a:pt x="209028" y="0"/>
-                  </a:lnTo>
-                </a:path>
-              </a:pathLst>
-            </a:custGeom>
-            <a:noFill/>
-            <a:ln w="139303" cap="rnd">
-              <a:solidFill>
-                <a:srgbClr val="0A0CF0">
-                  <a:alpha val="33000"/>
-                </a:srgbClr>
-              </a:solidFill>
-              <a:prstDash val="solid"/>
-              <a:miter/>
-            </a:ln>
-          </p:spPr>
-          <p:txBody>
-            <a:bodyPr rtlCol="0" anchor="ctr"/>
-            <a:lstStyle/>
-            <a:p>
-              <a:endParaRPr lang="ja-JP" altLang="en-US"/>
-            </a:p>
-          </p:txBody>
-        </p:sp>
-        <p:sp>
-          <p:nvSpPr>
-            <p:cNvPr id="38" name="フリーフォーム 37">
-              <a:extLst>
-                <a:ext uri="{FF2B5EF4-FFF2-40B4-BE49-F238E27FC236}">
-                  <a16:creationId xmlns:a16="http://schemas.microsoft.com/office/drawing/2014/main" id="{847F5611-9D39-D9DE-7D7E-B2C8005E54D0}"/>
-                </a:ext>
-              </a:extLst>
-            </p:cNvPr>
-            <p:cNvSpPr/>
-            <p:nvPr/>
-          </p:nvSpPr>
-          <p:spPr>
-            <a:xfrm>
-              <a:off x="11465201" y="698742"/>
-              <a:ext cx="1579324" cy="92901"/>
-            </a:xfrm>
-            <a:custGeom>
-              <a:avLst/>
-              <a:gdLst>
-                <a:gd name="connsiteX0" fmla="*/ 0 w 1579324"/>
-                <a:gd name="connsiteY0" fmla="*/ 0 h 92901"/>
-                <a:gd name="connsiteX1" fmla="*/ 975465 w 1579324"/>
-                <a:gd name="connsiteY1" fmla="*/ 0 h 92901"/>
-                <a:gd name="connsiteX2" fmla="*/ 1579324 w 1579324"/>
-                <a:gd name="connsiteY2" fmla="*/ 0 h 92901"/>
-                <a:gd name="connsiteX3" fmla="*/ 1370296 w 1579324"/>
-                <a:gd name="connsiteY3" fmla="*/ 0 h 92901"/>
-              </a:gdLst>
-              <a:ahLst/>
-              <a:cxnLst>
-                <a:cxn ang="0">
-                  <a:pos x="connsiteX0" y="connsiteY0"/>
-                </a:cxn>
-                <a:cxn ang="0">
-                  <a:pos x="connsiteX1" y="connsiteY1"/>
-                </a:cxn>
-                <a:cxn ang="0">
-                  <a:pos x="connsiteX2" y="connsiteY2"/>
-                </a:cxn>
-                <a:cxn ang="0">
-                  <a:pos x="connsiteX3" y="connsiteY3"/>
-                </a:cxn>
-              </a:cxnLst>
-              <a:rect l="l" t="t" r="r" b="b"/>
-              <a:pathLst>
-                <a:path w="1579324" h="92901">
-                  <a:moveTo>
-                    <a:pt x="0" y="0"/>
-                  </a:moveTo>
-                  <a:lnTo>
-                    <a:pt x="975465" y="0"/>
-                  </a:lnTo>
-                  <a:moveTo>
-                    <a:pt x="1579324" y="0"/>
-                  </a:moveTo>
-                  <a:lnTo>
-                    <a:pt x="1370296" y="0"/>
-                  </a:lnTo>
-                </a:path>
-              </a:pathLst>
-            </a:custGeom>
-            <a:noFill/>
-            <a:ln w="139303" cap="rnd">
-              <a:solidFill>
-                <a:srgbClr val="0A0CF0">
-                  <a:alpha val="33000"/>
-                </a:srgbClr>
-              </a:solidFill>
-              <a:prstDash val="solid"/>
-              <a:miter/>
-            </a:ln>
-          </p:spPr>
-          <p:txBody>
-            <a:bodyPr rtlCol="0" anchor="ctr"/>
-            <a:lstStyle/>
-            <a:p>
-              <a:endParaRPr lang="ja-JP" altLang="en-US"/>
-            </a:p>
-          </p:txBody>
-        </p:sp>
-        <p:sp>
-          <p:nvSpPr>
-            <p:cNvPr id="39" name="フリーフォーム 38">
-              <a:extLst>
-                <a:ext uri="{FF2B5EF4-FFF2-40B4-BE49-F238E27FC236}">
-                  <a16:creationId xmlns:a16="http://schemas.microsoft.com/office/drawing/2014/main" id="{7018B8BA-D05B-5C33-3822-D3FCBEBE7D74}"/>
-                </a:ext>
-              </a:extLst>
-            </p:cNvPr>
-            <p:cNvSpPr/>
-            <p:nvPr/>
-          </p:nvSpPr>
-          <p:spPr>
-            <a:xfrm>
-              <a:off x="11465201" y="1070348"/>
-              <a:ext cx="1579324" cy="92901"/>
-            </a:xfrm>
-            <a:custGeom>
-              <a:avLst/>
-              <a:gdLst>
-                <a:gd name="connsiteX0" fmla="*/ 1579324 w 1579324"/>
-                <a:gd name="connsiteY0" fmla="*/ 0 h 92901"/>
-                <a:gd name="connsiteX1" fmla="*/ 603859 w 1579324"/>
-                <a:gd name="connsiteY1" fmla="*/ 0 h 92901"/>
-                <a:gd name="connsiteX2" fmla="*/ 0 w 1579324"/>
-                <a:gd name="connsiteY2" fmla="*/ 0 h 92901"/>
-                <a:gd name="connsiteX3" fmla="*/ 209028 w 1579324"/>
-                <a:gd name="connsiteY3" fmla="*/ 0 h 92901"/>
-              </a:gdLst>
-              <a:ahLst/>
-              <a:cxnLst>
-                <a:cxn ang="0">
-                  <a:pos x="connsiteX0" y="connsiteY0"/>
-                </a:cxn>
-                <a:cxn ang="0">
-                  <a:pos x="connsiteX1" y="connsiteY1"/>
-                </a:cxn>
-                <a:cxn ang="0">
-                  <a:pos x="connsiteX2" y="connsiteY2"/>
-                </a:cxn>
-                <a:cxn ang="0">
-                  <a:pos x="connsiteX3" y="connsiteY3"/>
-                </a:cxn>
-              </a:cxnLst>
-              <a:rect l="l" t="t" r="r" b="b"/>
-              <a:pathLst>
-                <a:path w="1579324" h="92901">
-                  <a:moveTo>
-                    <a:pt x="1579324" y="0"/>
-                  </a:moveTo>
-                  <a:lnTo>
-                    <a:pt x="603859" y="0"/>
-                  </a:lnTo>
-                  <a:moveTo>
-                    <a:pt x="0" y="0"/>
-                  </a:moveTo>
-                  <a:lnTo>
-                    <a:pt x="209028" y="0"/>
-                  </a:lnTo>
-                </a:path>
-              </a:pathLst>
-            </a:custGeom>
-            <a:noFill/>
-            <a:ln w="139303" cap="rnd">
-              <a:solidFill>
-                <a:srgbClr val="0A0CF0">
-                  <a:alpha val="33000"/>
-                </a:srgbClr>
-              </a:solidFill>
-              <a:prstDash val="solid"/>
-              <a:miter/>
-            </a:ln>
-          </p:spPr>
-          <p:txBody>
-            <a:bodyPr rtlCol="0" anchor="ctr"/>
-            <a:lstStyle/>
-            <a:p>
-              <a:endParaRPr lang="ja-JP" altLang="en-US"/>
-            </a:p>
-          </p:txBody>
-        </p:sp>
-      </p:grpSp>
-      <p:sp>
-        <p:nvSpPr>
-          <p:cNvPr id="4" name="角丸四角形 3">
-            <a:extLst>
-              <a:ext uri="{FF2B5EF4-FFF2-40B4-BE49-F238E27FC236}">
-                <a16:creationId xmlns:a16="http://schemas.microsoft.com/office/drawing/2014/main" id="{0ABC980A-BAFA-097C-C482-DB7BBEBE9F5F}"/>
-              </a:ext>
-            </a:extLst>
-          </p:cNvPr>
-          <p:cNvSpPr/>
-          <p:nvPr/>
-        </p:nvSpPr>
-        <p:spPr>
-          <a:xfrm>
-            <a:off x="1113183" y="1789044"/>
-            <a:ext cx="1258954" cy="795126"/>
-          </a:xfrm>
-          <a:prstGeom prst="roundRect">
-            <a:avLst/>
-          </a:prstGeom>
-          <a:solidFill>
-            <a:srgbClr val="751CFE">
-              <a:alpha val="71000"/>
-            </a:srgbClr>
-          </a:solidFill>
-          <a:ln w="12700">
-            <a:noFill/>
-            <a:miter lim="400000"/>
-          </a:ln>
-          <a:extLst>
-            <a:ext uri="{C572A759-6A51-4108-AA02-DFA0A04FC94B}">
-              <ma14:wrappingTextBoxFlag xmlns:ma14="http://schemas.microsoft.com/office/mac/drawingml/2011/main" xmlns="" val="1"/>
-            </a:ext>
-          </a:extLst>
-        </p:spPr>
-        <p:txBody>
-          <a:bodyPr rtlCol="0" anchor="ctr"/>
-          <a:lstStyle/>
-          <a:p>
-            <a:pPr algn="ctr"/>
-            <a:r>
-              <a:rPr kumimoji="1" lang="en-US" altLang="ja-JP" sz="5400" b="1">
-                <a:solidFill>
-                  <a:schemeClr val="bg1"/>
-                </a:solidFill>
-                <a:latin typeface="Arial Black" panose="020B0604020202020204" pitchFamily="34" charset="0"/>
-                <a:cs typeface="Arial Black" panose="020B0604020202020204" pitchFamily="34" charset="0"/>
-              </a:rPr>
-              <a:t>R</a:t>
-            </a:r>
-            <a:endParaRPr kumimoji="1" lang="ja-JP" altLang="en-US" sz="5400" b="1">
-              <a:solidFill>
-                <a:schemeClr val="bg1"/>
-              </a:solidFill>
-              <a:latin typeface="Arial Black" panose="020B0604020202020204" pitchFamily="34" charset="0"/>
-              <a:cs typeface="Arial Black" panose="020B0604020202020204" pitchFamily="34" charset="0"/>
-            </a:endParaRPr>
-          </a:p>
-        </p:txBody>
-      </p:sp>
-      <p:sp>
-        <p:nvSpPr>
-          <p:cNvPr id="5" name="角丸四角形 4">
-            <a:extLst>
-              <a:ext uri="{FF2B5EF4-FFF2-40B4-BE49-F238E27FC236}">
-                <a16:creationId xmlns:a16="http://schemas.microsoft.com/office/drawing/2014/main" id="{11362BFD-4FFC-B872-0109-A216E4C78530}"/>
-              </a:ext>
-            </a:extLst>
-          </p:cNvPr>
-          <p:cNvSpPr/>
-          <p:nvPr/>
-        </p:nvSpPr>
-        <p:spPr>
-          <a:xfrm>
-            <a:off x="11816598" y="1789044"/>
-            <a:ext cx="1859647" cy="795126"/>
-          </a:xfrm>
-          <a:prstGeom prst="roundRect">
-            <a:avLst/>
-          </a:prstGeom>
-          <a:solidFill>
-            <a:schemeClr val="accent6">
-              <a:lumMod val="75000"/>
-              <a:alpha val="73036"/>
-            </a:schemeClr>
-          </a:solidFill>
-          <a:ln w="12700">
-            <a:noFill/>
-            <a:miter lim="400000"/>
-          </a:ln>
-          <a:extLst>
-            <a:ext uri="{C572A759-6A51-4108-AA02-DFA0A04FC94B}">
-              <ma14:wrappingTextBoxFlag xmlns:ma14="http://schemas.microsoft.com/office/mac/drawingml/2011/main" xmlns="" val="1"/>
             </a:ext>
           </a:extLst>
         </p:spPr>
@@ -20583,7 +20583,7 @@
           </a:ln>
           <a:extLst>
             <a:ext uri="{C572A759-6A51-4108-AA02-DFA0A04FC94B}">
-              <ma14:wrappingTextBoxFlag xmlns="" xmlns:ma14="http://schemas.microsoft.com/office/mac/drawingml/2011/main" val="1"/>
+              <ma14:wrappingTextBoxFlag xmlns:ma14="http://schemas.microsoft.com/office/mac/drawingml/2011/main" xmlns="" val="1"/>
             </a:ext>
           </a:extLst>
         </p:spPr>
@@ -20657,7 +20657,7 @@
           </a:ln>
           <a:extLst>
             <a:ext uri="{C572A759-6A51-4108-AA02-DFA0A04FC94B}">
-              <ma14:wrappingTextBoxFlag xmlns="" xmlns:ma14="http://schemas.microsoft.com/office/mac/drawingml/2011/main" val="1"/>
+              <ma14:wrappingTextBoxFlag xmlns:ma14="http://schemas.microsoft.com/office/mac/drawingml/2011/main" xmlns="" val="1"/>
             </a:ext>
           </a:extLst>
         </p:spPr>
@@ -21430,7 +21430,7 @@
           </a:ln>
           <a:extLst>
             <a:ext uri="{C572A759-6A51-4108-AA02-DFA0A04FC94B}">
-              <ma14:wrappingTextBoxFlag xmlns="" xmlns:ma14="http://schemas.microsoft.com/office/mac/drawingml/2011/main" val="1"/>
+              <ma14:wrappingTextBoxFlag xmlns:ma14="http://schemas.microsoft.com/office/mac/drawingml/2011/main" xmlns="" val="1"/>
             </a:ext>
           </a:extLst>
         </p:spPr>
@@ -21505,7 +21505,7 @@
           </a:ln>
           <a:extLst>
             <a:ext uri="{C572A759-6A51-4108-AA02-DFA0A04FC94B}">
-              <ma14:wrappingTextBoxFlag xmlns="" xmlns:ma14="http://schemas.microsoft.com/office/mac/drawingml/2011/main" val="1"/>
+              <ma14:wrappingTextBoxFlag xmlns:ma14="http://schemas.microsoft.com/office/mac/drawingml/2011/main" xmlns="" val="1"/>
             </a:ext>
           </a:extLst>
         </p:spPr>
@@ -22463,7 +22463,7 @@
           </a:ln>
           <a:extLst>
             <a:ext uri="{C572A759-6A51-4108-AA02-DFA0A04FC94B}">
-              <ma14:wrappingTextBoxFlag xmlns:ma14="http://schemas.microsoft.com/office/mac/drawingml/2011/main" xmlns="" val="1"/>
+              <ma14:wrappingTextBoxFlag xmlns="" xmlns:ma14="http://schemas.microsoft.com/office/mac/drawingml/2011/main" val="1"/>
             </a:ext>
           </a:extLst>
         </p:spPr>
@@ -22537,7 +22537,7 @@
           </a:ln>
           <a:extLst>
             <a:ext uri="{C572A759-6A51-4108-AA02-DFA0A04FC94B}">
-              <ma14:wrappingTextBoxFlag xmlns:ma14="http://schemas.microsoft.com/office/mac/drawingml/2011/main" xmlns="" val="1"/>
+              <ma14:wrappingTextBoxFlag xmlns="" xmlns:ma14="http://schemas.microsoft.com/office/mac/drawingml/2011/main" val="1"/>
             </a:ext>
           </a:extLst>
         </p:spPr>
@@ -23310,7 +23310,7 @@
           </a:ln>
           <a:extLst>
             <a:ext uri="{C572A759-6A51-4108-AA02-DFA0A04FC94B}">
-              <ma14:wrappingTextBoxFlag xmlns:ma14="http://schemas.microsoft.com/office/mac/drawingml/2011/main" xmlns="" val="1"/>
+              <ma14:wrappingTextBoxFlag xmlns="" xmlns:ma14="http://schemas.microsoft.com/office/mac/drawingml/2011/main" val="1"/>
             </a:ext>
           </a:extLst>
         </p:spPr>
@@ -23385,7 +23385,7 @@
           </a:ln>
           <a:extLst>
             <a:ext uri="{C572A759-6A51-4108-AA02-DFA0A04FC94B}">
-              <ma14:wrappingTextBoxFlag xmlns:ma14="http://schemas.microsoft.com/office/mac/drawingml/2011/main" xmlns="" val="1"/>
+              <ma14:wrappingTextBoxFlag xmlns="" xmlns:ma14="http://schemas.microsoft.com/office/mac/drawingml/2011/main" val="1"/>
             </a:ext>
           </a:extLst>
         </p:spPr>
@@ -23796,7 +23796,7 @@
         </a:ln>
         <a:extLst>
           <a:ext uri="{C572A759-6A51-4108-AA02-DFA0A04FC94B}">
-            <ma14:wrappingTextBoxFlag xmlns:ma14="http://schemas.microsoft.com/office/mac/drawingml/2011/main" xmlns="" xmlns:r="http://schemas.openxmlformats.org/officeDocument/2006/relationships" xmlns:p="http://schemas.openxmlformats.org/presentationml/2006/main" val="1"/>
+            <ma14:wrappingTextBoxFlag xmlns:p="http://schemas.openxmlformats.org/presentationml/2006/main" xmlns:r="http://schemas.openxmlformats.org/officeDocument/2006/relationships" xmlns="" xmlns:ma14="http://schemas.microsoft.com/office/mac/drawingml/2011/main" val="1"/>
           </a:ext>
         </a:extLst>
       </a:spPr>
